--- a/Presentation/TCOSD-123086.pptx
+++ b/Presentation/TCOSD-123086.pptx
@@ -3570,7 +3570,7 @@
                 <a:latin typeface="Times New Roman" panose="02020603050405020304" pitchFamily="18" charset="0"/>
                 <a:cs typeface="Times New Roman" panose="02020603050405020304" pitchFamily="18" charset="0"/>
               </a:rPr>
-              <a:t>		Target Class Oriented Subspace Detection for Effective 				    Hyperspectral Image Classification</a:t>
+              <a:t>		Target Class Oriented Subspace Detection for Effective 				                Hyperspectral Image Classification</a:t>
             </a:r>
           </a:p>
         </p:txBody>
@@ -3681,7 +3681,7 @@
                 <a:latin typeface="Times New Roman" panose="02020603050405020304" pitchFamily="18" charset="0"/>
                 <a:cs typeface="Times New Roman" panose="02020603050405020304" pitchFamily="18" charset="0"/>
               </a:rPr>
-              <a:t>		          Department </a:t>
+              <a:t>		         Department </a:t>
             </a:r>
             <a:r>
               <a:rPr lang="en-US" spc="-5" dirty="0">
@@ -3909,7 +3909,7 @@
                 <a:latin typeface="Times New Roman" panose="02020603050405020304" pitchFamily="18" charset="0"/>
                 <a:cs typeface="Times New Roman" panose="02020603050405020304" pitchFamily="18" charset="0"/>
               </a:rPr>
-              <a:t> Presented </a:t>
+              <a:t>   Presented </a:t>
             </a:r>
             <a:r>
               <a:rPr lang="en-US" b="1" spc="-11" dirty="0">
@@ -3951,7 +3951,7 @@
                 <a:latin typeface="Times New Roman" panose="02020603050405020304" pitchFamily="18" charset="0"/>
                 <a:cs typeface="Times New Roman" panose="02020603050405020304" pitchFamily="18" charset="0"/>
               </a:rPr>
-              <a:t>  </a:t>
+              <a:t>   </a:t>
             </a:r>
             <a:r>
               <a:rPr lang="en-US" spc="-5" dirty="0">
@@ -3989,8 +3989,8 @@
         </p:nvSpPr>
         <p:spPr>
           <a:xfrm>
-            <a:off x="4900246" y="5277363"/>
-            <a:ext cx="1855636" cy="369332"/>
+            <a:off x="4731430" y="5277363"/>
+            <a:ext cx="1969129" cy="369332"/>
           </a:xfrm>
           <a:prstGeom prst="rect">
             <a:avLst/>
@@ -4008,7 +4008,7 @@
                 <a:latin typeface="Times New Roman" panose="02020603050405020304" pitchFamily="18" charset="0"/>
                 <a:cs typeface="Times New Roman" panose="02020603050405020304" pitchFamily="18" charset="0"/>
               </a:rPr>
-              <a:t>December 9</a:t>
+              <a:t>December 10</a:t>
             </a:r>
             <a:r>
               <a:rPr lang="en-US" spc="-5" dirty="0">
@@ -4149,7 +4149,7 @@
         <p:spPr>
           <a:xfrm>
             <a:off x="2716700" y="3315913"/>
-            <a:ext cx="4747453" cy="461665"/>
+            <a:ext cx="4824398" cy="461665"/>
           </a:xfrm>
           <a:prstGeom prst="rect">
             <a:avLst/>
@@ -4167,7 +4167,7 @@
                 <a:latin typeface="Times New Roman" panose="02020603050405020304" pitchFamily="18" charset="0"/>
                 <a:cs typeface="Times New Roman" panose="02020603050405020304" pitchFamily="18" charset="0"/>
               </a:rPr>
-              <a:t>Principal Component Analysis(PCA)</a:t>
+              <a:t>Principal Component Analysis (PCA)</a:t>
             </a:r>
           </a:p>
         </p:txBody>
@@ -6802,7 +6802,7 @@
                 <a:latin typeface="Times New Roman" panose="02020603050405020304" pitchFamily="18" charset="0"/>
                 <a:cs typeface="Times New Roman" panose="02020603050405020304" pitchFamily="18" charset="0"/>
               </a:rPr>
-              <a:t>99.65%</a:t>
+              <a:t>99.75%</a:t>
             </a:r>
           </a:p>
           <a:p>
@@ -7477,7 +7477,7 @@
           <a:graphicData uri="http://schemas.openxmlformats.org/presentationml/2006/ole">
             <mc:AlternateContent xmlns:mc="http://schemas.openxmlformats.org/markup-compatibility/2006">
               <mc:Choice xmlns:v="urn:schemas-microsoft-com:vml" Requires="v">
-                <p:oleObj spid="_x0000_s1115" name="Equation" r:id="rId3" imgW="2247840" imgH="457200" progId="Equation.3">
+                <p:oleObj spid="_x0000_s1133" name="Equation" r:id="rId3" imgW="2247840" imgH="457200" progId="Equation.3">
                   <p:embed/>
                 </p:oleObj>
               </mc:Choice>
@@ -7534,7 +7534,7 @@
           <a:graphicData uri="http://schemas.openxmlformats.org/presentationml/2006/ole">
             <mc:AlternateContent xmlns:mc="http://schemas.openxmlformats.org/markup-compatibility/2006">
               <mc:Choice xmlns:v="urn:schemas-microsoft-com:vml" Requires="v">
-                <p:oleObj spid="_x0000_s1116" name="Equation" r:id="rId5" imgW="1917360" imgH="444240" progId="Equation.3">
+                <p:oleObj spid="_x0000_s1134" name="Equation" r:id="rId5" imgW="1917360" imgH="444240" progId="Equation.3">
                   <p:embed/>
                 </p:oleObj>
               </mc:Choice>
@@ -7591,7 +7591,7 @@
           <a:graphicData uri="http://schemas.openxmlformats.org/presentationml/2006/ole">
             <mc:AlternateContent xmlns:mc="http://schemas.openxmlformats.org/markup-compatibility/2006">
               <mc:Choice xmlns:v="urn:schemas-microsoft-com:vml" Requires="v">
-                <p:oleObj spid="_x0000_s1117" name="Equation" r:id="rId7" imgW="1879560" imgH="444240" progId="Equation.3">
+                <p:oleObj spid="_x0000_s1135" name="Equation" r:id="rId7" imgW="1879560" imgH="444240" progId="Equation.3">
                   <p:embed/>
                 </p:oleObj>
               </mc:Choice>
@@ -7648,7 +7648,7 @@
           <a:graphicData uri="http://schemas.openxmlformats.org/presentationml/2006/ole">
             <mc:AlternateContent xmlns:mc="http://schemas.openxmlformats.org/markup-compatibility/2006">
               <mc:Choice xmlns:v="urn:schemas-microsoft-com:vml" Requires="v">
-                <p:oleObj spid="_x0000_s1118" name="Equation" r:id="rId9" imgW="114120" imgH="215640" progId="Equation.3">
+                <p:oleObj spid="_x0000_s1136" name="Equation" r:id="rId9" imgW="114120" imgH="215640" progId="Equation.3">
                   <p:embed/>
                 </p:oleObj>
               </mc:Choice>
@@ -7705,7 +7705,7 @@
           <a:graphicData uri="http://schemas.openxmlformats.org/presentationml/2006/ole">
             <mc:AlternateContent xmlns:mc="http://schemas.openxmlformats.org/markup-compatibility/2006">
               <mc:Choice xmlns:v="urn:schemas-microsoft-com:vml" Requires="v">
-                <p:oleObj spid="_x0000_s1119" name="Equation" r:id="rId11" imgW="1879560" imgH="444240" progId="Equation.3">
+                <p:oleObj spid="_x0000_s1137" name="Equation" r:id="rId11" imgW="1879560" imgH="444240" progId="Equation.3">
                   <p:embed/>
                 </p:oleObj>
               </mc:Choice>
@@ -7762,7 +7762,7 @@
           <a:graphicData uri="http://schemas.openxmlformats.org/presentationml/2006/ole">
             <mc:AlternateContent xmlns:mc="http://schemas.openxmlformats.org/markup-compatibility/2006">
               <mc:Choice xmlns:v="urn:schemas-microsoft-com:vml" Requires="v">
-                <p:oleObj spid="_x0000_s1120" name="Equation" r:id="rId13" imgW="596880" imgH="190440" progId="Equation.3">
+                <p:oleObj spid="_x0000_s1138" name="Equation" r:id="rId13" imgW="596880" imgH="190440" progId="Equation.3">
                   <p:embed/>
                 </p:oleObj>
               </mc:Choice>
@@ -7819,7 +7819,7 @@
           <a:graphicData uri="http://schemas.openxmlformats.org/presentationml/2006/ole">
             <mc:AlternateContent xmlns:mc="http://schemas.openxmlformats.org/markup-compatibility/2006">
               <mc:Choice xmlns:v="urn:schemas-microsoft-com:vml" Requires="v">
-                <p:oleObj spid="_x0000_s1121" name="Equation" r:id="rId15" imgW="114120" imgH="215640" progId="Equation.3">
+                <p:oleObj spid="_x0000_s1139" name="Equation" r:id="rId15" imgW="114120" imgH="215640" progId="Equation.3">
                   <p:embed/>
                 </p:oleObj>
               </mc:Choice>
@@ -7876,7 +7876,7 @@
           <a:graphicData uri="http://schemas.openxmlformats.org/presentationml/2006/ole">
             <mc:AlternateContent xmlns:mc="http://schemas.openxmlformats.org/markup-compatibility/2006">
               <mc:Choice xmlns:v="urn:schemas-microsoft-com:vml" Requires="v">
-                <p:oleObj spid="_x0000_s1122" name="Equation" r:id="rId16" imgW="2565360" imgH="444240" progId="Equation.3">
+                <p:oleObj spid="_x0000_s1140" name="Equation" r:id="rId16" imgW="2565360" imgH="444240" progId="Equation.3">
                   <p:embed/>
                 </p:oleObj>
               </mc:Choice>
@@ -7933,7 +7933,7 @@
           <a:graphicData uri="http://schemas.openxmlformats.org/presentationml/2006/ole">
             <mc:AlternateContent xmlns:mc="http://schemas.openxmlformats.org/markup-compatibility/2006">
               <mc:Choice xmlns:v="urn:schemas-microsoft-com:vml" Requires="v">
-                <p:oleObj spid="_x0000_s1123" name="Equation" r:id="rId18" imgW="2641320" imgH="444240" progId="Equation.3">
+                <p:oleObj spid="_x0000_s1141" name="Equation" r:id="rId18" imgW="2641320" imgH="444240" progId="Equation.3">
                   <p:embed/>
                 </p:oleObj>
               </mc:Choice>
@@ -9605,13 +9605,6 @@
                         </a:rPr>
                         <a:t>Target class</a:t>
                       </a:r>
-                      <a:endParaRPr lang="en-US" b="0" dirty="0">
-                        <a:solidFill>
-                          <a:schemeClr val="tx1"/>
-                        </a:solidFill>
-                        <a:latin typeface="Times New Roman" panose="02020603050405020304" pitchFamily="18" charset="0"/>
-                        <a:cs typeface="Times New Roman" panose="02020603050405020304" pitchFamily="18" charset="0"/>
-                      </a:endParaRPr>
                     </a:p>
                   </a:txBody>
                   <a:tcPr>
@@ -9671,13 +9664,6 @@
                         </a:rPr>
                         <a:t>Order of selected features</a:t>
                       </a:r>
-                      <a:endParaRPr lang="en-US" b="0" dirty="0">
-                        <a:solidFill>
-                          <a:schemeClr val="tx1"/>
-                        </a:solidFill>
-                        <a:latin typeface="Times New Roman" panose="02020603050405020304" pitchFamily="18" charset="0"/>
-                        <a:cs typeface="Times New Roman" panose="02020603050405020304" pitchFamily="18" charset="0"/>
-                      </a:endParaRPr>
                     </a:p>
                   </a:txBody>
                   <a:tcPr>
@@ -9742,10 +9728,6 @@
                         </a:rPr>
                         <a:t>Hay-windrowed</a:t>
                       </a:r>
-                      <a:endParaRPr lang="en-US" dirty="0">
-                        <a:latin typeface="Times New Roman" panose="02020603050405020304" pitchFamily="18" charset="0"/>
-                        <a:cs typeface="Times New Roman" panose="02020603050405020304" pitchFamily="18" charset="0"/>
-                      </a:endParaRPr>
                     </a:p>
                   </a:txBody>
                   <a:tcPr>
@@ -9802,10 +9784,6 @@
                         </a:rPr>
                         <a:t>PC: 4,1,17,5,12,3,16,2</a:t>
                       </a:r>
-                      <a:endParaRPr lang="en-US" dirty="0">
-                        <a:latin typeface="Times New Roman" panose="02020603050405020304" pitchFamily="18" charset="0"/>
-                        <a:cs typeface="Times New Roman" panose="02020603050405020304" pitchFamily="18" charset="0"/>
-                      </a:endParaRPr>
                     </a:p>
                   </a:txBody>
                   <a:tcPr>
@@ -9936,10 +9914,6 @@
                         </a:rPr>
                         <a:t>PC: 1,17,16,11,20,14,13,3</a:t>
                       </a:r>
-                      <a:endParaRPr lang="en-US" dirty="0">
-                        <a:latin typeface="Times New Roman" panose="02020603050405020304" pitchFamily="18" charset="0"/>
-                        <a:cs typeface="Times New Roman" panose="02020603050405020304" pitchFamily="18" charset="0"/>
-                      </a:endParaRPr>
                     </a:p>
                   </a:txBody>
                   <a:tcPr>
@@ -10003,10 +9977,6 @@
                         </a:rPr>
                         <a:t>Woods</a:t>
                       </a:r>
-                      <a:endParaRPr lang="en-US" dirty="0">
-                        <a:latin typeface="Times New Roman" panose="02020603050405020304" pitchFamily="18" charset="0"/>
-                        <a:cs typeface="Times New Roman" panose="02020603050405020304" pitchFamily="18" charset="0"/>
-                      </a:endParaRPr>
                     </a:p>
                   </a:txBody>
                   <a:tcPr>
@@ -10063,10 +10033,6 @@
                         </a:rPr>
                         <a:t>PC: 1,16,17,3,15,11,5,20</a:t>
                       </a:r>
-                      <a:endParaRPr lang="en-US" dirty="0">
-                        <a:latin typeface="Times New Roman" panose="02020603050405020304" pitchFamily="18" charset="0"/>
-                        <a:cs typeface="Times New Roman" panose="02020603050405020304" pitchFamily="18" charset="0"/>
-                      </a:endParaRPr>
                     </a:p>
                   </a:txBody>
                   <a:tcPr>
@@ -10138,10 +10104,6 @@
                         </a:rPr>
                         <a:t>Wheat</a:t>
                       </a:r>
-                      <a:endParaRPr lang="en-US" dirty="0">
-                        <a:latin typeface="Times New Roman" panose="02020603050405020304" pitchFamily="18" charset="0"/>
-                        <a:cs typeface="Times New Roman" panose="02020603050405020304" pitchFamily="18" charset="0"/>
-                      </a:endParaRPr>
                     </a:p>
                   </a:txBody>
                   <a:tcPr>
@@ -10198,10 +10160,6 @@
                         </a:rPr>
                         <a:t>PC: 6,19,17,3,12,16,11,5</a:t>
                       </a:r>
-                      <a:endParaRPr lang="en-US" dirty="0">
-                        <a:latin typeface="Times New Roman" panose="02020603050405020304" pitchFamily="18" charset="0"/>
-                        <a:cs typeface="Times New Roman" panose="02020603050405020304" pitchFamily="18" charset="0"/>
-                      </a:endParaRPr>
                     </a:p>
                   </a:txBody>
                   <a:tcPr>
@@ -10265,10 +10223,6 @@
                         </a:rPr>
                         <a:t>Grass/trees</a:t>
                       </a:r>
-                      <a:endParaRPr lang="en-US" dirty="0">
-                        <a:latin typeface="Times New Roman" panose="02020603050405020304" pitchFamily="18" charset="0"/>
-                        <a:cs typeface="Times New Roman" panose="02020603050405020304" pitchFamily="18" charset="0"/>
-                      </a:endParaRPr>
                     </a:p>
                   </a:txBody>
                   <a:tcPr>
@@ -10333,10 +10287,6 @@
                         </a:rPr>
                         <a:t>PC: 4,9,5,6,16,17,2,1</a:t>
                       </a:r>
-                      <a:endParaRPr lang="en-US" dirty="0">
-                        <a:latin typeface="Times New Roman" panose="02020603050405020304" pitchFamily="18" charset="0"/>
-                        <a:cs typeface="Times New Roman" panose="02020603050405020304" pitchFamily="18" charset="0"/>
-                      </a:endParaRPr>
                     </a:p>
                   </a:txBody>
                   <a:tcPr>
@@ -10400,10 +10350,6 @@
                         </a:rPr>
                         <a:t>Soybean-min</a:t>
                       </a:r>
-                      <a:endParaRPr lang="en-US" dirty="0">
-                        <a:latin typeface="Times New Roman" panose="02020603050405020304" pitchFamily="18" charset="0"/>
-                        <a:cs typeface="Times New Roman" panose="02020603050405020304" pitchFamily="18" charset="0"/>
-                      </a:endParaRPr>
                     </a:p>
                   </a:txBody>
                   <a:tcPr>
@@ -10460,10 +10406,6 @@
                         </a:rPr>
                         <a:t>PC: 1,17,16,3,5,12,11,9</a:t>
                       </a:r>
-                      <a:endParaRPr lang="en-US" dirty="0">
-                        <a:latin typeface="Times New Roman" panose="02020603050405020304" pitchFamily="18" charset="0"/>
-                        <a:cs typeface="Times New Roman" panose="02020603050405020304" pitchFamily="18" charset="0"/>
-                      </a:endParaRPr>
                     </a:p>
                   </a:txBody>
                   <a:tcPr>
@@ -10527,10 +10469,6 @@
                         </a:rPr>
                         <a:t>Corn-min</a:t>
                       </a:r>
-                      <a:endParaRPr lang="en-US" dirty="0">
-                        <a:latin typeface="Times New Roman" panose="02020603050405020304" pitchFamily="18" charset="0"/>
-                        <a:cs typeface="Times New Roman" panose="02020603050405020304" pitchFamily="18" charset="0"/>
-                      </a:endParaRPr>
                     </a:p>
                   </a:txBody>
                   <a:tcPr>
@@ -10587,10 +10525,6 @@
                         </a:rPr>
                         <a:t>PC: 1,17,16,5,11,3,20,19</a:t>
                       </a:r>
-                      <a:endParaRPr lang="en-US" dirty="0">
-                        <a:latin typeface="Times New Roman" panose="02020603050405020304" pitchFamily="18" charset="0"/>
-                        <a:cs typeface="Times New Roman" panose="02020603050405020304" pitchFamily="18" charset="0"/>
-                      </a:endParaRPr>
                     </a:p>
                   </a:txBody>
                   <a:tcPr>
@@ -10654,10 +10588,6 @@
                         </a:rPr>
                         <a:t>Stone-steel </a:t>
                       </a:r>
-                      <a:endParaRPr lang="en-US" dirty="0">
-                        <a:latin typeface="Times New Roman" panose="02020603050405020304" pitchFamily="18" charset="0"/>
-                        <a:cs typeface="Times New Roman" panose="02020603050405020304" pitchFamily="18" charset="0"/>
-                      </a:endParaRPr>
                     </a:p>
                   </a:txBody>
                   <a:tcPr>
@@ -10714,10 +10644,6 @@
                         </a:rPr>
                         <a:t>PC: 3,4,1,17,16,10,5,11</a:t>
                       </a:r>
-                      <a:endParaRPr lang="en-US" dirty="0">
-                        <a:latin typeface="Times New Roman" panose="02020603050405020304" pitchFamily="18" charset="0"/>
-                        <a:cs typeface="Times New Roman" panose="02020603050405020304" pitchFamily="18" charset="0"/>
-                      </a:endParaRPr>
                     </a:p>
                   </a:txBody>
                   <a:tcPr>
@@ -10781,10 +10707,6 @@
                         </a:rPr>
                         <a:t>Alfalfa</a:t>
                       </a:r>
-                      <a:endParaRPr lang="en-US" dirty="0">
-                        <a:latin typeface="Times New Roman" panose="02020603050405020304" pitchFamily="18" charset="0"/>
-                        <a:cs typeface="Times New Roman" panose="02020603050405020304" pitchFamily="18" charset="0"/>
-                      </a:endParaRPr>
                     </a:p>
                   </a:txBody>
                   <a:tcPr>
@@ -10841,10 +10763,6 @@
                         </a:rPr>
                         <a:t>PC: 4,17,15,20,3,16,6,12</a:t>
                       </a:r>
-                      <a:endParaRPr lang="en-US" dirty="0">
-                        <a:latin typeface="Times New Roman" panose="02020603050405020304" pitchFamily="18" charset="0"/>
-                        <a:cs typeface="Times New Roman" panose="02020603050405020304" pitchFamily="18" charset="0"/>
-                      </a:endParaRPr>
                     </a:p>
                   </a:txBody>
                   <a:tcPr>
@@ -10908,10 +10826,6 @@
                         </a:rPr>
                         <a:t>Grass/Pasture</a:t>
                       </a:r>
-                      <a:endParaRPr lang="en-US" dirty="0">
-                        <a:latin typeface="Times New Roman" panose="02020603050405020304" pitchFamily="18" charset="0"/>
-                        <a:cs typeface="Times New Roman" panose="02020603050405020304" pitchFamily="18" charset="0"/>
-                      </a:endParaRPr>
                     </a:p>
                   </a:txBody>
                   <a:tcPr>
@@ -10968,10 +10882,6 @@
                         </a:rPr>
                         <a:t>PC: 9,3,17,6,16,11,1,15</a:t>
                       </a:r>
-                      <a:endParaRPr lang="en-US" dirty="0">
-                        <a:latin typeface="Times New Roman" panose="02020603050405020304" pitchFamily="18" charset="0"/>
-                        <a:cs typeface="Times New Roman" panose="02020603050405020304" pitchFamily="18" charset="0"/>
-                      </a:endParaRPr>
                     </a:p>
                   </a:txBody>
                   <a:tcPr>
@@ -11102,10 +11012,6 @@
                         </a:rPr>
                         <a:t>PC: 1,17,2,16,11,18,20,19</a:t>
                       </a:r>
-                      <a:endParaRPr lang="en-US" dirty="0">
-                        <a:latin typeface="Times New Roman" panose="02020603050405020304" pitchFamily="18" charset="0"/>
-                        <a:cs typeface="Times New Roman" panose="02020603050405020304" pitchFamily="18" charset="0"/>
-                      </a:endParaRPr>
                     </a:p>
                   </a:txBody>
                   <a:tcPr>
@@ -11169,10 +11075,6 @@
                         </a:rPr>
                         <a:t>Soybean-clean</a:t>
                       </a:r>
-                      <a:endParaRPr lang="en-US" dirty="0">
-                        <a:latin typeface="Times New Roman" panose="02020603050405020304" pitchFamily="18" charset="0"/>
-                        <a:cs typeface="Times New Roman" panose="02020603050405020304" pitchFamily="18" charset="0"/>
-                      </a:endParaRPr>
                     </a:p>
                   </a:txBody>
                   <a:tcPr>
@@ -11229,10 +11131,6 @@
                         </a:rPr>
                         <a:t>PC: 1,15,17,3,16,20,12,11</a:t>
                       </a:r>
-                      <a:endParaRPr lang="en-US" dirty="0">
-                        <a:latin typeface="Times New Roman" panose="02020603050405020304" pitchFamily="18" charset="0"/>
-                        <a:cs typeface="Times New Roman" panose="02020603050405020304" pitchFamily="18" charset="0"/>
-                      </a:endParaRPr>
                     </a:p>
                   </a:txBody>
                   <a:tcPr>
@@ -11296,10 +11194,6 @@
                         </a:rPr>
                         <a:t>Corn</a:t>
                       </a:r>
-                      <a:endParaRPr lang="en-US" dirty="0">
-                        <a:latin typeface="Times New Roman" panose="02020603050405020304" pitchFamily="18" charset="0"/>
-                        <a:cs typeface="Times New Roman" panose="02020603050405020304" pitchFamily="18" charset="0"/>
-                      </a:endParaRPr>
                     </a:p>
                   </a:txBody>
                   <a:tcPr>
@@ -11356,10 +11250,6 @@
                         </a:rPr>
                         <a:t>PC: 1,19,17,16,18,8,11,3</a:t>
                       </a:r>
-                      <a:endParaRPr lang="en-US" dirty="0">
-                        <a:latin typeface="Times New Roman" panose="02020603050405020304" pitchFamily="18" charset="0"/>
-                        <a:cs typeface="Times New Roman" panose="02020603050405020304" pitchFamily="18" charset="0"/>
-                      </a:endParaRPr>
                     </a:p>
                   </a:txBody>
                   <a:tcPr>
@@ -11430,10 +11320,6 @@
                         </a:rPr>
                         <a:t>-Grass</a:t>
                       </a:r>
-                      <a:endParaRPr lang="en-US" dirty="0">
-                        <a:latin typeface="Times New Roman" panose="02020603050405020304" pitchFamily="18" charset="0"/>
-                        <a:cs typeface="Times New Roman" panose="02020603050405020304" pitchFamily="18" charset="0"/>
-                      </a:endParaRPr>
                     </a:p>
                   </a:txBody>
                   <a:tcPr>
@@ -11490,10 +11376,6 @@
                         </a:rPr>
                         <a:t>PC: 15,16,17,3,18,11,19,4</a:t>
                       </a:r>
-                      <a:endParaRPr lang="en-US" dirty="0">
-                        <a:latin typeface="Times New Roman" panose="02020603050405020304" pitchFamily="18" charset="0"/>
-                        <a:cs typeface="Times New Roman" panose="02020603050405020304" pitchFamily="18" charset="0"/>
-                      </a:endParaRPr>
                     </a:p>
                   </a:txBody>
                   <a:tcPr>
@@ -11575,19 +11457,8 @@
                 <a:latin typeface="Times New Roman" panose="02020603050405020304" pitchFamily="18" charset="0"/>
                 <a:cs typeface="Times New Roman" panose="02020603050405020304" pitchFamily="18" charset="0"/>
               </a:rPr>
-              <a:t>Table: </a:t>
-            </a:r>
-            <a:r>
-              <a:rPr lang="en-US" sz="2000" dirty="0">
-                <a:latin typeface="Times New Roman" panose="02020603050405020304" pitchFamily="18" charset="0"/>
-                <a:cs typeface="Times New Roman" panose="02020603050405020304" pitchFamily="18" charset="0"/>
-              </a:rPr>
-              <a:t>Selected features for each target class with proposed method (TCOSD)</a:t>
-            </a:r>
-            <a:endParaRPr lang="en-US" sz="2000" dirty="0">
-              <a:latin typeface="Times New Roman" panose="02020603050405020304" pitchFamily="18" charset="0"/>
-              <a:cs typeface="Times New Roman" panose="02020603050405020304" pitchFamily="18" charset="0"/>
-            </a:endParaRPr>
+              <a:t>Table: Selected features for each target class with proposed method (TCOSD)</a:t>
+            </a:r>
           </a:p>
         </p:txBody>
       </p:sp>
@@ -12350,13 +12221,6 @@
                         </a:rPr>
                         <a:t>Class name</a:t>
                       </a:r>
-                      <a:endParaRPr lang="en-US" b="0" dirty="0">
-                        <a:solidFill>
-                          <a:schemeClr val="tx1"/>
-                        </a:solidFill>
-                        <a:latin typeface="Times New Roman" panose="02020603050405020304" pitchFamily="18" charset="0"/>
-                        <a:cs typeface="Times New Roman" panose="02020603050405020304" pitchFamily="18" charset="0"/>
-                      </a:endParaRPr>
                     </a:p>
                   </a:txBody>
                   <a:tcPr>
@@ -12541,10 +12405,6 @@
                         </a:rPr>
                         <a:t>Hay-windrowed</a:t>
                       </a:r>
-                      <a:endParaRPr lang="en-US" dirty="0">
-                        <a:latin typeface="Times New Roman" panose="02020603050405020304" pitchFamily="18" charset="0"/>
-                        <a:cs typeface="Times New Roman" panose="02020603050405020304" pitchFamily="18" charset="0"/>
-                      </a:endParaRPr>
                     </a:p>
                   </a:txBody>
                   <a:tcPr>
@@ -12602,10 +12462,6 @@
                         </a:rPr>
                         <a:t>187</a:t>
                       </a:r>
-                      <a:endParaRPr lang="en-US" dirty="0">
-                        <a:latin typeface="Times New Roman" panose="02020603050405020304" pitchFamily="18" charset="0"/>
-                        <a:cs typeface="Times New Roman" panose="02020603050405020304" pitchFamily="18" charset="0"/>
-                      </a:endParaRPr>
                     </a:p>
                   </a:txBody>
                   <a:tcPr>
@@ -12663,10 +12519,6 @@
                         </a:rPr>
                         <a:t>77</a:t>
                       </a:r>
-                      <a:endParaRPr lang="en-US" dirty="0">
-                        <a:latin typeface="Times New Roman" panose="02020603050405020304" pitchFamily="18" charset="0"/>
-                        <a:cs typeface="Times New Roman" panose="02020603050405020304" pitchFamily="18" charset="0"/>
-                      </a:endParaRPr>
                     </a:p>
                   </a:txBody>
                   <a:tcPr>
@@ -12797,10 +12649,6 @@
                         </a:rPr>
                         <a:t>128</a:t>
                       </a:r>
-                      <a:endParaRPr lang="en-US" dirty="0">
-                        <a:latin typeface="Times New Roman" panose="02020603050405020304" pitchFamily="18" charset="0"/>
-                        <a:cs typeface="Times New Roman" panose="02020603050405020304" pitchFamily="18" charset="0"/>
-                      </a:endParaRPr>
                     </a:p>
                   </a:txBody>
                   <a:tcPr>
@@ -12857,10 +12705,6 @@
                         </a:rPr>
                         <a:t>105</a:t>
                       </a:r>
-                      <a:endParaRPr lang="en-US" dirty="0">
-                        <a:latin typeface="Times New Roman" panose="02020603050405020304" pitchFamily="18" charset="0"/>
-                        <a:cs typeface="Times New Roman" panose="02020603050405020304" pitchFamily="18" charset="0"/>
-                      </a:endParaRPr>
                     </a:p>
                   </a:txBody>
                   <a:tcPr>
@@ -12924,10 +12768,6 @@
                         </a:rPr>
                         <a:t>Woods</a:t>
                       </a:r>
-                      <a:endParaRPr lang="en-US" dirty="0">
-                        <a:latin typeface="Times New Roman" panose="02020603050405020304" pitchFamily="18" charset="0"/>
-                        <a:cs typeface="Times New Roman" panose="02020603050405020304" pitchFamily="18" charset="0"/>
-                      </a:endParaRPr>
                     </a:p>
                   </a:txBody>
                   <a:tcPr>
@@ -12984,10 +12824,6 @@
                         </a:rPr>
                         <a:t>367</a:t>
                       </a:r>
-                      <a:endParaRPr lang="en-US" dirty="0">
-                        <a:latin typeface="Times New Roman" panose="02020603050405020304" pitchFamily="18" charset="0"/>
-                        <a:cs typeface="Times New Roman" panose="02020603050405020304" pitchFamily="18" charset="0"/>
-                      </a:endParaRPr>
                     </a:p>
                   </a:txBody>
                   <a:tcPr>
@@ -13044,10 +12880,6 @@
                         </a:rPr>
                         <a:t>341</a:t>
                       </a:r>
-                      <a:endParaRPr lang="en-US" dirty="0">
-                        <a:latin typeface="Times New Roman" panose="02020603050405020304" pitchFamily="18" charset="0"/>
-                        <a:cs typeface="Times New Roman" panose="02020603050405020304" pitchFamily="18" charset="0"/>
-                      </a:endParaRPr>
                     </a:p>
                   </a:txBody>
                   <a:tcPr>
@@ -13111,10 +12943,6 @@
                         </a:rPr>
                         <a:t>Wheat</a:t>
                       </a:r>
-                      <a:endParaRPr lang="en-US" dirty="0">
-                        <a:latin typeface="Times New Roman" panose="02020603050405020304" pitchFamily="18" charset="0"/>
-                        <a:cs typeface="Times New Roman" panose="02020603050405020304" pitchFamily="18" charset="0"/>
-                      </a:endParaRPr>
                     </a:p>
                   </a:txBody>
                   <a:tcPr>
@@ -13171,10 +12999,6 @@
                         </a:rPr>
                         <a:t>54</a:t>
                       </a:r>
-                      <a:endParaRPr lang="en-US" dirty="0">
-                        <a:latin typeface="Times New Roman" panose="02020603050405020304" pitchFamily="18" charset="0"/>
-                        <a:cs typeface="Times New Roman" panose="02020603050405020304" pitchFamily="18" charset="0"/>
-                      </a:endParaRPr>
                     </a:p>
                   </a:txBody>
                   <a:tcPr>
@@ -13231,10 +13055,6 @@
                         </a:rPr>
                         <a:t>78</a:t>
                       </a:r>
-                      <a:endParaRPr lang="en-US" dirty="0">
-                        <a:latin typeface="Times New Roman" panose="02020603050405020304" pitchFamily="18" charset="0"/>
-                        <a:cs typeface="Times New Roman" panose="02020603050405020304" pitchFamily="18" charset="0"/>
-                      </a:endParaRPr>
                     </a:p>
                   </a:txBody>
                   <a:tcPr>
@@ -13298,10 +13118,6 @@
                         </a:rPr>
                         <a:t>Grass/trees</a:t>
                       </a:r>
-                      <a:endParaRPr lang="en-US" dirty="0">
-                        <a:latin typeface="Times New Roman" panose="02020603050405020304" pitchFamily="18" charset="0"/>
-                        <a:cs typeface="Times New Roman" panose="02020603050405020304" pitchFamily="18" charset="0"/>
-                      </a:endParaRPr>
                     </a:p>
                   </a:txBody>
                   <a:tcPr>
@@ -13366,10 +13182,6 @@
                         </a:rPr>
                         <a:t>249</a:t>
                       </a:r>
-                      <a:endParaRPr lang="en-US" dirty="0">
-                        <a:latin typeface="Times New Roman" panose="02020603050405020304" pitchFamily="18" charset="0"/>
-                        <a:cs typeface="Times New Roman" panose="02020603050405020304" pitchFamily="18" charset="0"/>
-                      </a:endParaRPr>
                     </a:p>
                   </a:txBody>
                   <a:tcPr>
@@ -13434,10 +13246,6 @@
                         </a:rPr>
                         <a:t>115</a:t>
                       </a:r>
-                      <a:endParaRPr lang="en-US" dirty="0">
-                        <a:latin typeface="Times New Roman" panose="02020603050405020304" pitchFamily="18" charset="0"/>
-                        <a:cs typeface="Times New Roman" panose="02020603050405020304" pitchFamily="18" charset="0"/>
-                      </a:endParaRPr>
                     </a:p>
                   </a:txBody>
                   <a:tcPr>
@@ -13509,10 +13317,6 @@
                         </a:rPr>
                         <a:t>Soybean-min</a:t>
                       </a:r>
-                      <a:endParaRPr lang="en-US" dirty="0">
-                        <a:latin typeface="Times New Roman" panose="02020603050405020304" pitchFamily="18" charset="0"/>
-                        <a:cs typeface="Times New Roman" panose="02020603050405020304" pitchFamily="18" charset="0"/>
-                      </a:endParaRPr>
                     </a:p>
                   </a:txBody>
                   <a:tcPr>
@@ -13569,10 +13373,6 @@
                         </a:rPr>
                         <a:t>253</a:t>
                       </a:r>
-                      <a:endParaRPr lang="en-US" dirty="0">
-                        <a:latin typeface="Times New Roman" panose="02020603050405020304" pitchFamily="18" charset="0"/>
-                        <a:cs typeface="Times New Roman" panose="02020603050405020304" pitchFamily="18" charset="0"/>
-                      </a:endParaRPr>
                     </a:p>
                   </a:txBody>
                   <a:tcPr>
@@ -13629,10 +13429,6 @@
                         </a:rPr>
                         <a:t>115</a:t>
                       </a:r>
-                      <a:endParaRPr lang="en-US" dirty="0">
-                        <a:latin typeface="Times New Roman" panose="02020603050405020304" pitchFamily="18" charset="0"/>
-                        <a:cs typeface="Times New Roman" panose="02020603050405020304" pitchFamily="18" charset="0"/>
-                      </a:endParaRPr>
                     </a:p>
                   </a:txBody>
                   <a:tcPr>
@@ -13696,10 +13492,6 @@
                         </a:rPr>
                         <a:t>Corn-min</a:t>
                       </a:r>
-                      <a:endParaRPr lang="en-US" dirty="0">
-                        <a:latin typeface="Times New Roman" panose="02020603050405020304" pitchFamily="18" charset="0"/>
-                        <a:cs typeface="Times New Roman" panose="02020603050405020304" pitchFamily="18" charset="0"/>
-                      </a:endParaRPr>
                     </a:p>
                   </a:txBody>
                   <a:tcPr>
@@ -13756,10 +13548,6 @@
                         </a:rPr>
                         <a:t>253</a:t>
                       </a:r>
-                      <a:endParaRPr lang="en-US" dirty="0">
-                        <a:latin typeface="Times New Roman" panose="02020603050405020304" pitchFamily="18" charset="0"/>
-                        <a:cs typeface="Times New Roman" panose="02020603050405020304" pitchFamily="18" charset="0"/>
-                      </a:endParaRPr>
                     </a:p>
                   </a:txBody>
                   <a:tcPr>
@@ -13816,10 +13604,6 @@
                         </a:rPr>
                         <a:t>115</a:t>
                       </a:r>
-                      <a:endParaRPr lang="en-US" dirty="0">
-                        <a:latin typeface="Times New Roman" panose="02020603050405020304" pitchFamily="18" charset="0"/>
-                        <a:cs typeface="Times New Roman" panose="02020603050405020304" pitchFamily="18" charset="0"/>
-                      </a:endParaRPr>
                     </a:p>
                   </a:txBody>
                   <a:tcPr>
@@ -13883,10 +13667,6 @@
                         </a:rPr>
                         <a:t>Stone-steel </a:t>
                       </a:r>
-                      <a:endParaRPr lang="en-US" dirty="0">
-                        <a:latin typeface="Times New Roman" panose="02020603050405020304" pitchFamily="18" charset="0"/>
-                        <a:cs typeface="Times New Roman" panose="02020603050405020304" pitchFamily="18" charset="0"/>
-                      </a:endParaRPr>
                     </a:p>
                   </a:txBody>
                   <a:tcPr>
@@ -13943,10 +13723,6 @@
                         </a:rPr>
                         <a:t>36</a:t>
                       </a:r>
-                      <a:endParaRPr lang="en-US" dirty="0">
-                        <a:latin typeface="Times New Roman" panose="02020603050405020304" pitchFamily="18" charset="0"/>
-                        <a:cs typeface="Times New Roman" panose="02020603050405020304" pitchFamily="18" charset="0"/>
-                      </a:endParaRPr>
                     </a:p>
                   </a:txBody>
                   <a:tcPr>
@@ -14003,10 +13779,6 @@
                         </a:rPr>
                         <a:t>30</a:t>
                       </a:r>
-                      <a:endParaRPr lang="en-US" dirty="0">
-                        <a:latin typeface="Times New Roman" panose="02020603050405020304" pitchFamily="18" charset="0"/>
-                        <a:cs typeface="Times New Roman" panose="02020603050405020304" pitchFamily="18" charset="0"/>
-                      </a:endParaRPr>
                     </a:p>
                   </a:txBody>
                   <a:tcPr>
@@ -14070,10 +13842,6 @@
                         </a:rPr>
                         <a:t>Alfalfa</a:t>
                       </a:r>
-                      <a:endParaRPr lang="en-US" dirty="0">
-                        <a:latin typeface="Times New Roman" panose="02020603050405020304" pitchFamily="18" charset="0"/>
-                        <a:cs typeface="Times New Roman" panose="02020603050405020304" pitchFamily="18" charset="0"/>
-                      </a:endParaRPr>
                     </a:p>
                   </a:txBody>
                   <a:tcPr>
@@ -14130,10 +13898,6 @@
                         </a:rPr>
                         <a:t>24</a:t>
                       </a:r>
-                      <a:endParaRPr lang="en-US" dirty="0">
-                        <a:latin typeface="Times New Roman" panose="02020603050405020304" pitchFamily="18" charset="0"/>
-                        <a:cs typeface="Times New Roman" panose="02020603050405020304" pitchFamily="18" charset="0"/>
-                      </a:endParaRPr>
                     </a:p>
                   </a:txBody>
                   <a:tcPr>
@@ -14190,10 +13954,6 @@
                         </a:rPr>
                         <a:t>24</a:t>
                       </a:r>
-                      <a:endParaRPr lang="en-US" dirty="0">
-                        <a:latin typeface="Times New Roman" panose="02020603050405020304" pitchFamily="18" charset="0"/>
-                        <a:cs typeface="Times New Roman" panose="02020603050405020304" pitchFamily="18" charset="0"/>
-                      </a:endParaRPr>
                     </a:p>
                   </a:txBody>
                   <a:tcPr>
@@ -14257,10 +14017,6 @@
                         </a:rPr>
                         <a:t>Grass/Pasture</a:t>
                       </a:r>
-                      <a:endParaRPr lang="en-US" dirty="0">
-                        <a:latin typeface="Times New Roman" panose="02020603050405020304" pitchFamily="18" charset="0"/>
-                        <a:cs typeface="Times New Roman" panose="02020603050405020304" pitchFamily="18" charset="0"/>
-                      </a:endParaRPr>
                     </a:p>
                   </a:txBody>
                   <a:tcPr>
@@ -14317,10 +14073,6 @@
                         </a:rPr>
                         <a:t>156</a:t>
                       </a:r>
-                      <a:endParaRPr lang="en-US" dirty="0">
-                        <a:latin typeface="Times New Roman" panose="02020603050405020304" pitchFamily="18" charset="0"/>
-                        <a:cs typeface="Times New Roman" panose="02020603050405020304" pitchFamily="18" charset="0"/>
-                      </a:endParaRPr>
                     </a:p>
                   </a:txBody>
                   <a:tcPr>
@@ -14377,10 +14129,6 @@
                         </a:rPr>
                         <a:t>92</a:t>
                       </a:r>
-                      <a:endParaRPr lang="en-US" dirty="0">
-                        <a:latin typeface="Times New Roman" panose="02020603050405020304" pitchFamily="18" charset="0"/>
-                        <a:cs typeface="Times New Roman" panose="02020603050405020304" pitchFamily="18" charset="0"/>
-                      </a:endParaRPr>
                     </a:p>
                   </a:txBody>
                   <a:tcPr>
@@ -14511,10 +14259,6 @@
                         </a:rPr>
                         <a:t>172</a:t>
                       </a:r>
-                      <a:endParaRPr lang="en-US" dirty="0">
-                        <a:latin typeface="Times New Roman" panose="02020603050405020304" pitchFamily="18" charset="0"/>
-                        <a:cs typeface="Times New Roman" panose="02020603050405020304" pitchFamily="18" charset="0"/>
-                      </a:endParaRPr>
                     </a:p>
                   </a:txBody>
                   <a:tcPr>
@@ -14571,10 +14315,6 @@
                         </a:rPr>
                         <a:t>60</a:t>
                       </a:r>
-                      <a:endParaRPr lang="en-US" dirty="0">
-                        <a:latin typeface="Times New Roman" panose="02020603050405020304" pitchFamily="18" charset="0"/>
-                        <a:cs typeface="Times New Roman" panose="02020603050405020304" pitchFamily="18" charset="0"/>
-                      </a:endParaRPr>
                     </a:p>
                   </a:txBody>
                   <a:tcPr>
@@ -14638,10 +14378,6 @@
                         </a:rPr>
                         <a:t>Soybean-clean</a:t>
                       </a:r>
-                      <a:endParaRPr lang="en-US" dirty="0">
-                        <a:latin typeface="Times New Roman" panose="02020603050405020304" pitchFamily="18" charset="0"/>
-                        <a:cs typeface="Times New Roman" panose="02020603050405020304" pitchFamily="18" charset="0"/>
-                      </a:endParaRPr>
                     </a:p>
                   </a:txBody>
                   <a:tcPr>
@@ -14698,10 +14434,6 @@
                         </a:rPr>
                         <a:t>96</a:t>
                       </a:r>
-                      <a:endParaRPr lang="en-US" dirty="0">
-                        <a:latin typeface="Times New Roman" panose="02020603050405020304" pitchFamily="18" charset="0"/>
-                        <a:cs typeface="Times New Roman" panose="02020603050405020304" pitchFamily="18" charset="0"/>
-                      </a:endParaRPr>
                     </a:p>
                   </a:txBody>
                   <a:tcPr>
@@ -14758,10 +14490,6 @@
                         </a:rPr>
                         <a:t>78</a:t>
                       </a:r>
-                      <a:endParaRPr lang="en-US" dirty="0">
-                        <a:latin typeface="Times New Roman" panose="02020603050405020304" pitchFamily="18" charset="0"/>
-                        <a:cs typeface="Times New Roman" panose="02020603050405020304" pitchFamily="18" charset="0"/>
-                      </a:endParaRPr>
                     </a:p>
                   </a:txBody>
                   <a:tcPr>
@@ -14825,10 +14553,6 @@
                         </a:rPr>
                         <a:t>Corn</a:t>
                       </a:r>
-                      <a:endParaRPr lang="en-US" dirty="0">
-                        <a:latin typeface="Times New Roman" panose="02020603050405020304" pitchFamily="18" charset="0"/>
-                        <a:cs typeface="Times New Roman" panose="02020603050405020304" pitchFamily="18" charset="0"/>
-                      </a:endParaRPr>
                     </a:p>
                   </a:txBody>
                   <a:tcPr>
@@ -14885,10 +14609,6 @@
                         </a:rPr>
                         <a:t>30</a:t>
                       </a:r>
-                      <a:endParaRPr lang="en-US" dirty="0">
-                        <a:latin typeface="Times New Roman" panose="02020603050405020304" pitchFamily="18" charset="0"/>
-                        <a:cs typeface="Times New Roman" panose="02020603050405020304" pitchFamily="18" charset="0"/>
-                      </a:endParaRPr>
                     </a:p>
                   </a:txBody>
                   <a:tcPr>
@@ -14945,10 +14665,6 @@
                         </a:rPr>
                         <a:t>15</a:t>
                       </a:r>
-                      <a:endParaRPr lang="en-US" dirty="0">
-                        <a:latin typeface="Times New Roman" panose="02020603050405020304" pitchFamily="18" charset="0"/>
-                        <a:cs typeface="Times New Roman" panose="02020603050405020304" pitchFamily="18" charset="0"/>
-                      </a:endParaRPr>
                     </a:p>
                   </a:txBody>
                   <a:tcPr>
@@ -15019,10 +14735,6 @@
                         </a:rPr>
                         <a:t>-Grass</a:t>
                       </a:r>
-                      <a:endParaRPr lang="en-US" dirty="0">
-                        <a:latin typeface="Times New Roman" panose="02020603050405020304" pitchFamily="18" charset="0"/>
-                        <a:cs typeface="Times New Roman" panose="02020603050405020304" pitchFamily="18" charset="0"/>
-                      </a:endParaRPr>
                     </a:p>
                   </a:txBody>
                   <a:tcPr>
@@ -15079,10 +14791,6 @@
                         </a:rPr>
                         <a:t>40</a:t>
                       </a:r>
-                      <a:endParaRPr lang="en-US" dirty="0">
-                        <a:latin typeface="Times New Roman" panose="02020603050405020304" pitchFamily="18" charset="0"/>
-                        <a:cs typeface="Times New Roman" panose="02020603050405020304" pitchFamily="18" charset="0"/>
-                      </a:endParaRPr>
                     </a:p>
                   </a:txBody>
                   <a:tcPr>
@@ -15139,10 +14847,6 @@
                         </a:rPr>
                         <a:t>12</a:t>
                       </a:r>
-                      <a:endParaRPr lang="en-US" dirty="0">
-                        <a:latin typeface="Times New Roman" panose="02020603050405020304" pitchFamily="18" charset="0"/>
-                        <a:cs typeface="Times New Roman" panose="02020603050405020304" pitchFamily="18" charset="0"/>
-                      </a:endParaRPr>
                     </a:p>
                   </a:txBody>
                   <a:tcPr>
@@ -15516,7 +15220,7 @@
         </p:nvSpPr>
         <p:spPr>
           <a:xfrm>
-            <a:off x="6822837" y="5741981"/>
+            <a:off x="6203862" y="5741981"/>
             <a:ext cx="5528602" cy="707886"/>
           </a:xfrm>
           <a:prstGeom prst="rect">
@@ -15820,10 +15524,6 @@
                         </a:rPr>
                         <a:t>72.26%</a:t>
                       </a:r>
-                      <a:endParaRPr lang="en-US" sz="2000" dirty="0">
-                        <a:latin typeface="Times New Roman" panose="02020603050405020304" pitchFamily="18" charset="0"/>
-                        <a:cs typeface="Times New Roman" panose="02020603050405020304" pitchFamily="18" charset="0"/>
-                      </a:endParaRPr>
                     </a:p>
                   </a:txBody>
                   <a:tcPr>
@@ -15952,14 +15652,7 @@
                           <a:latin typeface="Times New Roman" panose="02020603050405020304" pitchFamily="18" charset="0"/>
                           <a:cs typeface="Times New Roman" panose="02020603050405020304" pitchFamily="18" charset="0"/>
                         </a:rPr>
-                        <a:t>89.90</a:t>
-                      </a:r>
-                      <a:r>
-                        <a:rPr lang="en-US" sz="2000" dirty="0">
-                          <a:latin typeface="Times New Roman" panose="02020603050405020304" pitchFamily="18" charset="0"/>
-                          <a:cs typeface="Times New Roman" panose="02020603050405020304" pitchFamily="18" charset="0"/>
-                        </a:rPr>
-                        <a:t>%</a:t>
+                        <a:t>89.90%</a:t>
                       </a:r>
                     </a:p>
                   </a:txBody>
@@ -16106,14 +15799,7 @@
                           <a:latin typeface="Times New Roman" panose="02020603050405020304" pitchFamily="18" charset="0"/>
                           <a:cs typeface="Times New Roman" panose="02020603050405020304" pitchFamily="18" charset="0"/>
                         </a:rPr>
-                        <a:t>93.12</a:t>
-                      </a:r>
-                      <a:r>
-                        <a:rPr lang="en-US" sz="2000" dirty="0">
-                          <a:latin typeface="Times New Roman" panose="02020603050405020304" pitchFamily="18" charset="0"/>
-                          <a:cs typeface="Times New Roman" panose="02020603050405020304" pitchFamily="18" charset="0"/>
-                        </a:rPr>
-                        <a:t>%</a:t>
+                        <a:t>93.12%</a:t>
                       </a:r>
                     </a:p>
                   </a:txBody>
@@ -16262,10 +15948,6 @@
                         </a:rPr>
                         <a:t>96.57%</a:t>
                       </a:r>
-                      <a:endParaRPr lang="en-US" sz="2000" dirty="0">
-                        <a:latin typeface="Times New Roman" panose="02020603050405020304" pitchFamily="18" charset="0"/>
-                        <a:cs typeface="Times New Roman" panose="02020603050405020304" pitchFamily="18" charset="0"/>
-                      </a:endParaRPr>
                     </a:p>
                   </a:txBody>
                   <a:tcPr>
@@ -16326,7 +16008,7 @@
           <p:nvPr>
             <p:extLst>
               <p:ext uri="{D42A27DB-BD31-4B8C-83A1-F6EECF244321}">
-                <p14:modId xmlns:p14="http://schemas.microsoft.com/office/powerpoint/2010/main" val="1297923973"/>
+                <p14:modId xmlns:p14="http://schemas.microsoft.com/office/powerpoint/2010/main" val="3967066933"/>
               </p:ext>
             </p:extLst>
           </p:nvPr>
@@ -16651,7 +16333,7 @@
                           <a:latin typeface="Times New Roman" panose="02020603050405020304" pitchFamily="18" charset="0"/>
                           <a:cs typeface="Times New Roman" panose="02020603050405020304" pitchFamily="18" charset="0"/>
                         </a:rPr>
-                        <a:t>2.85</a:t>
+                        <a:t>2.44</a:t>
                       </a:r>
                     </a:p>
                   </a:txBody>
@@ -16766,10 +16448,6 @@
                         </a:rPr>
                         <a:t>19</a:t>
                       </a:r>
-                      <a:endParaRPr lang="en-US" sz="2000" dirty="0">
-                        <a:latin typeface="Times New Roman" panose="02020603050405020304" pitchFamily="18" charset="0"/>
-                        <a:cs typeface="Times New Roman" panose="02020603050405020304" pitchFamily="18" charset="0"/>
-                      </a:endParaRPr>
                     </a:p>
                   </a:txBody>
                   <a:tcPr>
@@ -16823,10 +16501,6 @@
                         </a:rPr>
                         <a:t>2.40 </a:t>
                       </a:r>
-                      <a:endParaRPr lang="en-US" sz="2000" dirty="0">
-                        <a:latin typeface="Times New Roman" panose="02020603050405020304" pitchFamily="18" charset="0"/>
-                        <a:cs typeface="Times New Roman" panose="02020603050405020304" pitchFamily="18" charset="0"/>
-                      </a:endParaRPr>
                     </a:p>
                   </a:txBody>
                   <a:tcPr>
@@ -16940,10 +16614,6 @@
                         </a:rPr>
                         <a:t>16</a:t>
                       </a:r>
-                      <a:endParaRPr lang="en-US" sz="2000" dirty="0">
-                        <a:latin typeface="Times New Roman" panose="02020603050405020304" pitchFamily="18" charset="0"/>
-                        <a:cs typeface="Times New Roman" panose="02020603050405020304" pitchFamily="18" charset="0"/>
-                      </a:endParaRPr>
                     </a:p>
                   </a:txBody>
                   <a:tcPr>
@@ -16997,10 +16667,6 @@
                         </a:rPr>
                         <a:t>0.7</a:t>
                       </a:r>
-                      <a:endParaRPr lang="en-US" sz="2000" dirty="0">
-                        <a:latin typeface="Times New Roman" panose="02020603050405020304" pitchFamily="18" charset="0"/>
-                        <a:cs typeface="Times New Roman" panose="02020603050405020304" pitchFamily="18" charset="0"/>
-                      </a:endParaRPr>
                     </a:p>
                   </a:txBody>
                   <a:tcPr>
@@ -17114,10 +16780,6 @@
                         </a:rPr>
                         <a:t>5</a:t>
                       </a:r>
-                      <a:endParaRPr lang="en-US" sz="2000" dirty="0">
-                        <a:latin typeface="Times New Roman" panose="02020603050405020304" pitchFamily="18" charset="0"/>
-                        <a:cs typeface="Times New Roman" panose="02020603050405020304" pitchFamily="18" charset="0"/>
-                      </a:endParaRPr>
                     </a:p>
                   </a:txBody>
                   <a:tcPr>
@@ -17171,10 +16833,6 @@
                         </a:rPr>
                         <a:t>0.75</a:t>
                       </a:r>
-                      <a:endParaRPr lang="en-US" sz="2000" dirty="0">
-                        <a:latin typeface="Times New Roman" panose="02020603050405020304" pitchFamily="18" charset="0"/>
-                        <a:cs typeface="Times New Roman" panose="02020603050405020304" pitchFamily="18" charset="0"/>
-                      </a:endParaRPr>
                     </a:p>
                   </a:txBody>
                   <a:tcPr>
@@ -17307,7 +16965,7 @@
           <a:graphicData uri="http://schemas.openxmlformats.org/presentationml/2006/ole">
             <mc:AlternateContent xmlns:mc="http://schemas.openxmlformats.org/markup-compatibility/2006">
               <mc:Choice xmlns:v="urn:schemas-microsoft-com:vml" Requires="v">
-                <p:oleObj spid="_x0000_s2057" name="Equation" r:id="rId4" imgW="114120" imgH="164880" progId="Equation.3">
+                <p:oleObj spid="_x0000_s2063" name="Equation" r:id="rId4" imgW="114120" imgH="164880" progId="Equation.3">
                   <p:embed/>
                 </p:oleObj>
               </mc:Choice>
@@ -17364,7 +17022,7 @@
           <a:graphicData uri="http://schemas.openxmlformats.org/presentationml/2006/ole">
             <mc:AlternateContent xmlns:mc="http://schemas.openxmlformats.org/markup-compatibility/2006">
               <mc:Choice xmlns:v="urn:schemas-microsoft-com:vml" Requires="v">
-                <p:oleObj spid="_x0000_s2058" name="Equation" r:id="rId6" imgW="114120" imgH="164880" progId="Equation.3">
+                <p:oleObj spid="_x0000_s2064" name="Equation" r:id="rId6" imgW="114120" imgH="164880" progId="Equation.3">
                   <p:embed/>
                 </p:oleObj>
               </mc:Choice>
@@ -17792,7 +17450,7 @@
                 <a:latin typeface="Times New Roman" panose="02020603050405020304" pitchFamily="18" charset="0"/>
                 <a:cs typeface="Times New Roman" panose="02020603050405020304" pitchFamily="18" charset="0"/>
               </a:rPr>
-              <a:t>MUltiSpec</a:t>
+              <a:t>MultiSpec</a:t>
             </a:r>
             <a:endParaRPr lang="en-US" sz="2000" dirty="0">
               <a:latin typeface="Times New Roman" panose="02020603050405020304" pitchFamily="18" charset="0"/>
@@ -18545,7 +18203,7 @@
         <p:spPr>
           <a:xfrm>
             <a:off x="379484" y="576775"/>
-            <a:ext cx="11662462" cy="2926955"/>
+            <a:ext cx="11662462" cy="3253198"/>
           </a:xfrm>
           <a:prstGeom prst="rect">
             <a:avLst/>
@@ -18571,7 +18229,7 @@
                 <a:latin typeface="Times New Roman" panose="02020603050405020304" pitchFamily="18" charset="0"/>
                 <a:cs typeface="Times New Roman" panose="02020603050405020304" pitchFamily="18" charset="0"/>
               </a:rPr>
-              <a:t>[6]</a:t>
+              <a:t>[6] </a:t>
             </a:r>
             <a:r>
               <a:rPr lang="en-US" sz="2000" dirty="0">
@@ -18634,7 +18292,7 @@
                 <a:latin typeface="Times New Roman" panose="02020603050405020304" pitchFamily="18" charset="0"/>
                 <a:cs typeface="Times New Roman" panose="02020603050405020304" pitchFamily="18" charset="0"/>
               </a:rPr>
-              <a:t>[7]</a:t>
+              <a:t>[7] </a:t>
             </a:r>
             <a:r>
               <a:rPr lang="en-US" sz="2000" dirty="0">
@@ -18693,10 +18351,42 @@
             </a:endParaRPr>
           </a:p>
           <a:p>
-            <a:endParaRPr lang="en-US" sz="2000" dirty="0">
-              <a:latin typeface="Times New Roman" panose="02020603050405020304" pitchFamily="18" charset="0"/>
-              <a:cs typeface="Times New Roman" panose="02020603050405020304" pitchFamily="18" charset="0"/>
-            </a:endParaRPr>
+            <a:pPr marL="235585" marR="323850" indent="-223520">
+              <a:lnSpc>
+                <a:spcPct val="102600"/>
+              </a:lnSpc>
+            </a:pPr>
+            <a:r>
+              <a:rPr lang="en-US" sz="2000" dirty="0">
+                <a:solidFill>
+                  <a:schemeClr val="accent5"/>
+                </a:solidFill>
+                <a:latin typeface="Times New Roman" panose="02020603050405020304" pitchFamily="18" charset="0"/>
+                <a:cs typeface="Times New Roman" panose="02020603050405020304" pitchFamily="18" charset="0"/>
+              </a:rPr>
+              <a:t>[8] </a:t>
+            </a:r>
+            <a:r>
+              <a:rPr lang="en-US" sz="2000" dirty="0">
+                <a:latin typeface="Times New Roman" panose="02020603050405020304" pitchFamily="18" charset="0"/>
+                <a:cs typeface="Times New Roman" panose="02020603050405020304" pitchFamily="18" charset="0"/>
+              </a:rPr>
+              <a:t>C. Chang and C. Lin, “LIBSVM: A library for support vector machines,” ACM Trans. </a:t>
+            </a:r>
+            <a:r>
+              <a:rPr lang="en-US" sz="2000" dirty="0" err="1">
+                <a:latin typeface="Times New Roman" panose="02020603050405020304" pitchFamily="18" charset="0"/>
+                <a:cs typeface="Times New Roman" panose="02020603050405020304" pitchFamily="18" charset="0"/>
+              </a:rPr>
+              <a:t>Intell</a:t>
+            </a:r>
+            <a:r>
+              <a:rPr lang="en-US" sz="2000" dirty="0">
+                <a:latin typeface="Times New Roman" panose="02020603050405020304" pitchFamily="18" charset="0"/>
+                <a:cs typeface="Times New Roman" panose="02020603050405020304" pitchFamily="18" charset="0"/>
+              </a:rPr>
+              <a:t>. Syst. Technol., vol. 2, no. 3, pp. 27:1–27:27, Apr. 2011.</a:t>
+            </a:r>
           </a:p>
         </p:txBody>
       </p:sp>

--- a/Presentation/TCOSD-123086.pptx
+++ b/Presentation/TCOSD-123086.pptx
@@ -5,10 +5,10 @@
     <p:sldMasterId id="2147483648" r:id="rId1"/>
   </p:sldMasterIdLst>
   <p:notesMasterIdLst>
-    <p:notesMasterId r:id="rId28"/>
+    <p:notesMasterId r:id="rId29"/>
   </p:notesMasterIdLst>
   <p:handoutMasterIdLst>
-    <p:handoutMasterId r:id="rId29"/>
+    <p:handoutMasterId r:id="rId30"/>
   </p:handoutMasterIdLst>
   <p:sldIdLst>
     <p:sldId id="256" r:id="rId2"/>
@@ -32,11 +32,12 @@
     <p:sldId id="284" r:id="rId20"/>
     <p:sldId id="273" r:id="rId21"/>
     <p:sldId id="269" r:id="rId22"/>
-    <p:sldId id="268" r:id="rId23"/>
-    <p:sldId id="278" r:id="rId24"/>
-    <p:sldId id="267" r:id="rId25"/>
-    <p:sldId id="281" r:id="rId26"/>
-    <p:sldId id="262" r:id="rId27"/>
+    <p:sldId id="285" r:id="rId23"/>
+    <p:sldId id="268" r:id="rId24"/>
+    <p:sldId id="278" r:id="rId25"/>
+    <p:sldId id="267" r:id="rId26"/>
+    <p:sldId id="281" r:id="rId27"/>
+    <p:sldId id="262" r:id="rId28"/>
   </p:sldIdLst>
   <p:sldSz cx="12192000" cy="6858000"/>
   <p:notesSz cx="6858000" cy="9144000"/>
@@ -237,7 +238,7 @@
             <a:fld id="{980AAE7B-FA3C-426B-AEFD-C10E9B3EE451}" type="datetimeFigureOut">
               <a:rPr lang="en-US" smtClean="0"/>
               <a:pPr/>
-              <a:t>06-Dec-17</a:t>
+              <a:t>07-Dec-17</a:t>
             </a:fld>
             <a:endParaRPr lang="en-US"/>
           </a:p>
@@ -404,7 +405,7 @@
             <a:fld id="{C1364948-7428-47B6-8620-371DB3E4515D}" type="datetimeFigureOut">
               <a:rPr lang="en-US" smtClean="0"/>
               <a:pPr/>
-              <a:t>06-Dec-17</a:t>
+              <a:t>07-Dec-17</a:t>
             </a:fld>
             <a:endParaRPr lang="en-US"/>
           </a:p>
@@ -802,7 +803,7 @@
             <a:fld id="{7A0B76B4-9A04-4BF4-BE74-887534C26682}" type="datetime1">
               <a:rPr lang="en-US" smtClean="0"/>
               <a:pPr/>
-              <a:t>06-Dec-17</a:t>
+              <a:t>07-Dec-17</a:t>
             </a:fld>
             <a:endParaRPr lang="en-US"/>
           </a:p>
@@ -861,6 +862,14 @@
   <p:clrMapOvr>
     <a:masterClrMapping/>
   </p:clrMapOvr>
+  <mc:AlternateContent xmlns:mc="http://schemas.openxmlformats.org/markup-compatibility/2006">
+    <mc:Choice xmlns:p14="http://schemas.microsoft.com/office/powerpoint/2010/main" Requires="p14">
+      <p:transition p14:dur="10"/>
+    </mc:Choice>
+    <mc:Fallback>
+      <p:transition/>
+    </mc:Fallback>
+  </mc:AlternateContent>
 </p:sldLayout>
 </file>
 
@@ -972,7 +981,7 @@
             <a:fld id="{5D79E293-4725-499C-8CCB-70609EC552FD}" type="datetime1">
               <a:rPr lang="en-US" smtClean="0"/>
               <a:pPr/>
-              <a:t>06-Dec-17</a:t>
+              <a:t>07-Dec-17</a:t>
             </a:fld>
             <a:endParaRPr lang="en-US"/>
           </a:p>
@@ -1031,6 +1040,14 @@
   <p:clrMapOvr>
     <a:masterClrMapping/>
   </p:clrMapOvr>
+  <mc:AlternateContent xmlns:mc="http://schemas.openxmlformats.org/markup-compatibility/2006">
+    <mc:Choice xmlns:p14="http://schemas.microsoft.com/office/powerpoint/2010/main" Requires="p14">
+      <p:transition p14:dur="10"/>
+    </mc:Choice>
+    <mc:Fallback>
+      <p:transition/>
+    </mc:Fallback>
+  </mc:AlternateContent>
 </p:sldLayout>
 </file>
 
@@ -1152,7 +1169,7 @@
             <a:fld id="{F0182FDC-97D3-4588-BDCE-A39E3CFC2AE3}" type="datetime1">
               <a:rPr lang="en-US" smtClean="0"/>
               <a:pPr/>
-              <a:t>06-Dec-17</a:t>
+              <a:t>07-Dec-17</a:t>
             </a:fld>
             <a:endParaRPr lang="en-US"/>
           </a:p>
@@ -1211,6 +1228,14 @@
   <p:clrMapOvr>
     <a:masterClrMapping/>
   </p:clrMapOvr>
+  <mc:AlternateContent xmlns:mc="http://schemas.openxmlformats.org/markup-compatibility/2006">
+    <mc:Choice xmlns:p14="http://schemas.microsoft.com/office/powerpoint/2010/main" Requires="p14">
+      <p:transition p14:dur="10"/>
+    </mc:Choice>
+    <mc:Fallback>
+      <p:transition/>
+    </mc:Fallback>
+  </mc:AlternateContent>
 </p:sldLayout>
 </file>
 
@@ -1322,7 +1347,7 @@
             <a:fld id="{BB81E144-1C80-4AA9-9C4E-D75133E23201}" type="datetime1">
               <a:rPr lang="en-US" smtClean="0"/>
               <a:pPr/>
-              <a:t>06-Dec-17</a:t>
+              <a:t>07-Dec-17</a:t>
             </a:fld>
             <a:endParaRPr lang="en-US"/>
           </a:p>
@@ -1386,6 +1411,14 @@
   <p:clrMapOvr>
     <a:masterClrMapping/>
   </p:clrMapOvr>
+  <mc:AlternateContent xmlns:mc="http://schemas.openxmlformats.org/markup-compatibility/2006">
+    <mc:Choice xmlns:p14="http://schemas.microsoft.com/office/powerpoint/2010/main" Requires="p14">
+      <p:transition p14:dur="10"/>
+    </mc:Choice>
+    <mc:Fallback>
+      <p:transition/>
+    </mc:Fallback>
+  </mc:AlternateContent>
 </p:sldLayout>
 </file>
 
@@ -1574,7 +1607,7 @@
             <a:fld id="{DDA06209-75EB-4346-8E49-EB4B4D426504}" type="datetime1">
               <a:rPr lang="en-US" smtClean="0"/>
               <a:pPr/>
-              <a:t>06-Dec-17</a:t>
+              <a:t>07-Dec-17</a:t>
             </a:fld>
             <a:endParaRPr lang="en-US"/>
           </a:p>
@@ -1633,6 +1666,14 @@
   <p:clrMapOvr>
     <a:masterClrMapping/>
   </p:clrMapOvr>
+  <mc:AlternateContent xmlns:mc="http://schemas.openxmlformats.org/markup-compatibility/2006">
+    <mc:Choice xmlns:p14="http://schemas.microsoft.com/office/powerpoint/2010/main" Requires="p14">
+      <p:transition p14:dur="10"/>
+    </mc:Choice>
+    <mc:Fallback>
+      <p:transition/>
+    </mc:Fallback>
+  </mc:AlternateContent>
 </p:sldLayout>
 </file>
 
@@ -1805,7 +1846,7 @@
             <a:fld id="{58405540-6AE3-445F-AEC2-BC5B3EA68B41}" type="datetime1">
               <a:rPr lang="en-US" smtClean="0"/>
               <a:pPr/>
-              <a:t>06-Dec-17</a:t>
+              <a:t>07-Dec-17</a:t>
             </a:fld>
             <a:endParaRPr lang="en-US"/>
           </a:p>
@@ -1864,6 +1905,14 @@
   <p:clrMapOvr>
     <a:masterClrMapping/>
   </p:clrMapOvr>
+  <mc:AlternateContent xmlns:mc="http://schemas.openxmlformats.org/markup-compatibility/2006">
+    <mc:Choice xmlns:p14="http://schemas.microsoft.com/office/powerpoint/2010/main" Requires="p14">
+      <p:transition p14:dur="10"/>
+    </mc:Choice>
+    <mc:Fallback>
+      <p:transition/>
+    </mc:Fallback>
+  </mc:AlternateContent>
 </p:sldLayout>
 </file>
 
@@ -2171,7 +2220,7 @@
             <a:fld id="{A94D706C-7C11-4E5B-A5B9-721A79083A37}" type="datetime1">
               <a:rPr lang="en-US" smtClean="0"/>
               <a:pPr/>
-              <a:t>06-Dec-17</a:t>
+              <a:t>07-Dec-17</a:t>
             </a:fld>
             <a:endParaRPr lang="en-US"/>
           </a:p>
@@ -2230,6 +2279,14 @@
   <p:clrMapOvr>
     <a:masterClrMapping/>
   </p:clrMapOvr>
+  <mc:AlternateContent xmlns:mc="http://schemas.openxmlformats.org/markup-compatibility/2006">
+    <mc:Choice xmlns:p14="http://schemas.microsoft.com/office/powerpoint/2010/main" Requires="p14">
+      <p:transition p14:dur="10"/>
+    </mc:Choice>
+    <mc:Fallback>
+      <p:transition/>
+    </mc:Fallback>
+  </mc:AlternateContent>
 </p:sldLayout>
 </file>
 
@@ -2290,7 +2347,7 @@
             <a:fld id="{CE070397-5485-471A-83B7-7E03CF085378}" type="datetime1">
               <a:rPr lang="en-US" smtClean="0"/>
               <a:pPr/>
-              <a:t>06-Dec-17</a:t>
+              <a:t>07-Dec-17</a:t>
             </a:fld>
             <a:endParaRPr lang="en-US"/>
           </a:p>
@@ -2349,6 +2406,14 @@
   <p:clrMapOvr>
     <a:masterClrMapping/>
   </p:clrMapOvr>
+  <mc:AlternateContent xmlns:mc="http://schemas.openxmlformats.org/markup-compatibility/2006">
+    <mc:Choice xmlns:p14="http://schemas.microsoft.com/office/powerpoint/2010/main" Requires="p14">
+      <p:transition p14:dur="10"/>
+    </mc:Choice>
+    <mc:Fallback>
+      <p:transition/>
+    </mc:Fallback>
+  </mc:AlternateContent>
 </p:sldLayout>
 </file>
 
@@ -2387,7 +2452,7 @@
             <a:fld id="{0A56E9D5-BAB7-45D3-992B-CE2C728A3EBC}" type="datetime1">
               <a:rPr lang="en-US" smtClean="0"/>
               <a:pPr/>
-              <a:t>06-Dec-17</a:t>
+              <a:t>07-Dec-17</a:t>
             </a:fld>
             <a:endParaRPr lang="en-US"/>
           </a:p>
@@ -2446,6 +2511,14 @@
   <p:clrMapOvr>
     <a:masterClrMapping/>
   </p:clrMapOvr>
+  <mc:AlternateContent xmlns:mc="http://schemas.openxmlformats.org/markup-compatibility/2006">
+    <mc:Choice xmlns:p14="http://schemas.microsoft.com/office/powerpoint/2010/main" Requires="p14">
+      <p:transition p14:dur="10"/>
+    </mc:Choice>
+    <mc:Fallback>
+      <p:transition/>
+    </mc:Fallback>
+  </mc:AlternateContent>
 </p:sldLayout>
 </file>
 
@@ -2664,7 +2737,7 @@
             <a:fld id="{A68FD1F6-7058-47DF-8DB8-BCD560C6CBE2}" type="datetime1">
               <a:rPr lang="en-US" smtClean="0"/>
               <a:pPr/>
-              <a:t>06-Dec-17</a:t>
+              <a:t>07-Dec-17</a:t>
             </a:fld>
             <a:endParaRPr lang="en-US"/>
           </a:p>
@@ -2723,6 +2796,14 @@
   <p:clrMapOvr>
     <a:masterClrMapping/>
   </p:clrMapOvr>
+  <mc:AlternateContent xmlns:mc="http://schemas.openxmlformats.org/markup-compatibility/2006">
+    <mc:Choice xmlns:p14="http://schemas.microsoft.com/office/powerpoint/2010/main" Requires="p14">
+      <p:transition p14:dur="10"/>
+    </mc:Choice>
+    <mc:Fallback>
+      <p:transition/>
+    </mc:Fallback>
+  </mc:AlternateContent>
 </p:sldLayout>
 </file>
 
@@ -2918,7 +2999,7 @@
             <a:fld id="{31636699-B563-43D4-AACA-1DD8F1B43C4D}" type="datetime1">
               <a:rPr lang="en-US" smtClean="0"/>
               <a:pPr/>
-              <a:t>06-Dec-17</a:t>
+              <a:t>07-Dec-17</a:t>
             </a:fld>
             <a:endParaRPr lang="en-US"/>
           </a:p>
@@ -2977,6 +3058,14 @@
   <p:clrMapOvr>
     <a:masterClrMapping/>
   </p:clrMapOvr>
+  <mc:AlternateContent xmlns:mc="http://schemas.openxmlformats.org/markup-compatibility/2006">
+    <mc:Choice xmlns:p14="http://schemas.microsoft.com/office/powerpoint/2010/main" Requires="p14">
+      <p:transition p14:dur="10"/>
+    </mc:Choice>
+    <mc:Fallback>
+      <p:transition/>
+    </mc:Fallback>
+  </mc:AlternateContent>
 </p:sldLayout>
 </file>
 
@@ -3131,7 +3220,7 @@
             <a:fld id="{AD2D7778-F8FC-4BB2-9BDB-91458683CD95}" type="datetime1">
               <a:rPr lang="en-US" smtClean="0"/>
               <a:pPr/>
-              <a:t>06-Dec-17</a:t>
+              <a:t>07-Dec-17</a:t>
             </a:fld>
             <a:endParaRPr lang="en-US"/>
           </a:p>
@@ -3237,6 +3326,14 @@
     <p:sldLayoutId id="2147483658" r:id="rId10"/>
     <p:sldLayoutId id="2147483659" r:id="rId11"/>
   </p:sldLayoutIdLst>
+  <mc:AlternateContent xmlns:mc="http://schemas.openxmlformats.org/markup-compatibility/2006">
+    <mc:Choice xmlns:p14="http://schemas.microsoft.com/office/powerpoint/2010/main" Requires="p14">
+      <p:transition p14:dur="10"/>
+    </mc:Choice>
+    <mc:Fallback>
+      <p:transition/>
+    </mc:Fallback>
+  </mc:AlternateContent>
   <p:hf hdr="0" ftr="0" dt="0"/>
   <p:txStyles>
     <p:titleStyle>
@@ -3747,26 +3844,7 @@
                 <a:latin typeface="Times New Roman" panose="02020603050405020304" pitchFamily="18" charset="0"/>
                 <a:cs typeface="Times New Roman" panose="02020603050405020304" pitchFamily="18" charset="0"/>
               </a:rPr>
-              <a:t>                                                           </a:t>
-            </a:r>
-            <a:r>
-              <a:rPr lang="en-US" sz="2400" dirty="0">
-                <a:latin typeface="Times New Roman" panose="02020603050405020304" pitchFamily="18" charset="0"/>
-                <a:cs typeface="Times New Roman" panose="02020603050405020304" pitchFamily="18" charset="0"/>
-              </a:rPr>
-              <a:t> </a:t>
-            </a:r>
-            <a:r>
-              <a:rPr lang="en-US" sz="2400" dirty="0" err="1">
-                <a:solidFill>
-                  <a:schemeClr val="accent5">
-                    <a:lumMod val="75000"/>
-                  </a:schemeClr>
-                </a:solidFill>
-                <a:latin typeface="Times New Roman" panose="02020603050405020304" pitchFamily="18" charset="0"/>
-                <a:cs typeface="Times New Roman" panose="02020603050405020304" pitchFamily="18" charset="0"/>
-              </a:rPr>
-              <a:t>Rajshahi</a:t>
+              <a:t>                                                      </a:t>
             </a:r>
             <a:r>
               <a:rPr lang="en-US" sz="2400" dirty="0">
@@ -3778,7 +3856,7 @@
                 <a:latin typeface="Times New Roman" panose="02020603050405020304" pitchFamily="18" charset="0"/>
                 <a:cs typeface="Times New Roman" panose="02020603050405020304" pitchFamily="18" charset="0"/>
               </a:rPr>
-              <a:t> University of Engineering &amp; Technology</a:t>
+              <a:t>Rajshahi University of Engineering &amp; Technology</a:t>
             </a:r>
           </a:p>
           <a:p>
@@ -3792,7 +3870,7 @@
                 <a:latin typeface="Times New Roman" panose="02020603050405020304" pitchFamily="18" charset="0"/>
                 <a:cs typeface="Times New Roman" panose="02020603050405020304" pitchFamily="18" charset="0"/>
               </a:rPr>
-              <a:t>              			                                   </a:t>
+              <a:t>              			                                  </a:t>
             </a:r>
             <a:r>
               <a:rPr lang="en-US" sz="1600" dirty="0">
@@ -4040,7 +4118,7 @@
       </p:sp>
       <p:sp>
         <p:nvSpPr>
-          <p:cNvPr id="10" name="Slide Number Placeholder 9"/>
+          <p:cNvPr id="11" name="Slide Number Placeholder 4"/>
           <p:cNvSpPr>
             <a:spLocks noGrp="1"/>
           </p:cNvSpPr>
@@ -4048,7 +4126,12 @@
             <p:ph type="sldNum" sz="quarter" idx="12"/>
           </p:nvPr>
         </p:nvSpPr>
-        <p:spPr/>
+        <p:spPr>
+          <a:xfrm>
+            <a:off x="8610600" y="6511104"/>
+            <a:ext cx="3135924" cy="365125"/>
+          </a:xfrm>
+        </p:spPr>
         <p:txBody>
           <a:bodyPr/>
           <a:lstStyle/>
@@ -4058,7 +4141,10 @@
               <a:pPr/>
               <a:t>1</a:t>
             </a:fld>
-            <a:endParaRPr lang="en-US"/>
+            <a:r>
+              <a:rPr lang="en-US" dirty="0"/>
+              <a:t>/27</a:t>
+            </a:r>
           </a:p>
         </p:txBody>
       </p:sp>
@@ -4072,12 +4158,12 @@
   <p:clrMapOvr>
     <a:masterClrMapping/>
   </p:clrMapOvr>
-  <mc:AlternateContent xmlns:mc="http://schemas.openxmlformats.org/markup-compatibility/2006" xmlns:p14="http://schemas.microsoft.com/office/powerpoint/2010/main">
-    <mc:Choice Requires="p14">
-      <p:transition spd="slow" p14:dur="2000" advTm="21867"/>
+  <mc:AlternateContent xmlns:mc="http://schemas.openxmlformats.org/markup-compatibility/2006">
+    <mc:Choice xmlns:p14="http://schemas.microsoft.com/office/powerpoint/2010/main" Requires="p14">
+      <p:transition p14:dur="10"/>
     </mc:Choice>
-    <mc:Fallback xmlns="">
-      <p:transition spd="slow" advTm="21867"/>
+    <mc:Fallback>
+      <p:transition/>
     </mc:Fallback>
   </mc:AlternateContent>
 </p:sld>
@@ -4368,7 +4454,7 @@
       </p:sp>
       <p:sp>
         <p:nvSpPr>
-          <p:cNvPr id="9" name="Slide Number Placeholder 8"/>
+          <p:cNvPr id="10" name="Slide Number Placeholder 4"/>
           <p:cNvSpPr>
             <a:spLocks noGrp="1"/>
           </p:cNvSpPr>
@@ -4378,8 +4464,8 @@
         </p:nvSpPr>
         <p:spPr>
           <a:xfrm>
-            <a:off x="8610599" y="6488991"/>
-            <a:ext cx="2743200" cy="365125"/>
+            <a:off x="8610600" y="6511104"/>
+            <a:ext cx="3135924" cy="365125"/>
           </a:xfrm>
         </p:spPr>
         <p:txBody>
@@ -4391,7 +4477,10 @@
               <a:pPr/>
               <a:t>10</a:t>
             </a:fld>
-            <a:endParaRPr lang="en-US" dirty="0"/>
+            <a:r>
+              <a:rPr lang="en-US" dirty="0"/>
+              <a:t>/27</a:t>
+            </a:r>
           </a:p>
         </p:txBody>
       </p:sp>
@@ -4405,14 +4494,230 @@
   <p:clrMapOvr>
     <a:masterClrMapping/>
   </p:clrMapOvr>
-  <mc:AlternateContent xmlns:mc="http://schemas.openxmlformats.org/markup-compatibility/2006" xmlns:p14="http://schemas.microsoft.com/office/powerpoint/2010/main">
-    <mc:Choice Requires="p14">
-      <p:transition spd="slow" p14:dur="2000" advTm="8966"/>
+  <mc:AlternateContent xmlns:mc="http://schemas.openxmlformats.org/markup-compatibility/2006">
+    <mc:Choice xmlns:p14="http://schemas.microsoft.com/office/powerpoint/2010/main" Requires="p14">
+      <p:transition p14:dur="10"/>
     </mc:Choice>
-    <mc:Fallback xmlns="">
-      <p:transition spd="slow" advTm="8966"/>
+    <mc:Fallback>
+      <p:transition/>
     </mc:Fallback>
   </mc:AlternateContent>
+  <p:timing>
+    <p:tnLst>
+      <p:par>
+        <p:cTn id="1" dur="indefinite" restart="never" nodeType="tmRoot">
+          <p:childTnLst>
+            <p:seq concurrent="1" nextAc="seek">
+              <p:cTn id="2" dur="indefinite" nodeType="mainSeq">
+                <p:childTnLst>
+                  <p:par>
+                    <p:cTn id="3" fill="hold">
+                      <p:stCondLst>
+                        <p:cond delay="indefinite"/>
+                      </p:stCondLst>
+                      <p:childTnLst>
+                        <p:par>
+                          <p:cTn id="4" fill="hold">
+                            <p:stCondLst>
+                              <p:cond delay="0"/>
+                            </p:stCondLst>
+                            <p:childTnLst>
+                              <p:par>
+                                <p:cTn id="5" presetID="2" presetClass="entr" presetSubtype="4" fill="hold" grpId="0" nodeType="clickEffect">
+                                  <p:stCondLst>
+                                    <p:cond delay="0"/>
+                                  </p:stCondLst>
+                                  <p:childTnLst>
+                                    <p:set>
+                                      <p:cBhvr>
+                                        <p:cTn id="6" dur="1" fill="hold">
+                                          <p:stCondLst>
+                                            <p:cond delay="0"/>
+                                          </p:stCondLst>
+                                        </p:cTn>
+                                        <p:tgtEl>
+                                          <p:spTgt spid="2"/>
+                                        </p:tgtEl>
+                                        <p:attrNameLst>
+                                          <p:attrName>style.visibility</p:attrName>
+                                        </p:attrNameLst>
+                                      </p:cBhvr>
+                                      <p:to>
+                                        <p:strVal val="visible"/>
+                                      </p:to>
+                                    </p:set>
+                                    <p:anim calcmode="lin" valueType="num">
+                                      <p:cBhvr additive="base">
+                                        <p:cTn id="7" dur="500" fill="hold"/>
+                                        <p:tgtEl>
+                                          <p:spTgt spid="2"/>
+                                        </p:tgtEl>
+                                        <p:attrNameLst>
+                                          <p:attrName>ppt_x</p:attrName>
+                                        </p:attrNameLst>
+                                      </p:cBhvr>
+                                      <p:tavLst>
+                                        <p:tav tm="0">
+                                          <p:val>
+                                            <p:strVal val="#ppt_x"/>
+                                          </p:val>
+                                        </p:tav>
+                                        <p:tav tm="100000">
+                                          <p:val>
+                                            <p:strVal val="#ppt_x"/>
+                                          </p:val>
+                                        </p:tav>
+                                      </p:tavLst>
+                                    </p:anim>
+                                    <p:anim calcmode="lin" valueType="num">
+                                      <p:cBhvr additive="base">
+                                        <p:cTn id="8" dur="500" fill="hold"/>
+                                        <p:tgtEl>
+                                          <p:spTgt spid="2"/>
+                                        </p:tgtEl>
+                                        <p:attrNameLst>
+                                          <p:attrName>ppt_y</p:attrName>
+                                        </p:attrNameLst>
+                                      </p:cBhvr>
+                                      <p:tavLst>
+                                        <p:tav tm="0">
+                                          <p:val>
+                                            <p:strVal val="1+#ppt_h/2"/>
+                                          </p:val>
+                                        </p:tav>
+                                        <p:tav tm="100000">
+                                          <p:val>
+                                            <p:strVal val="#ppt_y"/>
+                                          </p:val>
+                                        </p:tav>
+                                      </p:tavLst>
+                                    </p:anim>
+                                  </p:childTnLst>
+                                </p:cTn>
+                              </p:par>
+                            </p:childTnLst>
+                          </p:cTn>
+                        </p:par>
+                      </p:childTnLst>
+                    </p:cTn>
+                  </p:par>
+                  <p:par>
+                    <p:cTn id="9" fill="hold">
+                      <p:stCondLst>
+                        <p:cond delay="indefinite"/>
+                      </p:stCondLst>
+                      <p:childTnLst>
+                        <p:par>
+                          <p:cTn id="10" fill="hold">
+                            <p:stCondLst>
+                              <p:cond delay="0"/>
+                            </p:stCondLst>
+                            <p:childTnLst>
+                              <p:par>
+                                <p:cTn id="11" presetID="2" presetClass="entr" presetSubtype="4" fill="hold" grpId="0" nodeType="clickEffect">
+                                  <p:stCondLst>
+                                    <p:cond delay="0"/>
+                                  </p:stCondLst>
+                                  <p:childTnLst>
+                                    <p:set>
+                                      <p:cBhvr>
+                                        <p:cTn id="12" dur="1" fill="hold">
+                                          <p:stCondLst>
+                                            <p:cond delay="0"/>
+                                          </p:stCondLst>
+                                        </p:cTn>
+                                        <p:tgtEl>
+                                          <p:spTgt spid="7"/>
+                                        </p:tgtEl>
+                                        <p:attrNameLst>
+                                          <p:attrName>style.visibility</p:attrName>
+                                        </p:attrNameLst>
+                                      </p:cBhvr>
+                                      <p:to>
+                                        <p:strVal val="visible"/>
+                                      </p:to>
+                                    </p:set>
+                                    <p:anim calcmode="lin" valueType="num">
+                                      <p:cBhvr additive="base">
+                                        <p:cTn id="13" dur="500" fill="hold"/>
+                                        <p:tgtEl>
+                                          <p:spTgt spid="7"/>
+                                        </p:tgtEl>
+                                        <p:attrNameLst>
+                                          <p:attrName>ppt_x</p:attrName>
+                                        </p:attrNameLst>
+                                      </p:cBhvr>
+                                      <p:tavLst>
+                                        <p:tav tm="0">
+                                          <p:val>
+                                            <p:strVal val="#ppt_x"/>
+                                          </p:val>
+                                        </p:tav>
+                                        <p:tav tm="100000">
+                                          <p:val>
+                                            <p:strVal val="#ppt_x"/>
+                                          </p:val>
+                                        </p:tav>
+                                      </p:tavLst>
+                                    </p:anim>
+                                    <p:anim calcmode="lin" valueType="num">
+                                      <p:cBhvr additive="base">
+                                        <p:cTn id="14" dur="500" fill="hold"/>
+                                        <p:tgtEl>
+                                          <p:spTgt spid="7"/>
+                                        </p:tgtEl>
+                                        <p:attrNameLst>
+                                          <p:attrName>ppt_y</p:attrName>
+                                        </p:attrNameLst>
+                                      </p:cBhvr>
+                                      <p:tavLst>
+                                        <p:tav tm="0">
+                                          <p:val>
+                                            <p:strVal val="1+#ppt_h/2"/>
+                                          </p:val>
+                                        </p:tav>
+                                        <p:tav tm="100000">
+                                          <p:val>
+                                            <p:strVal val="#ppt_y"/>
+                                          </p:val>
+                                        </p:tav>
+                                      </p:tavLst>
+                                    </p:anim>
+                                  </p:childTnLst>
+                                </p:cTn>
+                              </p:par>
+                            </p:childTnLst>
+                          </p:cTn>
+                        </p:par>
+                      </p:childTnLst>
+                    </p:cTn>
+                  </p:par>
+                </p:childTnLst>
+              </p:cTn>
+              <p:prevCondLst>
+                <p:cond evt="onPrev" delay="0">
+                  <p:tgtEl>
+                    <p:sldTgt/>
+                  </p:tgtEl>
+                </p:cond>
+              </p:prevCondLst>
+              <p:nextCondLst>
+                <p:cond evt="onNext" delay="0">
+                  <p:tgtEl>
+                    <p:sldTgt/>
+                  </p:tgtEl>
+                </p:cond>
+              </p:nextCondLst>
+            </p:seq>
+          </p:childTnLst>
+        </p:cTn>
+      </p:par>
+    </p:tnLst>
+    <p:bldLst>
+      <p:bldP spid="2" grpId="0"/>
+      <p:bldP spid="7" grpId="0"/>
+    </p:bldLst>
+  </p:timing>
 </p:sld>
 </file>
 
@@ -4626,7 +4931,7 @@
       </p:sp>
       <p:sp>
         <p:nvSpPr>
-          <p:cNvPr id="8" name="Slide Number Placeholder 7"/>
+          <p:cNvPr id="9" name="Slide Number Placeholder 4"/>
           <p:cNvSpPr>
             <a:spLocks noGrp="1"/>
           </p:cNvSpPr>
@@ -4636,8 +4941,8 @@
         </p:nvSpPr>
         <p:spPr>
           <a:xfrm>
-            <a:off x="8610600" y="6482968"/>
-            <a:ext cx="2743200" cy="365125"/>
+            <a:off x="8610600" y="6511104"/>
+            <a:ext cx="3135924" cy="365125"/>
           </a:xfrm>
         </p:spPr>
         <p:txBody>
@@ -4649,7 +4954,10 @@
               <a:pPr/>
               <a:t>11</a:t>
             </a:fld>
-            <a:endParaRPr lang="en-US" dirty="0"/>
+            <a:r>
+              <a:rPr lang="en-US" dirty="0"/>
+              <a:t>/27</a:t>
+            </a:r>
           </a:p>
         </p:txBody>
       </p:sp>
@@ -4663,12 +4971,12 @@
   <p:clrMapOvr>
     <a:masterClrMapping/>
   </p:clrMapOvr>
-  <mc:AlternateContent xmlns:mc="http://schemas.openxmlformats.org/markup-compatibility/2006" xmlns:p14="http://schemas.microsoft.com/office/powerpoint/2010/main">
-    <mc:Choice Requires="p14">
-      <p:transition spd="slow" p14:dur="2000" advTm="15004"/>
+  <mc:AlternateContent xmlns:mc="http://schemas.openxmlformats.org/markup-compatibility/2006">
+    <mc:Choice xmlns:p14="http://schemas.microsoft.com/office/powerpoint/2010/main" Requires="p14">
+      <p:transition p14:dur="10"/>
     </mc:Choice>
-    <mc:Fallback xmlns="">
-      <p:transition spd="slow" advTm="15004"/>
+    <mc:Fallback>
+      <p:transition/>
     </mc:Fallback>
   </mc:AlternateContent>
 </p:sld>
@@ -4765,31 +5073,7 @@
                 <a:latin typeface="Times New Roman" panose="02020603050405020304" pitchFamily="18" charset="0"/>
                 <a:cs typeface="Times New Roman" panose="02020603050405020304" pitchFamily="18" charset="0"/>
               </a:rPr>
-              <a:t>	      Feature extraction using Principal Component Analysis(PCA)(</a:t>
-            </a:r>
-            <a:r>
-              <a:rPr lang="en-US" sz="2400" dirty="0" err="1">
-                <a:solidFill>
-                  <a:schemeClr val="accent5">
-                    <a:lumMod val="75000"/>
-                  </a:schemeClr>
-                </a:solidFill>
-                <a:latin typeface="Times New Roman" panose="02020603050405020304" pitchFamily="18" charset="0"/>
-                <a:cs typeface="Times New Roman" panose="02020603050405020304" pitchFamily="18" charset="0"/>
-              </a:rPr>
-              <a:t>Con’t</a:t>
-            </a:r>
-            <a:r>
-              <a:rPr lang="en-US" sz="2400" dirty="0">
-                <a:solidFill>
-                  <a:schemeClr val="accent5">
-                    <a:lumMod val="75000"/>
-                  </a:schemeClr>
-                </a:solidFill>
-                <a:latin typeface="Times New Roman" panose="02020603050405020304" pitchFamily="18" charset="0"/>
-                <a:cs typeface="Times New Roman" panose="02020603050405020304" pitchFamily="18" charset="0"/>
-              </a:rPr>
-              <a:t>) </a:t>
+              <a:t>	      Feature extraction using Principal Component Analysis(PCA)(Contd..) </a:t>
             </a:r>
           </a:p>
         </p:txBody>
@@ -4802,8 +5086,8 @@
         </p:nvSpPr>
         <p:spPr>
           <a:xfrm>
-            <a:off x="1273127" y="1559756"/>
-            <a:ext cx="8323112" cy="3170099"/>
+            <a:off x="2963975" y="1798906"/>
+            <a:ext cx="7612982" cy="2554545"/>
           </a:xfrm>
           <a:prstGeom prst="rect">
             <a:avLst/>
@@ -4816,230 +5100,173 @@
           </a:bodyPr>
           <a:lstStyle/>
           <a:p>
+            <a:pPr marL="342900" indent="-342900">
+              <a:buFont typeface="Wingdings" panose="05000000000000000000" pitchFamily="2" charset="2"/>
+              <a:buChar char="v"/>
+            </a:pPr>
+            <a:r>
+              <a:rPr lang="en-US" sz="2000" dirty="0">
+                <a:latin typeface="Times New Roman" panose="02020603050405020304" pitchFamily="18" charset="0"/>
+                <a:cs typeface="Times New Roman" panose="02020603050405020304" pitchFamily="18" charset="0"/>
+              </a:rPr>
+              <a:t>Input the image</a:t>
+            </a:r>
+          </a:p>
+          <a:p>
+            <a:pPr marL="342900" indent="-342900">
+              <a:buFont typeface="Wingdings" panose="05000000000000000000" pitchFamily="2" charset="2"/>
+              <a:buChar char="v"/>
+            </a:pPr>
+            <a:r>
+              <a:rPr lang="en-US" sz="2000" dirty="0">
+                <a:latin typeface="Times New Roman" panose="02020603050405020304" pitchFamily="18" charset="0"/>
+                <a:cs typeface="Times New Roman" panose="02020603050405020304" pitchFamily="18" charset="0"/>
+              </a:rPr>
+              <a:t>Subtract the mean</a:t>
+            </a:r>
+          </a:p>
+          <a:p>
+            <a:pPr marL="342900" indent="-342900">
+              <a:buFont typeface="Wingdings" panose="05000000000000000000" pitchFamily="2" charset="2"/>
+              <a:buChar char="v"/>
+            </a:pPr>
+            <a:r>
+              <a:rPr lang="en-US" sz="2000" dirty="0">
+                <a:latin typeface="Times New Roman" panose="02020603050405020304" pitchFamily="18" charset="0"/>
+                <a:cs typeface="Times New Roman" panose="02020603050405020304" pitchFamily="18" charset="0"/>
+              </a:rPr>
+              <a:t>Calculate the covariance matrix</a:t>
+            </a:r>
+          </a:p>
+          <a:p>
+            <a:pPr marL="342900" indent="-342900">
+              <a:buFont typeface="Wingdings" panose="05000000000000000000" pitchFamily="2" charset="2"/>
+              <a:buChar char="v"/>
+            </a:pPr>
+            <a:r>
+              <a:rPr lang="en-US" sz="2000" dirty="0">
+                <a:latin typeface="Times New Roman" panose="02020603050405020304" pitchFamily="18" charset="0"/>
+                <a:cs typeface="Times New Roman" panose="02020603050405020304" pitchFamily="18" charset="0"/>
+              </a:rPr>
+              <a:t>Calculate the eigenvectors and eigenvalues of the covariance matrix</a:t>
+            </a:r>
+          </a:p>
+          <a:p>
+            <a:pPr marL="342900" indent="-342900">
+              <a:buFont typeface="Wingdings" panose="05000000000000000000" pitchFamily="2" charset="2"/>
+              <a:buChar char="v"/>
+            </a:pPr>
+            <a:r>
+              <a:rPr lang="en-US" sz="2000" dirty="0">
+                <a:latin typeface="Times New Roman" panose="02020603050405020304" pitchFamily="18" charset="0"/>
+                <a:cs typeface="Times New Roman" panose="02020603050405020304" pitchFamily="18" charset="0"/>
+              </a:rPr>
+              <a:t>Choose components and form a feature vector</a:t>
+            </a:r>
+          </a:p>
+          <a:p>
+            <a:r>
+              <a:rPr lang="en-US" sz="2000" dirty="0">
+                <a:latin typeface="Times New Roman" panose="02020603050405020304" pitchFamily="18" charset="0"/>
+                <a:cs typeface="Times New Roman" panose="02020603050405020304" pitchFamily="18" charset="0"/>
+              </a:rPr>
+              <a:t>	</a:t>
+            </a:r>
+            <a:r>
+              <a:rPr lang="en-US" sz="2000" b="1" dirty="0" err="1">
+                <a:latin typeface="Times New Roman" panose="02020603050405020304" pitchFamily="18" charset="0"/>
+                <a:cs typeface="Times New Roman" panose="02020603050405020304" pitchFamily="18" charset="0"/>
+              </a:rPr>
+              <a:t>FeatureVector</a:t>
+            </a:r>
             <a:r>
               <a:rPr lang="en-US" sz="2000" b="1" dirty="0">
                 <a:latin typeface="Times New Roman" panose="02020603050405020304" pitchFamily="18" charset="0"/>
                 <a:cs typeface="Times New Roman" panose="02020603050405020304" pitchFamily="18" charset="0"/>
               </a:rPr>
-              <a:t>All the steps we need to perform  Principal Component  Analysis[1]:</a:t>
-            </a:r>
-          </a:p>
-          <a:p>
+              <a:t> = (eig1, eig2, eig3 ,…, </a:t>
+            </a:r>
+            <a:r>
+              <a:rPr lang="en-US" sz="2000" b="1" dirty="0" err="1">
+                <a:latin typeface="Times New Roman" panose="02020603050405020304" pitchFamily="18" charset="0"/>
+                <a:cs typeface="Times New Roman" panose="02020603050405020304" pitchFamily="18" charset="0"/>
+              </a:rPr>
+              <a:t>eign</a:t>
+            </a:r>
+            <a:r>
+              <a:rPr lang="en-US" sz="2000" b="1" dirty="0">
+                <a:latin typeface="Times New Roman" panose="02020603050405020304" pitchFamily="18" charset="0"/>
+                <a:cs typeface="Times New Roman" panose="02020603050405020304" pitchFamily="18" charset="0"/>
+              </a:rPr>
+              <a:t>)</a:t>
+            </a:r>
+          </a:p>
+          <a:p>
+            <a:pPr marL="342900" indent="-342900">
+              <a:buFont typeface="Wingdings" panose="05000000000000000000" pitchFamily="2" charset="2"/>
+              <a:buChar char="v"/>
+            </a:pPr>
+            <a:r>
+              <a:rPr lang="en-US" sz="2000" dirty="0">
+                <a:latin typeface="Times New Roman" panose="02020603050405020304" pitchFamily="18" charset="0"/>
+                <a:cs typeface="Times New Roman" panose="02020603050405020304" pitchFamily="18" charset="0"/>
+              </a:rPr>
+              <a:t>Derive the new data set</a:t>
+            </a:r>
+          </a:p>
+          <a:p>
+            <a:r>
+              <a:rPr lang="en-US" sz="2000" dirty="0">
+                <a:latin typeface="Times New Roman" panose="02020603050405020304" pitchFamily="18" charset="0"/>
+                <a:cs typeface="Times New Roman" panose="02020603050405020304" pitchFamily="18" charset="0"/>
+              </a:rPr>
+              <a:t>	</a:t>
+            </a:r>
+            <a:r>
+              <a:rPr lang="en-US" sz="2000" b="1" dirty="0" err="1">
+                <a:latin typeface="Times New Roman" panose="02020603050405020304" pitchFamily="18" charset="0"/>
+                <a:cs typeface="Times New Roman" panose="02020603050405020304" pitchFamily="18" charset="0"/>
+              </a:rPr>
+              <a:t>FinalData</a:t>
+            </a:r>
+            <a:r>
+              <a:rPr lang="en-US" sz="2000" b="1" dirty="0">
+                <a:latin typeface="Times New Roman" panose="02020603050405020304" pitchFamily="18" charset="0"/>
+                <a:cs typeface="Times New Roman" panose="02020603050405020304" pitchFamily="18" charset="0"/>
+              </a:rPr>
+              <a:t> = </a:t>
+            </a:r>
+            <a:r>
+              <a:rPr lang="en-US" sz="2000" b="1" dirty="0" err="1">
+                <a:latin typeface="Times New Roman" panose="02020603050405020304" pitchFamily="18" charset="0"/>
+                <a:cs typeface="Times New Roman" panose="02020603050405020304" pitchFamily="18" charset="0"/>
+              </a:rPr>
+              <a:t>RowFeatureVector</a:t>
+            </a:r>
+            <a:r>
+              <a:rPr lang="en-US" sz="2000" b="1" dirty="0">
+                <a:latin typeface="Times New Roman" panose="02020603050405020304" pitchFamily="18" charset="0"/>
+                <a:cs typeface="Times New Roman" panose="02020603050405020304" pitchFamily="18" charset="0"/>
+              </a:rPr>
+              <a:t> x </a:t>
+            </a:r>
+            <a:r>
+              <a:rPr lang="en-US" sz="2000" b="1" dirty="0" err="1">
+                <a:latin typeface="Times New Roman" panose="02020603050405020304" pitchFamily="18" charset="0"/>
+                <a:cs typeface="Times New Roman" panose="02020603050405020304" pitchFamily="18" charset="0"/>
+              </a:rPr>
+              <a:t>RowDataAdjust</a:t>
+            </a:r>
             <a:endParaRPr lang="en-US" sz="2000" b="1" dirty="0">
               <a:latin typeface="Times New Roman" panose="02020603050405020304" pitchFamily="18" charset="0"/>
               <a:cs typeface="Times New Roman" panose="02020603050405020304" pitchFamily="18" charset="0"/>
             </a:endParaRPr>
           </a:p>
-          <a:p>
-            <a:pPr marL="342900" indent="-342900">
-              <a:buFont typeface="Arial" panose="020B0604020202020204" pitchFamily="34" charset="0"/>
-              <a:buChar char="•"/>
-            </a:pPr>
-            <a:r>
-              <a:rPr lang="en-US" sz="2000" b="1" dirty="0">
-                <a:latin typeface="Times New Roman" panose="02020603050405020304" pitchFamily="18" charset="0"/>
-                <a:cs typeface="Times New Roman" panose="02020603050405020304" pitchFamily="18" charset="0"/>
-              </a:rPr>
-              <a:t>Step 1: </a:t>
-            </a:r>
-            <a:r>
-              <a:rPr lang="en-US" sz="2000" dirty="0">
-                <a:latin typeface="Times New Roman" panose="02020603050405020304" pitchFamily="18" charset="0"/>
-                <a:cs typeface="Times New Roman" panose="02020603050405020304" pitchFamily="18" charset="0"/>
-              </a:rPr>
-              <a:t>Input the image</a:t>
-            </a:r>
-          </a:p>
-          <a:p>
-            <a:pPr marL="342900" indent="-342900">
-              <a:buFont typeface="Arial" panose="020B0604020202020204" pitchFamily="34" charset="0"/>
-              <a:buChar char="•"/>
-            </a:pPr>
-            <a:r>
-              <a:rPr lang="en-US" sz="2000" b="1" dirty="0">
-                <a:latin typeface="Times New Roman" panose="02020603050405020304" pitchFamily="18" charset="0"/>
-                <a:cs typeface="Times New Roman" panose="02020603050405020304" pitchFamily="18" charset="0"/>
-              </a:rPr>
-              <a:t>Step 2: </a:t>
-            </a:r>
-            <a:r>
-              <a:rPr lang="en-US" sz="2000" dirty="0">
-                <a:latin typeface="Times New Roman" panose="02020603050405020304" pitchFamily="18" charset="0"/>
-                <a:cs typeface="Times New Roman" panose="02020603050405020304" pitchFamily="18" charset="0"/>
-              </a:rPr>
-              <a:t>Subtract the mean</a:t>
-            </a:r>
-          </a:p>
-          <a:p>
-            <a:pPr marL="342900" indent="-342900">
-              <a:buFont typeface="Arial" panose="020B0604020202020204" pitchFamily="34" charset="0"/>
-              <a:buChar char="•"/>
-            </a:pPr>
-            <a:r>
-              <a:rPr lang="en-US" sz="2000" b="1" dirty="0">
-                <a:latin typeface="Times New Roman" panose="02020603050405020304" pitchFamily="18" charset="0"/>
-                <a:cs typeface="Times New Roman" panose="02020603050405020304" pitchFamily="18" charset="0"/>
-              </a:rPr>
-              <a:t>Step 3: </a:t>
-            </a:r>
-            <a:r>
-              <a:rPr lang="en-US" sz="2000" dirty="0">
-                <a:latin typeface="Times New Roman" panose="02020603050405020304" pitchFamily="18" charset="0"/>
-                <a:cs typeface="Times New Roman" panose="02020603050405020304" pitchFamily="18" charset="0"/>
-              </a:rPr>
-              <a:t>Calculate the covariance matrix</a:t>
-            </a:r>
-          </a:p>
-          <a:p>
-            <a:pPr marL="342900" indent="-342900">
-              <a:buFont typeface="Arial" panose="020B0604020202020204" pitchFamily="34" charset="0"/>
-              <a:buChar char="•"/>
-            </a:pPr>
-            <a:r>
-              <a:rPr lang="en-US" sz="2000" b="1" dirty="0">
-                <a:latin typeface="Times New Roman" panose="02020603050405020304" pitchFamily="18" charset="0"/>
-                <a:cs typeface="Times New Roman" panose="02020603050405020304" pitchFamily="18" charset="0"/>
-              </a:rPr>
-              <a:t>Step 4: </a:t>
-            </a:r>
-            <a:r>
-              <a:rPr lang="en-US" sz="2000" dirty="0">
-                <a:latin typeface="Times New Roman" panose="02020603050405020304" pitchFamily="18" charset="0"/>
-                <a:cs typeface="Times New Roman" panose="02020603050405020304" pitchFamily="18" charset="0"/>
-              </a:rPr>
-              <a:t>Calculate the eigenvectors and eigenvalues of the covariance matrix</a:t>
-            </a:r>
-          </a:p>
-          <a:p>
-            <a:pPr marL="342900" indent="-342900">
-              <a:buFont typeface="Arial" panose="020B0604020202020204" pitchFamily="34" charset="0"/>
-              <a:buChar char="•"/>
-            </a:pPr>
-            <a:r>
-              <a:rPr lang="en-US" sz="2000" b="1" dirty="0">
-                <a:latin typeface="Times New Roman" panose="02020603050405020304" pitchFamily="18" charset="0"/>
-                <a:cs typeface="Times New Roman" panose="02020603050405020304" pitchFamily="18" charset="0"/>
-              </a:rPr>
-              <a:t>Step 5: </a:t>
-            </a:r>
-            <a:r>
-              <a:rPr lang="en-US" sz="2000" dirty="0">
-                <a:latin typeface="Times New Roman" panose="02020603050405020304" pitchFamily="18" charset="0"/>
-                <a:cs typeface="Times New Roman" panose="02020603050405020304" pitchFamily="18" charset="0"/>
-              </a:rPr>
-              <a:t>Choose components and form a feature vector</a:t>
-            </a:r>
-          </a:p>
-          <a:p>
-            <a:r>
-              <a:rPr lang="en-US" sz="2000" dirty="0">
-                <a:latin typeface="Times New Roman" panose="02020603050405020304" pitchFamily="18" charset="0"/>
-                <a:cs typeface="Times New Roman" panose="02020603050405020304" pitchFamily="18" charset="0"/>
-              </a:rPr>
-              <a:t>		</a:t>
-            </a:r>
-            <a:r>
-              <a:rPr lang="en-US" sz="2000" dirty="0" err="1">
-                <a:latin typeface="Times New Roman" panose="02020603050405020304" pitchFamily="18" charset="0"/>
-                <a:cs typeface="Times New Roman" panose="02020603050405020304" pitchFamily="18" charset="0"/>
-              </a:rPr>
-              <a:t>FeatureVector</a:t>
-            </a:r>
-            <a:r>
-              <a:rPr lang="en-US" sz="2000" dirty="0">
-                <a:latin typeface="Times New Roman" panose="02020603050405020304" pitchFamily="18" charset="0"/>
-                <a:cs typeface="Times New Roman" panose="02020603050405020304" pitchFamily="18" charset="0"/>
-              </a:rPr>
-              <a:t> = (eig1, eig2, eig3 ,…, </a:t>
-            </a:r>
-            <a:r>
-              <a:rPr lang="en-US" sz="2000" dirty="0" err="1">
-                <a:latin typeface="Times New Roman" panose="02020603050405020304" pitchFamily="18" charset="0"/>
-                <a:cs typeface="Times New Roman" panose="02020603050405020304" pitchFamily="18" charset="0"/>
-              </a:rPr>
-              <a:t>eign</a:t>
-            </a:r>
-            <a:r>
-              <a:rPr lang="en-US" sz="2000" dirty="0">
-                <a:latin typeface="Times New Roman" panose="02020603050405020304" pitchFamily="18" charset="0"/>
-                <a:cs typeface="Times New Roman" panose="02020603050405020304" pitchFamily="18" charset="0"/>
-              </a:rPr>
-              <a:t>)</a:t>
-            </a:r>
-          </a:p>
-          <a:p>
-            <a:pPr marL="342900" indent="-342900">
-              <a:buFont typeface="Arial" panose="020B0604020202020204" pitchFamily="34" charset="0"/>
-              <a:buChar char="•"/>
-            </a:pPr>
-            <a:r>
-              <a:rPr lang="en-US" sz="2000" b="1" dirty="0">
-                <a:latin typeface="Times New Roman" panose="02020603050405020304" pitchFamily="18" charset="0"/>
-                <a:cs typeface="Times New Roman" panose="02020603050405020304" pitchFamily="18" charset="0"/>
-              </a:rPr>
-              <a:t>Step 6: </a:t>
-            </a:r>
-            <a:r>
-              <a:rPr lang="en-US" sz="2000" dirty="0">
-                <a:latin typeface="Times New Roman" panose="02020603050405020304" pitchFamily="18" charset="0"/>
-                <a:cs typeface="Times New Roman" panose="02020603050405020304" pitchFamily="18" charset="0"/>
-              </a:rPr>
-              <a:t>Derive the new data set</a:t>
-            </a:r>
-          </a:p>
-          <a:p>
-            <a:r>
-              <a:rPr lang="en-US" sz="2000" dirty="0">
-                <a:latin typeface="Times New Roman" panose="02020603050405020304" pitchFamily="18" charset="0"/>
-                <a:cs typeface="Times New Roman" panose="02020603050405020304" pitchFamily="18" charset="0"/>
-              </a:rPr>
-              <a:t>		</a:t>
-            </a:r>
-            <a:r>
-              <a:rPr lang="en-US" sz="2000" dirty="0" err="1">
-                <a:latin typeface="Times New Roman" panose="02020603050405020304" pitchFamily="18" charset="0"/>
-                <a:cs typeface="Times New Roman" panose="02020603050405020304" pitchFamily="18" charset="0"/>
-              </a:rPr>
-              <a:t>FinalData</a:t>
-            </a:r>
-            <a:r>
-              <a:rPr lang="en-US" sz="2000" dirty="0">
-                <a:latin typeface="Times New Roman" panose="02020603050405020304" pitchFamily="18" charset="0"/>
-                <a:cs typeface="Times New Roman" panose="02020603050405020304" pitchFamily="18" charset="0"/>
-              </a:rPr>
-              <a:t> = </a:t>
-            </a:r>
-            <a:r>
-              <a:rPr lang="en-US" sz="2000" dirty="0" err="1">
-                <a:latin typeface="Times New Roman" panose="02020603050405020304" pitchFamily="18" charset="0"/>
-                <a:cs typeface="Times New Roman" panose="02020603050405020304" pitchFamily="18" charset="0"/>
-              </a:rPr>
-              <a:t>RowFeatureVector</a:t>
-            </a:r>
-            <a:r>
-              <a:rPr lang="en-US" sz="2000" dirty="0">
-                <a:latin typeface="Times New Roman" panose="02020603050405020304" pitchFamily="18" charset="0"/>
-                <a:cs typeface="Times New Roman" panose="02020603050405020304" pitchFamily="18" charset="0"/>
-              </a:rPr>
-              <a:t> x </a:t>
-            </a:r>
-            <a:r>
-              <a:rPr lang="en-US" sz="2000" dirty="0" err="1">
-                <a:latin typeface="Times New Roman" panose="02020603050405020304" pitchFamily="18" charset="0"/>
-                <a:cs typeface="Times New Roman" panose="02020603050405020304" pitchFamily="18" charset="0"/>
-              </a:rPr>
-              <a:t>RowDataAdjust</a:t>
-            </a:r>
-            <a:endParaRPr lang="en-US" sz="2000" dirty="0">
-              <a:latin typeface="Times New Roman" panose="02020603050405020304" pitchFamily="18" charset="0"/>
-              <a:cs typeface="Times New Roman" panose="02020603050405020304" pitchFamily="18" charset="0"/>
-            </a:endParaRPr>
-          </a:p>
         </p:txBody>
       </p:sp>
       <p:sp>
         <p:nvSpPr>
-          <p:cNvPr id="5" name="Slide Number Placeholder 4"/>
+          <p:cNvPr id="6" name="Slide Number Placeholder 4"/>
           <p:cNvSpPr>
             <a:spLocks noGrp="1"/>
           </p:cNvSpPr>
@@ -5049,8 +5276,8 @@
         </p:nvSpPr>
         <p:spPr>
           <a:xfrm>
-            <a:off x="8610600" y="6482968"/>
-            <a:ext cx="2743200" cy="365125"/>
+            <a:off x="8610600" y="6511104"/>
+            <a:ext cx="3135924" cy="365125"/>
           </a:xfrm>
         </p:spPr>
         <p:txBody>
@@ -5062,7 +5289,42 @@
               <a:pPr/>
               <a:t>12</a:t>
             </a:fld>
-            <a:endParaRPr lang="en-US" dirty="0"/>
+            <a:r>
+              <a:rPr lang="en-US" dirty="0"/>
+              <a:t>/27</a:t>
+            </a:r>
+          </a:p>
+        </p:txBody>
+      </p:sp>
+      <p:sp>
+        <p:nvSpPr>
+          <p:cNvPr id="2" name="TextBox 1"/>
+          <p:cNvSpPr txBox="1"/>
+          <p:nvPr/>
+        </p:nvSpPr>
+        <p:spPr>
+          <a:xfrm>
+            <a:off x="2180492" y="1094854"/>
+            <a:ext cx="4589974" cy="400110"/>
+          </a:xfrm>
+          <a:prstGeom prst="rect">
+            <a:avLst/>
+          </a:prstGeom>
+          <a:noFill/>
+        </p:spPr>
+        <p:txBody>
+          <a:bodyPr wrap="none" rtlCol="0">
+            <a:spAutoFit/>
+          </a:bodyPr>
+          <a:lstStyle/>
+          <a:p>
+            <a:r>
+              <a:rPr lang="en-US" sz="2000" b="1" dirty="0">
+                <a:latin typeface="Times New Roman" panose="02020603050405020304" pitchFamily="18" charset="0"/>
+                <a:cs typeface="Times New Roman" panose="02020603050405020304" pitchFamily="18" charset="0"/>
+              </a:rPr>
+              <a:t>Steps of Principal Component  Analysis:</a:t>
+            </a:r>
           </a:p>
         </p:txBody>
       </p:sp>
@@ -5076,12 +5338,12 @@
   <p:clrMapOvr>
     <a:masterClrMapping/>
   </p:clrMapOvr>
-  <mc:AlternateContent xmlns:mc="http://schemas.openxmlformats.org/markup-compatibility/2006" xmlns:p14="http://schemas.microsoft.com/office/powerpoint/2010/main">
-    <mc:Choice Requires="p14">
-      <p:transition spd="slow" p14:dur="2000" advTm="16321"/>
+  <mc:AlternateContent xmlns:mc="http://schemas.openxmlformats.org/markup-compatibility/2006">
+    <mc:Choice xmlns:p14="http://schemas.microsoft.com/office/powerpoint/2010/main" Requires="p14">
+      <p:transition p14:dur="10"/>
     </mc:Choice>
-    <mc:Fallback xmlns="">
-      <p:transition spd="slow" advTm="16321"/>
+    <mc:Fallback>
+      <p:transition/>
     </mc:Fallback>
   </mc:AlternateContent>
 </p:sld>
@@ -5526,163 +5788,7 @@
       </p:sp>
       <p:sp>
         <p:nvSpPr>
-          <p:cNvPr id="21" name="Arrow: Up-Down 20"/>
-          <p:cNvSpPr/>
-          <p:nvPr/>
-        </p:nvSpPr>
-        <p:spPr>
-          <a:xfrm>
-            <a:off x="482035" y="2546252"/>
-            <a:ext cx="294883" cy="1227964"/>
-          </a:xfrm>
-          <a:prstGeom prst="upDownArrow">
-            <a:avLst/>
-          </a:prstGeom>
-          <a:ln/>
-        </p:spPr>
-        <p:style>
-          <a:lnRef idx="2">
-            <a:schemeClr val="accent1"/>
-          </a:lnRef>
-          <a:fillRef idx="1">
-            <a:schemeClr val="lt1"/>
-          </a:fillRef>
-          <a:effectRef idx="0">
-            <a:schemeClr val="accent1"/>
-          </a:effectRef>
-          <a:fontRef idx="minor">
-            <a:schemeClr val="dk1"/>
-          </a:fontRef>
-        </p:style>
-        <p:txBody>
-          <a:bodyPr rtlCol="0" anchor="ctr"/>
-          <a:lstStyle/>
-          <a:p>
-            <a:pPr algn="ctr"/>
-            <a:endParaRPr lang="en-US"/>
-          </a:p>
-        </p:txBody>
-      </p:sp>
-      <p:sp>
-        <p:nvSpPr>
-          <p:cNvPr id="35" name="Arrow: Up-Down 34"/>
-          <p:cNvSpPr/>
-          <p:nvPr/>
-        </p:nvSpPr>
-        <p:spPr>
-          <a:xfrm>
-            <a:off x="3655617" y="2560430"/>
-            <a:ext cx="294883" cy="1227964"/>
-          </a:xfrm>
-          <a:prstGeom prst="upDownArrow">
-            <a:avLst/>
-          </a:prstGeom>
-          <a:ln/>
-        </p:spPr>
-        <p:style>
-          <a:lnRef idx="2">
-            <a:schemeClr val="accent1"/>
-          </a:lnRef>
-          <a:fillRef idx="1">
-            <a:schemeClr val="lt1"/>
-          </a:fillRef>
-          <a:effectRef idx="0">
-            <a:schemeClr val="accent1"/>
-          </a:effectRef>
-          <a:fontRef idx="minor">
-            <a:schemeClr val="dk1"/>
-          </a:fontRef>
-        </p:style>
-        <p:txBody>
-          <a:bodyPr rtlCol="0" anchor="ctr"/>
-          <a:lstStyle/>
-          <a:p>
-            <a:pPr algn="ctr"/>
-            <a:endParaRPr lang="en-US"/>
-          </a:p>
-        </p:txBody>
-      </p:sp>
-      <p:sp>
-        <p:nvSpPr>
-          <p:cNvPr id="36" name="Arrow: Up-Down 35"/>
-          <p:cNvSpPr/>
-          <p:nvPr/>
-        </p:nvSpPr>
-        <p:spPr>
-          <a:xfrm>
-            <a:off x="6852953" y="2486715"/>
-            <a:ext cx="294883" cy="1227964"/>
-          </a:xfrm>
-          <a:prstGeom prst="upDownArrow">
-            <a:avLst/>
-          </a:prstGeom>
-          <a:ln/>
-        </p:spPr>
-        <p:style>
-          <a:lnRef idx="2">
-            <a:schemeClr val="accent1"/>
-          </a:lnRef>
-          <a:fillRef idx="1">
-            <a:schemeClr val="lt1"/>
-          </a:fillRef>
-          <a:effectRef idx="0">
-            <a:schemeClr val="accent1"/>
-          </a:effectRef>
-          <a:fontRef idx="minor">
-            <a:schemeClr val="dk1"/>
-          </a:fontRef>
-        </p:style>
-        <p:txBody>
-          <a:bodyPr rtlCol="0" anchor="ctr"/>
-          <a:lstStyle/>
-          <a:p>
-            <a:pPr algn="ctr"/>
-            <a:endParaRPr lang="en-US"/>
-          </a:p>
-        </p:txBody>
-      </p:sp>
-      <p:sp>
-        <p:nvSpPr>
-          <p:cNvPr id="37" name="Arrow: Up-Down 36"/>
-          <p:cNvSpPr/>
-          <p:nvPr/>
-        </p:nvSpPr>
-        <p:spPr>
-          <a:xfrm>
-            <a:off x="9687317" y="2556621"/>
-            <a:ext cx="294883" cy="1227964"/>
-          </a:xfrm>
-          <a:prstGeom prst="upDownArrow">
-            <a:avLst/>
-          </a:prstGeom>
-          <a:ln/>
-        </p:spPr>
-        <p:style>
-          <a:lnRef idx="2">
-            <a:schemeClr val="accent1"/>
-          </a:lnRef>
-          <a:fillRef idx="1">
-            <a:schemeClr val="lt1"/>
-          </a:fillRef>
-          <a:effectRef idx="0">
-            <a:schemeClr val="accent1"/>
-          </a:effectRef>
-          <a:fontRef idx="minor">
-            <a:schemeClr val="dk1"/>
-          </a:fontRef>
-        </p:style>
-        <p:txBody>
-          <a:bodyPr rtlCol="0" anchor="ctr"/>
-          <a:lstStyle/>
-          <a:p>
-            <a:pPr algn="ctr"/>
-            <a:endParaRPr lang="en-US"/>
-          </a:p>
-        </p:txBody>
-      </p:sp>
-      <p:sp>
-        <p:nvSpPr>
-          <p:cNvPr id="5" name="Slide Number Placeholder 4"/>
+          <p:cNvPr id="24" name="Slide Number Placeholder 4"/>
           <p:cNvSpPr>
             <a:spLocks noGrp="1"/>
           </p:cNvSpPr>
@@ -5692,8 +5798,8 @@
         </p:nvSpPr>
         <p:spPr>
           <a:xfrm>
-            <a:off x="8610600" y="6482968"/>
-            <a:ext cx="2743200" cy="365125"/>
+            <a:off x="8610600" y="6511104"/>
+            <a:ext cx="3135924" cy="365125"/>
           </a:xfrm>
         </p:spPr>
         <p:txBody>
@@ -5705,7 +5811,55 @@
               <a:pPr/>
               <a:t>13</a:t>
             </a:fld>
-            <a:endParaRPr lang="en-US" dirty="0"/>
+            <a:r>
+              <a:rPr lang="en-US" dirty="0"/>
+              <a:t>/27</a:t>
+            </a:r>
+          </a:p>
+        </p:txBody>
+      </p:sp>
+      <p:sp>
+        <p:nvSpPr>
+          <p:cNvPr id="4" name="Arrow: Curved Right 3"/>
+          <p:cNvSpPr/>
+          <p:nvPr/>
+        </p:nvSpPr>
+        <p:spPr>
+          <a:xfrm>
+            <a:off x="89080" y="2522583"/>
+            <a:ext cx="429898" cy="1322363"/>
+          </a:xfrm>
+          <a:prstGeom prst="curvedRightArrow">
+            <a:avLst/>
+          </a:prstGeom>
+          <a:ln w="19050"/>
+        </p:spPr>
+        <p:style>
+          <a:lnRef idx="2">
+            <a:schemeClr val="dk1"/>
+          </a:lnRef>
+          <a:fillRef idx="1">
+            <a:schemeClr val="lt1"/>
+          </a:fillRef>
+          <a:effectRef idx="0">
+            <a:schemeClr val="dk1"/>
+          </a:effectRef>
+          <a:fontRef idx="minor">
+            <a:schemeClr val="dk1"/>
+          </a:fontRef>
+        </p:style>
+        <p:txBody>
+          <a:bodyPr rtlCol="0" anchor="ctr"/>
+          <a:lstStyle/>
+          <a:p>
+            <a:pPr algn="ctr"/>
+            <a:endParaRPr lang="en-US" dirty="0">
+              <a:solidFill>
+                <a:schemeClr val="tx1"/>
+              </a:solidFill>
+              <a:latin typeface="Times New Roman" panose="02020603050405020304" pitchFamily="18" charset="0"/>
+              <a:cs typeface="Times New Roman" panose="02020603050405020304" pitchFamily="18" charset="0"/>
+            </a:endParaRPr>
           </a:p>
         </p:txBody>
       </p:sp>
@@ -5722,12 +5876,12 @@
   <p:clrMapOvr>
     <a:masterClrMapping/>
   </p:clrMapOvr>
-  <mc:AlternateContent xmlns:mc="http://schemas.openxmlformats.org/markup-compatibility/2006" xmlns:p14="http://schemas.microsoft.com/office/powerpoint/2010/main">
-    <mc:Choice Requires="p14">
-      <p:transition spd="slow" p14:dur="2000" advTm="50326"/>
+  <mc:AlternateContent xmlns:mc="http://schemas.openxmlformats.org/markup-compatibility/2006">
+    <mc:Choice xmlns:p14="http://schemas.microsoft.com/office/powerpoint/2010/main" Requires="p14">
+      <p:transition p14:dur="10"/>
     </mc:Choice>
-    <mc:Fallback xmlns="">
-      <p:transition spd="slow" advTm="50326"/>
+    <mc:Fallback>
+      <p:transition/>
     </mc:Fallback>
   </mc:AlternateContent>
   <p:timing>
@@ -6255,7 +6409,7 @@
                             </p:stCondLst>
                             <p:childTnLst>
                               <p:par>
-                                <p:cTn id="37" presetID="42" presetClass="entr" presetSubtype="0" fill="hold" grpId="0" nodeType="clickEffect">
+                                <p:cTn id="37" presetID="2" presetClass="entr" presetSubtype="4" fill="hold" grpId="0" nodeType="clickEffect">
                                   <p:stCondLst>
                                     <p:cond delay="0"/>
                                   </p:stCondLst>
@@ -6268,7 +6422,7 @@
                                           </p:stCondLst>
                                         </p:cTn>
                                         <p:tgtEl>
-                                          <p:spTgt spid="21"/>
+                                          <p:spTgt spid="4"/>
                                         </p:tgtEl>
                                         <p:attrNameLst>
                                           <p:attrName>style.visibility</p:attrName>
@@ -6278,19 +6432,11 @@
                                         <p:strVal val="visible"/>
                                       </p:to>
                                     </p:set>
-                                    <p:animEffect transition="in" filter="fade">
-                                      <p:cBhvr>
-                                        <p:cTn id="39" dur="1000"/>
+                                    <p:anim calcmode="lin" valueType="num">
+                                      <p:cBhvr additive="base">
+                                        <p:cTn id="39" dur="500" fill="hold"/>
                                         <p:tgtEl>
-                                          <p:spTgt spid="21"/>
-                                        </p:tgtEl>
-                                      </p:cBhvr>
-                                    </p:animEffect>
-                                    <p:anim calcmode="lin" valueType="num">
-                                      <p:cBhvr>
-                                        <p:cTn id="40" dur="1000" fill="hold"/>
-                                        <p:tgtEl>
-                                          <p:spTgt spid="21"/>
+                                          <p:spTgt spid="4"/>
                                         </p:tgtEl>
                                         <p:attrNameLst>
                                           <p:attrName>ppt_x</p:attrName>
@@ -6310,10 +6456,10 @@
                                       </p:tavLst>
                                     </p:anim>
                                     <p:anim calcmode="lin" valueType="num">
-                                      <p:cBhvr>
-                                        <p:cTn id="41" dur="1000" fill="hold"/>
+                                      <p:cBhvr additive="base">
+                                        <p:cTn id="40" dur="500" fill="hold"/>
                                         <p:tgtEl>
-                                          <p:spTgt spid="21"/>
+                                          <p:spTgt spid="4"/>
                                         </p:tgtEl>
                                         <p:attrNameLst>
                                           <p:attrName>ppt_y</p:attrName>
@@ -6322,250 +6468,7 @@
                                       <p:tavLst>
                                         <p:tav tm="0">
                                           <p:val>
-                                            <p:strVal val="#ppt_y+.1"/>
-                                          </p:val>
-                                        </p:tav>
-                                        <p:tav tm="100000">
-                                          <p:val>
-                                            <p:strVal val="#ppt_y"/>
-                                          </p:val>
-                                        </p:tav>
-                                      </p:tavLst>
-                                    </p:anim>
-                                  </p:childTnLst>
-                                </p:cTn>
-                              </p:par>
-                              <p:par>
-                                <p:cTn id="42" presetID="42" presetClass="entr" presetSubtype="0" fill="hold" grpId="0" nodeType="withEffect">
-                                  <p:stCondLst>
-                                    <p:cond delay="0"/>
-                                  </p:stCondLst>
-                                  <p:childTnLst>
-                                    <p:set>
-                                      <p:cBhvr>
-                                        <p:cTn id="43" dur="1" fill="hold">
-                                          <p:stCondLst>
-                                            <p:cond delay="0"/>
-                                          </p:stCondLst>
-                                        </p:cTn>
-                                        <p:tgtEl>
-                                          <p:spTgt spid="35"/>
-                                        </p:tgtEl>
-                                        <p:attrNameLst>
-                                          <p:attrName>style.visibility</p:attrName>
-                                        </p:attrNameLst>
-                                      </p:cBhvr>
-                                      <p:to>
-                                        <p:strVal val="visible"/>
-                                      </p:to>
-                                    </p:set>
-                                    <p:animEffect transition="in" filter="fade">
-                                      <p:cBhvr>
-                                        <p:cTn id="44" dur="1000"/>
-                                        <p:tgtEl>
-                                          <p:spTgt spid="35"/>
-                                        </p:tgtEl>
-                                      </p:cBhvr>
-                                    </p:animEffect>
-                                    <p:anim calcmode="lin" valueType="num">
-                                      <p:cBhvr>
-                                        <p:cTn id="45" dur="1000" fill="hold"/>
-                                        <p:tgtEl>
-                                          <p:spTgt spid="35"/>
-                                        </p:tgtEl>
-                                        <p:attrNameLst>
-                                          <p:attrName>ppt_x</p:attrName>
-                                        </p:attrNameLst>
-                                      </p:cBhvr>
-                                      <p:tavLst>
-                                        <p:tav tm="0">
-                                          <p:val>
-                                            <p:strVal val="#ppt_x"/>
-                                          </p:val>
-                                        </p:tav>
-                                        <p:tav tm="100000">
-                                          <p:val>
-                                            <p:strVal val="#ppt_x"/>
-                                          </p:val>
-                                        </p:tav>
-                                      </p:tavLst>
-                                    </p:anim>
-                                    <p:anim calcmode="lin" valueType="num">
-                                      <p:cBhvr>
-                                        <p:cTn id="46" dur="1000" fill="hold"/>
-                                        <p:tgtEl>
-                                          <p:spTgt spid="35"/>
-                                        </p:tgtEl>
-                                        <p:attrNameLst>
-                                          <p:attrName>ppt_y</p:attrName>
-                                        </p:attrNameLst>
-                                      </p:cBhvr>
-                                      <p:tavLst>
-                                        <p:tav tm="0">
-                                          <p:val>
-                                            <p:strVal val="#ppt_y+.1"/>
-                                          </p:val>
-                                        </p:tav>
-                                        <p:tav tm="100000">
-                                          <p:val>
-                                            <p:strVal val="#ppt_y"/>
-                                          </p:val>
-                                        </p:tav>
-                                      </p:tavLst>
-                                    </p:anim>
-                                  </p:childTnLst>
-                                </p:cTn>
-                              </p:par>
-                              <p:par>
-                                <p:cTn id="47" presetID="42" presetClass="entr" presetSubtype="0" fill="hold" grpId="0" nodeType="withEffect">
-                                  <p:stCondLst>
-                                    <p:cond delay="0"/>
-                                  </p:stCondLst>
-                                  <p:childTnLst>
-                                    <p:set>
-                                      <p:cBhvr>
-                                        <p:cTn id="48" dur="1" fill="hold">
-                                          <p:stCondLst>
-                                            <p:cond delay="0"/>
-                                          </p:stCondLst>
-                                        </p:cTn>
-                                        <p:tgtEl>
-                                          <p:spTgt spid="36"/>
-                                        </p:tgtEl>
-                                        <p:attrNameLst>
-                                          <p:attrName>style.visibility</p:attrName>
-                                        </p:attrNameLst>
-                                      </p:cBhvr>
-                                      <p:to>
-                                        <p:strVal val="visible"/>
-                                      </p:to>
-                                    </p:set>
-                                    <p:animEffect transition="in" filter="fade">
-                                      <p:cBhvr>
-                                        <p:cTn id="49" dur="1000"/>
-                                        <p:tgtEl>
-                                          <p:spTgt spid="36"/>
-                                        </p:tgtEl>
-                                      </p:cBhvr>
-                                    </p:animEffect>
-                                    <p:anim calcmode="lin" valueType="num">
-                                      <p:cBhvr>
-                                        <p:cTn id="50" dur="1000" fill="hold"/>
-                                        <p:tgtEl>
-                                          <p:spTgt spid="36"/>
-                                        </p:tgtEl>
-                                        <p:attrNameLst>
-                                          <p:attrName>ppt_x</p:attrName>
-                                        </p:attrNameLst>
-                                      </p:cBhvr>
-                                      <p:tavLst>
-                                        <p:tav tm="0">
-                                          <p:val>
-                                            <p:strVal val="#ppt_x"/>
-                                          </p:val>
-                                        </p:tav>
-                                        <p:tav tm="100000">
-                                          <p:val>
-                                            <p:strVal val="#ppt_x"/>
-                                          </p:val>
-                                        </p:tav>
-                                      </p:tavLst>
-                                    </p:anim>
-                                    <p:anim calcmode="lin" valueType="num">
-                                      <p:cBhvr>
-                                        <p:cTn id="51" dur="1000" fill="hold"/>
-                                        <p:tgtEl>
-                                          <p:spTgt spid="36"/>
-                                        </p:tgtEl>
-                                        <p:attrNameLst>
-                                          <p:attrName>ppt_y</p:attrName>
-                                        </p:attrNameLst>
-                                      </p:cBhvr>
-                                      <p:tavLst>
-                                        <p:tav tm="0">
-                                          <p:val>
-                                            <p:strVal val="#ppt_y+.1"/>
-                                          </p:val>
-                                        </p:tav>
-                                        <p:tav tm="100000">
-                                          <p:val>
-                                            <p:strVal val="#ppt_y"/>
-                                          </p:val>
-                                        </p:tav>
-                                      </p:tavLst>
-                                    </p:anim>
-                                  </p:childTnLst>
-                                </p:cTn>
-                              </p:par>
-                              <p:par>
-                                <p:cTn id="52" presetID="42" presetClass="entr" presetSubtype="0" fill="hold" grpId="0" nodeType="withEffect">
-                                  <p:stCondLst>
-                                    <p:cond delay="0"/>
-                                  </p:stCondLst>
-                                  <p:childTnLst>
-                                    <p:set>
-                                      <p:cBhvr>
-                                        <p:cTn id="53" dur="1" fill="hold">
-                                          <p:stCondLst>
-                                            <p:cond delay="0"/>
-                                          </p:stCondLst>
-                                        </p:cTn>
-                                        <p:tgtEl>
-                                          <p:spTgt spid="37"/>
-                                        </p:tgtEl>
-                                        <p:attrNameLst>
-                                          <p:attrName>style.visibility</p:attrName>
-                                        </p:attrNameLst>
-                                      </p:cBhvr>
-                                      <p:to>
-                                        <p:strVal val="visible"/>
-                                      </p:to>
-                                    </p:set>
-                                    <p:animEffect transition="in" filter="fade">
-                                      <p:cBhvr>
-                                        <p:cTn id="54" dur="1000"/>
-                                        <p:tgtEl>
-                                          <p:spTgt spid="37"/>
-                                        </p:tgtEl>
-                                      </p:cBhvr>
-                                    </p:animEffect>
-                                    <p:anim calcmode="lin" valueType="num">
-                                      <p:cBhvr>
-                                        <p:cTn id="55" dur="1000" fill="hold"/>
-                                        <p:tgtEl>
-                                          <p:spTgt spid="37"/>
-                                        </p:tgtEl>
-                                        <p:attrNameLst>
-                                          <p:attrName>ppt_x</p:attrName>
-                                        </p:attrNameLst>
-                                      </p:cBhvr>
-                                      <p:tavLst>
-                                        <p:tav tm="0">
-                                          <p:val>
-                                            <p:strVal val="#ppt_x"/>
-                                          </p:val>
-                                        </p:tav>
-                                        <p:tav tm="100000">
-                                          <p:val>
-                                            <p:strVal val="#ppt_x"/>
-                                          </p:val>
-                                        </p:tav>
-                                      </p:tavLst>
-                                    </p:anim>
-                                    <p:anim calcmode="lin" valueType="num">
-                                      <p:cBhvr>
-                                        <p:cTn id="56" dur="1000" fill="hold"/>
-                                        <p:tgtEl>
-                                          <p:spTgt spid="37"/>
-                                        </p:tgtEl>
-                                        <p:attrNameLst>
-                                          <p:attrName>ppt_y</p:attrName>
-                                        </p:attrNameLst>
-                                      </p:cBhvr>
-                                      <p:tavLst>
-                                        <p:tav tm="0">
-                                          <p:val>
-                                            <p:strVal val="#ppt_y+.1"/>
+                                            <p:strVal val="1+#ppt_h/2"/>
                                           </p:val>
                                         </p:tav>
                                         <p:tav tm="100000">
@@ -6608,10 +6511,7 @@
     <p:bldLst>
       <p:bldP spid="23" grpId="0"/>
       <p:bldP spid="2" grpId="0"/>
-      <p:bldP spid="21" grpId="0" animBg="1"/>
-      <p:bldP spid="35" grpId="0" animBg="1"/>
-      <p:bldP spid="36" grpId="0" animBg="1"/>
-      <p:bldP spid="37" grpId="0" animBg="1"/>
+      <p:bldP spid="4" grpId="0" animBg="1"/>
     </p:bldLst>
   </p:timing>
 </p:sld>
@@ -6848,7 +6748,7 @@
       </p:pic>
       <p:sp>
         <p:nvSpPr>
-          <p:cNvPr id="6" name="Slide Number Placeholder 5"/>
+          <p:cNvPr id="9" name="Slide Number Placeholder 4"/>
           <p:cNvSpPr>
             <a:spLocks noGrp="1"/>
           </p:cNvSpPr>
@@ -6858,8 +6758,8 @@
         </p:nvSpPr>
         <p:spPr>
           <a:xfrm>
-            <a:off x="8610600" y="6482968"/>
-            <a:ext cx="2743200" cy="365125"/>
+            <a:off x="8610600" y="6511104"/>
+            <a:ext cx="3135924" cy="365125"/>
           </a:xfrm>
         </p:spPr>
         <p:txBody>
@@ -6871,7 +6771,10 @@
               <a:pPr/>
               <a:t>14</a:t>
             </a:fld>
-            <a:endParaRPr lang="en-US" dirty="0"/>
+            <a:r>
+              <a:rPr lang="en-US" dirty="0"/>
+              <a:t>/27</a:t>
+            </a:r>
           </a:p>
         </p:txBody>
       </p:sp>
@@ -6885,12 +6788,12 @@
   <p:clrMapOvr>
     <a:masterClrMapping/>
   </p:clrMapOvr>
-  <mc:AlternateContent xmlns:mc="http://schemas.openxmlformats.org/markup-compatibility/2006" xmlns:p14="http://schemas.microsoft.com/office/powerpoint/2010/main">
-    <mc:Choice Requires="p14">
-      <p:transition spd="slow" p14:dur="2000" advTm="10111"/>
+  <mc:AlternateContent xmlns:mc="http://schemas.openxmlformats.org/markup-compatibility/2006">
+    <mc:Choice xmlns:p14="http://schemas.microsoft.com/office/powerpoint/2010/main" Requires="p14">
+      <p:transition p14:dur="10"/>
     </mc:Choice>
-    <mc:Fallback xmlns="">
-      <p:transition spd="slow" advTm="10111"/>
+    <mc:Fallback>
+      <p:transition/>
     </mc:Fallback>
   </mc:AlternateContent>
 </p:sld>
@@ -7044,8 +6947,8 @@
         </p:blipFill>
         <p:spPr>
           <a:xfrm>
-            <a:off x="8145193" y="3523321"/>
-            <a:ext cx="3502856" cy="2340037"/>
+            <a:off x="8001033" y="3427017"/>
+            <a:ext cx="3647016" cy="2436341"/>
           </a:xfrm>
           <a:prstGeom prst="rect">
             <a:avLst/>
@@ -7187,20 +7090,48 @@
               <a:buChar char="v"/>
             </a:pPr>
             <a:r>
+              <a:rPr lang="en-US" sz="2000" b="1" dirty="0">
+                <a:latin typeface="Times New Roman" panose="02020603050405020304" pitchFamily="18" charset="0"/>
+                <a:cs typeface="Times New Roman" panose="02020603050405020304" pitchFamily="18" charset="0"/>
+              </a:rPr>
+              <a:t>PC 8</a:t>
+            </a:r>
+            <a:r>
               <a:rPr lang="en-US" sz="2000" dirty="0">
                 <a:latin typeface="Times New Roman" panose="02020603050405020304" pitchFamily="18" charset="0"/>
                 <a:cs typeface="Times New Roman" panose="02020603050405020304" pitchFamily="18" charset="0"/>
               </a:rPr>
-              <a:t>Here though PC 8 has high variance but it contains </a:t>
-            </a:r>
-          </a:p>
-          <a:p>
+              <a:t> has </a:t>
+            </a:r>
+            <a:r>
+              <a:rPr lang="en-US" sz="2000" b="1" dirty="0">
+                <a:latin typeface="Times New Roman" panose="02020603050405020304" pitchFamily="18" charset="0"/>
+                <a:cs typeface="Times New Roman" panose="02020603050405020304" pitchFamily="18" charset="0"/>
+              </a:rPr>
+              <a:t>high variance </a:t>
+            </a:r>
             <a:r>
               <a:rPr lang="en-US" sz="2000" dirty="0">
                 <a:latin typeface="Times New Roman" panose="02020603050405020304" pitchFamily="18" charset="0"/>
                 <a:cs typeface="Times New Roman" panose="02020603050405020304" pitchFamily="18" charset="0"/>
               </a:rPr>
-              <a:t>     less information of image contents.</a:t>
+              <a:t>but it contains </a:t>
+            </a:r>
+          </a:p>
+          <a:p>
+            <a:r>
+              <a:rPr lang="en-US" sz="2000" b="1" dirty="0">
+                <a:latin typeface="Times New Roman" panose="02020603050405020304" pitchFamily="18" charset="0"/>
+                <a:cs typeface="Times New Roman" panose="02020603050405020304" pitchFamily="18" charset="0"/>
+              </a:rPr>
+              <a:t>     less information </a:t>
+            </a:r>
+            <a:r>
+              <a:rPr lang="en-US" sz="2000" dirty="0">
+                <a:latin typeface="Times New Roman" panose="02020603050405020304" pitchFamily="18" charset="0"/>
+                <a:cs typeface="Times New Roman" panose="02020603050405020304" pitchFamily="18" charset="0"/>
+              </a:rPr>
+              <a:t>of image contents.</a:t>
             </a:r>
           </a:p>
           <a:p>
@@ -7222,16 +7153,58 @@
                 <a:latin typeface="Times New Roman" panose="02020603050405020304" pitchFamily="18" charset="0"/>
                 <a:cs typeface="Times New Roman" panose="02020603050405020304" pitchFamily="18" charset="0"/>
               </a:rPr>
-              <a:t> On the other hand PC 9 has low variance but it contains</a:t>
-            </a:r>
-          </a:p>
-          <a:p>
+              <a:t> On the other hand </a:t>
+            </a:r>
+            <a:r>
+              <a:rPr lang="en-US" sz="2000" b="1" dirty="0">
+                <a:latin typeface="Times New Roman" panose="02020603050405020304" pitchFamily="18" charset="0"/>
+                <a:cs typeface="Times New Roman" panose="02020603050405020304" pitchFamily="18" charset="0"/>
+              </a:rPr>
+              <a:t>PC 9 </a:t>
+            </a:r>
             <a:r>
               <a:rPr lang="en-US" sz="2000" dirty="0">
                 <a:latin typeface="Times New Roman" panose="02020603050405020304" pitchFamily="18" charset="0"/>
                 <a:cs typeface="Times New Roman" panose="02020603050405020304" pitchFamily="18" charset="0"/>
               </a:rPr>
-              <a:t>      more information of image contents.</a:t>
+              <a:t>has </a:t>
+            </a:r>
+            <a:r>
+              <a:rPr lang="en-US" sz="2000" b="1" dirty="0">
+                <a:latin typeface="Times New Roman" panose="02020603050405020304" pitchFamily="18" charset="0"/>
+                <a:cs typeface="Times New Roman" panose="02020603050405020304" pitchFamily="18" charset="0"/>
+              </a:rPr>
+              <a:t>low variance </a:t>
+            </a:r>
+            <a:r>
+              <a:rPr lang="en-US" sz="2000" dirty="0">
+                <a:latin typeface="Times New Roman" panose="02020603050405020304" pitchFamily="18" charset="0"/>
+                <a:cs typeface="Times New Roman" panose="02020603050405020304" pitchFamily="18" charset="0"/>
+              </a:rPr>
+              <a:t>but it contains</a:t>
+            </a:r>
+          </a:p>
+          <a:p>
+            <a:r>
+              <a:rPr lang="en-US" sz="2000" dirty="0">
+                <a:latin typeface="Times New Roman" panose="02020603050405020304" pitchFamily="18" charset="0"/>
+                <a:cs typeface="Times New Roman" panose="02020603050405020304" pitchFamily="18" charset="0"/>
+              </a:rPr>
+              <a:t>      </a:t>
+            </a:r>
+            <a:r>
+              <a:rPr lang="en-US" sz="2000" b="1" dirty="0">
+                <a:latin typeface="Times New Roman" panose="02020603050405020304" pitchFamily="18" charset="0"/>
+                <a:cs typeface="Times New Roman" panose="02020603050405020304" pitchFamily="18" charset="0"/>
+              </a:rPr>
+              <a:t>more information </a:t>
+            </a:r>
+            <a:r>
+              <a:rPr lang="en-US" sz="2000" dirty="0">
+                <a:latin typeface="Times New Roman" panose="02020603050405020304" pitchFamily="18" charset="0"/>
+                <a:cs typeface="Times New Roman" panose="02020603050405020304" pitchFamily="18" charset="0"/>
+              </a:rPr>
+              <a:t>of image contents.</a:t>
             </a:r>
           </a:p>
           <a:p>
@@ -7250,7 +7223,7 @@
       </p:sp>
       <p:sp>
         <p:nvSpPr>
-          <p:cNvPr id="11" name="Slide Number Placeholder 10"/>
+          <p:cNvPr id="10" name="Slide Number Placeholder 4"/>
           <p:cNvSpPr>
             <a:spLocks noGrp="1"/>
           </p:cNvSpPr>
@@ -7260,8 +7233,8 @@
         </p:nvSpPr>
         <p:spPr>
           <a:xfrm>
-            <a:off x="8610600" y="6482968"/>
-            <a:ext cx="2743200" cy="365125"/>
+            <a:off x="8610600" y="6511104"/>
+            <a:ext cx="3135924" cy="365125"/>
           </a:xfrm>
         </p:spPr>
         <p:txBody>
@@ -7273,7 +7246,10 @@
               <a:pPr/>
               <a:t>15</a:t>
             </a:fld>
-            <a:endParaRPr lang="en-US" dirty="0"/>
+            <a:r>
+              <a:rPr lang="en-US" dirty="0"/>
+              <a:t>/27</a:t>
+            </a:r>
           </a:p>
         </p:txBody>
       </p:sp>
@@ -7287,14 +7263,376 @@
   <p:clrMapOvr>
     <a:masterClrMapping/>
   </p:clrMapOvr>
-  <mc:AlternateContent xmlns:mc="http://schemas.openxmlformats.org/markup-compatibility/2006" xmlns:p14="http://schemas.microsoft.com/office/powerpoint/2010/main">
-    <mc:Choice Requires="p14">
-      <p:transition spd="slow" p14:dur="2000" advTm="19562"/>
+  <mc:AlternateContent xmlns:mc="http://schemas.openxmlformats.org/markup-compatibility/2006">
+    <mc:Choice xmlns:p14="http://schemas.microsoft.com/office/powerpoint/2010/main" Requires="p14">
+      <p:transition p14:dur="10"/>
     </mc:Choice>
-    <mc:Fallback xmlns="">
-      <p:transition spd="slow" advTm="19562"/>
+    <mc:Fallback>
+      <p:transition/>
     </mc:Fallback>
   </mc:AlternateContent>
+  <p:timing>
+    <p:tnLst>
+      <p:par>
+        <p:cTn id="1" dur="indefinite" restart="never" nodeType="tmRoot">
+          <p:childTnLst>
+            <p:seq concurrent="1" nextAc="seek">
+              <p:cTn id="2" dur="indefinite" nodeType="mainSeq">
+                <p:childTnLst>
+                  <p:par>
+                    <p:cTn id="3" fill="hold">
+                      <p:stCondLst>
+                        <p:cond delay="indefinite"/>
+                      </p:stCondLst>
+                      <p:childTnLst>
+                        <p:par>
+                          <p:cTn id="4" fill="hold">
+                            <p:stCondLst>
+                              <p:cond delay="0"/>
+                            </p:stCondLst>
+                            <p:childTnLst>
+                              <p:par>
+                                <p:cTn id="5" presetID="2" presetClass="entr" presetSubtype="4" fill="hold" nodeType="clickEffect">
+                                  <p:stCondLst>
+                                    <p:cond delay="0"/>
+                                  </p:stCondLst>
+                                  <p:childTnLst>
+                                    <p:set>
+                                      <p:cBhvr>
+                                        <p:cTn id="6" dur="1" fill="hold">
+                                          <p:stCondLst>
+                                            <p:cond delay="0"/>
+                                          </p:stCondLst>
+                                        </p:cTn>
+                                        <p:tgtEl>
+                                          <p:spTgt spid="3"/>
+                                        </p:tgtEl>
+                                        <p:attrNameLst>
+                                          <p:attrName>style.visibility</p:attrName>
+                                        </p:attrNameLst>
+                                      </p:cBhvr>
+                                      <p:to>
+                                        <p:strVal val="visible"/>
+                                      </p:to>
+                                    </p:set>
+                                    <p:anim calcmode="lin" valueType="num">
+                                      <p:cBhvr additive="base">
+                                        <p:cTn id="7" dur="500" fill="hold"/>
+                                        <p:tgtEl>
+                                          <p:spTgt spid="3"/>
+                                        </p:tgtEl>
+                                        <p:attrNameLst>
+                                          <p:attrName>ppt_x</p:attrName>
+                                        </p:attrNameLst>
+                                      </p:cBhvr>
+                                      <p:tavLst>
+                                        <p:tav tm="0">
+                                          <p:val>
+                                            <p:strVal val="#ppt_x"/>
+                                          </p:val>
+                                        </p:tav>
+                                        <p:tav tm="100000">
+                                          <p:val>
+                                            <p:strVal val="#ppt_x"/>
+                                          </p:val>
+                                        </p:tav>
+                                      </p:tavLst>
+                                    </p:anim>
+                                    <p:anim calcmode="lin" valueType="num">
+                                      <p:cBhvr additive="base">
+                                        <p:cTn id="8" dur="500" fill="hold"/>
+                                        <p:tgtEl>
+                                          <p:spTgt spid="3"/>
+                                        </p:tgtEl>
+                                        <p:attrNameLst>
+                                          <p:attrName>ppt_y</p:attrName>
+                                        </p:attrNameLst>
+                                      </p:cBhvr>
+                                      <p:tavLst>
+                                        <p:tav tm="0">
+                                          <p:val>
+                                            <p:strVal val="1+#ppt_h/2"/>
+                                          </p:val>
+                                        </p:tav>
+                                        <p:tav tm="100000">
+                                          <p:val>
+                                            <p:strVal val="#ppt_y"/>
+                                          </p:val>
+                                        </p:tav>
+                                      </p:tavLst>
+                                    </p:anim>
+                                  </p:childTnLst>
+                                </p:cTn>
+                              </p:par>
+                              <p:par>
+                                <p:cTn id="9" presetID="2" presetClass="entr" presetSubtype="4" fill="hold" grpId="0" nodeType="withEffect">
+                                  <p:stCondLst>
+                                    <p:cond delay="0"/>
+                                  </p:stCondLst>
+                                  <p:childTnLst>
+                                    <p:set>
+                                      <p:cBhvr>
+                                        <p:cTn id="10" dur="1" fill="hold">
+                                          <p:stCondLst>
+                                            <p:cond delay="0"/>
+                                          </p:stCondLst>
+                                        </p:cTn>
+                                        <p:tgtEl>
+                                          <p:spTgt spid="6"/>
+                                        </p:tgtEl>
+                                        <p:attrNameLst>
+                                          <p:attrName>style.visibility</p:attrName>
+                                        </p:attrNameLst>
+                                      </p:cBhvr>
+                                      <p:to>
+                                        <p:strVal val="visible"/>
+                                      </p:to>
+                                    </p:set>
+                                    <p:anim calcmode="lin" valueType="num">
+                                      <p:cBhvr additive="base">
+                                        <p:cTn id="11" dur="500" fill="hold"/>
+                                        <p:tgtEl>
+                                          <p:spTgt spid="6"/>
+                                        </p:tgtEl>
+                                        <p:attrNameLst>
+                                          <p:attrName>ppt_x</p:attrName>
+                                        </p:attrNameLst>
+                                      </p:cBhvr>
+                                      <p:tavLst>
+                                        <p:tav tm="0">
+                                          <p:val>
+                                            <p:strVal val="#ppt_x"/>
+                                          </p:val>
+                                        </p:tav>
+                                        <p:tav tm="100000">
+                                          <p:val>
+                                            <p:strVal val="#ppt_x"/>
+                                          </p:val>
+                                        </p:tav>
+                                      </p:tavLst>
+                                    </p:anim>
+                                    <p:anim calcmode="lin" valueType="num">
+                                      <p:cBhvr additive="base">
+                                        <p:cTn id="12" dur="500" fill="hold"/>
+                                        <p:tgtEl>
+                                          <p:spTgt spid="6"/>
+                                        </p:tgtEl>
+                                        <p:attrNameLst>
+                                          <p:attrName>ppt_y</p:attrName>
+                                        </p:attrNameLst>
+                                      </p:cBhvr>
+                                      <p:tavLst>
+                                        <p:tav tm="0">
+                                          <p:val>
+                                            <p:strVal val="1+#ppt_h/2"/>
+                                          </p:val>
+                                        </p:tav>
+                                        <p:tav tm="100000">
+                                          <p:val>
+                                            <p:strVal val="#ppt_y"/>
+                                          </p:val>
+                                        </p:tav>
+                                      </p:tavLst>
+                                    </p:anim>
+                                  </p:childTnLst>
+                                </p:cTn>
+                              </p:par>
+                            </p:childTnLst>
+                          </p:cTn>
+                        </p:par>
+                      </p:childTnLst>
+                    </p:cTn>
+                  </p:par>
+                  <p:par>
+                    <p:cTn id="13" fill="hold">
+                      <p:stCondLst>
+                        <p:cond delay="indefinite"/>
+                      </p:stCondLst>
+                      <p:childTnLst>
+                        <p:par>
+                          <p:cTn id="14" fill="hold">
+                            <p:stCondLst>
+                              <p:cond delay="0"/>
+                            </p:stCondLst>
+                            <p:childTnLst>
+                              <p:par>
+                                <p:cTn id="15" presetID="2" presetClass="entr" presetSubtype="4" fill="hold" nodeType="clickEffect">
+                                  <p:stCondLst>
+                                    <p:cond delay="0"/>
+                                  </p:stCondLst>
+                                  <p:childTnLst>
+                                    <p:set>
+                                      <p:cBhvr>
+                                        <p:cTn id="16" dur="1" fill="hold">
+                                          <p:stCondLst>
+                                            <p:cond delay="0"/>
+                                          </p:stCondLst>
+                                        </p:cTn>
+                                        <p:tgtEl>
+                                          <p:spTgt spid="5"/>
+                                        </p:tgtEl>
+                                        <p:attrNameLst>
+                                          <p:attrName>style.visibility</p:attrName>
+                                        </p:attrNameLst>
+                                      </p:cBhvr>
+                                      <p:to>
+                                        <p:strVal val="visible"/>
+                                      </p:to>
+                                    </p:set>
+                                    <p:anim calcmode="lin" valueType="num">
+                                      <p:cBhvr additive="base">
+                                        <p:cTn id="17" dur="500" fill="hold"/>
+                                        <p:tgtEl>
+                                          <p:spTgt spid="5"/>
+                                        </p:tgtEl>
+                                        <p:attrNameLst>
+                                          <p:attrName>ppt_x</p:attrName>
+                                        </p:attrNameLst>
+                                      </p:cBhvr>
+                                      <p:tavLst>
+                                        <p:tav tm="0">
+                                          <p:val>
+                                            <p:strVal val="#ppt_x"/>
+                                          </p:val>
+                                        </p:tav>
+                                        <p:tav tm="100000">
+                                          <p:val>
+                                            <p:strVal val="#ppt_x"/>
+                                          </p:val>
+                                        </p:tav>
+                                      </p:tavLst>
+                                    </p:anim>
+                                    <p:anim calcmode="lin" valueType="num">
+                                      <p:cBhvr additive="base">
+                                        <p:cTn id="18" dur="500" fill="hold"/>
+                                        <p:tgtEl>
+                                          <p:spTgt spid="5"/>
+                                        </p:tgtEl>
+                                        <p:attrNameLst>
+                                          <p:attrName>ppt_y</p:attrName>
+                                        </p:attrNameLst>
+                                      </p:cBhvr>
+                                      <p:tavLst>
+                                        <p:tav tm="0">
+                                          <p:val>
+                                            <p:strVal val="1+#ppt_h/2"/>
+                                          </p:val>
+                                        </p:tav>
+                                        <p:tav tm="100000">
+                                          <p:val>
+                                            <p:strVal val="#ppt_y"/>
+                                          </p:val>
+                                        </p:tav>
+                                      </p:tavLst>
+                                    </p:anim>
+                                  </p:childTnLst>
+                                </p:cTn>
+                              </p:par>
+                              <p:par>
+                                <p:cTn id="19" presetID="2" presetClass="entr" presetSubtype="4" fill="hold" grpId="0" nodeType="withEffect">
+                                  <p:stCondLst>
+                                    <p:cond delay="0"/>
+                                  </p:stCondLst>
+                                  <p:childTnLst>
+                                    <p:set>
+                                      <p:cBhvr>
+                                        <p:cTn id="20" dur="1" fill="hold">
+                                          <p:stCondLst>
+                                            <p:cond delay="0"/>
+                                          </p:stCondLst>
+                                        </p:cTn>
+                                        <p:tgtEl>
+                                          <p:spTgt spid="9"/>
+                                        </p:tgtEl>
+                                        <p:attrNameLst>
+                                          <p:attrName>style.visibility</p:attrName>
+                                        </p:attrNameLst>
+                                      </p:cBhvr>
+                                      <p:to>
+                                        <p:strVal val="visible"/>
+                                      </p:to>
+                                    </p:set>
+                                    <p:anim calcmode="lin" valueType="num">
+                                      <p:cBhvr additive="base">
+                                        <p:cTn id="21" dur="500" fill="hold"/>
+                                        <p:tgtEl>
+                                          <p:spTgt spid="9"/>
+                                        </p:tgtEl>
+                                        <p:attrNameLst>
+                                          <p:attrName>ppt_x</p:attrName>
+                                        </p:attrNameLst>
+                                      </p:cBhvr>
+                                      <p:tavLst>
+                                        <p:tav tm="0">
+                                          <p:val>
+                                            <p:strVal val="#ppt_x"/>
+                                          </p:val>
+                                        </p:tav>
+                                        <p:tav tm="100000">
+                                          <p:val>
+                                            <p:strVal val="#ppt_x"/>
+                                          </p:val>
+                                        </p:tav>
+                                      </p:tavLst>
+                                    </p:anim>
+                                    <p:anim calcmode="lin" valueType="num">
+                                      <p:cBhvr additive="base">
+                                        <p:cTn id="22" dur="500" fill="hold"/>
+                                        <p:tgtEl>
+                                          <p:spTgt spid="9"/>
+                                        </p:tgtEl>
+                                        <p:attrNameLst>
+                                          <p:attrName>ppt_y</p:attrName>
+                                        </p:attrNameLst>
+                                      </p:cBhvr>
+                                      <p:tavLst>
+                                        <p:tav tm="0">
+                                          <p:val>
+                                            <p:strVal val="1+#ppt_h/2"/>
+                                          </p:val>
+                                        </p:tav>
+                                        <p:tav tm="100000">
+                                          <p:val>
+                                            <p:strVal val="#ppt_y"/>
+                                          </p:val>
+                                        </p:tav>
+                                      </p:tavLst>
+                                    </p:anim>
+                                  </p:childTnLst>
+                                </p:cTn>
+                              </p:par>
+                            </p:childTnLst>
+                          </p:cTn>
+                        </p:par>
+                      </p:childTnLst>
+                    </p:cTn>
+                  </p:par>
+                </p:childTnLst>
+              </p:cTn>
+              <p:prevCondLst>
+                <p:cond evt="onPrev" delay="0">
+                  <p:tgtEl>
+                    <p:sldTgt/>
+                  </p:tgtEl>
+                </p:cond>
+              </p:prevCondLst>
+              <p:nextCondLst>
+                <p:cond evt="onNext" delay="0">
+                  <p:tgtEl>
+                    <p:sldTgt/>
+                  </p:tgtEl>
+                </p:cond>
+              </p:nextCondLst>
+            </p:seq>
+          </p:childTnLst>
+        </p:cTn>
+      </p:par>
+    </p:tnLst>
+    <p:bldLst>
+      <p:bldP spid="6" grpId="0"/>
+      <p:bldP spid="9" grpId="0"/>
+    </p:bldLst>
+  </p:timing>
 </p:sld>
 </file>
 
@@ -7402,8 +7740,8 @@
         </p:nvSpPr>
         <p:spPr>
           <a:xfrm>
-            <a:off x="3151282" y="772833"/>
-            <a:ext cx="4145687" cy="461665"/>
+            <a:off x="478420" y="758766"/>
+            <a:ext cx="2702984" cy="461665"/>
           </a:xfrm>
           <a:prstGeom prst="rect">
             <a:avLst/>
@@ -7421,37 +7759,8 @@
                 <a:latin typeface="Times New Roman" panose="02020603050405020304" pitchFamily="18" charset="0"/>
                 <a:cs typeface="Times New Roman" panose="02020603050405020304" pitchFamily="18" charset="0"/>
               </a:rPr>
-              <a:t>Normalized Mutual Information</a:t>
-            </a:r>
-          </a:p>
-        </p:txBody>
-      </p:sp>
-      <p:sp>
-        <p:nvSpPr>
-          <p:cNvPr id="22" name="Slide Number Placeholder 21"/>
-          <p:cNvSpPr>
-            <a:spLocks noGrp="1"/>
-          </p:cNvSpPr>
-          <p:nvPr>
-            <p:ph type="sldNum" sz="quarter" idx="12"/>
-          </p:nvPr>
-        </p:nvSpPr>
-        <p:spPr>
-          <a:xfrm>
-            <a:off x="8610600" y="6482968"/>
-            <a:ext cx="2743200" cy="365125"/>
-          </a:xfrm>
-        </p:spPr>
-        <p:txBody>
-          <a:bodyPr/>
-          <a:lstStyle/>
-          <a:p>
-            <a:fld id="{0A0CA13E-CD6D-456E-9676-CC2D9A600115}" type="slidenum">
-              <a:rPr lang="en-US" smtClean="0"/>
-              <a:pPr/>
-              <a:t>16</a:t>
-            </a:fld>
-            <a:endParaRPr lang="en-US" dirty="0"/>
+              <a:t>Mutual Information:</a:t>
+            </a:r>
           </a:p>
         </p:txBody>
       </p:sp>
@@ -7464,20 +7773,20 @@
           <p:nvPr>
             <p:extLst>
               <p:ext uri="{D42A27DB-BD31-4B8C-83A1-F6EECF244321}">
-                <p14:modId xmlns:p14="http://schemas.microsoft.com/office/powerpoint/2010/main" val="1632466687"/>
+                <p14:modId xmlns:p14="http://schemas.microsoft.com/office/powerpoint/2010/main" val="1584827812"/>
               </p:ext>
             </p:extLst>
           </p:nvPr>
         </p:nvGraphicFramePr>
         <p:xfrm>
-          <a:off x="508000" y="1569030"/>
-          <a:ext cx="4719271" cy="959851"/>
+          <a:off x="522377" y="1251773"/>
+          <a:ext cx="4604009" cy="936408"/>
         </p:xfrm>
         <a:graphic>
           <a:graphicData uri="http://schemas.openxmlformats.org/presentationml/2006/ole">
             <mc:AlternateContent xmlns:mc="http://schemas.openxmlformats.org/markup-compatibility/2006">
               <mc:Choice xmlns:v="urn:schemas-microsoft-com:vml" Requires="v">
-                <p:oleObj spid="_x0000_s1133" name="Equation" r:id="rId3" imgW="2247840" imgH="457200" progId="Equation.3">
+                <p:oleObj spid="_x0000_s1232" name="Equation" r:id="rId3" imgW="2247840" imgH="457200" progId="Equation.3">
                   <p:embed/>
                 </p:oleObj>
               </mc:Choice>
@@ -7498,8 +7807,8 @@
                     </p:blipFill>
                     <p:spPr>
                       <a:xfrm>
-                        <a:off x="508000" y="1569030"/>
-                        <a:ext cx="4719271" cy="959851"/>
+                        <a:off x="522377" y="1251773"/>
+                        <a:ext cx="4604009" cy="936408"/>
                       </a:xfrm>
                       <a:prstGeom prst="rect">
                         <a:avLst/>
@@ -7521,20 +7830,20 @@
           <p:nvPr>
             <p:extLst>
               <p:ext uri="{D42A27DB-BD31-4B8C-83A1-F6EECF244321}">
-                <p14:modId xmlns:p14="http://schemas.microsoft.com/office/powerpoint/2010/main" val="3561658477"/>
+                <p14:modId xmlns:p14="http://schemas.microsoft.com/office/powerpoint/2010/main" val="379289078"/>
               </p:ext>
             </p:extLst>
           </p:nvPr>
         </p:nvGraphicFramePr>
         <p:xfrm>
-          <a:off x="560388" y="2640730"/>
+          <a:off x="516599" y="2798089"/>
           <a:ext cx="3959225" cy="917575"/>
         </p:xfrm>
         <a:graphic>
           <a:graphicData uri="http://schemas.openxmlformats.org/presentationml/2006/ole">
             <mc:AlternateContent xmlns:mc="http://schemas.openxmlformats.org/markup-compatibility/2006">
               <mc:Choice xmlns:v="urn:schemas-microsoft-com:vml" Requires="v">
-                <p:oleObj spid="_x0000_s1134" name="Equation" r:id="rId5" imgW="1917360" imgH="444240" progId="Equation.3">
+                <p:oleObj spid="_x0000_s1233" name="Equation" r:id="rId5" imgW="1917360" imgH="444240" progId="Equation.3">
                   <p:embed/>
                 </p:oleObj>
               </mc:Choice>
@@ -7555,65 +7864,8 @@
                     </p:blipFill>
                     <p:spPr>
                       <a:xfrm>
-                        <a:off x="560388" y="2640730"/>
+                        <a:off x="516599" y="2798089"/>
                         <a:ext cx="3959225" cy="917575"/>
-                      </a:xfrm>
-                      <a:prstGeom prst="rect">
-                        <a:avLst/>
-                      </a:prstGeom>
-                    </p:spPr>
-                  </p:pic>
-                </p:oleObj>
-              </mc:Fallback>
-            </mc:AlternateContent>
-          </a:graphicData>
-        </a:graphic>
-      </p:graphicFrame>
-      <p:graphicFrame>
-        <p:nvGraphicFramePr>
-          <p:cNvPr id="5" name="Object 4"/>
-          <p:cNvGraphicFramePr>
-            <a:graphicFrameLocks noChangeAspect="1"/>
-          </p:cNvGraphicFramePr>
-          <p:nvPr>
-            <p:extLst>
-              <p:ext uri="{D42A27DB-BD31-4B8C-83A1-F6EECF244321}">
-                <p14:modId xmlns:p14="http://schemas.microsoft.com/office/powerpoint/2010/main" val="2564013587"/>
-              </p:ext>
-            </p:extLst>
-          </p:nvPr>
-        </p:nvGraphicFramePr>
-        <p:xfrm>
-          <a:off x="560388" y="3825958"/>
-          <a:ext cx="4318000" cy="822325"/>
-        </p:xfrm>
-        <a:graphic>
-          <a:graphicData uri="http://schemas.openxmlformats.org/presentationml/2006/ole">
-            <mc:AlternateContent xmlns:mc="http://schemas.openxmlformats.org/markup-compatibility/2006">
-              <mc:Choice xmlns:v="urn:schemas-microsoft-com:vml" Requires="v">
-                <p:oleObj spid="_x0000_s1135" name="Equation" r:id="rId7" imgW="1879560" imgH="444240" progId="Equation.3">
-                  <p:embed/>
-                </p:oleObj>
-              </mc:Choice>
-              <mc:Fallback>
-                <p:oleObj name="Equation" r:id="rId7" imgW="1879560" imgH="444240" progId="Equation.3">
-                  <p:embed/>
-                  <p:pic>
-                    <p:nvPicPr>
-                      <p:cNvPr id="0" name=""/>
-                      <p:cNvPicPr/>
-                      <p:nvPr/>
-                    </p:nvPicPr>
-                    <p:blipFill>
-                      <a:blip r:embed="rId8"/>
-                      <a:stretch>
-                        <a:fillRect/>
-                      </a:stretch>
-                    </p:blipFill>
-                    <p:spPr>
-                      <a:xfrm>
-                        <a:off x="560388" y="3825958"/>
-                        <a:ext cx="4318000" cy="822325"/>
                       </a:xfrm>
                       <a:prstGeom prst="rect">
                         <a:avLst/>
@@ -7648,12 +7900,12 @@
           <a:graphicData uri="http://schemas.openxmlformats.org/presentationml/2006/ole">
             <mc:AlternateContent xmlns:mc="http://schemas.openxmlformats.org/markup-compatibility/2006">
               <mc:Choice xmlns:v="urn:schemas-microsoft-com:vml" Requires="v">
-                <p:oleObj spid="_x0000_s1136" name="Equation" r:id="rId9" imgW="114120" imgH="215640" progId="Equation.3">
+                <p:oleObj spid="_x0000_s1234" name="Equation" r:id="rId7" imgW="114120" imgH="215640" progId="Equation.3">
                   <p:embed/>
                 </p:oleObj>
               </mc:Choice>
               <mc:Fallback>
-                <p:oleObj name="Equation" r:id="rId9" imgW="114120" imgH="215640" progId="Equation.3">
+                <p:oleObj name="Equation" r:id="rId7" imgW="114120" imgH="215640" progId="Equation.3">
                   <p:embed/>
                   <p:pic>
                     <p:nvPicPr>
@@ -7662,7 +7914,7 @@
                       <p:nvPr/>
                     </p:nvPicPr>
                     <p:blipFill>
-                      <a:blip r:embed="rId10"/>
+                      <a:blip r:embed="rId8"/>
                       <a:stretch>
                         <a:fillRect/>
                       </a:stretch>
@@ -7671,120 +7923,6 @@
                       <a:xfrm>
                         <a:off x="6038850" y="3319463"/>
                         <a:ext cx="114300" cy="215900"/>
-                      </a:xfrm>
-                      <a:prstGeom prst="rect">
-                        <a:avLst/>
-                      </a:prstGeom>
-                    </p:spPr>
-                  </p:pic>
-                </p:oleObj>
-              </mc:Fallback>
-            </mc:AlternateContent>
-          </a:graphicData>
-        </a:graphic>
-      </p:graphicFrame>
-      <p:graphicFrame>
-        <p:nvGraphicFramePr>
-          <p:cNvPr id="20" name="Object 19"/>
-          <p:cNvGraphicFramePr>
-            <a:graphicFrameLocks noChangeAspect="1"/>
-          </p:cNvGraphicFramePr>
-          <p:nvPr>
-            <p:extLst>
-              <p:ext uri="{D42A27DB-BD31-4B8C-83A1-F6EECF244321}">
-                <p14:modId xmlns:p14="http://schemas.microsoft.com/office/powerpoint/2010/main" val="3713647140"/>
-              </p:ext>
-            </p:extLst>
-          </p:nvPr>
-        </p:nvGraphicFramePr>
-        <p:xfrm>
-          <a:off x="6739959" y="2573917"/>
-          <a:ext cx="4318000" cy="822325"/>
-        </p:xfrm>
-        <a:graphic>
-          <a:graphicData uri="http://schemas.openxmlformats.org/presentationml/2006/ole">
-            <mc:AlternateContent xmlns:mc="http://schemas.openxmlformats.org/markup-compatibility/2006">
-              <mc:Choice xmlns:v="urn:schemas-microsoft-com:vml" Requires="v">
-                <p:oleObj spid="_x0000_s1137" name="Equation" r:id="rId11" imgW="1879560" imgH="444240" progId="Equation.3">
-                  <p:embed/>
-                </p:oleObj>
-              </mc:Choice>
-              <mc:Fallback>
-                <p:oleObj name="Equation" r:id="rId11" imgW="1879560" imgH="444240" progId="Equation.3">
-                  <p:embed/>
-                  <p:pic>
-                    <p:nvPicPr>
-                      <p:cNvPr id="5" name="Object 4"/>
-                      <p:cNvPicPr/>
-                      <p:nvPr/>
-                    </p:nvPicPr>
-                    <p:blipFill>
-                      <a:blip r:embed="rId12"/>
-                      <a:stretch>
-                        <a:fillRect/>
-                      </a:stretch>
-                    </p:blipFill>
-                    <p:spPr>
-                      <a:xfrm>
-                        <a:off x="6739959" y="2573917"/>
-                        <a:ext cx="4318000" cy="822325"/>
-                      </a:xfrm>
-                      <a:prstGeom prst="rect">
-                        <a:avLst/>
-                      </a:prstGeom>
-                    </p:spPr>
-                  </p:pic>
-                </p:oleObj>
-              </mc:Fallback>
-            </mc:AlternateContent>
-          </a:graphicData>
-        </a:graphic>
-      </p:graphicFrame>
-      <p:graphicFrame>
-        <p:nvGraphicFramePr>
-          <p:cNvPr id="10" name="Object 9"/>
-          <p:cNvGraphicFramePr>
-            <a:graphicFrameLocks noChangeAspect="1"/>
-          </p:cNvGraphicFramePr>
-          <p:nvPr>
-            <p:extLst>
-              <p:ext uri="{D42A27DB-BD31-4B8C-83A1-F6EECF244321}">
-                <p14:modId xmlns:p14="http://schemas.microsoft.com/office/powerpoint/2010/main" val="2586198410"/>
-              </p:ext>
-            </p:extLst>
-          </p:nvPr>
-        </p:nvGraphicFramePr>
-        <p:xfrm>
-          <a:off x="6709357" y="1860828"/>
-          <a:ext cx="1391475" cy="376253"/>
-        </p:xfrm>
-        <a:graphic>
-          <a:graphicData uri="http://schemas.openxmlformats.org/presentationml/2006/ole">
-            <mc:AlternateContent xmlns:mc="http://schemas.openxmlformats.org/markup-compatibility/2006">
-              <mc:Choice xmlns:v="urn:schemas-microsoft-com:vml" Requires="v">
-                <p:oleObj spid="_x0000_s1138" name="Equation" r:id="rId13" imgW="596880" imgH="190440" progId="Equation.3">
-                  <p:embed/>
-                </p:oleObj>
-              </mc:Choice>
-              <mc:Fallback>
-                <p:oleObj name="Equation" r:id="rId13" imgW="596880" imgH="190440" progId="Equation.3">
-                  <p:embed/>
-                  <p:pic>
-                    <p:nvPicPr>
-                      <p:cNvPr id="0" name=""/>
-                      <p:cNvPicPr/>
-                      <p:nvPr/>
-                    </p:nvPicPr>
-                    <p:blipFill>
-                      <a:blip r:embed="rId14"/>
-                      <a:stretch>
-                        <a:fillRect/>
-                      </a:stretch>
-                    </p:blipFill>
-                    <p:spPr>
-                      <a:xfrm>
-                        <a:off x="6709357" y="1860828"/>
-                        <a:ext cx="1391475" cy="376253"/>
                       </a:xfrm>
                       <a:prstGeom prst="rect">
                         <a:avLst/>
@@ -7819,12 +7957,12 @@
           <a:graphicData uri="http://schemas.openxmlformats.org/presentationml/2006/ole">
             <mc:AlternateContent xmlns:mc="http://schemas.openxmlformats.org/markup-compatibility/2006">
               <mc:Choice xmlns:v="urn:schemas-microsoft-com:vml" Requires="v">
-                <p:oleObj spid="_x0000_s1139" name="Equation" r:id="rId15" imgW="114120" imgH="215640" progId="Equation.3">
+                <p:oleObj spid="_x0000_s1235" name="Equation" r:id="rId9" imgW="114120" imgH="215640" progId="Equation.3">
                   <p:embed/>
                 </p:oleObj>
               </mc:Choice>
               <mc:Fallback>
-                <p:oleObj name="Equation" r:id="rId15" imgW="114120" imgH="215640" progId="Equation.3">
+                <p:oleObj name="Equation" r:id="rId9" imgW="114120" imgH="215640" progId="Equation.3">
                   <p:embed/>
                   <p:pic>
                     <p:nvPicPr>
@@ -7833,7 +7971,7 @@
                       <p:nvPr/>
                     </p:nvPicPr>
                     <p:blipFill>
-                      <a:blip r:embed="rId10"/>
+                      <a:blip r:embed="rId8"/>
                       <a:stretch>
                         <a:fillRect/>
                       </a:stretch>
@@ -7863,25 +8001,25 @@
           <p:nvPr>
             <p:extLst>
               <p:ext uri="{D42A27DB-BD31-4B8C-83A1-F6EECF244321}">
-                <p14:modId xmlns:p14="http://schemas.microsoft.com/office/powerpoint/2010/main" val="3610490679"/>
+                <p14:modId xmlns:p14="http://schemas.microsoft.com/office/powerpoint/2010/main" val="2215803844"/>
               </p:ext>
             </p:extLst>
           </p:nvPr>
         </p:nvGraphicFramePr>
         <p:xfrm>
-          <a:off x="6739959" y="3694938"/>
+          <a:off x="478420" y="4732591"/>
           <a:ext cx="5114031" cy="886094"/>
         </p:xfrm>
         <a:graphic>
           <a:graphicData uri="http://schemas.openxmlformats.org/presentationml/2006/ole">
             <mc:AlternateContent xmlns:mc="http://schemas.openxmlformats.org/markup-compatibility/2006">
               <mc:Choice xmlns:v="urn:schemas-microsoft-com:vml" Requires="v">
-                <p:oleObj spid="_x0000_s1140" name="Equation" r:id="rId16" imgW="2565360" imgH="444240" progId="Equation.3">
+                <p:oleObj spid="_x0000_s1236" name="Equation" r:id="rId10" imgW="2565360" imgH="444240" progId="Equation.3">
                   <p:embed/>
                 </p:oleObj>
               </mc:Choice>
               <mc:Fallback>
-                <p:oleObj name="Equation" r:id="rId16" imgW="2565360" imgH="444240" progId="Equation.3">
+                <p:oleObj name="Equation" r:id="rId10" imgW="2565360" imgH="444240" progId="Equation.3">
                   <p:embed/>
                   <p:pic>
                     <p:nvPicPr>
@@ -7890,72 +8028,15 @@
                       <p:nvPr/>
                     </p:nvPicPr>
                     <p:blipFill>
-                      <a:blip r:embed="rId17"/>
+                      <a:blip r:embed="rId11"/>
                       <a:stretch>
                         <a:fillRect/>
                       </a:stretch>
                     </p:blipFill>
                     <p:spPr>
                       <a:xfrm>
-                        <a:off x="6739959" y="3694938"/>
+                        <a:off x="478420" y="4732591"/>
                         <a:ext cx="5114031" cy="886094"/>
-                      </a:xfrm>
-                      <a:prstGeom prst="rect">
-                        <a:avLst/>
-                      </a:prstGeom>
-                    </p:spPr>
-                  </p:pic>
-                </p:oleObj>
-              </mc:Fallback>
-            </mc:AlternateContent>
-          </a:graphicData>
-        </a:graphic>
-      </p:graphicFrame>
-      <p:graphicFrame>
-        <p:nvGraphicFramePr>
-          <p:cNvPr id="24" name="Object 23"/>
-          <p:cNvGraphicFramePr>
-            <a:graphicFrameLocks noChangeAspect="1"/>
-          </p:cNvGraphicFramePr>
-          <p:nvPr>
-            <p:extLst>
-              <p:ext uri="{D42A27DB-BD31-4B8C-83A1-F6EECF244321}">
-                <p14:modId xmlns:p14="http://schemas.microsoft.com/office/powerpoint/2010/main" val="503501742"/>
-              </p:ext>
-            </p:extLst>
-          </p:nvPr>
-        </p:nvGraphicFramePr>
-        <p:xfrm>
-          <a:off x="517525" y="5027613"/>
-          <a:ext cx="5267325" cy="885825"/>
-        </p:xfrm>
-        <a:graphic>
-          <a:graphicData uri="http://schemas.openxmlformats.org/presentationml/2006/ole">
-            <mc:AlternateContent xmlns:mc="http://schemas.openxmlformats.org/markup-compatibility/2006">
-              <mc:Choice xmlns:v="urn:schemas-microsoft-com:vml" Requires="v">
-                <p:oleObj spid="_x0000_s1141" name="Equation" r:id="rId18" imgW="2641320" imgH="444240" progId="Equation.3">
-                  <p:embed/>
-                </p:oleObj>
-              </mc:Choice>
-              <mc:Fallback>
-                <p:oleObj name="Equation" r:id="rId18" imgW="2641320" imgH="444240" progId="Equation.3">
-                  <p:embed/>
-                  <p:pic>
-                    <p:nvPicPr>
-                      <p:cNvPr id="16" name="Object 15"/>
-                      <p:cNvPicPr/>
-                      <p:nvPr/>
-                    </p:nvPicPr>
-                    <p:blipFill>
-                      <a:blip r:embed="rId19"/>
-                      <a:stretch>
-                        <a:fillRect/>
-                      </a:stretch>
-                    </p:blipFill>
-                    <p:spPr>
-                      <a:xfrm>
-                        <a:off x="517525" y="5027613"/>
-                        <a:ext cx="5267325" cy="885825"/>
                       </a:xfrm>
                       <a:prstGeom prst="rect">
                         <a:avLst/>
@@ -7976,7 +8057,7 @@
         </p:nvSpPr>
         <p:spPr>
           <a:xfrm>
-            <a:off x="4519613" y="2825446"/>
+            <a:off x="5126386" y="2936064"/>
             <a:ext cx="1083212" cy="369332"/>
           </a:xfrm>
           <a:prstGeom prst="rect">
@@ -8015,7 +8096,7 @@
         </p:nvSpPr>
         <p:spPr>
           <a:xfrm>
-            <a:off x="5243244" y="1828302"/>
+            <a:off x="5270211" y="1482550"/>
             <a:ext cx="1083212" cy="369332"/>
           </a:xfrm>
           <a:prstGeom prst="rect">
@@ -8048,130 +8129,13 @@
       </p:sp>
       <p:sp>
         <p:nvSpPr>
-          <p:cNvPr id="28" name="TextBox 27"/>
-          <p:cNvSpPr txBox="1"/>
-          <p:nvPr/>
-        </p:nvSpPr>
-        <p:spPr>
-          <a:xfrm>
-            <a:off x="4799538" y="3973820"/>
-            <a:ext cx="1083212" cy="369332"/>
-          </a:xfrm>
-          <a:prstGeom prst="rect">
-            <a:avLst/>
-          </a:prstGeom>
-          <a:noFill/>
-        </p:spPr>
-        <p:txBody>
-          <a:bodyPr wrap="square" rtlCol="0">
-            <a:spAutoFit/>
-          </a:bodyPr>
-          <a:lstStyle/>
-          <a:p>
-            <a:r>
-              <a:rPr lang="en-US" b="1" dirty="0">
-                <a:latin typeface="Times New Roman" panose="02020603050405020304" pitchFamily="18" charset="0"/>
-                <a:cs typeface="Times New Roman" panose="02020603050405020304" pitchFamily="18" charset="0"/>
-              </a:rPr>
-              <a:t>……..</a:t>
-            </a:r>
-            <a:r>
-              <a:rPr lang="en-US" dirty="0">
-                <a:latin typeface="Times New Roman" panose="02020603050405020304" pitchFamily="18" charset="0"/>
-                <a:cs typeface="Times New Roman" panose="02020603050405020304" pitchFamily="18" charset="0"/>
-              </a:rPr>
-              <a:t>(3)</a:t>
-            </a:r>
-          </a:p>
-        </p:txBody>
-      </p:sp>
-      <p:sp>
-        <p:nvSpPr>
-          <p:cNvPr id="29" name="TextBox 28"/>
-          <p:cNvSpPr txBox="1"/>
-          <p:nvPr/>
-        </p:nvSpPr>
-        <p:spPr>
-          <a:xfrm>
-            <a:off x="5837397" y="5194287"/>
-            <a:ext cx="1083212" cy="369332"/>
-          </a:xfrm>
-          <a:prstGeom prst="rect">
-            <a:avLst/>
-          </a:prstGeom>
-          <a:noFill/>
-        </p:spPr>
-        <p:txBody>
-          <a:bodyPr wrap="square" rtlCol="0">
-            <a:spAutoFit/>
-          </a:bodyPr>
-          <a:lstStyle/>
-          <a:p>
-            <a:r>
-              <a:rPr lang="en-US" b="1" dirty="0">
-                <a:latin typeface="Times New Roman" panose="02020603050405020304" pitchFamily="18" charset="0"/>
-                <a:cs typeface="Times New Roman" panose="02020603050405020304" pitchFamily="18" charset="0"/>
-              </a:rPr>
-              <a:t>……..</a:t>
-            </a:r>
-            <a:r>
-              <a:rPr lang="en-US" dirty="0">
-                <a:latin typeface="Times New Roman" panose="02020603050405020304" pitchFamily="18" charset="0"/>
-                <a:cs typeface="Times New Roman" panose="02020603050405020304" pitchFamily="18" charset="0"/>
-              </a:rPr>
-              <a:t>(4)</a:t>
-            </a:r>
-          </a:p>
-        </p:txBody>
-      </p:sp>
-      <p:sp>
-        <p:nvSpPr>
-          <p:cNvPr id="30" name="TextBox 29"/>
-          <p:cNvSpPr txBox="1"/>
-          <p:nvPr/>
-        </p:nvSpPr>
-        <p:spPr>
-          <a:xfrm>
-            <a:off x="8120468" y="1828302"/>
-            <a:ext cx="1083212" cy="369332"/>
-          </a:xfrm>
-          <a:prstGeom prst="rect">
-            <a:avLst/>
-          </a:prstGeom>
-          <a:noFill/>
-        </p:spPr>
-        <p:txBody>
-          <a:bodyPr wrap="square" rtlCol="0">
-            <a:spAutoFit/>
-          </a:bodyPr>
-          <a:lstStyle/>
-          <a:p>
-            <a:r>
-              <a:rPr lang="en-US" b="1" dirty="0">
-                <a:latin typeface="Times New Roman" panose="02020603050405020304" pitchFamily="18" charset="0"/>
-                <a:cs typeface="Times New Roman" panose="02020603050405020304" pitchFamily="18" charset="0"/>
-              </a:rPr>
-              <a:t>……..</a:t>
-            </a:r>
-            <a:r>
-              <a:rPr lang="en-US" dirty="0">
-                <a:latin typeface="Times New Roman" panose="02020603050405020304" pitchFamily="18" charset="0"/>
-                <a:cs typeface="Times New Roman" panose="02020603050405020304" pitchFamily="18" charset="0"/>
-              </a:rPr>
-              <a:t>(5)</a:t>
-            </a:r>
-          </a:p>
-        </p:txBody>
-      </p:sp>
-      <p:sp>
-        <p:nvSpPr>
           <p:cNvPr id="31" name="TextBox 30"/>
           <p:cNvSpPr txBox="1"/>
           <p:nvPr/>
         </p:nvSpPr>
         <p:spPr>
           <a:xfrm>
-            <a:off x="10932522" y="4536469"/>
+            <a:off x="5647855" y="4916053"/>
             <a:ext cx="1123485" cy="369332"/>
           </a:xfrm>
           <a:prstGeom prst="rect">
@@ -8197,21 +8161,21 @@
                 <a:latin typeface="Times New Roman" panose="02020603050405020304" pitchFamily="18" charset="0"/>
                 <a:cs typeface="Times New Roman" panose="02020603050405020304" pitchFamily="18" charset="0"/>
               </a:rPr>
-              <a:t>(7)</a:t>
+              <a:t>(3)</a:t>
             </a:r>
           </a:p>
         </p:txBody>
       </p:sp>
       <p:sp>
         <p:nvSpPr>
-          <p:cNvPr id="32" name="TextBox 31"/>
+          <p:cNvPr id="26" name="TextBox 25"/>
           <p:cNvSpPr txBox="1"/>
           <p:nvPr/>
         </p:nvSpPr>
         <p:spPr>
           <a:xfrm>
-            <a:off x="10932522" y="2720175"/>
-            <a:ext cx="1123485" cy="369332"/>
+            <a:off x="516599" y="2188181"/>
+            <a:ext cx="4230645" cy="461665"/>
           </a:xfrm>
           <a:prstGeom prst="rect">
             <a:avLst/>
@@ -8219,24 +8183,81 @@
           <a:noFill/>
         </p:spPr>
         <p:txBody>
-          <a:bodyPr wrap="square" rtlCol="0">
+          <a:bodyPr wrap="none" rtlCol="0">
             <a:spAutoFit/>
           </a:bodyPr>
           <a:lstStyle/>
           <a:p>
             <a:r>
-              <a:rPr lang="en-US" b="1" dirty="0">
-                <a:latin typeface="Times New Roman" panose="02020603050405020304" pitchFamily="18" charset="0"/>
-                <a:cs typeface="Times New Roman" panose="02020603050405020304" pitchFamily="18" charset="0"/>
-              </a:rPr>
-              <a:t>……..</a:t>
-            </a:r>
-            <a:r>
-              <a:rPr lang="en-US" dirty="0">
-                <a:latin typeface="Times New Roman" panose="02020603050405020304" pitchFamily="18" charset="0"/>
-                <a:cs typeface="Times New Roman" panose="02020603050405020304" pitchFamily="18" charset="0"/>
-              </a:rPr>
-              <a:t>(6)</a:t>
+              <a:rPr lang="en-US" sz="2400" dirty="0">
+                <a:latin typeface="Times New Roman" panose="02020603050405020304" pitchFamily="18" charset="0"/>
+                <a:cs typeface="Times New Roman" panose="02020603050405020304" pitchFamily="18" charset="0"/>
+              </a:rPr>
+              <a:t>Normalized Mutual Information:</a:t>
+            </a:r>
+          </a:p>
+        </p:txBody>
+      </p:sp>
+      <p:sp>
+        <p:nvSpPr>
+          <p:cNvPr id="33" name="TextBox 32"/>
+          <p:cNvSpPr txBox="1"/>
+          <p:nvPr/>
+        </p:nvSpPr>
+        <p:spPr>
+          <a:xfrm>
+            <a:off x="516599" y="3973828"/>
+            <a:ext cx="5955476" cy="461665"/>
+          </a:xfrm>
+          <a:prstGeom prst="rect">
+            <a:avLst/>
+          </a:prstGeom>
+          <a:noFill/>
+        </p:spPr>
+        <p:txBody>
+          <a:bodyPr wrap="none" rtlCol="0">
+            <a:spAutoFit/>
+          </a:bodyPr>
+          <a:lstStyle/>
+          <a:p>
+            <a:r>
+              <a:rPr lang="en-US" sz="2400" dirty="0">
+                <a:latin typeface="Times New Roman" panose="02020603050405020304" pitchFamily="18" charset="0"/>
+                <a:cs typeface="Times New Roman" panose="02020603050405020304" pitchFamily="18" charset="0"/>
+              </a:rPr>
+              <a:t>Relevant features has been selected as follows:</a:t>
+            </a:r>
+          </a:p>
+        </p:txBody>
+      </p:sp>
+      <p:sp>
+        <p:nvSpPr>
+          <p:cNvPr id="43" name="Slide Number Placeholder 4"/>
+          <p:cNvSpPr>
+            <a:spLocks noGrp="1"/>
+          </p:cNvSpPr>
+          <p:nvPr>
+            <p:ph type="sldNum" sz="quarter" idx="12"/>
+          </p:nvPr>
+        </p:nvSpPr>
+        <p:spPr>
+          <a:xfrm>
+            <a:off x="8610600" y="6511104"/>
+            <a:ext cx="3135924" cy="365125"/>
+          </a:xfrm>
+        </p:spPr>
+        <p:txBody>
+          <a:bodyPr/>
+          <a:lstStyle/>
+          <a:p>
+            <a:fld id="{0A0CA13E-CD6D-456E-9676-CC2D9A600115}" type="slidenum">
+              <a:rPr lang="en-US" smtClean="0"/>
+              <a:pPr/>
+              <a:t>16</a:t>
+            </a:fld>
+            <a:r>
+              <a:rPr lang="en-US" dirty="0"/>
+              <a:t>/27</a:t>
             </a:r>
           </a:p>
         </p:txBody>
@@ -8251,6 +8272,14 @@
   <p:clrMapOvr>
     <a:masterClrMapping/>
   </p:clrMapOvr>
+  <mc:AlternateContent xmlns:mc="http://schemas.openxmlformats.org/markup-compatibility/2006">
+    <mc:Choice xmlns:p14="http://schemas.microsoft.com/office/powerpoint/2010/main" Requires="p14">
+      <p:transition p14:dur="10"/>
+    </mc:Choice>
+    <mc:Fallback>
+      <p:transition/>
+    </mc:Fallback>
+  </mc:AlternateContent>
 </p:sld>
 </file>
 
@@ -8350,35 +8379,6 @@
           </a:p>
         </p:txBody>
       </p:sp>
-      <p:sp>
-        <p:nvSpPr>
-          <p:cNvPr id="20" name="Slide Number Placeholder 19"/>
-          <p:cNvSpPr>
-            <a:spLocks noGrp="1"/>
-          </p:cNvSpPr>
-          <p:nvPr>
-            <p:ph type="sldNum" sz="quarter" idx="12"/>
-          </p:nvPr>
-        </p:nvSpPr>
-        <p:spPr>
-          <a:xfrm>
-            <a:off x="8610600" y="6482968"/>
-            <a:ext cx="2743200" cy="365125"/>
-          </a:xfrm>
-        </p:spPr>
-        <p:txBody>
-          <a:bodyPr/>
-          <a:lstStyle/>
-          <a:p>
-            <a:fld id="{0A0CA13E-CD6D-456E-9676-CC2D9A600115}" type="slidenum">
-              <a:rPr lang="en-US" smtClean="0"/>
-              <a:pPr/>
-              <a:t>17</a:t>
-            </a:fld>
-            <a:endParaRPr lang="en-US" dirty="0"/>
-          </a:p>
-        </p:txBody>
-      </p:sp>
       <p:graphicFrame>
         <p:nvGraphicFramePr>
           <p:cNvPr id="21" name="Table 20"/>
@@ -8388,13 +8388,13 @@
           <p:nvPr>
             <p:extLst>
               <p:ext uri="{D42A27DB-BD31-4B8C-83A1-F6EECF244321}">
-                <p14:modId xmlns:p14="http://schemas.microsoft.com/office/powerpoint/2010/main" val="292179025"/>
+                <p14:modId xmlns:p14="http://schemas.microsoft.com/office/powerpoint/2010/main" val="3342927396"/>
               </p:ext>
             </p:extLst>
           </p:nvPr>
         </p:nvGraphicFramePr>
         <p:xfrm>
-          <a:off x="3432520" y="4611604"/>
+          <a:off x="3221504" y="4611604"/>
           <a:ext cx="4849945" cy="1584960"/>
         </p:xfrm>
         <a:graphic>
@@ -8979,7 +8979,7 @@
         </p:nvSpPr>
         <p:spPr>
           <a:xfrm>
-            <a:off x="584965" y="3941614"/>
+            <a:off x="641237" y="3941614"/>
             <a:ext cx="4423133" cy="707886"/>
           </a:xfrm>
           <a:prstGeom prst="rect">
@@ -8998,16 +8998,7 @@
                 <a:latin typeface="Times New Roman" panose="02020603050405020304" pitchFamily="18" charset="0"/>
                 <a:cs typeface="Times New Roman" panose="02020603050405020304" pitchFamily="18" charset="0"/>
               </a:rPr>
-              <a:t>Figure:  NMI between Class labels and   </a:t>
-            </a:r>
-          </a:p>
-          <a:p>
-            <a:r>
-              <a:rPr lang="en-US" sz="2000" dirty="0">
-                <a:latin typeface="Times New Roman" panose="02020603050405020304" pitchFamily="18" charset="0"/>
-                <a:cs typeface="Times New Roman" panose="02020603050405020304" pitchFamily="18" charset="0"/>
-              </a:rPr>
-              <a:t>            	Original Image bands</a:t>
+              <a:t>Figure:  NMI between Class labels and   Original Image bands</a:t>
             </a:r>
           </a:p>
         </p:txBody>
@@ -9020,7 +9011,7 @@
         </p:nvSpPr>
         <p:spPr>
           <a:xfrm>
-            <a:off x="7317048" y="3989776"/>
+            <a:off x="7302980" y="3947572"/>
             <a:ext cx="4415403" cy="707886"/>
           </a:xfrm>
           <a:prstGeom prst="rect">
@@ -9039,7 +9030,39 @@
                 <a:latin typeface="Times New Roman" panose="02020603050405020304" pitchFamily="18" charset="0"/>
                 <a:cs typeface="Times New Roman" panose="02020603050405020304" pitchFamily="18" charset="0"/>
               </a:rPr>
-              <a:t>Figure:  NMI between Class labels and               	Principal Components</a:t>
+              <a:t>Figure:  NMI between Class labels and               Principal Components</a:t>
+            </a:r>
+          </a:p>
+        </p:txBody>
+      </p:sp>
+      <p:sp>
+        <p:nvSpPr>
+          <p:cNvPr id="11" name="Slide Number Placeholder 4"/>
+          <p:cNvSpPr>
+            <a:spLocks noGrp="1"/>
+          </p:cNvSpPr>
+          <p:nvPr>
+            <p:ph type="sldNum" sz="quarter" idx="12"/>
+          </p:nvPr>
+        </p:nvSpPr>
+        <p:spPr>
+          <a:xfrm>
+            <a:off x="8610600" y="6511104"/>
+            <a:ext cx="3135924" cy="365125"/>
+          </a:xfrm>
+        </p:spPr>
+        <p:txBody>
+          <a:bodyPr/>
+          <a:lstStyle/>
+          <a:p>
+            <a:fld id="{0A0CA13E-CD6D-456E-9676-CC2D9A600115}" type="slidenum">
+              <a:rPr lang="en-US" smtClean="0"/>
+              <a:pPr/>
+              <a:t>17</a:t>
+            </a:fld>
+            <a:r>
+              <a:rPr lang="en-US" dirty="0"/>
+              <a:t>/27</a:t>
             </a:r>
           </a:p>
         </p:txBody>
@@ -9054,6 +9077,14 @@
   <p:clrMapOvr>
     <a:masterClrMapping/>
   </p:clrMapOvr>
+  <mc:AlternateContent xmlns:mc="http://schemas.openxmlformats.org/markup-compatibility/2006">
+    <mc:Choice xmlns:p14="http://schemas.microsoft.com/office/powerpoint/2010/main" Requires="p14">
+      <p:transition p14:dur="10"/>
+    </mc:Choice>
+    <mc:Fallback>
+      <p:transition/>
+    </mc:Fallback>
+  </mc:AlternateContent>
 </p:sld>
 </file>
 
@@ -9153,35 +9184,6 @@
           </a:p>
         </p:txBody>
       </p:sp>
-      <p:sp>
-        <p:nvSpPr>
-          <p:cNvPr id="20" name="Slide Number Placeholder 19"/>
-          <p:cNvSpPr>
-            <a:spLocks noGrp="1"/>
-          </p:cNvSpPr>
-          <p:nvPr>
-            <p:ph type="sldNum" sz="quarter" idx="12"/>
-          </p:nvPr>
-        </p:nvSpPr>
-        <p:spPr>
-          <a:xfrm>
-            <a:off x="8610600" y="6482968"/>
-            <a:ext cx="2743200" cy="365125"/>
-          </a:xfrm>
-        </p:spPr>
-        <p:txBody>
-          <a:bodyPr/>
-          <a:lstStyle/>
-          <a:p>
-            <a:fld id="{0A0CA13E-CD6D-456E-9676-CC2D9A600115}" type="slidenum">
-              <a:rPr lang="en-US" smtClean="0"/>
-              <a:pPr/>
-              <a:t>18</a:t>
-            </a:fld>
-            <a:endParaRPr lang="en-US" dirty="0"/>
-          </a:p>
-        </p:txBody>
-      </p:sp>
       <p:pic>
         <p:nvPicPr>
           <p:cNvPr id="11" name="Picture 10"/>
@@ -9204,8 +9206,8 @@
         </p:blipFill>
         <p:spPr>
           <a:xfrm>
-            <a:off x="8496886" y="36847"/>
-            <a:ext cx="3596418" cy="6426385"/>
+            <a:off x="8369630" y="36847"/>
+            <a:ext cx="3808950" cy="6426385"/>
           </a:xfrm>
           <a:prstGeom prst="rect">
             <a:avLst/>
@@ -9239,7 +9241,7 @@
                 <a:latin typeface="Times New Roman" panose="02020603050405020304" pitchFamily="18" charset="0"/>
                 <a:cs typeface="Times New Roman" panose="02020603050405020304" pitchFamily="18" charset="0"/>
               </a:rPr>
-              <a:t>The algorithm of proposed TCOSD method is summarized as follows:</a:t>
+              <a:t>Proposed TCOSD method (algorithm and flow chart):</a:t>
             </a:r>
           </a:p>
           <a:p>
@@ -9373,7 +9375,7 @@
                 <a:latin typeface="Times New Roman" panose="02020603050405020304" pitchFamily="18" charset="0"/>
                 <a:cs typeface="Times New Roman" panose="02020603050405020304" pitchFamily="18" charset="0"/>
               </a:rPr>
-              <a:t>Apply the Eq. (7) for selecting multiple features based on NMI for the target class.</a:t>
+              <a:t>Apply the Eq. (3) for selecting multiple features based on NMI for the target class.</a:t>
             </a:r>
           </a:p>
           <a:p>
@@ -9406,6 +9408,38 @@
                 <a:cs typeface="Times New Roman" panose="02020603050405020304" pitchFamily="18" charset="0"/>
               </a:rPr>
               <a:t>Repeat step 3 to 6 by making another class as target and the remaining as background.</a:t>
+            </a:r>
+          </a:p>
+        </p:txBody>
+      </p:sp>
+      <p:sp>
+        <p:nvSpPr>
+          <p:cNvPr id="7" name="Slide Number Placeholder 4"/>
+          <p:cNvSpPr>
+            <a:spLocks noGrp="1"/>
+          </p:cNvSpPr>
+          <p:nvPr>
+            <p:ph type="sldNum" sz="quarter" idx="12"/>
+          </p:nvPr>
+        </p:nvSpPr>
+        <p:spPr>
+          <a:xfrm>
+            <a:off x="8610600" y="6511104"/>
+            <a:ext cx="3135924" cy="365125"/>
+          </a:xfrm>
+        </p:spPr>
+        <p:txBody>
+          <a:bodyPr/>
+          <a:lstStyle/>
+          <a:p>
+            <a:fld id="{0A0CA13E-CD6D-456E-9676-CC2D9A600115}" type="slidenum">
+              <a:rPr lang="en-US" smtClean="0"/>
+              <a:pPr/>
+              <a:t>18</a:t>
+            </a:fld>
+            <a:r>
+              <a:rPr lang="en-US" dirty="0"/>
+              <a:t>/27</a:t>
             </a:r>
           </a:p>
         </p:txBody>
@@ -9420,6 +9454,14 @@
   <p:clrMapOvr>
     <a:masterClrMapping/>
   </p:clrMapOvr>
+  <mc:AlternateContent xmlns:mc="http://schemas.openxmlformats.org/markup-compatibility/2006">
+    <mc:Choice xmlns:p14="http://schemas.microsoft.com/office/powerpoint/2010/main" Requires="p14">
+      <p:transition p14:dur="10"/>
+    </mc:Choice>
+    <mc:Fallback>
+      <p:transition/>
+    </mc:Fallback>
+  </mc:AlternateContent>
 </p:sld>
 </file>
 
@@ -9514,37 +9556,8 @@
                 <a:latin typeface="Times New Roman" panose="02020603050405020304" pitchFamily="18" charset="0"/>
                 <a:cs typeface="Times New Roman" panose="02020603050405020304" pitchFamily="18" charset="0"/>
               </a:rPr>
-              <a:t>	      		             Experimental Results</a:t>
-            </a:r>
-          </a:p>
-        </p:txBody>
-      </p:sp>
-      <p:sp>
-        <p:nvSpPr>
-          <p:cNvPr id="20" name="Slide Number Placeholder 19"/>
-          <p:cNvSpPr>
-            <a:spLocks noGrp="1"/>
-          </p:cNvSpPr>
-          <p:nvPr>
-            <p:ph type="sldNum" sz="quarter" idx="12"/>
-          </p:nvPr>
-        </p:nvSpPr>
-        <p:spPr>
-          <a:xfrm>
-            <a:off x="8610600" y="6482968"/>
-            <a:ext cx="2743200" cy="365125"/>
-          </a:xfrm>
-        </p:spPr>
-        <p:txBody>
-          <a:bodyPr/>
-          <a:lstStyle/>
-          <a:p>
-            <a:fld id="{0A0CA13E-CD6D-456E-9676-CC2D9A600115}" type="slidenum">
-              <a:rPr lang="en-US" smtClean="0"/>
-              <a:pPr/>
-              <a:t>19</a:t>
-            </a:fld>
-            <a:endParaRPr lang="en-US" dirty="0"/>
+              <a:t>	      		       Selected features for all target class</a:t>
+            </a:r>
           </a:p>
         </p:txBody>
       </p:sp>
@@ -9557,13 +9570,13 @@
           <p:nvPr>
             <p:extLst>
               <p:ext uri="{D42A27DB-BD31-4B8C-83A1-F6EECF244321}">
-                <p14:modId xmlns:p14="http://schemas.microsoft.com/office/powerpoint/2010/main" val="466755207"/>
+                <p14:modId xmlns:p14="http://schemas.microsoft.com/office/powerpoint/2010/main" val="2334303984"/>
               </p:ext>
             </p:extLst>
           </p:nvPr>
         </p:nvGraphicFramePr>
         <p:xfrm>
-          <a:off x="2644726" y="461668"/>
+          <a:off x="2700998" y="461668"/>
           <a:ext cx="5401994" cy="5486400"/>
         </p:xfrm>
         <a:graphic>
@@ -11438,8 +11451,8 @@
         </p:nvSpPr>
         <p:spPr>
           <a:xfrm>
-            <a:off x="1120519" y="6054233"/>
-            <a:ext cx="8156335" cy="400110"/>
+            <a:off x="1303403" y="6054233"/>
+            <a:ext cx="8382359" cy="400110"/>
           </a:xfrm>
           <a:prstGeom prst="rect">
             <a:avLst/>
@@ -11457,7 +11470,71 @@
                 <a:latin typeface="Times New Roman" panose="02020603050405020304" pitchFamily="18" charset="0"/>
                 <a:cs typeface="Times New Roman" panose="02020603050405020304" pitchFamily="18" charset="0"/>
               </a:rPr>
-              <a:t>Table: Selected features for each target class with proposed method (TCOSD)</a:t>
+              <a:t>Table: Selected features for all target class applying proposed method (TCOSD)</a:t>
+            </a:r>
+          </a:p>
+        </p:txBody>
+      </p:sp>
+      <p:sp>
+        <p:nvSpPr>
+          <p:cNvPr id="2" name="TextBox 1"/>
+          <p:cNvSpPr txBox="1"/>
+          <p:nvPr/>
+        </p:nvSpPr>
+        <p:spPr>
+          <a:xfrm>
+            <a:off x="8792307" y="1800665"/>
+            <a:ext cx="2968283" cy="400110"/>
+          </a:xfrm>
+          <a:prstGeom prst="rect">
+            <a:avLst/>
+          </a:prstGeom>
+          <a:noFill/>
+        </p:spPr>
+        <p:txBody>
+          <a:bodyPr wrap="square" rtlCol="0">
+            <a:spAutoFit/>
+          </a:bodyPr>
+          <a:lstStyle/>
+          <a:p>
+            <a:r>
+              <a:rPr lang="en-US" sz="2000" dirty="0">
+                <a:latin typeface="Times New Roman" panose="02020603050405020304" pitchFamily="18" charset="0"/>
+                <a:cs typeface="Times New Roman" panose="02020603050405020304" pitchFamily="18" charset="0"/>
+              </a:rPr>
+              <a:t>PC: Principal Component</a:t>
+            </a:r>
+          </a:p>
+        </p:txBody>
+      </p:sp>
+      <p:sp>
+        <p:nvSpPr>
+          <p:cNvPr id="8" name="Slide Number Placeholder 4"/>
+          <p:cNvSpPr>
+            <a:spLocks noGrp="1"/>
+          </p:cNvSpPr>
+          <p:nvPr>
+            <p:ph type="sldNum" sz="quarter" idx="12"/>
+          </p:nvPr>
+        </p:nvSpPr>
+        <p:spPr>
+          <a:xfrm>
+            <a:off x="8610600" y="6511104"/>
+            <a:ext cx="3135924" cy="365125"/>
+          </a:xfrm>
+        </p:spPr>
+        <p:txBody>
+          <a:bodyPr/>
+          <a:lstStyle/>
+          <a:p>
+            <a:fld id="{0A0CA13E-CD6D-456E-9676-CC2D9A600115}" type="slidenum">
+              <a:rPr lang="en-US" smtClean="0"/>
+              <a:pPr/>
+              <a:t>19</a:t>
+            </a:fld>
+            <a:r>
+              <a:rPr lang="en-US" dirty="0"/>
+              <a:t>/27</a:t>
             </a:r>
           </a:p>
         </p:txBody>
@@ -11472,6 +11549,14 @@
   <p:clrMapOvr>
     <a:masterClrMapping/>
   </p:clrMapOvr>
+  <mc:AlternateContent xmlns:mc="http://schemas.openxmlformats.org/markup-compatibility/2006">
+    <mc:Choice xmlns:p14="http://schemas.microsoft.com/office/powerpoint/2010/main" Requires="p14">
+      <p:transition p14:dur="10"/>
+    </mc:Choice>
+    <mc:Fallback>
+      <p:transition/>
+    </mc:Fallback>
+  </mc:AlternateContent>
 </p:sld>
 </file>
 
@@ -11562,7 +11647,7 @@
         <p:spPr>
           <a:xfrm>
             <a:off x="1127251" y="1229067"/>
-            <a:ext cx="4365298" cy="4401205"/>
+            <a:ext cx="4365298" cy="3170099"/>
           </a:xfrm>
           <a:prstGeom prst="rect">
             <a:avLst/>
@@ -11662,7 +11747,7 @@
                 <a:latin typeface="Times New Roman" panose="02020603050405020304" pitchFamily="18" charset="0"/>
                 <a:cs typeface="Times New Roman" panose="02020603050405020304" pitchFamily="18" charset="0"/>
               </a:rPr>
-              <a:t>Feature Extraction</a:t>
+              <a:t>Feature Reduction</a:t>
             </a:r>
           </a:p>
           <a:p>
@@ -11675,7 +11760,7 @@
                 <a:latin typeface="Times New Roman" panose="02020603050405020304" pitchFamily="18" charset="0"/>
                 <a:cs typeface="Times New Roman" panose="02020603050405020304" pitchFamily="18" charset="0"/>
               </a:rPr>
-              <a:t>Feature Selection</a:t>
+              <a:t>Experimental Analysis</a:t>
             </a:r>
           </a:p>
           <a:p>
@@ -11688,7 +11773,7 @@
                 <a:latin typeface="Times New Roman" panose="02020603050405020304" pitchFamily="18" charset="0"/>
                 <a:cs typeface="Times New Roman" panose="02020603050405020304" pitchFamily="18" charset="0"/>
               </a:rPr>
-              <a:t>Experimental Procedure</a:t>
+              <a:t>Classification</a:t>
             </a:r>
           </a:p>
           <a:p>
@@ -11701,59 +11786,7 @@
                 <a:latin typeface="Times New Roman" panose="02020603050405020304" pitchFamily="18" charset="0"/>
                 <a:cs typeface="Times New Roman" panose="02020603050405020304" pitchFamily="18" charset="0"/>
               </a:rPr>
-              <a:t>Experimental Results</a:t>
-            </a:r>
-          </a:p>
-          <a:p>
-            <a:pPr marL="457200" indent="-457200">
-              <a:buFont typeface="Wingdings" panose="05000000000000000000" pitchFamily="2" charset="2"/>
-              <a:buChar char="v"/>
-            </a:pPr>
-            <a:r>
-              <a:rPr lang="en-US" sz="2000" dirty="0">
-                <a:latin typeface="Times New Roman" panose="02020603050405020304" pitchFamily="18" charset="0"/>
-                <a:cs typeface="Times New Roman" panose="02020603050405020304" pitchFamily="18" charset="0"/>
-              </a:rPr>
-              <a:t>Classification</a:t>
-            </a:r>
-          </a:p>
-          <a:p>
-            <a:pPr marL="457200" indent="-457200">
-              <a:buFont typeface="Wingdings" panose="05000000000000000000" pitchFamily="2" charset="2"/>
-              <a:buChar char="v"/>
-            </a:pPr>
-            <a:r>
-              <a:rPr lang="en-US" sz="2000" dirty="0">
-                <a:latin typeface="Times New Roman" panose="02020603050405020304" pitchFamily="18" charset="0"/>
-                <a:cs typeface="Times New Roman" panose="02020603050405020304" pitchFamily="18" charset="0"/>
-              </a:rPr>
               <a:t>Conclusion</a:t>
-            </a:r>
-          </a:p>
-          <a:p>
-            <a:pPr marL="457200" indent="-457200">
-              <a:buFont typeface="Wingdings" panose="05000000000000000000" pitchFamily="2" charset="2"/>
-              <a:buChar char="v"/>
-            </a:pPr>
-            <a:r>
-              <a:rPr lang="en-US" sz="2000" dirty="0">
-                <a:latin typeface="Times New Roman" panose="02020603050405020304" pitchFamily="18" charset="0"/>
-                <a:cs typeface="Times New Roman" panose="02020603050405020304" pitchFamily="18" charset="0"/>
-              </a:rPr>
-              <a:t>Future Work</a:t>
-            </a:r>
-          </a:p>
-          <a:p>
-            <a:pPr marL="457200" indent="-457200">
-              <a:buFont typeface="Wingdings" panose="05000000000000000000" pitchFamily="2" charset="2"/>
-              <a:buChar char="v"/>
-            </a:pPr>
-            <a:r>
-              <a:rPr lang="en-US" sz="2000" dirty="0">
-                <a:latin typeface="Times New Roman" panose="02020603050405020304" pitchFamily="18" charset="0"/>
-                <a:cs typeface="Times New Roman" panose="02020603050405020304" pitchFamily="18" charset="0"/>
-              </a:rPr>
-              <a:t>References</a:t>
             </a:r>
           </a:p>
         </p:txBody>
@@ -11799,7 +11832,7 @@
       </p:sp>
       <p:sp>
         <p:nvSpPr>
-          <p:cNvPr id="5" name="Slide Number Placeholder 4"/>
+          <p:cNvPr id="6" name="Slide Number Placeholder 4"/>
           <p:cNvSpPr>
             <a:spLocks noGrp="1"/>
           </p:cNvSpPr>
@@ -11807,7 +11840,12 @@
             <p:ph type="sldNum" sz="quarter" idx="12"/>
           </p:nvPr>
         </p:nvSpPr>
-        <p:spPr/>
+        <p:spPr>
+          <a:xfrm>
+            <a:off x="8610600" y="6511104"/>
+            <a:ext cx="3135924" cy="365125"/>
+          </a:xfrm>
+        </p:spPr>
         <p:txBody>
           <a:bodyPr/>
           <a:lstStyle/>
@@ -11817,7 +11855,10 @@
               <a:pPr/>
               <a:t>2</a:t>
             </a:fld>
-            <a:endParaRPr lang="en-US" dirty="0"/>
+            <a:r>
+              <a:rPr lang="en-US" dirty="0"/>
+              <a:t>/27</a:t>
+            </a:r>
           </a:p>
         </p:txBody>
       </p:sp>
@@ -11831,12 +11872,12 @@
   <p:clrMapOvr>
     <a:masterClrMapping/>
   </p:clrMapOvr>
-  <mc:AlternateContent xmlns:mc="http://schemas.openxmlformats.org/markup-compatibility/2006" xmlns:p14="http://schemas.microsoft.com/office/powerpoint/2010/main">
-    <mc:Choice Requires="p14">
-      <p:transition spd="slow" p14:dur="2000" advTm="27207"/>
+  <mc:AlternateContent xmlns:mc="http://schemas.openxmlformats.org/markup-compatibility/2006">
+    <mc:Choice xmlns:p14="http://schemas.microsoft.com/office/powerpoint/2010/main" Requires="p14">
+      <p:transition p14:dur="10"/>
     </mc:Choice>
-    <mc:Fallback xmlns="">
-      <p:transition spd="slow" advTm="27207"/>
+    <mc:Fallback>
+      <p:transition/>
     </mc:Fallback>
   </mc:AlternateContent>
 </p:sld>
@@ -11947,7 +11988,7 @@
         <p:spPr>
           <a:xfrm>
             <a:off x="324439" y="1274567"/>
-            <a:ext cx="5907386" cy="4708981"/>
+            <a:ext cx="6123151" cy="2862322"/>
           </a:xfrm>
           <a:prstGeom prst="rect">
             <a:avLst/>
@@ -11961,44 +12002,11 @@
           <a:lstStyle/>
           <a:p>
             <a:r>
-              <a:rPr lang="en-US" sz="2000" dirty="0">
-                <a:latin typeface="Times New Roman" panose="02020603050405020304" pitchFamily="18" charset="0"/>
-                <a:cs typeface="Times New Roman" panose="02020603050405020304" pitchFamily="18" charset="0"/>
-              </a:rPr>
-              <a:t>Kernel  support vector machine (KSVM)[3] classifier is</a:t>
-            </a:r>
-          </a:p>
-          <a:p>
-            <a:r>
-              <a:rPr lang="en-US" sz="2000" dirty="0">
-                <a:latin typeface="Times New Roman" panose="02020603050405020304" pitchFamily="18" charset="0"/>
-                <a:cs typeface="Times New Roman" panose="02020603050405020304" pitchFamily="18" charset="0"/>
-              </a:rPr>
-              <a:t>used to asses the performance of the proposed</a:t>
-            </a:r>
-          </a:p>
-          <a:p>
-            <a:r>
-              <a:rPr lang="en-US" sz="2000" dirty="0">
-                <a:latin typeface="Times New Roman" panose="02020603050405020304" pitchFamily="18" charset="0"/>
-                <a:cs typeface="Times New Roman" panose="02020603050405020304" pitchFamily="18" charset="0"/>
-              </a:rPr>
-              <a:t>TCOSD method.</a:t>
-            </a:r>
-          </a:p>
-          <a:p>
-            <a:endParaRPr lang="en-US" sz="2000" dirty="0">
-              <a:latin typeface="Times New Roman" panose="02020603050405020304" pitchFamily="18" charset="0"/>
-              <a:cs typeface="Times New Roman" panose="02020603050405020304" pitchFamily="18" charset="0"/>
-            </a:endParaRPr>
-          </a:p>
-          <a:p>
-            <a:r>
               <a:rPr lang="en-US" sz="2000" b="1" dirty="0">
                 <a:latin typeface="Times New Roman" panose="02020603050405020304" pitchFamily="18" charset="0"/>
                 <a:cs typeface="Times New Roman" panose="02020603050405020304" pitchFamily="18" charset="0"/>
               </a:rPr>
-              <a:t>Steps of classification:</a:t>
+              <a:t>Classification procedure:</a:t>
             </a:r>
           </a:p>
           <a:p>
@@ -12008,112 +12016,80 @@
             </a:endParaRPr>
           </a:p>
           <a:p>
+            <a:pPr marL="342900" indent="-342900">
+              <a:buFont typeface="Wingdings" panose="05000000000000000000" pitchFamily="2" charset="2"/>
+              <a:buChar char="v"/>
+            </a:pPr>
+            <a:r>
+              <a:rPr lang="en-US" sz="2000" dirty="0">
+                <a:latin typeface="Times New Roman" panose="02020603050405020304" pitchFamily="18" charset="0"/>
+                <a:cs typeface="Times New Roman" panose="02020603050405020304" pitchFamily="18" charset="0"/>
+              </a:rPr>
+              <a:t>Get train and test data</a:t>
+            </a:r>
+          </a:p>
+          <a:p>
+            <a:pPr marL="342900" indent="-342900">
+              <a:buFont typeface="Wingdings" panose="05000000000000000000" pitchFamily="2" charset="2"/>
+              <a:buChar char="v"/>
+            </a:pPr>
+            <a:r>
+              <a:rPr lang="en-US" sz="2000" dirty="0">
+                <a:latin typeface="Times New Roman" panose="02020603050405020304" pitchFamily="18" charset="0"/>
+                <a:cs typeface="Times New Roman" panose="02020603050405020304" pitchFamily="18" charset="0"/>
+              </a:rPr>
+              <a:t>Scale data set into 0 to 1</a:t>
+            </a:r>
+          </a:p>
+          <a:p>
+            <a:pPr marL="342900" indent="-342900">
+              <a:buFont typeface="Wingdings" panose="05000000000000000000" pitchFamily="2" charset="2"/>
+              <a:buChar char="v"/>
+            </a:pPr>
+            <a:r>
+              <a:rPr lang="en-US" sz="2000" dirty="0">
+                <a:latin typeface="Times New Roman" panose="02020603050405020304" pitchFamily="18" charset="0"/>
+                <a:cs typeface="Times New Roman" panose="02020603050405020304" pitchFamily="18" charset="0"/>
+              </a:rPr>
+              <a:t>Calculate best C and g (kernel width)for RBF </a:t>
+            </a:r>
+          </a:p>
+          <a:p>
+            <a:r>
+              <a:rPr lang="en-US" sz="2000" dirty="0">
+                <a:latin typeface="Times New Roman" panose="02020603050405020304" pitchFamily="18" charset="0"/>
+                <a:cs typeface="Times New Roman" panose="02020603050405020304" pitchFamily="18" charset="0"/>
+              </a:rPr>
+              <a:t>      kernel of SVM. 10 fold cross validation was used</a:t>
+            </a:r>
+          </a:p>
+          <a:p>
+            <a:pPr marL="342900" indent="-342900">
+              <a:buFont typeface="Wingdings" panose="05000000000000000000" pitchFamily="2" charset="2"/>
+              <a:buChar char="v"/>
+            </a:pPr>
             <a:r>
               <a:rPr lang="en-US" sz="2000" b="1" dirty="0">
                 <a:latin typeface="Times New Roman" panose="02020603050405020304" pitchFamily="18" charset="0"/>
                 <a:cs typeface="Times New Roman" panose="02020603050405020304" pitchFamily="18" charset="0"/>
               </a:rPr>
-              <a:t>Step 1: </a:t>
+              <a:t> </a:t>
             </a:r>
             <a:r>
               <a:rPr lang="en-US" sz="2000" dirty="0">
                 <a:latin typeface="Times New Roman" panose="02020603050405020304" pitchFamily="18" charset="0"/>
                 <a:cs typeface="Times New Roman" panose="02020603050405020304" pitchFamily="18" charset="0"/>
               </a:rPr>
-              <a:t>Get train and test data</a:t>
-            </a:r>
-          </a:p>
-          <a:p>
-            <a:r>
-              <a:rPr lang="en-US" sz="2000" b="1" dirty="0">
-                <a:latin typeface="Times New Roman" panose="02020603050405020304" pitchFamily="18" charset="0"/>
-                <a:cs typeface="Times New Roman" panose="02020603050405020304" pitchFamily="18" charset="0"/>
-              </a:rPr>
-              <a:t>Step 2: </a:t>
-            </a:r>
+              <a:t>Assess the test sample accuracy. Radial basis function</a:t>
+            </a:r>
+          </a:p>
+          <a:p>
             <a:r>
               <a:rPr lang="en-US" sz="2000" dirty="0">
                 <a:latin typeface="Times New Roman" panose="02020603050405020304" pitchFamily="18" charset="0"/>
                 <a:cs typeface="Times New Roman" panose="02020603050405020304" pitchFamily="18" charset="0"/>
               </a:rPr>
-              <a:t>Scale data set into 0 to 1</a:t>
-            </a:r>
-          </a:p>
-          <a:p>
-            <a:r>
-              <a:rPr lang="en-US" sz="2000" b="1" dirty="0">
-                <a:latin typeface="Times New Roman" panose="02020603050405020304" pitchFamily="18" charset="0"/>
-                <a:cs typeface="Times New Roman" panose="02020603050405020304" pitchFamily="18" charset="0"/>
-              </a:rPr>
-              <a:t>Step 3</a:t>
-            </a:r>
-            <a:r>
-              <a:rPr lang="en-US" sz="2000" dirty="0">
-                <a:latin typeface="Times New Roman" panose="02020603050405020304" pitchFamily="18" charset="0"/>
-                <a:cs typeface="Times New Roman" panose="02020603050405020304" pitchFamily="18" charset="0"/>
-              </a:rPr>
-              <a:t>: Calculate best C and g (kernel width)for RBF </a:t>
-            </a:r>
-          </a:p>
-          <a:p>
-            <a:r>
-              <a:rPr lang="en-US" sz="2000" dirty="0">
-                <a:latin typeface="Times New Roman" panose="02020603050405020304" pitchFamily="18" charset="0"/>
-                <a:cs typeface="Times New Roman" panose="02020603050405020304" pitchFamily="18" charset="0"/>
-              </a:rPr>
-              <a:t>                  kernel of SVM</a:t>
-            </a:r>
-          </a:p>
-          <a:p>
-            <a:pPr marL="1714500" lvl="3" indent="-342900">
-              <a:buFont typeface="Wingdings" panose="05000000000000000000" pitchFamily="2" charset="2"/>
-              <a:buChar char="§"/>
-            </a:pPr>
-            <a:r>
-              <a:rPr lang="en-US" sz="2000" dirty="0">
-                <a:latin typeface="Times New Roman" panose="02020603050405020304" pitchFamily="18" charset="0"/>
-                <a:cs typeface="Times New Roman" panose="02020603050405020304" pitchFamily="18" charset="0"/>
-              </a:rPr>
-              <a:t>10 fold cross validation was used</a:t>
-            </a:r>
-          </a:p>
-          <a:p>
-            <a:r>
-              <a:rPr lang="en-US" sz="2000" b="1" dirty="0">
-                <a:latin typeface="Times New Roman" panose="02020603050405020304" pitchFamily="18" charset="0"/>
-                <a:cs typeface="Times New Roman" panose="02020603050405020304" pitchFamily="18" charset="0"/>
-              </a:rPr>
-              <a:t>Step 4: </a:t>
-            </a:r>
-            <a:r>
-              <a:rPr lang="en-US" sz="2000" dirty="0">
-                <a:latin typeface="Times New Roman" panose="02020603050405020304" pitchFamily="18" charset="0"/>
-                <a:cs typeface="Times New Roman" panose="02020603050405020304" pitchFamily="18" charset="0"/>
-              </a:rPr>
-              <a:t>Assess the test sample accuracy</a:t>
-            </a:r>
-          </a:p>
-          <a:p>
-            <a:pPr marL="1714500" lvl="3" indent="-342900">
-              <a:buFont typeface="Wingdings" panose="05000000000000000000" pitchFamily="2" charset="2"/>
-              <a:buChar char="§"/>
-            </a:pPr>
-            <a:r>
-              <a:rPr lang="en-US" sz="2000" dirty="0">
-                <a:latin typeface="Times New Roman" panose="02020603050405020304" pitchFamily="18" charset="0"/>
-                <a:cs typeface="Times New Roman" panose="02020603050405020304" pitchFamily="18" charset="0"/>
-              </a:rPr>
-              <a:t>Radial basis function (RBF) kernel </a:t>
-            </a:r>
-          </a:p>
-          <a:p>
-            <a:pPr lvl="3"/>
-            <a:r>
-              <a:rPr lang="en-US" sz="2000" dirty="0">
-                <a:latin typeface="Times New Roman" panose="02020603050405020304" pitchFamily="18" charset="0"/>
-                <a:cs typeface="Times New Roman" panose="02020603050405020304" pitchFamily="18" charset="0"/>
-              </a:rPr>
-              <a:t>     was used</a:t>
+              <a:t>      (RBF) kernel	was used</a:t>
             </a:r>
           </a:p>
           <a:p>
@@ -12125,35 +12101,6 @@
               <a:latin typeface="Times New Roman" panose="02020603050405020304" pitchFamily="18" charset="0"/>
               <a:cs typeface="Times New Roman" panose="02020603050405020304" pitchFamily="18" charset="0"/>
             </a:endParaRPr>
-          </a:p>
-        </p:txBody>
-      </p:sp>
-      <p:sp>
-        <p:nvSpPr>
-          <p:cNvPr id="5" name="Slide Number Placeholder 4"/>
-          <p:cNvSpPr>
-            <a:spLocks noGrp="1"/>
-          </p:cNvSpPr>
-          <p:nvPr>
-            <p:ph type="sldNum" sz="quarter" idx="12"/>
-          </p:nvPr>
-        </p:nvSpPr>
-        <p:spPr>
-          <a:xfrm>
-            <a:off x="8610600" y="6497036"/>
-            <a:ext cx="2743200" cy="365125"/>
-          </a:xfrm>
-        </p:spPr>
-        <p:txBody>
-          <a:bodyPr/>
-          <a:lstStyle/>
-          <a:p>
-            <a:fld id="{0A0CA13E-CD6D-456E-9676-CC2D9A600115}" type="slidenum">
-              <a:rPr lang="en-US" smtClean="0"/>
-              <a:pPr/>
-              <a:t>20</a:t>
-            </a:fld>
-            <a:endParaRPr lang="en-US" dirty="0"/>
           </a:p>
         </p:txBody>
       </p:sp>
@@ -15076,6 +15023,74 @@
           </a:graphicData>
         </a:graphic>
       </p:graphicFrame>
+      <p:sp>
+        <p:nvSpPr>
+          <p:cNvPr id="2" name="TextBox 1"/>
+          <p:cNvSpPr txBox="1"/>
+          <p:nvPr/>
+        </p:nvSpPr>
+        <p:spPr>
+          <a:xfrm>
+            <a:off x="393895" y="815926"/>
+            <a:ext cx="5033750" cy="400110"/>
+          </a:xfrm>
+          <a:prstGeom prst="rect">
+            <a:avLst/>
+          </a:prstGeom>
+          <a:noFill/>
+        </p:spPr>
+        <p:txBody>
+          <a:bodyPr wrap="none" rtlCol="0">
+            <a:spAutoFit/>
+          </a:bodyPr>
+          <a:lstStyle/>
+          <a:p>
+            <a:pPr marL="342900" indent="-342900">
+              <a:buFont typeface="Wingdings" panose="05000000000000000000" pitchFamily="2" charset="2"/>
+              <a:buChar char="v"/>
+            </a:pPr>
+            <a:r>
+              <a:rPr lang="en-US" sz="2000" dirty="0">
+                <a:latin typeface="Times New Roman" panose="02020603050405020304" pitchFamily="18" charset="0"/>
+                <a:cs typeface="Times New Roman" panose="02020603050405020304" pitchFamily="18" charset="0"/>
+              </a:rPr>
+              <a:t>Kernel  support vector machine (KSVM)[3]</a:t>
+            </a:r>
+          </a:p>
+        </p:txBody>
+      </p:sp>
+      <p:sp>
+        <p:nvSpPr>
+          <p:cNvPr id="8" name="Slide Number Placeholder 4"/>
+          <p:cNvSpPr>
+            <a:spLocks noGrp="1"/>
+          </p:cNvSpPr>
+          <p:nvPr>
+            <p:ph type="sldNum" sz="quarter" idx="12"/>
+          </p:nvPr>
+        </p:nvSpPr>
+        <p:spPr>
+          <a:xfrm>
+            <a:off x="8610600" y="6511104"/>
+            <a:ext cx="3135924" cy="365125"/>
+          </a:xfrm>
+        </p:spPr>
+        <p:txBody>
+          <a:bodyPr/>
+          <a:lstStyle/>
+          <a:p>
+            <a:fld id="{0A0CA13E-CD6D-456E-9676-CC2D9A600115}" type="slidenum">
+              <a:rPr lang="en-US" smtClean="0"/>
+              <a:pPr/>
+              <a:t>20</a:t>
+            </a:fld>
+            <a:r>
+              <a:rPr lang="en-US" dirty="0"/>
+              <a:t>/27</a:t>
+            </a:r>
+          </a:p>
+        </p:txBody>
+      </p:sp>
     </p:spTree>
     <p:extLst>
       <p:ext uri="{BB962C8B-B14F-4D97-AF65-F5344CB8AC3E}">
@@ -15086,14 +15101,321 @@
   <p:clrMapOvr>
     <a:masterClrMapping/>
   </p:clrMapOvr>
-  <mc:AlternateContent xmlns:mc="http://schemas.openxmlformats.org/markup-compatibility/2006" xmlns:p14="http://schemas.microsoft.com/office/powerpoint/2010/main">
-    <mc:Choice Requires="p14">
-      <p:transition spd="slow" p14:dur="2000" advTm="9776"/>
+  <mc:AlternateContent xmlns:mc="http://schemas.openxmlformats.org/markup-compatibility/2006">
+    <mc:Choice xmlns:p14="http://schemas.microsoft.com/office/powerpoint/2010/main" Requires="p14">
+      <p:transition p14:dur="10"/>
     </mc:Choice>
-    <mc:Fallback xmlns="">
-      <p:transition spd="slow" advTm="9776"/>
+    <mc:Fallback>
+      <p:transition/>
     </mc:Fallback>
   </mc:AlternateContent>
+  <p:timing>
+    <p:tnLst>
+      <p:par>
+        <p:cTn id="1" dur="indefinite" restart="never" nodeType="tmRoot">
+          <p:childTnLst>
+            <p:seq concurrent="1" nextAc="seek">
+              <p:cTn id="2" dur="indefinite" nodeType="mainSeq">
+                <p:childTnLst>
+                  <p:par>
+                    <p:cTn id="3" fill="hold">
+                      <p:stCondLst>
+                        <p:cond delay="indefinite"/>
+                      </p:stCondLst>
+                      <p:childTnLst>
+                        <p:par>
+                          <p:cTn id="4" fill="hold">
+                            <p:stCondLst>
+                              <p:cond delay="0"/>
+                            </p:stCondLst>
+                            <p:childTnLst>
+                              <p:par>
+                                <p:cTn id="5" presetID="2" presetClass="entr" presetSubtype="4" fill="hold" grpId="0" nodeType="clickEffect">
+                                  <p:stCondLst>
+                                    <p:cond delay="0"/>
+                                  </p:stCondLst>
+                                  <p:childTnLst>
+                                    <p:set>
+                                      <p:cBhvr>
+                                        <p:cTn id="6" dur="1" fill="hold">
+                                          <p:stCondLst>
+                                            <p:cond delay="0"/>
+                                          </p:stCondLst>
+                                        </p:cTn>
+                                        <p:tgtEl>
+                                          <p:spTgt spid="2"/>
+                                        </p:tgtEl>
+                                        <p:attrNameLst>
+                                          <p:attrName>style.visibility</p:attrName>
+                                        </p:attrNameLst>
+                                      </p:cBhvr>
+                                      <p:to>
+                                        <p:strVal val="visible"/>
+                                      </p:to>
+                                    </p:set>
+                                    <p:anim calcmode="lin" valueType="num">
+                                      <p:cBhvr additive="base">
+                                        <p:cTn id="7" dur="500" fill="hold"/>
+                                        <p:tgtEl>
+                                          <p:spTgt spid="2"/>
+                                        </p:tgtEl>
+                                        <p:attrNameLst>
+                                          <p:attrName>ppt_x</p:attrName>
+                                        </p:attrNameLst>
+                                      </p:cBhvr>
+                                      <p:tavLst>
+                                        <p:tav tm="0">
+                                          <p:val>
+                                            <p:strVal val="#ppt_x"/>
+                                          </p:val>
+                                        </p:tav>
+                                        <p:tav tm="100000">
+                                          <p:val>
+                                            <p:strVal val="#ppt_x"/>
+                                          </p:val>
+                                        </p:tav>
+                                      </p:tavLst>
+                                    </p:anim>
+                                    <p:anim calcmode="lin" valueType="num">
+                                      <p:cBhvr additive="base">
+                                        <p:cTn id="8" dur="500" fill="hold"/>
+                                        <p:tgtEl>
+                                          <p:spTgt spid="2"/>
+                                        </p:tgtEl>
+                                        <p:attrNameLst>
+                                          <p:attrName>ppt_y</p:attrName>
+                                        </p:attrNameLst>
+                                      </p:cBhvr>
+                                      <p:tavLst>
+                                        <p:tav tm="0">
+                                          <p:val>
+                                            <p:strVal val="1+#ppt_h/2"/>
+                                          </p:val>
+                                        </p:tav>
+                                        <p:tav tm="100000">
+                                          <p:val>
+                                            <p:strVal val="#ppt_y"/>
+                                          </p:val>
+                                        </p:tav>
+                                      </p:tavLst>
+                                    </p:anim>
+                                  </p:childTnLst>
+                                </p:cTn>
+                              </p:par>
+                            </p:childTnLst>
+                          </p:cTn>
+                        </p:par>
+                      </p:childTnLst>
+                    </p:cTn>
+                  </p:par>
+                  <p:par>
+                    <p:cTn id="9" fill="hold">
+                      <p:stCondLst>
+                        <p:cond delay="indefinite"/>
+                      </p:stCondLst>
+                      <p:childTnLst>
+                        <p:par>
+                          <p:cTn id="10" fill="hold">
+                            <p:stCondLst>
+                              <p:cond delay="0"/>
+                            </p:stCondLst>
+                            <p:childTnLst>
+                              <p:par>
+                                <p:cTn id="11" presetID="2" presetClass="entr" presetSubtype="4" fill="hold" nodeType="clickEffect">
+                                  <p:stCondLst>
+                                    <p:cond delay="0"/>
+                                  </p:stCondLst>
+                                  <p:childTnLst>
+                                    <p:set>
+                                      <p:cBhvr>
+                                        <p:cTn id="12" dur="1" fill="hold">
+                                          <p:stCondLst>
+                                            <p:cond delay="0"/>
+                                          </p:stCondLst>
+                                        </p:cTn>
+                                        <p:tgtEl>
+                                          <p:spTgt spid="10"/>
+                                        </p:tgtEl>
+                                        <p:attrNameLst>
+                                          <p:attrName>style.visibility</p:attrName>
+                                        </p:attrNameLst>
+                                      </p:cBhvr>
+                                      <p:to>
+                                        <p:strVal val="visible"/>
+                                      </p:to>
+                                    </p:set>
+                                    <p:anim calcmode="lin" valueType="num">
+                                      <p:cBhvr additive="base">
+                                        <p:cTn id="13" dur="500" fill="hold"/>
+                                        <p:tgtEl>
+                                          <p:spTgt spid="10"/>
+                                        </p:tgtEl>
+                                        <p:attrNameLst>
+                                          <p:attrName>ppt_x</p:attrName>
+                                        </p:attrNameLst>
+                                      </p:cBhvr>
+                                      <p:tavLst>
+                                        <p:tav tm="0">
+                                          <p:val>
+                                            <p:strVal val="#ppt_x"/>
+                                          </p:val>
+                                        </p:tav>
+                                        <p:tav tm="100000">
+                                          <p:val>
+                                            <p:strVal val="#ppt_x"/>
+                                          </p:val>
+                                        </p:tav>
+                                      </p:tavLst>
+                                    </p:anim>
+                                    <p:anim calcmode="lin" valueType="num">
+                                      <p:cBhvr additive="base">
+                                        <p:cTn id="14" dur="500" fill="hold"/>
+                                        <p:tgtEl>
+                                          <p:spTgt spid="10"/>
+                                        </p:tgtEl>
+                                        <p:attrNameLst>
+                                          <p:attrName>ppt_y</p:attrName>
+                                        </p:attrNameLst>
+                                      </p:cBhvr>
+                                      <p:tavLst>
+                                        <p:tav tm="0">
+                                          <p:val>
+                                            <p:strVal val="1+#ppt_h/2"/>
+                                          </p:val>
+                                        </p:tav>
+                                        <p:tav tm="100000">
+                                          <p:val>
+                                            <p:strVal val="#ppt_y"/>
+                                          </p:val>
+                                        </p:tav>
+                                      </p:tavLst>
+                                    </p:anim>
+                                  </p:childTnLst>
+                                </p:cTn>
+                              </p:par>
+                            </p:childTnLst>
+                          </p:cTn>
+                        </p:par>
+                      </p:childTnLst>
+                    </p:cTn>
+                  </p:par>
+                  <p:par>
+                    <p:cTn id="15" fill="hold">
+                      <p:stCondLst>
+                        <p:cond delay="indefinite"/>
+                      </p:stCondLst>
+                      <p:childTnLst>
+                        <p:par>
+                          <p:cTn id="16" fill="hold">
+                            <p:stCondLst>
+                              <p:cond delay="0"/>
+                            </p:stCondLst>
+                            <p:childTnLst>
+                              <p:par>
+                                <p:cTn id="17" presetID="2" presetClass="entr" presetSubtype="4" fill="hold" grpId="0" nodeType="clickEffect">
+                                  <p:stCondLst>
+                                    <p:cond delay="0"/>
+                                  </p:stCondLst>
+                                  <p:childTnLst>
+                                    <p:set>
+                                      <p:cBhvr>
+                                        <p:cTn id="18" dur="1" fill="hold">
+                                          <p:stCondLst>
+                                            <p:cond delay="0"/>
+                                          </p:stCondLst>
+                                        </p:cTn>
+                                        <p:tgtEl>
+                                          <p:spTgt spid="9"/>
+                                        </p:tgtEl>
+                                        <p:attrNameLst>
+                                          <p:attrName>style.visibility</p:attrName>
+                                        </p:attrNameLst>
+                                      </p:cBhvr>
+                                      <p:to>
+                                        <p:strVal val="visible"/>
+                                      </p:to>
+                                    </p:set>
+                                    <p:anim calcmode="lin" valueType="num">
+                                      <p:cBhvr additive="base">
+                                        <p:cTn id="19" dur="500" fill="hold"/>
+                                        <p:tgtEl>
+                                          <p:spTgt spid="9"/>
+                                        </p:tgtEl>
+                                        <p:attrNameLst>
+                                          <p:attrName>ppt_x</p:attrName>
+                                        </p:attrNameLst>
+                                      </p:cBhvr>
+                                      <p:tavLst>
+                                        <p:tav tm="0">
+                                          <p:val>
+                                            <p:strVal val="#ppt_x"/>
+                                          </p:val>
+                                        </p:tav>
+                                        <p:tav tm="100000">
+                                          <p:val>
+                                            <p:strVal val="#ppt_x"/>
+                                          </p:val>
+                                        </p:tav>
+                                      </p:tavLst>
+                                    </p:anim>
+                                    <p:anim calcmode="lin" valueType="num">
+                                      <p:cBhvr additive="base">
+                                        <p:cTn id="20" dur="500" fill="hold"/>
+                                        <p:tgtEl>
+                                          <p:spTgt spid="9"/>
+                                        </p:tgtEl>
+                                        <p:attrNameLst>
+                                          <p:attrName>ppt_y</p:attrName>
+                                        </p:attrNameLst>
+                                      </p:cBhvr>
+                                      <p:tavLst>
+                                        <p:tav tm="0">
+                                          <p:val>
+                                            <p:strVal val="1+#ppt_h/2"/>
+                                          </p:val>
+                                        </p:tav>
+                                        <p:tav tm="100000">
+                                          <p:val>
+                                            <p:strVal val="#ppt_y"/>
+                                          </p:val>
+                                        </p:tav>
+                                      </p:tavLst>
+                                    </p:anim>
+                                  </p:childTnLst>
+                                </p:cTn>
+                              </p:par>
+                            </p:childTnLst>
+                          </p:cTn>
+                        </p:par>
+                      </p:childTnLst>
+                    </p:cTn>
+                  </p:par>
+                </p:childTnLst>
+              </p:cTn>
+              <p:prevCondLst>
+                <p:cond evt="onPrev" delay="0">
+                  <p:tgtEl>
+                    <p:sldTgt/>
+                  </p:tgtEl>
+                </p:cond>
+              </p:prevCondLst>
+              <p:nextCondLst>
+                <p:cond evt="onNext" delay="0">
+                  <p:tgtEl>
+                    <p:sldTgt/>
+                  </p:tgtEl>
+                </p:cond>
+              </p:nextCondLst>
+            </p:seq>
+          </p:childTnLst>
+        </p:cTn>
+      </p:par>
+    </p:tnLst>
+    <p:bldLst>
+      <p:bldP spid="9" grpId="0"/>
+      <p:bldP spid="2" grpId="0"/>
+    </p:bldLst>
+  </p:timing>
 </p:sld>
 </file>
 
@@ -15149,7 +15471,19 @@
                 <a:latin typeface="Arial" panose="020B0604020202020204" pitchFamily="34" charset="0"/>
                 <a:cs typeface="Arial" panose="020B0604020202020204" pitchFamily="34" charset="0"/>
               </a:rPr>
-              <a:t>			    		  Conclusion</a:t>
+              <a:t>			     </a:t>
+            </a:r>
+            <a:r>
+              <a:rPr lang="en-US" sz="2400" dirty="0">
+                <a:solidFill>
+                  <a:schemeClr val="accent5">
+                    <a:lumMod val="75000"/>
+                  </a:schemeClr>
+                </a:solidFill>
+                <a:latin typeface="Times New Roman" panose="02020603050405020304" pitchFamily="18" charset="0"/>
+                <a:cs typeface="Times New Roman" panose="02020603050405020304" pitchFamily="18" charset="0"/>
+              </a:rPr>
+              <a:t>Experimental Analysis and Conclusion</a:t>
             </a:r>
           </a:p>
         </p:txBody>
@@ -15163,7 +15497,7 @@
         <p:spPr>
           <a:xfrm>
             <a:off x="367309" y="519074"/>
-            <a:ext cx="4729180" cy="1015663"/>
+            <a:ext cx="4671472" cy="1015663"/>
           </a:xfrm>
           <a:prstGeom prst="rect">
             <a:avLst/>
@@ -15185,7 +15519,7 @@
                 <a:latin typeface="Arial" panose="020B0604020202020204" pitchFamily="34" charset="0"/>
                 <a:cs typeface="Arial" panose="020B0604020202020204" pitchFamily="34" charset="0"/>
               </a:rPr>
-              <a:t>14 classes are selected</a:t>
+              <a:t>14 out of 16 classes are selected</a:t>
             </a:r>
           </a:p>
           <a:p>
@@ -15198,7 +15532,7 @@
                 <a:latin typeface="Arial" panose="020B0604020202020204" pitchFamily="34" charset="0"/>
                 <a:cs typeface="Arial" panose="020B0604020202020204" pitchFamily="34" charset="0"/>
               </a:rPr>
-              <a:t>Selecting first 8 features for proposed</a:t>
+              <a:t>Selected first 8 features for proposed</a:t>
             </a:r>
           </a:p>
           <a:p>
@@ -15301,14 +15635,14 @@
           <p:nvPr>
             <p:extLst>
               <p:ext uri="{D42A27DB-BD31-4B8C-83A1-F6EECF244321}">
-                <p14:modId xmlns:p14="http://schemas.microsoft.com/office/powerpoint/2010/main" val="1922795340"/>
+                <p14:modId xmlns:p14="http://schemas.microsoft.com/office/powerpoint/2010/main" val="977491552"/>
               </p:ext>
             </p:extLst>
           </p:nvPr>
         </p:nvGraphicFramePr>
         <p:xfrm>
-          <a:off x="329811" y="3737369"/>
-          <a:ext cx="4900701" cy="2529868"/>
+          <a:off x="367309" y="3813778"/>
+          <a:ext cx="4863203" cy="2590800"/>
         </p:xfrm>
         <a:graphic>
           <a:graphicData uri="http://schemas.openxmlformats.org/drawingml/2006/table">
@@ -15317,14 +15651,14 @@
                 <a:tableStyleId>{2D5ABB26-0587-4C30-8999-92F81FD0307C}</a:tableStyleId>
               </a:tblPr>
               <a:tblGrid>
-                <a:gridCol w="2202374">
+                <a:gridCol w="2185522">
                   <a:extLst>
                     <a:ext uri="{9D8B030D-6E8A-4147-A177-3AD203B41FA5}">
                       <a16:colId xmlns:a16="http://schemas.microsoft.com/office/drawing/2014/main" val="3445986276"/>
                     </a:ext>
                   </a:extLst>
                 </a:gridCol>
-                <a:gridCol w="2698327">
+                <a:gridCol w="2677681">
                   <a:extLst>
                     <a:ext uri="{9D8B030D-6E8A-4147-A177-3AD203B41FA5}">
                       <a16:colId xmlns:a16="http://schemas.microsoft.com/office/drawing/2014/main" val="3618705788"/>
@@ -15332,7 +15666,7 @@
                   </a:extLst>
                 </a:gridCol>
               </a:tblGrid>
-              <a:tr h="625825">
+              <a:tr h="660104">
                 <a:tc>
                   <a:txBody>
                     <a:bodyPr/>
@@ -15454,7 +15788,7 @@
                   </a:ext>
                 </a:extLst>
               </a:tr>
-              <a:tr h="457207">
+              <a:tr h="373103">
                 <a:tc>
                   <a:txBody>
                     <a:bodyPr/>
@@ -15571,7 +15905,7 @@
                   </a:ext>
                 </a:extLst>
               </a:tr>
-              <a:tr h="457207">
+              <a:tr h="373103">
                 <a:tc>
                   <a:txBody>
                     <a:bodyPr/>
@@ -15701,7 +16035,7 @@
                   </a:ext>
                 </a:extLst>
               </a:tr>
-              <a:tr h="457207">
+              <a:tr h="373103">
                 <a:tc>
                   <a:txBody>
                     <a:bodyPr/>
@@ -15848,7 +16182,7 @@
                   </a:ext>
                 </a:extLst>
               </a:tr>
-              <a:tr h="457207">
+              <a:tr h="565762">
                 <a:tc>
                   <a:txBody>
                     <a:bodyPr/>
@@ -16008,14 +16342,14 @@
           <p:nvPr>
             <p:extLst>
               <p:ext uri="{D42A27DB-BD31-4B8C-83A1-F6EECF244321}">
-                <p14:modId xmlns:p14="http://schemas.microsoft.com/office/powerpoint/2010/main" val="3967066933"/>
+                <p14:modId xmlns:p14="http://schemas.microsoft.com/office/powerpoint/2010/main" val="4018818434"/>
               </p:ext>
             </p:extLst>
           </p:nvPr>
         </p:nvGraphicFramePr>
         <p:xfrm>
-          <a:off x="329811" y="1534737"/>
-          <a:ext cx="4900701" cy="1981200"/>
+          <a:off x="367309" y="1528764"/>
+          <a:ext cx="4863203" cy="2065645"/>
         </p:xfrm>
         <a:graphic>
           <a:graphicData uri="http://schemas.openxmlformats.org/drawingml/2006/table">
@@ -16024,21 +16358,21 @@
                 <a:tableStyleId>{2D5ABB26-0587-4C30-8999-92F81FD0307C}</a:tableStyleId>
               </a:tblPr>
               <a:tblGrid>
-                <a:gridCol w="2244577">
+                <a:gridCol w="2227403">
                   <a:extLst>
                     <a:ext uri="{9D8B030D-6E8A-4147-A177-3AD203B41FA5}">
                       <a16:colId xmlns:a16="http://schemas.microsoft.com/office/drawing/2014/main" val="3251848491"/>
                     </a:ext>
                   </a:extLst>
                 </a:gridCol>
-                <a:gridCol w="1293206">
+                <a:gridCol w="1283311">
                   <a:extLst>
                     <a:ext uri="{9D8B030D-6E8A-4147-A177-3AD203B41FA5}">
                       <a16:colId xmlns:a16="http://schemas.microsoft.com/office/drawing/2014/main" val="3143817146"/>
                     </a:ext>
                   </a:extLst>
                 </a:gridCol>
-                <a:gridCol w="1362918">
+                <a:gridCol w="1352489">
                   <a:extLst>
                     <a:ext uri="{9D8B030D-6E8A-4147-A177-3AD203B41FA5}">
                       <a16:colId xmlns:a16="http://schemas.microsoft.com/office/drawing/2014/main" val="2680588237"/>
@@ -16046,7 +16380,7 @@
                   </a:extLst>
                 </a:gridCol>
               </a:tblGrid>
-              <a:tr h="343009">
+              <a:tr h="375129">
                 <a:tc>
                   <a:txBody>
                     <a:bodyPr/>
@@ -16212,7 +16546,7 @@
                   </a:ext>
                 </a:extLst>
               </a:tr>
-              <a:tr h="343009">
+              <a:tr h="375129">
                 <a:tc>
                   <a:txBody>
                     <a:bodyPr/>
@@ -16382,7 +16716,7 @@
                   </a:ext>
                 </a:extLst>
               </a:tr>
-              <a:tr h="343009">
+              <a:tr h="375129">
                 <a:tc>
                   <a:txBody>
                     <a:bodyPr/>
@@ -16548,7 +16882,7 @@
                   </a:ext>
                 </a:extLst>
               </a:tr>
-              <a:tr h="343009">
+              <a:tr h="375129">
                 <a:tc>
                   <a:txBody>
                     <a:bodyPr/>
@@ -16714,7 +17048,7 @@
                   </a:ext>
                 </a:extLst>
               </a:tr>
-              <a:tr h="343009">
+              <a:tr h="480685">
                 <a:tc>
                   <a:txBody>
                     <a:bodyPr/>
@@ -16884,35 +17218,6 @@
           </a:graphicData>
         </a:graphic>
       </p:graphicFrame>
-      <p:sp>
-        <p:nvSpPr>
-          <p:cNvPr id="8" name="Slide Number Placeholder 7"/>
-          <p:cNvSpPr>
-            <a:spLocks noGrp="1"/>
-          </p:cNvSpPr>
-          <p:nvPr>
-            <p:ph type="sldNum" sz="quarter" idx="12"/>
-          </p:nvPr>
-        </p:nvSpPr>
-        <p:spPr>
-          <a:xfrm>
-            <a:off x="8610600" y="6497036"/>
-            <a:ext cx="2743200" cy="365125"/>
-          </a:xfrm>
-        </p:spPr>
-        <p:txBody>
-          <a:bodyPr/>
-          <a:lstStyle/>
-          <a:p>
-            <a:fld id="{0A0CA13E-CD6D-456E-9676-CC2D9A600115}" type="slidenum">
-              <a:rPr lang="en-US" smtClean="0"/>
-              <a:pPr/>
-              <a:t>21</a:t>
-            </a:fld>
-            <a:endParaRPr lang="en-US" dirty="0"/>
-          </a:p>
-        </p:txBody>
-      </p:sp>
       <p:pic>
         <p:nvPicPr>
           <p:cNvPr id="11" name="Picture 10"/>
@@ -16965,7 +17270,7 @@
           <a:graphicData uri="http://schemas.openxmlformats.org/presentationml/2006/ole">
             <mc:AlternateContent xmlns:mc="http://schemas.openxmlformats.org/markup-compatibility/2006">
               <mc:Choice xmlns:v="urn:schemas-microsoft-com:vml" Requires="v">
-                <p:oleObj spid="_x0000_s2063" name="Equation" r:id="rId4" imgW="114120" imgH="164880" progId="Equation.3">
+                <p:oleObj spid="_x0000_s2092" name="Equation" r:id="rId4" imgW="114120" imgH="164880" progId="Equation.3">
                   <p:embed/>
                 </p:oleObj>
               </mc:Choice>
@@ -17000,63 +17305,38 @@
           </a:graphicData>
         </a:graphic>
       </p:graphicFrame>
-      <p:graphicFrame>
-        <p:nvGraphicFramePr>
-          <p:cNvPr id="5" name="Object 4"/>
-          <p:cNvGraphicFramePr>
-            <a:graphicFrameLocks noChangeAspect="1"/>
-          </p:cNvGraphicFramePr>
+      <p:sp>
+        <p:nvSpPr>
+          <p:cNvPr id="12" name="Slide Number Placeholder 4"/>
+          <p:cNvSpPr>
+            <a:spLocks noGrp="1"/>
+          </p:cNvSpPr>
           <p:nvPr>
-            <p:extLst>
-              <p:ext uri="{D42A27DB-BD31-4B8C-83A1-F6EECF244321}">
-                <p14:modId xmlns:p14="http://schemas.microsoft.com/office/powerpoint/2010/main" val="2233972953"/>
-              </p:ext>
-            </p:extLst>
+            <p:ph type="sldNum" sz="quarter" idx="12"/>
           </p:nvPr>
-        </p:nvGraphicFramePr>
-        <p:xfrm>
-          <a:off x="6038850" y="3344863"/>
-          <a:ext cx="114300" cy="165100"/>
-        </p:xfrm>
-        <a:graphic>
-          <a:graphicData uri="http://schemas.openxmlformats.org/presentationml/2006/ole">
-            <mc:AlternateContent xmlns:mc="http://schemas.openxmlformats.org/markup-compatibility/2006">
-              <mc:Choice xmlns:v="urn:schemas-microsoft-com:vml" Requires="v">
-                <p:oleObj spid="_x0000_s2064" name="Equation" r:id="rId6" imgW="114120" imgH="164880" progId="Equation.3">
-                  <p:embed/>
-                </p:oleObj>
-              </mc:Choice>
-              <mc:Fallback>
-                <p:oleObj name="Equation" r:id="rId6" imgW="114120" imgH="164880" progId="Equation.3">
-                  <p:embed/>
-                  <p:pic>
-                    <p:nvPicPr>
-                      <p:cNvPr id="0" name=""/>
-                      <p:cNvPicPr/>
-                      <p:nvPr/>
-                    </p:nvPicPr>
-                    <p:blipFill>
-                      <a:blip r:embed="rId7"/>
-                      <a:stretch>
-                        <a:fillRect/>
-                      </a:stretch>
-                    </p:blipFill>
-                    <p:spPr>
-                      <a:xfrm>
-                        <a:off x="6038850" y="3344863"/>
-                        <a:ext cx="114300" cy="165100"/>
-                      </a:xfrm>
-                      <a:prstGeom prst="rect">
-                        <a:avLst/>
-                      </a:prstGeom>
-                    </p:spPr>
-                  </p:pic>
-                </p:oleObj>
-              </mc:Fallback>
-            </mc:AlternateContent>
-          </a:graphicData>
-        </a:graphic>
-      </p:graphicFrame>
+        </p:nvSpPr>
+        <p:spPr>
+          <a:xfrm>
+            <a:off x="8610600" y="6511104"/>
+            <a:ext cx="3135924" cy="365125"/>
+          </a:xfrm>
+        </p:spPr>
+        <p:txBody>
+          <a:bodyPr/>
+          <a:lstStyle/>
+          <a:p>
+            <a:fld id="{0A0CA13E-CD6D-456E-9676-CC2D9A600115}" type="slidenum">
+              <a:rPr lang="en-US" smtClean="0"/>
+              <a:pPr/>
+              <a:t>21</a:t>
+            </a:fld>
+            <a:r>
+              <a:rPr lang="en-US" dirty="0"/>
+              <a:t>/27</a:t>
+            </a:r>
+          </a:p>
+        </p:txBody>
+      </p:sp>
     </p:spTree>
     <p:extLst>
       <p:ext uri="{BB962C8B-B14F-4D97-AF65-F5344CB8AC3E}">
@@ -17067,14 +17347,485 @@
   <p:clrMapOvr>
     <a:masterClrMapping/>
   </p:clrMapOvr>
-  <mc:AlternateContent xmlns:mc="http://schemas.openxmlformats.org/markup-compatibility/2006" xmlns:p14="http://schemas.microsoft.com/office/powerpoint/2010/main">
-    <mc:Choice Requires="p14">
-      <p:transition spd="slow" p14:dur="2000" advTm="1960"/>
+  <mc:AlternateContent xmlns:mc="http://schemas.openxmlformats.org/markup-compatibility/2006">
+    <mc:Choice xmlns:p14="http://schemas.microsoft.com/office/powerpoint/2010/main" Requires="p14">
+      <p:transition p14:dur="10"/>
     </mc:Choice>
-    <mc:Fallback xmlns="">
-      <p:transition spd="slow" advTm="1960"/>
+    <mc:Fallback>
+      <p:transition/>
     </mc:Fallback>
   </mc:AlternateContent>
+  <p:timing>
+    <p:tnLst>
+      <p:par>
+        <p:cTn id="1" dur="indefinite" restart="never" nodeType="tmRoot">
+          <p:childTnLst>
+            <p:seq concurrent="1" nextAc="seek">
+              <p:cTn id="2" dur="indefinite" nodeType="mainSeq">
+                <p:childTnLst>
+                  <p:par>
+                    <p:cTn id="3" fill="hold">
+                      <p:stCondLst>
+                        <p:cond delay="indefinite"/>
+                      </p:stCondLst>
+                      <p:childTnLst>
+                        <p:par>
+                          <p:cTn id="4" fill="hold">
+                            <p:stCondLst>
+                              <p:cond delay="0"/>
+                            </p:stCondLst>
+                            <p:childTnLst>
+                              <p:par>
+                                <p:cTn id="5" presetID="2" presetClass="entr" presetSubtype="4" fill="hold" grpId="0" nodeType="clickEffect">
+                                  <p:stCondLst>
+                                    <p:cond delay="0"/>
+                                  </p:stCondLst>
+                                  <p:childTnLst>
+                                    <p:set>
+                                      <p:cBhvr>
+                                        <p:cTn id="6" dur="1" fill="hold">
+                                          <p:stCondLst>
+                                            <p:cond delay="0"/>
+                                          </p:stCondLst>
+                                        </p:cTn>
+                                        <p:tgtEl>
+                                          <p:spTgt spid="2"/>
+                                        </p:tgtEl>
+                                        <p:attrNameLst>
+                                          <p:attrName>style.visibility</p:attrName>
+                                        </p:attrNameLst>
+                                      </p:cBhvr>
+                                      <p:to>
+                                        <p:strVal val="visible"/>
+                                      </p:to>
+                                    </p:set>
+                                    <p:anim calcmode="lin" valueType="num">
+                                      <p:cBhvr additive="base">
+                                        <p:cTn id="7" dur="500" fill="hold"/>
+                                        <p:tgtEl>
+                                          <p:spTgt spid="2"/>
+                                        </p:tgtEl>
+                                        <p:attrNameLst>
+                                          <p:attrName>ppt_x</p:attrName>
+                                        </p:attrNameLst>
+                                      </p:cBhvr>
+                                      <p:tavLst>
+                                        <p:tav tm="0">
+                                          <p:val>
+                                            <p:strVal val="#ppt_x"/>
+                                          </p:val>
+                                        </p:tav>
+                                        <p:tav tm="100000">
+                                          <p:val>
+                                            <p:strVal val="#ppt_x"/>
+                                          </p:val>
+                                        </p:tav>
+                                      </p:tavLst>
+                                    </p:anim>
+                                    <p:anim calcmode="lin" valueType="num">
+                                      <p:cBhvr additive="base">
+                                        <p:cTn id="8" dur="500" fill="hold"/>
+                                        <p:tgtEl>
+                                          <p:spTgt spid="2"/>
+                                        </p:tgtEl>
+                                        <p:attrNameLst>
+                                          <p:attrName>ppt_y</p:attrName>
+                                        </p:attrNameLst>
+                                      </p:cBhvr>
+                                      <p:tavLst>
+                                        <p:tav tm="0">
+                                          <p:val>
+                                            <p:strVal val="1+#ppt_h/2"/>
+                                          </p:val>
+                                        </p:tav>
+                                        <p:tav tm="100000">
+                                          <p:val>
+                                            <p:strVal val="#ppt_y"/>
+                                          </p:val>
+                                        </p:tav>
+                                      </p:tavLst>
+                                    </p:anim>
+                                  </p:childTnLst>
+                                </p:cTn>
+                              </p:par>
+                            </p:childTnLst>
+                          </p:cTn>
+                        </p:par>
+                      </p:childTnLst>
+                    </p:cTn>
+                  </p:par>
+                  <p:par>
+                    <p:cTn id="9" fill="hold">
+                      <p:stCondLst>
+                        <p:cond delay="indefinite"/>
+                      </p:stCondLst>
+                      <p:childTnLst>
+                        <p:par>
+                          <p:cTn id="10" fill="hold">
+                            <p:stCondLst>
+                              <p:cond delay="0"/>
+                            </p:stCondLst>
+                            <p:childTnLst>
+                              <p:par>
+                                <p:cTn id="11" presetID="2" presetClass="entr" presetSubtype="4" fill="hold" nodeType="clickEffect">
+                                  <p:stCondLst>
+                                    <p:cond delay="0"/>
+                                  </p:stCondLst>
+                                  <p:childTnLst>
+                                    <p:set>
+                                      <p:cBhvr>
+                                        <p:cTn id="12" dur="1" fill="hold">
+                                          <p:stCondLst>
+                                            <p:cond delay="0"/>
+                                          </p:stCondLst>
+                                        </p:cTn>
+                                        <p:tgtEl>
+                                          <p:spTgt spid="13"/>
+                                        </p:tgtEl>
+                                        <p:attrNameLst>
+                                          <p:attrName>style.visibility</p:attrName>
+                                        </p:attrNameLst>
+                                      </p:cBhvr>
+                                      <p:to>
+                                        <p:strVal val="visible"/>
+                                      </p:to>
+                                    </p:set>
+                                    <p:anim calcmode="lin" valueType="num">
+                                      <p:cBhvr additive="base">
+                                        <p:cTn id="13" dur="500" fill="hold"/>
+                                        <p:tgtEl>
+                                          <p:spTgt spid="13"/>
+                                        </p:tgtEl>
+                                        <p:attrNameLst>
+                                          <p:attrName>ppt_x</p:attrName>
+                                        </p:attrNameLst>
+                                      </p:cBhvr>
+                                      <p:tavLst>
+                                        <p:tav tm="0">
+                                          <p:val>
+                                            <p:strVal val="#ppt_x"/>
+                                          </p:val>
+                                        </p:tav>
+                                        <p:tav tm="100000">
+                                          <p:val>
+                                            <p:strVal val="#ppt_x"/>
+                                          </p:val>
+                                        </p:tav>
+                                      </p:tavLst>
+                                    </p:anim>
+                                    <p:anim calcmode="lin" valueType="num">
+                                      <p:cBhvr additive="base">
+                                        <p:cTn id="14" dur="500" fill="hold"/>
+                                        <p:tgtEl>
+                                          <p:spTgt spid="13"/>
+                                        </p:tgtEl>
+                                        <p:attrNameLst>
+                                          <p:attrName>ppt_y</p:attrName>
+                                        </p:attrNameLst>
+                                      </p:cBhvr>
+                                      <p:tavLst>
+                                        <p:tav tm="0">
+                                          <p:val>
+                                            <p:strVal val="1+#ppt_h/2"/>
+                                          </p:val>
+                                        </p:tav>
+                                        <p:tav tm="100000">
+                                          <p:val>
+                                            <p:strVal val="#ppt_y"/>
+                                          </p:val>
+                                        </p:tav>
+                                      </p:tavLst>
+                                    </p:anim>
+                                  </p:childTnLst>
+                                </p:cTn>
+                              </p:par>
+                            </p:childTnLst>
+                          </p:cTn>
+                        </p:par>
+                      </p:childTnLst>
+                    </p:cTn>
+                  </p:par>
+                  <p:par>
+                    <p:cTn id="15" fill="hold">
+                      <p:stCondLst>
+                        <p:cond delay="indefinite"/>
+                      </p:stCondLst>
+                      <p:childTnLst>
+                        <p:par>
+                          <p:cTn id="16" fill="hold">
+                            <p:stCondLst>
+                              <p:cond delay="0"/>
+                            </p:stCondLst>
+                            <p:childTnLst>
+                              <p:par>
+                                <p:cTn id="17" presetID="2" presetClass="entr" presetSubtype="4" fill="hold" nodeType="clickEffect">
+                                  <p:stCondLst>
+                                    <p:cond delay="0"/>
+                                  </p:stCondLst>
+                                  <p:childTnLst>
+                                    <p:set>
+                                      <p:cBhvr>
+                                        <p:cTn id="18" dur="1" fill="hold">
+                                          <p:stCondLst>
+                                            <p:cond delay="0"/>
+                                          </p:stCondLst>
+                                        </p:cTn>
+                                        <p:tgtEl>
+                                          <p:spTgt spid="10"/>
+                                        </p:tgtEl>
+                                        <p:attrNameLst>
+                                          <p:attrName>style.visibility</p:attrName>
+                                        </p:attrNameLst>
+                                      </p:cBhvr>
+                                      <p:to>
+                                        <p:strVal val="visible"/>
+                                      </p:to>
+                                    </p:set>
+                                    <p:anim calcmode="lin" valueType="num">
+                                      <p:cBhvr additive="base">
+                                        <p:cTn id="19" dur="500" fill="hold"/>
+                                        <p:tgtEl>
+                                          <p:spTgt spid="10"/>
+                                        </p:tgtEl>
+                                        <p:attrNameLst>
+                                          <p:attrName>ppt_x</p:attrName>
+                                        </p:attrNameLst>
+                                      </p:cBhvr>
+                                      <p:tavLst>
+                                        <p:tav tm="0">
+                                          <p:val>
+                                            <p:strVal val="#ppt_x"/>
+                                          </p:val>
+                                        </p:tav>
+                                        <p:tav tm="100000">
+                                          <p:val>
+                                            <p:strVal val="#ppt_x"/>
+                                          </p:val>
+                                        </p:tav>
+                                      </p:tavLst>
+                                    </p:anim>
+                                    <p:anim calcmode="lin" valueType="num">
+                                      <p:cBhvr additive="base">
+                                        <p:cTn id="20" dur="500" fill="hold"/>
+                                        <p:tgtEl>
+                                          <p:spTgt spid="10"/>
+                                        </p:tgtEl>
+                                        <p:attrNameLst>
+                                          <p:attrName>ppt_y</p:attrName>
+                                        </p:attrNameLst>
+                                      </p:cBhvr>
+                                      <p:tavLst>
+                                        <p:tav tm="0">
+                                          <p:val>
+                                            <p:strVal val="1+#ppt_h/2"/>
+                                          </p:val>
+                                        </p:tav>
+                                        <p:tav tm="100000">
+                                          <p:val>
+                                            <p:strVal val="#ppt_y"/>
+                                          </p:val>
+                                        </p:tav>
+                                      </p:tavLst>
+                                    </p:anim>
+                                  </p:childTnLst>
+                                </p:cTn>
+                              </p:par>
+                            </p:childTnLst>
+                          </p:cTn>
+                        </p:par>
+                      </p:childTnLst>
+                    </p:cTn>
+                  </p:par>
+                  <p:par>
+                    <p:cTn id="21" fill="hold">
+                      <p:stCondLst>
+                        <p:cond delay="indefinite"/>
+                      </p:stCondLst>
+                      <p:childTnLst>
+                        <p:par>
+                          <p:cTn id="22" fill="hold">
+                            <p:stCondLst>
+                              <p:cond delay="0"/>
+                            </p:stCondLst>
+                            <p:childTnLst>
+                              <p:par>
+                                <p:cTn id="23" presetID="2" presetClass="entr" presetSubtype="4" fill="hold" grpId="0" nodeType="clickEffect">
+                                  <p:stCondLst>
+                                    <p:cond delay="0"/>
+                                  </p:stCondLst>
+                                  <p:childTnLst>
+                                    <p:set>
+                                      <p:cBhvr>
+                                        <p:cTn id="24" dur="1" fill="hold">
+                                          <p:stCondLst>
+                                            <p:cond delay="0"/>
+                                          </p:stCondLst>
+                                        </p:cTn>
+                                        <p:tgtEl>
+                                          <p:spTgt spid="3"/>
+                                        </p:tgtEl>
+                                        <p:attrNameLst>
+                                          <p:attrName>style.visibility</p:attrName>
+                                        </p:attrNameLst>
+                                      </p:cBhvr>
+                                      <p:to>
+                                        <p:strVal val="visible"/>
+                                      </p:to>
+                                    </p:set>
+                                    <p:anim calcmode="lin" valueType="num">
+                                      <p:cBhvr additive="base">
+                                        <p:cTn id="25" dur="500" fill="hold"/>
+                                        <p:tgtEl>
+                                          <p:spTgt spid="3"/>
+                                        </p:tgtEl>
+                                        <p:attrNameLst>
+                                          <p:attrName>ppt_x</p:attrName>
+                                        </p:attrNameLst>
+                                      </p:cBhvr>
+                                      <p:tavLst>
+                                        <p:tav tm="0">
+                                          <p:val>
+                                            <p:strVal val="#ppt_x"/>
+                                          </p:val>
+                                        </p:tav>
+                                        <p:tav tm="100000">
+                                          <p:val>
+                                            <p:strVal val="#ppt_x"/>
+                                          </p:val>
+                                        </p:tav>
+                                      </p:tavLst>
+                                    </p:anim>
+                                    <p:anim calcmode="lin" valueType="num">
+                                      <p:cBhvr additive="base">
+                                        <p:cTn id="26" dur="500" fill="hold"/>
+                                        <p:tgtEl>
+                                          <p:spTgt spid="3"/>
+                                        </p:tgtEl>
+                                        <p:attrNameLst>
+                                          <p:attrName>ppt_y</p:attrName>
+                                        </p:attrNameLst>
+                                      </p:cBhvr>
+                                      <p:tavLst>
+                                        <p:tav tm="0">
+                                          <p:val>
+                                            <p:strVal val="1+#ppt_h/2"/>
+                                          </p:val>
+                                        </p:tav>
+                                        <p:tav tm="100000">
+                                          <p:val>
+                                            <p:strVal val="#ppt_y"/>
+                                          </p:val>
+                                        </p:tav>
+                                      </p:tavLst>
+                                    </p:anim>
+                                  </p:childTnLst>
+                                </p:cTn>
+                              </p:par>
+                              <p:par>
+                                <p:cTn id="27" presetID="2" presetClass="entr" presetSubtype="4" fill="hold" nodeType="withEffect">
+                                  <p:stCondLst>
+                                    <p:cond delay="0"/>
+                                  </p:stCondLst>
+                                  <p:childTnLst>
+                                    <p:set>
+                                      <p:cBhvr>
+                                        <p:cTn id="28" dur="1" fill="hold">
+                                          <p:stCondLst>
+                                            <p:cond delay="0"/>
+                                          </p:stCondLst>
+                                        </p:cTn>
+                                        <p:tgtEl>
+                                          <p:spTgt spid="11"/>
+                                        </p:tgtEl>
+                                        <p:attrNameLst>
+                                          <p:attrName>style.visibility</p:attrName>
+                                        </p:attrNameLst>
+                                      </p:cBhvr>
+                                      <p:to>
+                                        <p:strVal val="visible"/>
+                                      </p:to>
+                                    </p:set>
+                                    <p:anim calcmode="lin" valueType="num">
+                                      <p:cBhvr additive="base">
+                                        <p:cTn id="29" dur="500" fill="hold"/>
+                                        <p:tgtEl>
+                                          <p:spTgt spid="11"/>
+                                        </p:tgtEl>
+                                        <p:attrNameLst>
+                                          <p:attrName>ppt_x</p:attrName>
+                                        </p:attrNameLst>
+                                      </p:cBhvr>
+                                      <p:tavLst>
+                                        <p:tav tm="0">
+                                          <p:val>
+                                            <p:strVal val="#ppt_x"/>
+                                          </p:val>
+                                        </p:tav>
+                                        <p:tav tm="100000">
+                                          <p:val>
+                                            <p:strVal val="#ppt_x"/>
+                                          </p:val>
+                                        </p:tav>
+                                      </p:tavLst>
+                                    </p:anim>
+                                    <p:anim calcmode="lin" valueType="num">
+                                      <p:cBhvr additive="base">
+                                        <p:cTn id="30" dur="500" fill="hold"/>
+                                        <p:tgtEl>
+                                          <p:spTgt spid="11"/>
+                                        </p:tgtEl>
+                                        <p:attrNameLst>
+                                          <p:attrName>ppt_y</p:attrName>
+                                        </p:attrNameLst>
+                                      </p:cBhvr>
+                                      <p:tavLst>
+                                        <p:tav tm="0">
+                                          <p:val>
+                                            <p:strVal val="1+#ppt_h/2"/>
+                                          </p:val>
+                                        </p:tav>
+                                        <p:tav tm="100000">
+                                          <p:val>
+                                            <p:strVal val="#ppt_y"/>
+                                          </p:val>
+                                        </p:tav>
+                                      </p:tavLst>
+                                    </p:anim>
+                                  </p:childTnLst>
+                                </p:cTn>
+                              </p:par>
+                            </p:childTnLst>
+                          </p:cTn>
+                        </p:par>
+                      </p:childTnLst>
+                    </p:cTn>
+                  </p:par>
+                </p:childTnLst>
+              </p:cTn>
+              <p:prevCondLst>
+                <p:cond evt="onPrev" delay="0">
+                  <p:tgtEl>
+                    <p:sldTgt/>
+                  </p:tgtEl>
+                </p:cond>
+              </p:prevCondLst>
+              <p:nextCondLst>
+                <p:cond evt="onNext" delay="0">
+                  <p:tgtEl>
+                    <p:sldTgt/>
+                  </p:tgtEl>
+                </p:cond>
+              </p:nextCondLst>
+            </p:seq>
+          </p:childTnLst>
+        </p:cTn>
+      </p:par>
+    </p:tnLst>
+    <p:bldLst>
+      <p:bldP spid="2" grpId="0"/>
+      <p:bldP spid="3" grpId="0"/>
+    </p:bldLst>
+  </p:timing>
 </p:sld>
 </file>
 
@@ -17127,74 +17878,22 @@
                     <a:lumMod val="75000"/>
                   </a:schemeClr>
                 </a:solidFill>
-                <a:latin typeface="Times New Roman" panose="02020603050405020304" pitchFamily="18" charset="0"/>
-                <a:cs typeface="Times New Roman" panose="02020603050405020304" pitchFamily="18" charset="0"/>
-              </a:rPr>
-              <a:t>			    	  	  Future Work</a:t>
-            </a:r>
-          </a:p>
-        </p:txBody>
-      </p:sp>
-      <p:sp>
-        <p:nvSpPr>
-          <p:cNvPr id="2" name="TextBox 1"/>
-          <p:cNvSpPr txBox="1"/>
-          <p:nvPr/>
-        </p:nvSpPr>
-        <p:spPr>
-          <a:xfrm>
-            <a:off x="2080591" y="2358887"/>
-            <a:ext cx="8283037" cy="1323439"/>
-          </a:xfrm>
-          <a:prstGeom prst="rect">
-            <a:avLst/>
-          </a:prstGeom>
-          <a:noFill/>
-        </p:spPr>
-        <p:txBody>
-          <a:bodyPr wrap="none" rtlCol="0">
-            <a:spAutoFit/>
-          </a:bodyPr>
-          <a:lstStyle/>
-          <a:p>
-            <a:pPr marL="285750" indent="-285750">
-              <a:buFont typeface="Wingdings" panose="05000000000000000000" pitchFamily="2" charset="2"/>
-              <a:buChar char="v"/>
-            </a:pPr>
-            <a:r>
-              <a:rPr lang="en-US" sz="2000" dirty="0">
-                <a:latin typeface="Times New Roman" panose="02020603050405020304" pitchFamily="18" charset="0"/>
-                <a:cs typeface="Times New Roman" panose="02020603050405020304" pitchFamily="18" charset="0"/>
-              </a:rPr>
-              <a:t>This method needs some further improvement to handle the complex class </a:t>
-            </a:r>
-          </a:p>
-          <a:p>
-            <a:r>
-              <a:rPr lang="en-US" sz="2000" dirty="0">
-                <a:latin typeface="Times New Roman" panose="02020603050405020304" pitchFamily="18" charset="0"/>
-                <a:cs typeface="Times New Roman" panose="02020603050405020304" pitchFamily="18" charset="0"/>
-              </a:rPr>
-              <a:t>    relationships where only a few feature may not capable to complete the task.</a:t>
-            </a:r>
-          </a:p>
-          <a:p>
-            <a:endParaRPr lang="en-US" sz="2000" dirty="0">
-              <a:latin typeface="Times New Roman" panose="02020603050405020304" pitchFamily="18" charset="0"/>
-              <a:cs typeface="Times New Roman" panose="02020603050405020304" pitchFamily="18" charset="0"/>
-            </a:endParaRPr>
-          </a:p>
-          <a:p>
-            <a:pPr marL="285750" indent="-285750">
-              <a:buFont typeface="Wingdings" panose="05000000000000000000" pitchFamily="2" charset="2"/>
-              <a:buChar char="v"/>
-            </a:pPr>
-            <a:r>
-              <a:rPr lang="en-US" sz="2000" dirty="0">
-                <a:latin typeface="Times New Roman" panose="02020603050405020304" pitchFamily="18" charset="0"/>
-                <a:cs typeface="Times New Roman" panose="02020603050405020304" pitchFamily="18" charset="0"/>
-              </a:rPr>
-              <a:t>Selection will be performed by introducing adaptive thresholding T.</a:t>
+                <a:latin typeface="Arial" panose="020B0604020202020204" pitchFamily="34" charset="0"/>
+                <a:cs typeface="Arial" panose="020B0604020202020204" pitchFamily="34" charset="0"/>
+              </a:rPr>
+              <a:t>			      		</a:t>
+            </a:r>
+            <a:r>
+              <a:rPr lang="en-US" sz="2400" dirty="0">
+                <a:solidFill>
+                  <a:schemeClr val="accent5">
+                    <a:lumMod val="75000"/>
+                  </a:schemeClr>
+                </a:solidFill>
+                <a:latin typeface="Times New Roman" panose="02020603050405020304" pitchFamily="18" charset="0"/>
+                <a:cs typeface="Times New Roman" panose="02020603050405020304" pitchFamily="18" charset="0"/>
+              </a:rPr>
+              <a:t>Conclusion</a:t>
             </a:r>
           </a:p>
         </p:txBody>
@@ -17240,7 +17939,7 @@
       </p:sp>
       <p:sp>
         <p:nvSpPr>
-          <p:cNvPr id="5" name="Slide Number Placeholder 4"/>
+          <p:cNvPr id="12" name="Slide Number Placeholder 4"/>
           <p:cNvSpPr>
             <a:spLocks noGrp="1"/>
           </p:cNvSpPr>
@@ -17250,8 +17949,8 @@
         </p:nvSpPr>
         <p:spPr>
           <a:xfrm>
-            <a:off x="8610600" y="6482968"/>
-            <a:ext cx="2743200" cy="365125"/>
+            <a:off x="8610600" y="6511104"/>
+            <a:ext cx="3135924" cy="365125"/>
           </a:xfrm>
         </p:spPr>
         <p:txBody>
@@ -17263,28 +17962,236 @@
               <a:pPr/>
               <a:t>22</a:t>
             </a:fld>
-            <a:endParaRPr lang="en-US" dirty="0"/>
+            <a:r>
+              <a:rPr lang="en-US" dirty="0"/>
+              <a:t>/27</a:t>
+            </a:r>
+          </a:p>
+        </p:txBody>
+      </p:sp>
+      <p:sp>
+        <p:nvSpPr>
+          <p:cNvPr id="9" name="TextBox 8"/>
+          <p:cNvSpPr txBox="1"/>
+          <p:nvPr/>
+        </p:nvSpPr>
+        <p:spPr>
+          <a:xfrm>
+            <a:off x="2293033" y="2021016"/>
+            <a:ext cx="5092505" cy="1015663"/>
+          </a:xfrm>
+          <a:prstGeom prst="rect">
+            <a:avLst/>
+          </a:prstGeom>
+          <a:noFill/>
+        </p:spPr>
+        <p:txBody>
+          <a:bodyPr wrap="square" rtlCol="0">
+            <a:spAutoFit/>
+          </a:bodyPr>
+          <a:lstStyle/>
+          <a:p>
+            <a:pPr marL="342900" indent="-342900">
+              <a:buFont typeface="Wingdings" panose="05000000000000000000" pitchFamily="2" charset="2"/>
+              <a:buChar char="v"/>
+            </a:pPr>
+            <a:r>
+              <a:rPr lang="en-US" sz="2000" dirty="0">
+                <a:latin typeface="Times New Roman" panose="02020603050405020304" pitchFamily="18" charset="0"/>
+                <a:cs typeface="Times New Roman" panose="02020603050405020304" pitchFamily="18" charset="0"/>
+              </a:rPr>
+              <a:t>A better subspace is detected than other standard approaches</a:t>
+            </a:r>
+          </a:p>
+          <a:p>
+            <a:pPr marL="285750" indent="-285750">
+              <a:buFont typeface="Wingdings" panose="05000000000000000000" pitchFamily="2" charset="2"/>
+              <a:buChar char="v"/>
+            </a:pPr>
+            <a:r>
+              <a:rPr lang="en-US" sz="2000" dirty="0">
+                <a:latin typeface="Times New Roman" panose="02020603050405020304" pitchFamily="18" charset="0"/>
+                <a:cs typeface="Times New Roman" panose="02020603050405020304" pitchFamily="18" charset="0"/>
+              </a:rPr>
+              <a:t>Can provide best classification accuracy</a:t>
+            </a:r>
+          </a:p>
+        </p:txBody>
+      </p:sp>
+      <p:sp>
+        <p:nvSpPr>
+          <p:cNvPr id="14" name="TextBox 13"/>
+          <p:cNvSpPr txBox="1"/>
+          <p:nvPr/>
+        </p:nvSpPr>
+        <p:spPr>
+          <a:xfrm>
+            <a:off x="2419642" y="3559717"/>
+            <a:ext cx="6443003" cy="707886"/>
+          </a:xfrm>
+          <a:prstGeom prst="rect">
+            <a:avLst/>
+          </a:prstGeom>
+          <a:noFill/>
+        </p:spPr>
+        <p:txBody>
+          <a:bodyPr wrap="square" rtlCol="0">
+            <a:spAutoFit/>
+          </a:bodyPr>
+          <a:lstStyle/>
+          <a:p>
+            <a:r>
+              <a:rPr lang="en-US" sz="2000" dirty="0">
+                <a:latin typeface="Times New Roman" panose="02020603050405020304" pitchFamily="18" charset="0"/>
+                <a:cs typeface="Times New Roman" panose="02020603050405020304" pitchFamily="18" charset="0"/>
+              </a:rPr>
+              <a:t>Proposed method is most suitable for ground object detection and identification</a:t>
+            </a:r>
           </a:p>
         </p:txBody>
       </p:sp>
     </p:spTree>
     <p:extLst>
       <p:ext uri="{BB962C8B-B14F-4D97-AF65-F5344CB8AC3E}">
-        <p14:creationId xmlns:p14="http://schemas.microsoft.com/office/powerpoint/2010/main" val="2870555053"/>
+        <p14:creationId xmlns:p14="http://schemas.microsoft.com/office/powerpoint/2010/main" val="118307619"/>
       </p:ext>
     </p:extLst>
   </p:cSld>
   <p:clrMapOvr>
     <a:masterClrMapping/>
   </p:clrMapOvr>
-  <mc:AlternateContent xmlns:mc="http://schemas.openxmlformats.org/markup-compatibility/2006" xmlns:p14="http://schemas.microsoft.com/office/powerpoint/2010/main">
-    <mc:Choice Requires="p14">
-      <p:transition spd="slow" p14:dur="2000" advTm="2128"/>
+  <mc:AlternateContent xmlns:mc="http://schemas.openxmlformats.org/markup-compatibility/2006">
+    <mc:Choice xmlns:p14="http://schemas.microsoft.com/office/powerpoint/2010/main" Requires="p14">
+      <p:transition p14:dur="10"/>
     </mc:Choice>
-    <mc:Fallback xmlns="">
-      <p:transition spd="slow" advTm="2128"/>
+    <mc:Fallback>
+      <p:transition/>
     </mc:Fallback>
   </mc:AlternateContent>
+  <p:timing>
+    <p:tnLst>
+      <p:par>
+        <p:cTn id="1" dur="indefinite" restart="never" nodeType="tmRoot">
+          <p:childTnLst>
+            <p:seq concurrent="1" nextAc="seek">
+              <p:cTn id="2" dur="indefinite" nodeType="mainSeq">
+                <p:childTnLst>
+                  <p:par>
+                    <p:cTn id="3" fill="hold">
+                      <p:stCondLst>
+                        <p:cond delay="indefinite"/>
+                      </p:stCondLst>
+                      <p:childTnLst>
+                        <p:par>
+                          <p:cTn id="4" fill="hold">
+                            <p:stCondLst>
+                              <p:cond delay="0"/>
+                            </p:stCondLst>
+                            <p:childTnLst>
+                              <p:par>
+                                <p:cTn id="5" presetID="2" presetClass="entr" presetSubtype="4" fill="hold" grpId="0" nodeType="clickEffect">
+                                  <p:stCondLst>
+                                    <p:cond delay="0"/>
+                                  </p:stCondLst>
+                                  <p:childTnLst>
+                                    <p:set>
+                                      <p:cBhvr>
+                                        <p:cTn id="6" dur="1" fill="hold">
+                                          <p:stCondLst>
+                                            <p:cond delay="0"/>
+                                          </p:stCondLst>
+                                        </p:cTn>
+                                        <p:tgtEl>
+                                          <p:spTgt spid="14"/>
+                                        </p:tgtEl>
+                                        <p:attrNameLst>
+                                          <p:attrName>style.visibility</p:attrName>
+                                        </p:attrNameLst>
+                                      </p:cBhvr>
+                                      <p:to>
+                                        <p:strVal val="visible"/>
+                                      </p:to>
+                                    </p:set>
+                                    <p:anim calcmode="lin" valueType="num">
+                                      <p:cBhvr additive="base">
+                                        <p:cTn id="7" dur="500" fill="hold"/>
+                                        <p:tgtEl>
+                                          <p:spTgt spid="14"/>
+                                        </p:tgtEl>
+                                        <p:attrNameLst>
+                                          <p:attrName>ppt_x</p:attrName>
+                                        </p:attrNameLst>
+                                      </p:cBhvr>
+                                      <p:tavLst>
+                                        <p:tav tm="0">
+                                          <p:val>
+                                            <p:strVal val="#ppt_x"/>
+                                          </p:val>
+                                        </p:tav>
+                                        <p:tav tm="100000">
+                                          <p:val>
+                                            <p:strVal val="#ppt_x"/>
+                                          </p:val>
+                                        </p:tav>
+                                      </p:tavLst>
+                                    </p:anim>
+                                    <p:anim calcmode="lin" valueType="num">
+                                      <p:cBhvr additive="base">
+                                        <p:cTn id="8" dur="500" fill="hold"/>
+                                        <p:tgtEl>
+                                          <p:spTgt spid="14"/>
+                                        </p:tgtEl>
+                                        <p:attrNameLst>
+                                          <p:attrName>ppt_y</p:attrName>
+                                        </p:attrNameLst>
+                                      </p:cBhvr>
+                                      <p:tavLst>
+                                        <p:tav tm="0">
+                                          <p:val>
+                                            <p:strVal val="1+#ppt_h/2"/>
+                                          </p:val>
+                                        </p:tav>
+                                        <p:tav tm="100000">
+                                          <p:val>
+                                            <p:strVal val="#ppt_y"/>
+                                          </p:val>
+                                        </p:tav>
+                                      </p:tavLst>
+                                    </p:anim>
+                                  </p:childTnLst>
+                                </p:cTn>
+                              </p:par>
+                            </p:childTnLst>
+                          </p:cTn>
+                        </p:par>
+                      </p:childTnLst>
+                    </p:cTn>
+                  </p:par>
+                </p:childTnLst>
+              </p:cTn>
+              <p:prevCondLst>
+                <p:cond evt="onPrev" delay="0">
+                  <p:tgtEl>
+                    <p:sldTgt/>
+                  </p:tgtEl>
+                </p:cond>
+              </p:prevCondLst>
+              <p:nextCondLst>
+                <p:cond evt="onNext" delay="0">
+                  <p:tgtEl>
+                    <p:sldTgt/>
+                  </p:tgtEl>
+                </p:cond>
+              </p:nextCondLst>
+            </p:seq>
+          </p:childTnLst>
+        </p:cTn>
+      </p:par>
+    </p:tnLst>
+    <p:bldLst>
+      <p:bldP spid="14" grpId="0"/>
+    </p:bldLst>
+  </p:timing>
 </p:sld>
 </file>
 
@@ -17340,7 +18247,69 @@
                 <a:latin typeface="Times New Roman" panose="02020603050405020304" pitchFamily="18" charset="0"/>
                 <a:cs typeface="Times New Roman" panose="02020603050405020304" pitchFamily="18" charset="0"/>
               </a:rPr>
-              <a:t>				     Acknowledgement</a:t>
+              <a:t>			    	  	  Future Work</a:t>
+            </a:r>
+          </a:p>
+        </p:txBody>
+      </p:sp>
+      <p:sp>
+        <p:nvSpPr>
+          <p:cNvPr id="2" name="TextBox 1"/>
+          <p:cNvSpPr txBox="1"/>
+          <p:nvPr/>
+        </p:nvSpPr>
+        <p:spPr>
+          <a:xfrm>
+            <a:off x="2080591" y="2358887"/>
+            <a:ext cx="8400441" cy="1015663"/>
+          </a:xfrm>
+          <a:prstGeom prst="rect">
+            <a:avLst/>
+          </a:prstGeom>
+          <a:noFill/>
+        </p:spPr>
+        <p:txBody>
+          <a:bodyPr wrap="none" rtlCol="0">
+            <a:spAutoFit/>
+          </a:bodyPr>
+          <a:lstStyle/>
+          <a:p>
+            <a:pPr marL="285750" indent="-285750">
+              <a:buFont typeface="Wingdings" panose="05000000000000000000" pitchFamily="2" charset="2"/>
+              <a:buChar char="v"/>
+            </a:pPr>
+            <a:r>
+              <a:rPr lang="en-US" sz="2000" dirty="0">
+                <a:latin typeface="Times New Roman" panose="02020603050405020304" pitchFamily="18" charset="0"/>
+                <a:cs typeface="Times New Roman" panose="02020603050405020304" pitchFamily="18" charset="0"/>
+              </a:rPr>
+              <a:t>Proposed method needs some further improvement </a:t>
+            </a:r>
+          </a:p>
+          <a:p>
+            <a:pPr marL="1200150" lvl="2" indent="-285750">
+              <a:buFont typeface="Wingdings" panose="05000000000000000000" pitchFamily="2" charset="2"/>
+              <a:buChar char="v"/>
+            </a:pPr>
+            <a:r>
+              <a:rPr lang="en-US" sz="2000" dirty="0">
+                <a:latin typeface="Times New Roman" panose="02020603050405020304" pitchFamily="18" charset="0"/>
+                <a:cs typeface="Times New Roman" panose="02020603050405020304" pitchFamily="18" charset="0"/>
+              </a:rPr>
+              <a:t>To handle complex class relationships</a:t>
+            </a:r>
+          </a:p>
+          <a:p>
+            <a:pPr marL="285750" indent="-285750">
+              <a:buFont typeface="Wingdings" panose="05000000000000000000" pitchFamily="2" charset="2"/>
+              <a:buChar char="v"/>
+            </a:pPr>
+            <a:r>
+              <a:rPr lang="en-US" sz="2000" dirty="0">
+                <a:latin typeface="Times New Roman" panose="02020603050405020304" pitchFamily="18" charset="0"/>
+                <a:cs typeface="Times New Roman" panose="02020603050405020304" pitchFamily="18" charset="0"/>
+              </a:rPr>
+              <a:t>Subspace detection can be performed by introducing adaptive thresholding T.</a:t>
             </a:r>
           </a:p>
         </p:txBody>
@@ -17386,81 +18355,6 @@
       </p:sp>
       <p:sp>
         <p:nvSpPr>
-          <p:cNvPr id="3" name="TextBox 2"/>
-          <p:cNvSpPr txBox="1"/>
-          <p:nvPr/>
-        </p:nvSpPr>
-        <p:spPr>
-          <a:xfrm>
-            <a:off x="2547605" y="2222694"/>
-            <a:ext cx="5686685" cy="1015663"/>
-          </a:xfrm>
-          <a:prstGeom prst="rect">
-            <a:avLst/>
-          </a:prstGeom>
-          <a:noFill/>
-        </p:spPr>
-        <p:txBody>
-          <a:bodyPr wrap="none" rtlCol="0">
-            <a:spAutoFit/>
-          </a:bodyPr>
-          <a:lstStyle/>
-          <a:p>
-            <a:r>
-              <a:rPr lang="en-US" sz="2000" dirty="0">
-                <a:latin typeface="Times New Roman" panose="02020603050405020304" pitchFamily="18" charset="0"/>
-                <a:cs typeface="Times New Roman" panose="02020603050405020304" pitchFamily="18" charset="0"/>
-              </a:rPr>
-              <a:t>Special thanks to </a:t>
-            </a:r>
-          </a:p>
-          <a:p>
-            <a:r>
-              <a:rPr lang="en-US" sz="2000" dirty="0">
-                <a:latin typeface="Times New Roman" panose="02020603050405020304" pitchFamily="18" charset="0"/>
-                <a:cs typeface="Times New Roman" panose="02020603050405020304" pitchFamily="18" charset="0"/>
-              </a:rPr>
-              <a:t>Professor Dr. David A. </a:t>
-            </a:r>
-            <a:r>
-              <a:rPr lang="en-US" sz="2000" dirty="0" err="1">
-                <a:latin typeface="Times New Roman" panose="02020603050405020304" pitchFamily="18" charset="0"/>
-                <a:cs typeface="Times New Roman" panose="02020603050405020304" pitchFamily="18" charset="0"/>
-              </a:rPr>
-              <a:t>Landgrebe</a:t>
-            </a:r>
-            <a:r>
-              <a:rPr lang="en-US" sz="2000" dirty="0">
-                <a:latin typeface="Times New Roman" panose="02020603050405020304" pitchFamily="18" charset="0"/>
-                <a:cs typeface="Times New Roman" panose="02020603050405020304" pitchFamily="18" charset="0"/>
-              </a:rPr>
-              <a:t>, Purdue University</a:t>
-            </a:r>
-          </a:p>
-          <a:p>
-            <a:r>
-              <a:rPr lang="en-US" sz="2000" dirty="0">
-                <a:latin typeface="Times New Roman" panose="02020603050405020304" pitchFamily="18" charset="0"/>
-                <a:cs typeface="Times New Roman" panose="02020603050405020304" pitchFamily="18" charset="0"/>
-              </a:rPr>
-              <a:t>For the dataset and </a:t>
-            </a:r>
-            <a:r>
-              <a:rPr lang="en-US" sz="2000" dirty="0" err="1">
-                <a:latin typeface="Times New Roman" panose="02020603050405020304" pitchFamily="18" charset="0"/>
-                <a:cs typeface="Times New Roman" panose="02020603050405020304" pitchFamily="18" charset="0"/>
-              </a:rPr>
-              <a:t>MultiSpec</a:t>
-            </a:r>
-            <a:endParaRPr lang="en-US" sz="2000" dirty="0">
-              <a:latin typeface="Times New Roman" panose="02020603050405020304" pitchFamily="18" charset="0"/>
-              <a:cs typeface="Times New Roman" panose="02020603050405020304" pitchFamily="18" charset="0"/>
-            </a:endParaRPr>
-          </a:p>
-        </p:txBody>
-      </p:sp>
-      <p:sp>
-        <p:nvSpPr>
           <p:cNvPr id="5" name="Slide Number Placeholder 4"/>
           <p:cNvSpPr>
             <a:spLocks noGrp="1"/>
@@ -17471,8 +18365,8 @@
         </p:nvSpPr>
         <p:spPr>
           <a:xfrm>
-            <a:off x="8644851" y="6488670"/>
-            <a:ext cx="2743200" cy="365125"/>
+            <a:off x="8610600" y="6511104"/>
+            <a:ext cx="3135924" cy="365125"/>
           </a:xfrm>
         </p:spPr>
         <p:txBody>
@@ -17484,26 +18378,29 @@
               <a:pPr/>
               <a:t>23</a:t>
             </a:fld>
-            <a:endParaRPr lang="en-US" dirty="0"/>
+            <a:r>
+              <a:rPr lang="en-US" dirty="0"/>
+              <a:t>/27</a:t>
+            </a:r>
           </a:p>
         </p:txBody>
       </p:sp>
     </p:spTree>
     <p:extLst>
       <p:ext uri="{BB962C8B-B14F-4D97-AF65-F5344CB8AC3E}">
-        <p14:creationId xmlns:p14="http://schemas.microsoft.com/office/powerpoint/2010/main" val="1074274953"/>
+        <p14:creationId xmlns:p14="http://schemas.microsoft.com/office/powerpoint/2010/main" val="2870555053"/>
       </p:ext>
     </p:extLst>
   </p:cSld>
   <p:clrMapOvr>
     <a:masterClrMapping/>
   </p:clrMapOvr>
-  <mc:AlternateContent xmlns:mc="http://schemas.openxmlformats.org/markup-compatibility/2006" xmlns:p14="http://schemas.microsoft.com/office/powerpoint/2010/main">
-    <mc:Choice Requires="p14">
-      <p:transition spd="slow" p14:dur="2000" advTm="7657"/>
+  <mc:AlternateContent xmlns:mc="http://schemas.openxmlformats.org/markup-compatibility/2006">
+    <mc:Choice xmlns:p14="http://schemas.microsoft.com/office/powerpoint/2010/main" Requires="p14">
+      <p:transition p14:dur="10"/>
     </mc:Choice>
-    <mc:Fallback xmlns="">
-      <p:transition spd="slow" advTm="7657"/>
+    <mc:Fallback>
+      <p:transition/>
     </mc:Fallback>
   </mc:AlternateContent>
 </p:sld>
@@ -17561,7 +18458,7 @@
                 <a:latin typeface="Times New Roman" panose="02020603050405020304" pitchFamily="18" charset="0"/>
                 <a:cs typeface="Times New Roman" panose="02020603050405020304" pitchFamily="18" charset="0"/>
               </a:rPr>
-              <a:t>			    		  References</a:t>
+              <a:t>				     Acknowledgement</a:t>
             </a:r>
           </a:p>
         </p:txBody>
@@ -17613,8 +18510,8 @@
         </p:nvSpPr>
         <p:spPr>
           <a:xfrm>
-            <a:off x="379483" y="576775"/>
-            <a:ext cx="10581999" cy="5486117"/>
+            <a:off x="2547605" y="2222694"/>
+            <a:ext cx="5686685" cy="1015663"/>
           </a:xfrm>
           <a:prstGeom prst="rect">
             <a:avLst/>
@@ -17627,272 +18524,52 @@
           </a:bodyPr>
           <a:lstStyle/>
           <a:p>
-            <a:pPr marL="235585" marR="323850" indent="-223520">
-              <a:lnSpc>
-                <a:spcPct val="102600"/>
-              </a:lnSpc>
-            </a:pPr>
             <a:r>
               <a:rPr lang="en-US" sz="2000" dirty="0">
-                <a:solidFill>
-                  <a:schemeClr val="accent5"/>
-                </a:solidFill>
-                <a:latin typeface="Times New Roman" panose="02020603050405020304" pitchFamily="18" charset="0"/>
-                <a:cs typeface="Times New Roman" panose="02020603050405020304" pitchFamily="18" charset="0"/>
-              </a:rPr>
-              <a:t>[1]</a:t>
-            </a:r>
+                <a:latin typeface="Times New Roman" panose="02020603050405020304" pitchFamily="18" charset="0"/>
+                <a:cs typeface="Times New Roman" panose="02020603050405020304" pitchFamily="18" charset="0"/>
+              </a:rPr>
+              <a:t>Special thanks to </a:t>
+            </a:r>
+          </a:p>
+          <a:p>
             <a:r>
               <a:rPr lang="en-US" sz="2000" dirty="0">
                 <a:latin typeface="Times New Roman" panose="02020603050405020304" pitchFamily="18" charset="0"/>
                 <a:cs typeface="Times New Roman" panose="02020603050405020304" pitchFamily="18" charset="0"/>
               </a:rPr>
-              <a:t>L. I. Smith, “A tutorial on Principal Component  Analysis”, February 26,2002.</a:t>
-            </a:r>
-          </a:p>
-          <a:p>
-            <a:pPr marL="235585" marR="323850" indent="-223520">
-              <a:lnSpc>
-                <a:spcPct val="102600"/>
-              </a:lnSpc>
-            </a:pPr>
-            <a:endParaRPr lang="en-US" sz="2000" dirty="0">
-              <a:latin typeface="Times New Roman" panose="02020603050405020304" pitchFamily="18" charset="0"/>
-              <a:cs typeface="Times New Roman" panose="02020603050405020304" pitchFamily="18" charset="0"/>
-            </a:endParaRPr>
-          </a:p>
-          <a:p>
-            <a:pPr marL="235585" marR="5080" indent="-223520">
-              <a:lnSpc>
-                <a:spcPct val="102600"/>
-              </a:lnSpc>
-              <a:spcBef>
-                <a:spcPts val="300"/>
-              </a:spcBef>
-            </a:pPr>
+              <a:t>Professor Dr. David A. </a:t>
+            </a:r>
+            <a:r>
+              <a:rPr lang="en-US" sz="2000" dirty="0" err="1">
+                <a:latin typeface="Times New Roman" panose="02020603050405020304" pitchFamily="18" charset="0"/>
+                <a:cs typeface="Times New Roman" panose="02020603050405020304" pitchFamily="18" charset="0"/>
+              </a:rPr>
+              <a:t>Landgrebe</a:t>
+            </a:r>
             <a:r>
               <a:rPr lang="en-US" sz="2000" dirty="0">
-                <a:solidFill>
-                  <a:schemeClr val="accent5"/>
-                </a:solidFill>
-                <a:latin typeface="Times New Roman" panose="02020603050405020304" pitchFamily="18" charset="0"/>
-                <a:cs typeface="Times New Roman" panose="02020603050405020304" pitchFamily="18" charset="0"/>
-              </a:rPr>
-              <a:t>[2]</a:t>
-            </a:r>
+                <a:latin typeface="Times New Roman" panose="02020603050405020304" pitchFamily="18" charset="0"/>
+                <a:cs typeface="Times New Roman" panose="02020603050405020304" pitchFamily="18" charset="0"/>
+              </a:rPr>
+              <a:t>, Purdue University</a:t>
+            </a:r>
+          </a:p>
+          <a:p>
             <a:r>
               <a:rPr lang="en-US" sz="2000" dirty="0">
                 <a:latin typeface="Times New Roman" panose="02020603050405020304" pitchFamily="18" charset="0"/>
                 <a:cs typeface="Times New Roman" panose="02020603050405020304" pitchFamily="18" charset="0"/>
               </a:rPr>
-              <a:t>J. A. Richards and X. Jia, Remote Sensing Digital Image  Analysis 4th edition, </a:t>
-            </a:r>
-          </a:p>
-          <a:p>
-            <a:pPr marL="235585" marR="5080" indent="-223520">
-              <a:lnSpc>
-                <a:spcPct val="102600"/>
-              </a:lnSpc>
-              <a:spcBef>
-                <a:spcPts val="300"/>
-              </a:spcBef>
-            </a:pPr>
-            <a:r>
-              <a:rPr lang="en-US" sz="2000" dirty="0">
-                <a:latin typeface="Times New Roman" panose="02020603050405020304" pitchFamily="18" charset="0"/>
-                <a:cs typeface="Times New Roman" panose="02020603050405020304" pitchFamily="18" charset="0"/>
-              </a:rPr>
-              <a:t>    Verlag: Springer 2006.</a:t>
-            </a:r>
-          </a:p>
-          <a:p>
-            <a:pPr marL="235585" marR="5080" indent="-223520">
-              <a:lnSpc>
-                <a:spcPct val="102600"/>
-              </a:lnSpc>
-              <a:spcBef>
-                <a:spcPts val="300"/>
-              </a:spcBef>
-            </a:pPr>
-            <a:endParaRPr lang="en-US" sz="2000" dirty="0">
-              <a:latin typeface="Times New Roman" panose="02020603050405020304" pitchFamily="18" charset="0"/>
-              <a:cs typeface="Times New Roman" panose="02020603050405020304" pitchFamily="18" charset="0"/>
-            </a:endParaRPr>
-          </a:p>
-          <a:p>
-            <a:r>
-              <a:rPr lang="en-US" sz="2000" dirty="0">
-                <a:solidFill>
-                  <a:schemeClr val="accent5"/>
-                </a:solidFill>
-                <a:latin typeface="Times New Roman" panose="02020603050405020304" pitchFamily="18" charset="0"/>
-                <a:cs typeface="Times New Roman" panose="02020603050405020304" pitchFamily="18" charset="0"/>
-              </a:rPr>
-              <a:t>[3]</a:t>
-            </a:r>
-            <a:r>
-              <a:rPr lang="en-US" sz="2000" dirty="0">
-                <a:latin typeface="Times New Roman" panose="02020603050405020304" pitchFamily="18" charset="0"/>
-                <a:cs typeface="Times New Roman" panose="02020603050405020304" pitchFamily="18" charset="0"/>
-              </a:rPr>
-              <a:t>C. Hsu, C. Chang, and C.  </a:t>
+              <a:t>For the dataset and </a:t>
             </a:r>
             <a:r>
               <a:rPr lang="en-US" sz="2000" dirty="0" err="1">
                 <a:latin typeface="Times New Roman" panose="02020603050405020304" pitchFamily="18" charset="0"/>
                 <a:cs typeface="Times New Roman" panose="02020603050405020304" pitchFamily="18" charset="0"/>
               </a:rPr>
-              <a:t>Lin,Department</a:t>
-            </a:r>
-            <a:r>
-              <a:rPr lang="en-US" sz="2000" dirty="0">
-                <a:latin typeface="Times New Roman" panose="02020603050405020304" pitchFamily="18" charset="0"/>
-                <a:cs typeface="Times New Roman" panose="02020603050405020304" pitchFamily="18" charset="0"/>
-              </a:rPr>
-              <a:t> of Computer </a:t>
-            </a:r>
-            <a:r>
-              <a:rPr lang="en-US" sz="2000" dirty="0" err="1">
-                <a:latin typeface="Times New Roman" panose="02020603050405020304" pitchFamily="18" charset="0"/>
-                <a:cs typeface="Times New Roman" panose="02020603050405020304" pitchFamily="18" charset="0"/>
-              </a:rPr>
-              <a:t>Science,National</a:t>
-            </a:r>
-            <a:r>
-              <a:rPr lang="en-US" sz="2000" dirty="0">
-                <a:latin typeface="Times New Roman" panose="02020603050405020304" pitchFamily="18" charset="0"/>
-                <a:cs typeface="Times New Roman" panose="02020603050405020304" pitchFamily="18" charset="0"/>
-              </a:rPr>
-              <a:t> Taiwan  University,</a:t>
-            </a:r>
-          </a:p>
-          <a:p>
-            <a:r>
-              <a:rPr lang="en-US" sz="2000" dirty="0">
-                <a:latin typeface="Times New Roman" panose="02020603050405020304" pitchFamily="18" charset="0"/>
-                <a:cs typeface="Times New Roman" panose="02020603050405020304" pitchFamily="18" charset="0"/>
-              </a:rPr>
-              <a:t>    Taipei 106, </a:t>
-            </a:r>
-            <a:r>
-              <a:rPr lang="en-US" sz="2000" dirty="0" err="1">
-                <a:latin typeface="Times New Roman" panose="02020603050405020304" pitchFamily="18" charset="0"/>
-                <a:cs typeface="Times New Roman" panose="02020603050405020304" pitchFamily="18" charset="0"/>
-              </a:rPr>
-              <a:t>Taiwan,"A</a:t>
-            </a:r>
-            <a:r>
-              <a:rPr lang="en-US" sz="2000" dirty="0">
-                <a:latin typeface="Times New Roman" panose="02020603050405020304" pitchFamily="18" charset="0"/>
-                <a:cs typeface="Times New Roman" panose="02020603050405020304" pitchFamily="18" charset="0"/>
-              </a:rPr>
-              <a:t> Practical Guide to Support  Vector </a:t>
-            </a:r>
-            <a:r>
-              <a:rPr lang="en-US" sz="2000" dirty="0" err="1">
-                <a:latin typeface="Times New Roman" panose="02020603050405020304" pitchFamily="18" charset="0"/>
-                <a:cs typeface="Times New Roman" panose="02020603050405020304" pitchFamily="18" charset="0"/>
-              </a:rPr>
-              <a:t>Classication</a:t>
-            </a:r>
-            <a:r>
-              <a:rPr lang="en-US" sz="2000" dirty="0">
-                <a:latin typeface="Times New Roman" panose="02020603050405020304" pitchFamily="18" charset="0"/>
-                <a:cs typeface="Times New Roman" panose="02020603050405020304" pitchFamily="18" charset="0"/>
-              </a:rPr>
-              <a:t>",</a:t>
-            </a:r>
-          </a:p>
-          <a:p>
-            <a:r>
-              <a:rPr lang="en-US" sz="2000" dirty="0">
-                <a:latin typeface="Times New Roman" panose="02020603050405020304" pitchFamily="18" charset="0"/>
-                <a:cs typeface="Times New Roman" panose="02020603050405020304" pitchFamily="18" charset="0"/>
-              </a:rPr>
-              <a:t>    Initial version: 2003, Last updated:  May 19, 2016.</a:t>
-            </a:r>
-          </a:p>
-          <a:p>
-            <a:endParaRPr lang="en-US" sz="2000" dirty="0">
-              <a:latin typeface="Times New Roman" panose="02020603050405020304" pitchFamily="18" charset="0"/>
-              <a:cs typeface="Times New Roman" panose="02020603050405020304" pitchFamily="18" charset="0"/>
-            </a:endParaRPr>
-          </a:p>
-          <a:p>
-            <a:r>
-              <a:rPr lang="en-US" sz="2000" dirty="0">
-                <a:solidFill>
-                  <a:schemeClr val="accent5"/>
-                </a:solidFill>
-                <a:latin typeface="Times New Roman" panose="02020603050405020304" pitchFamily="18" charset="0"/>
-                <a:cs typeface="Times New Roman" panose="02020603050405020304" pitchFamily="18" charset="0"/>
-              </a:rPr>
-              <a:t>[4]</a:t>
-            </a:r>
-            <a:r>
-              <a:rPr lang="en-US" sz="2000" dirty="0">
-                <a:latin typeface="Times New Roman" panose="02020603050405020304" pitchFamily="18" charset="0"/>
-                <a:cs typeface="Times New Roman" panose="02020603050405020304" pitchFamily="18" charset="0"/>
-              </a:rPr>
-              <a:t>M. A. Hossain, X. Jia and M. Pickering, “Subspace detection using a mutual-information measure </a:t>
-            </a:r>
-          </a:p>
-          <a:p>
-            <a:r>
-              <a:rPr lang="en-US" sz="2000" dirty="0">
-                <a:latin typeface="Times New Roman" panose="02020603050405020304" pitchFamily="18" charset="0"/>
-                <a:cs typeface="Times New Roman" panose="02020603050405020304" pitchFamily="18" charset="0"/>
-              </a:rPr>
-              <a:t>    for hyperspectral image classification,” IEEE Geoscience and Remote Sensing Letters, </a:t>
-            </a:r>
-          </a:p>
-          <a:p>
-            <a:r>
-              <a:rPr lang="en-US" sz="2000" dirty="0">
-                <a:latin typeface="Times New Roman" panose="02020603050405020304" pitchFamily="18" charset="0"/>
-                <a:cs typeface="Times New Roman" panose="02020603050405020304" pitchFamily="18" charset="0"/>
-              </a:rPr>
-              <a:t>    vol. 11, no. 2, pp. 424-428, Feb. 2014.</a:t>
-            </a:r>
-          </a:p>
-          <a:p>
-            <a:endParaRPr lang="en-US" sz="2000" dirty="0">
-              <a:latin typeface="Times New Roman" panose="02020603050405020304" pitchFamily="18" charset="0"/>
-              <a:cs typeface="Times New Roman" panose="02020603050405020304" pitchFamily="18" charset="0"/>
-            </a:endParaRPr>
-          </a:p>
-          <a:p>
-            <a:r>
-              <a:rPr lang="en-US" sz="2000" dirty="0">
-                <a:solidFill>
-                  <a:schemeClr val="accent5"/>
-                </a:solidFill>
-                <a:latin typeface="Times New Roman" panose="02020603050405020304" pitchFamily="18" charset="0"/>
-                <a:cs typeface="Times New Roman" panose="02020603050405020304" pitchFamily="18" charset="0"/>
-              </a:rPr>
-              <a:t>[5]</a:t>
-            </a:r>
-            <a:r>
-              <a:rPr lang="en-US" sz="2000" dirty="0">
-                <a:latin typeface="Times New Roman" panose="02020603050405020304" pitchFamily="18" charset="0"/>
-                <a:cs typeface="Times New Roman" panose="02020603050405020304" pitchFamily="18" charset="0"/>
-              </a:rPr>
-              <a:t>[Online]https://en.wikipedia.org/wiki/Hyperspectral_imaging</a:t>
-            </a:r>
-          </a:p>
-          <a:p>
-            <a:endParaRPr lang="en-US" sz="2000" dirty="0">
-              <a:latin typeface="Times New Roman" panose="02020603050405020304" pitchFamily="18" charset="0"/>
-              <a:cs typeface="Times New Roman" panose="02020603050405020304" pitchFamily="18" charset="0"/>
-            </a:endParaRPr>
-          </a:p>
-          <a:p>
-            <a:endParaRPr lang="en-US" sz="2000" dirty="0">
-              <a:latin typeface="Times New Roman" panose="02020603050405020304" pitchFamily="18" charset="0"/>
-              <a:cs typeface="Times New Roman" panose="02020603050405020304" pitchFamily="18" charset="0"/>
-            </a:endParaRPr>
-          </a:p>
-          <a:p>
+              <a:t>MultiSpec</a:t>
+            </a:r>
             <a:endParaRPr lang="en-US" sz="2000" dirty="0">
               <a:latin typeface="Times New Roman" panose="02020603050405020304" pitchFamily="18" charset="0"/>
               <a:cs typeface="Times New Roman" panose="02020603050405020304" pitchFamily="18" charset="0"/>
@@ -17912,20 +18589,471 @@
         </p:nvSpPr>
         <p:spPr>
           <a:xfrm>
-            <a:off x="8610600" y="6494340"/>
-            <a:ext cx="2743200" cy="365125"/>
+            <a:off x="8644850" y="6516806"/>
+            <a:ext cx="3101673" cy="365125"/>
           </a:xfrm>
         </p:spPr>
         <p:txBody>
           <a:bodyPr/>
           <a:lstStyle/>
           <a:p>
+            <a:r>
+              <a:rPr lang="en-US" dirty="0"/>
+              <a:t>    </a:t>
+            </a:r>
             <a:fld id="{0A0CA13E-CD6D-456E-9676-CC2D9A600115}" type="slidenum">
               <a:rPr lang="en-US" smtClean="0"/>
               <a:pPr/>
               <a:t>24</a:t>
             </a:fld>
-            <a:endParaRPr lang="en-US" dirty="0"/>
+            <a:r>
+              <a:rPr lang="en-US" dirty="0"/>
+              <a:t>/27</a:t>
+            </a:r>
+          </a:p>
+        </p:txBody>
+      </p:sp>
+    </p:spTree>
+    <p:extLst>
+      <p:ext uri="{BB962C8B-B14F-4D97-AF65-F5344CB8AC3E}">
+        <p14:creationId xmlns:p14="http://schemas.microsoft.com/office/powerpoint/2010/main" val="1074274953"/>
+      </p:ext>
+    </p:extLst>
+  </p:cSld>
+  <p:clrMapOvr>
+    <a:masterClrMapping/>
+  </p:clrMapOvr>
+  <mc:AlternateContent xmlns:mc="http://schemas.openxmlformats.org/markup-compatibility/2006">
+    <mc:Choice xmlns:p14="http://schemas.microsoft.com/office/powerpoint/2010/main" Requires="p14">
+      <p:transition p14:dur="10"/>
+    </mc:Choice>
+    <mc:Fallback>
+      <p:transition/>
+    </mc:Fallback>
+  </mc:AlternateContent>
+</p:sld>
+</file>
+
+<file path=ppt/slides/slide25.xml><?xml version="1.0" encoding="utf-8"?>
+<p:sld xmlns:a="http://schemas.openxmlformats.org/drawingml/2006/main" xmlns:r="http://schemas.openxmlformats.org/officeDocument/2006/relationships" xmlns:p="http://schemas.openxmlformats.org/presentationml/2006/main">
+  <p:cSld>
+    <p:spTree>
+      <p:nvGrpSpPr>
+        <p:cNvPr id="1" name=""/>
+        <p:cNvGrpSpPr/>
+        <p:nvPr/>
+      </p:nvGrpSpPr>
+      <p:grpSpPr>
+        <a:xfrm>
+          <a:off x="0" y="0"/>
+          <a:ext cx="0" cy="0"/>
+          <a:chOff x="0" y="0"/>
+          <a:chExt cx="0" cy="0"/>
+        </a:xfrm>
+      </p:grpSpPr>
+      <p:sp>
+        <p:nvSpPr>
+          <p:cNvPr id="6" name="TextBox 5"/>
+          <p:cNvSpPr txBox="1"/>
+          <p:nvPr/>
+        </p:nvSpPr>
+        <p:spPr>
+          <a:xfrm>
+            <a:off x="0" y="4"/>
+            <a:ext cx="12192000" cy="461665"/>
+          </a:xfrm>
+          <a:prstGeom prst="rect">
+            <a:avLst/>
+          </a:prstGeom>
+          <a:solidFill>
+            <a:schemeClr val="bg1"/>
+          </a:solidFill>
+          <a:effectLst/>
+        </p:spPr>
+        <p:txBody>
+          <a:bodyPr wrap="square" rtlCol="0">
+            <a:spAutoFit/>
+          </a:bodyPr>
+          <a:lstStyle/>
+          <a:p>
+            <a:r>
+              <a:rPr lang="en-US" sz="2400" dirty="0">
+                <a:solidFill>
+                  <a:schemeClr val="accent5">
+                    <a:lumMod val="75000"/>
+                  </a:schemeClr>
+                </a:solidFill>
+                <a:latin typeface="Times New Roman" panose="02020603050405020304" pitchFamily="18" charset="0"/>
+                <a:cs typeface="Times New Roman" panose="02020603050405020304" pitchFamily="18" charset="0"/>
+              </a:rPr>
+              <a:t>			    		  References</a:t>
+            </a:r>
+          </a:p>
+        </p:txBody>
+      </p:sp>
+      <p:sp>
+        <p:nvSpPr>
+          <p:cNvPr id="7" name="TextBox 6"/>
+          <p:cNvSpPr txBox="1"/>
+          <p:nvPr/>
+        </p:nvSpPr>
+        <p:spPr>
+          <a:xfrm>
+            <a:off x="0" y="6488670"/>
+            <a:ext cx="12192000" cy="400110"/>
+          </a:xfrm>
+          <a:prstGeom prst="rect">
+            <a:avLst/>
+          </a:prstGeom>
+          <a:solidFill>
+            <a:schemeClr val="accent5">
+              <a:lumMod val="75000"/>
+            </a:schemeClr>
+          </a:solidFill>
+        </p:spPr>
+        <p:txBody>
+          <a:bodyPr wrap="square" rtlCol="0">
+            <a:spAutoFit/>
+          </a:bodyPr>
+          <a:lstStyle/>
+          <a:p>
+            <a:r>
+              <a:rPr lang="en-US" sz="2000" dirty="0">
+                <a:solidFill>
+                  <a:schemeClr val="bg1"/>
+                </a:solidFill>
+                <a:latin typeface="Times New Roman" panose="02020603050405020304" pitchFamily="18" charset="0"/>
+                <a:cs typeface="Times New Roman" panose="02020603050405020304" pitchFamily="18" charset="0"/>
+              </a:rPr>
+              <a:t>	       Target Class Oriented Subspace Detection for Effective Hyperspectral Image Classification</a:t>
+            </a:r>
+          </a:p>
+        </p:txBody>
+      </p:sp>
+      <p:sp>
+        <p:nvSpPr>
+          <p:cNvPr id="3" name="TextBox 2"/>
+          <p:cNvSpPr txBox="1"/>
+          <p:nvPr/>
+        </p:nvSpPr>
+        <p:spPr>
+          <a:xfrm>
+            <a:off x="379483" y="576775"/>
+            <a:ext cx="10581999" cy="5486117"/>
+          </a:xfrm>
+          <a:prstGeom prst="rect">
+            <a:avLst/>
+          </a:prstGeom>
+          <a:noFill/>
+        </p:spPr>
+        <p:txBody>
+          <a:bodyPr wrap="none" rtlCol="0">
+            <a:spAutoFit/>
+          </a:bodyPr>
+          <a:lstStyle/>
+          <a:p>
+            <a:pPr marL="235585" marR="323850" indent="-223520">
+              <a:lnSpc>
+                <a:spcPct val="102600"/>
+              </a:lnSpc>
+            </a:pPr>
+            <a:r>
+              <a:rPr lang="en-US" sz="2000" dirty="0">
+                <a:solidFill>
+                  <a:schemeClr val="accent5"/>
+                </a:solidFill>
+                <a:latin typeface="Times New Roman" panose="02020603050405020304" pitchFamily="18" charset="0"/>
+                <a:cs typeface="Times New Roman" panose="02020603050405020304" pitchFamily="18" charset="0"/>
+              </a:rPr>
+              <a:t>[1]</a:t>
+            </a:r>
+            <a:r>
+              <a:rPr lang="en-US" sz="2000" dirty="0">
+                <a:latin typeface="Times New Roman" panose="02020603050405020304" pitchFamily="18" charset="0"/>
+                <a:cs typeface="Times New Roman" panose="02020603050405020304" pitchFamily="18" charset="0"/>
+              </a:rPr>
+              <a:t>L. I. Smith, “A tutorial on Principal Component  Analysis”, February 26,2002.</a:t>
+            </a:r>
+          </a:p>
+          <a:p>
+            <a:pPr marL="235585" marR="323850" indent="-223520">
+              <a:lnSpc>
+                <a:spcPct val="102600"/>
+              </a:lnSpc>
+            </a:pPr>
+            <a:endParaRPr lang="en-US" sz="2000" dirty="0">
+              <a:latin typeface="Times New Roman" panose="02020603050405020304" pitchFamily="18" charset="0"/>
+              <a:cs typeface="Times New Roman" panose="02020603050405020304" pitchFamily="18" charset="0"/>
+            </a:endParaRPr>
+          </a:p>
+          <a:p>
+            <a:pPr marL="235585" marR="5080" indent="-223520">
+              <a:lnSpc>
+                <a:spcPct val="102600"/>
+              </a:lnSpc>
+              <a:spcBef>
+                <a:spcPts val="300"/>
+              </a:spcBef>
+            </a:pPr>
+            <a:r>
+              <a:rPr lang="en-US" sz="2000" dirty="0">
+                <a:solidFill>
+                  <a:schemeClr val="accent5"/>
+                </a:solidFill>
+                <a:latin typeface="Times New Roman" panose="02020603050405020304" pitchFamily="18" charset="0"/>
+                <a:cs typeface="Times New Roman" panose="02020603050405020304" pitchFamily="18" charset="0"/>
+              </a:rPr>
+              <a:t>[2]</a:t>
+            </a:r>
+            <a:r>
+              <a:rPr lang="en-US" sz="2000" dirty="0">
+                <a:latin typeface="Times New Roman" panose="02020603050405020304" pitchFamily="18" charset="0"/>
+                <a:cs typeface="Times New Roman" panose="02020603050405020304" pitchFamily="18" charset="0"/>
+              </a:rPr>
+              <a:t>J. A. Richards and X. Jia, Remote Sensing Digital Image  Analysis 4th edition, </a:t>
+            </a:r>
+          </a:p>
+          <a:p>
+            <a:pPr marL="235585" marR="5080" indent="-223520">
+              <a:lnSpc>
+                <a:spcPct val="102600"/>
+              </a:lnSpc>
+              <a:spcBef>
+                <a:spcPts val="300"/>
+              </a:spcBef>
+            </a:pPr>
+            <a:r>
+              <a:rPr lang="en-US" sz="2000" dirty="0">
+                <a:latin typeface="Times New Roman" panose="02020603050405020304" pitchFamily="18" charset="0"/>
+                <a:cs typeface="Times New Roman" panose="02020603050405020304" pitchFamily="18" charset="0"/>
+              </a:rPr>
+              <a:t>    Verlag: Springer 2006.</a:t>
+            </a:r>
+          </a:p>
+          <a:p>
+            <a:pPr marL="235585" marR="5080" indent="-223520">
+              <a:lnSpc>
+                <a:spcPct val="102600"/>
+              </a:lnSpc>
+              <a:spcBef>
+                <a:spcPts val="300"/>
+              </a:spcBef>
+            </a:pPr>
+            <a:endParaRPr lang="en-US" sz="2000" dirty="0">
+              <a:latin typeface="Times New Roman" panose="02020603050405020304" pitchFamily="18" charset="0"/>
+              <a:cs typeface="Times New Roman" panose="02020603050405020304" pitchFamily="18" charset="0"/>
+            </a:endParaRPr>
+          </a:p>
+          <a:p>
+            <a:r>
+              <a:rPr lang="en-US" sz="2000" dirty="0">
+                <a:solidFill>
+                  <a:schemeClr val="accent5"/>
+                </a:solidFill>
+                <a:latin typeface="Times New Roman" panose="02020603050405020304" pitchFamily="18" charset="0"/>
+                <a:cs typeface="Times New Roman" panose="02020603050405020304" pitchFamily="18" charset="0"/>
+              </a:rPr>
+              <a:t>[3]</a:t>
+            </a:r>
+            <a:r>
+              <a:rPr lang="en-US" sz="2000" dirty="0">
+                <a:latin typeface="Times New Roman" panose="02020603050405020304" pitchFamily="18" charset="0"/>
+                <a:cs typeface="Times New Roman" panose="02020603050405020304" pitchFamily="18" charset="0"/>
+              </a:rPr>
+              <a:t>C. Hsu, C. Chang, and C.  </a:t>
+            </a:r>
+            <a:r>
+              <a:rPr lang="en-US" sz="2000" dirty="0" err="1">
+                <a:latin typeface="Times New Roman" panose="02020603050405020304" pitchFamily="18" charset="0"/>
+                <a:cs typeface="Times New Roman" panose="02020603050405020304" pitchFamily="18" charset="0"/>
+              </a:rPr>
+              <a:t>Lin,Department</a:t>
+            </a:r>
+            <a:r>
+              <a:rPr lang="en-US" sz="2000" dirty="0">
+                <a:latin typeface="Times New Roman" panose="02020603050405020304" pitchFamily="18" charset="0"/>
+                <a:cs typeface="Times New Roman" panose="02020603050405020304" pitchFamily="18" charset="0"/>
+              </a:rPr>
+              <a:t> of Computer </a:t>
+            </a:r>
+            <a:r>
+              <a:rPr lang="en-US" sz="2000" dirty="0" err="1">
+                <a:latin typeface="Times New Roman" panose="02020603050405020304" pitchFamily="18" charset="0"/>
+                <a:cs typeface="Times New Roman" panose="02020603050405020304" pitchFamily="18" charset="0"/>
+              </a:rPr>
+              <a:t>Science,National</a:t>
+            </a:r>
+            <a:r>
+              <a:rPr lang="en-US" sz="2000" dirty="0">
+                <a:latin typeface="Times New Roman" panose="02020603050405020304" pitchFamily="18" charset="0"/>
+                <a:cs typeface="Times New Roman" panose="02020603050405020304" pitchFamily="18" charset="0"/>
+              </a:rPr>
+              <a:t> Taiwan  University,</a:t>
+            </a:r>
+          </a:p>
+          <a:p>
+            <a:r>
+              <a:rPr lang="en-US" sz="2000" dirty="0">
+                <a:latin typeface="Times New Roman" panose="02020603050405020304" pitchFamily="18" charset="0"/>
+                <a:cs typeface="Times New Roman" panose="02020603050405020304" pitchFamily="18" charset="0"/>
+              </a:rPr>
+              <a:t>    Taipei 106, </a:t>
+            </a:r>
+            <a:r>
+              <a:rPr lang="en-US" sz="2000" dirty="0" err="1">
+                <a:latin typeface="Times New Roman" panose="02020603050405020304" pitchFamily="18" charset="0"/>
+                <a:cs typeface="Times New Roman" panose="02020603050405020304" pitchFamily="18" charset="0"/>
+              </a:rPr>
+              <a:t>Taiwan,"A</a:t>
+            </a:r>
+            <a:r>
+              <a:rPr lang="en-US" sz="2000" dirty="0">
+                <a:latin typeface="Times New Roman" panose="02020603050405020304" pitchFamily="18" charset="0"/>
+                <a:cs typeface="Times New Roman" panose="02020603050405020304" pitchFamily="18" charset="0"/>
+              </a:rPr>
+              <a:t> Practical Guide to Support  Vector </a:t>
+            </a:r>
+            <a:r>
+              <a:rPr lang="en-US" sz="2000" dirty="0" err="1">
+                <a:latin typeface="Times New Roman" panose="02020603050405020304" pitchFamily="18" charset="0"/>
+                <a:cs typeface="Times New Roman" panose="02020603050405020304" pitchFamily="18" charset="0"/>
+              </a:rPr>
+              <a:t>Classication</a:t>
+            </a:r>
+            <a:r>
+              <a:rPr lang="en-US" sz="2000" dirty="0">
+                <a:latin typeface="Times New Roman" panose="02020603050405020304" pitchFamily="18" charset="0"/>
+                <a:cs typeface="Times New Roman" panose="02020603050405020304" pitchFamily="18" charset="0"/>
+              </a:rPr>
+              <a:t>",</a:t>
+            </a:r>
+          </a:p>
+          <a:p>
+            <a:r>
+              <a:rPr lang="en-US" sz="2000" dirty="0">
+                <a:latin typeface="Times New Roman" panose="02020603050405020304" pitchFamily="18" charset="0"/>
+                <a:cs typeface="Times New Roman" panose="02020603050405020304" pitchFamily="18" charset="0"/>
+              </a:rPr>
+              <a:t>    Initial version: 2003, Last updated:  May 19, 2016.</a:t>
+            </a:r>
+          </a:p>
+          <a:p>
+            <a:endParaRPr lang="en-US" sz="2000" dirty="0">
+              <a:latin typeface="Times New Roman" panose="02020603050405020304" pitchFamily="18" charset="0"/>
+              <a:cs typeface="Times New Roman" panose="02020603050405020304" pitchFamily="18" charset="0"/>
+            </a:endParaRPr>
+          </a:p>
+          <a:p>
+            <a:r>
+              <a:rPr lang="en-US" sz="2000" dirty="0">
+                <a:solidFill>
+                  <a:schemeClr val="accent5"/>
+                </a:solidFill>
+                <a:latin typeface="Times New Roman" panose="02020603050405020304" pitchFamily="18" charset="0"/>
+                <a:cs typeface="Times New Roman" panose="02020603050405020304" pitchFamily="18" charset="0"/>
+              </a:rPr>
+              <a:t>[4]</a:t>
+            </a:r>
+            <a:r>
+              <a:rPr lang="en-US" sz="2000" dirty="0">
+                <a:latin typeface="Times New Roman" panose="02020603050405020304" pitchFamily="18" charset="0"/>
+                <a:cs typeface="Times New Roman" panose="02020603050405020304" pitchFamily="18" charset="0"/>
+              </a:rPr>
+              <a:t>M. A. Hossain, X. Jia and M. Pickering, “Subspace detection using a mutual-information measure </a:t>
+            </a:r>
+          </a:p>
+          <a:p>
+            <a:r>
+              <a:rPr lang="en-US" sz="2000" dirty="0">
+                <a:latin typeface="Times New Roman" panose="02020603050405020304" pitchFamily="18" charset="0"/>
+                <a:cs typeface="Times New Roman" panose="02020603050405020304" pitchFamily="18" charset="0"/>
+              </a:rPr>
+              <a:t>    for hyperspectral image classification,” IEEE Geoscience and Remote Sensing Letters, </a:t>
+            </a:r>
+          </a:p>
+          <a:p>
+            <a:r>
+              <a:rPr lang="en-US" sz="2000" dirty="0">
+                <a:latin typeface="Times New Roman" panose="02020603050405020304" pitchFamily="18" charset="0"/>
+                <a:cs typeface="Times New Roman" panose="02020603050405020304" pitchFamily="18" charset="0"/>
+              </a:rPr>
+              <a:t>    vol. 11, no. 2, pp. 424-428, Feb. 2014.</a:t>
+            </a:r>
+          </a:p>
+          <a:p>
+            <a:endParaRPr lang="en-US" sz="2000" dirty="0">
+              <a:latin typeface="Times New Roman" panose="02020603050405020304" pitchFamily="18" charset="0"/>
+              <a:cs typeface="Times New Roman" panose="02020603050405020304" pitchFamily="18" charset="0"/>
+            </a:endParaRPr>
+          </a:p>
+          <a:p>
+            <a:r>
+              <a:rPr lang="en-US" sz="2000" dirty="0">
+                <a:solidFill>
+                  <a:schemeClr val="accent5"/>
+                </a:solidFill>
+                <a:latin typeface="Times New Roman" panose="02020603050405020304" pitchFamily="18" charset="0"/>
+                <a:cs typeface="Times New Roman" panose="02020603050405020304" pitchFamily="18" charset="0"/>
+              </a:rPr>
+              <a:t>[5]</a:t>
+            </a:r>
+            <a:r>
+              <a:rPr lang="en-US" sz="2000" dirty="0">
+                <a:latin typeface="Times New Roman" panose="02020603050405020304" pitchFamily="18" charset="0"/>
+                <a:cs typeface="Times New Roman" panose="02020603050405020304" pitchFamily="18" charset="0"/>
+              </a:rPr>
+              <a:t>[Online]https://en.wikipedia.org/wiki/Hyperspectral_imaging</a:t>
+            </a:r>
+          </a:p>
+          <a:p>
+            <a:endParaRPr lang="en-US" sz="2000" dirty="0">
+              <a:latin typeface="Times New Roman" panose="02020603050405020304" pitchFamily="18" charset="0"/>
+              <a:cs typeface="Times New Roman" panose="02020603050405020304" pitchFamily="18" charset="0"/>
+            </a:endParaRPr>
+          </a:p>
+          <a:p>
+            <a:endParaRPr lang="en-US" sz="2000" dirty="0">
+              <a:latin typeface="Times New Roman" panose="02020603050405020304" pitchFamily="18" charset="0"/>
+              <a:cs typeface="Times New Roman" panose="02020603050405020304" pitchFamily="18" charset="0"/>
+            </a:endParaRPr>
+          </a:p>
+          <a:p>
+            <a:endParaRPr lang="en-US" sz="2000" dirty="0">
+              <a:latin typeface="Times New Roman" panose="02020603050405020304" pitchFamily="18" charset="0"/>
+              <a:cs typeface="Times New Roman" panose="02020603050405020304" pitchFamily="18" charset="0"/>
+            </a:endParaRPr>
+          </a:p>
+        </p:txBody>
+      </p:sp>
+      <p:sp>
+        <p:nvSpPr>
+          <p:cNvPr id="5" name="Slide Number Placeholder 4"/>
+          <p:cNvSpPr>
+            <a:spLocks noGrp="1"/>
+          </p:cNvSpPr>
+          <p:nvPr>
+            <p:ph type="sldNum" sz="quarter" idx="12"/>
+          </p:nvPr>
+        </p:nvSpPr>
+        <p:spPr>
+          <a:xfrm>
+            <a:off x="8610600" y="6508408"/>
+            <a:ext cx="3135923" cy="365125"/>
+          </a:xfrm>
+        </p:spPr>
+        <p:txBody>
+          <a:bodyPr/>
+          <a:lstStyle/>
+          <a:p>
+            <a:fld id="{0A0CA13E-CD6D-456E-9676-CC2D9A600115}" type="slidenum">
+              <a:rPr lang="en-US" smtClean="0"/>
+              <a:pPr/>
+              <a:t>25</a:t>
+            </a:fld>
+            <a:r>
+              <a:rPr lang="en-US" dirty="0"/>
+              <a:t>/27</a:t>
+            </a:r>
           </a:p>
         </p:txBody>
       </p:sp>
@@ -17939,18 +19067,18 @@
   <p:clrMapOvr>
     <a:masterClrMapping/>
   </p:clrMapOvr>
-  <mc:AlternateContent xmlns:mc="http://schemas.openxmlformats.org/markup-compatibility/2006" xmlns:p14="http://schemas.microsoft.com/office/powerpoint/2010/main">
-    <mc:Choice Requires="p14">
-      <p:transition spd="slow" p14:dur="2000" advTm="4721"/>
+  <mc:AlternateContent xmlns:mc="http://schemas.openxmlformats.org/markup-compatibility/2006">
+    <mc:Choice xmlns:p14="http://schemas.microsoft.com/office/powerpoint/2010/main" Requires="p14">
+      <p:transition p14:dur="10"/>
     </mc:Choice>
-    <mc:Fallback xmlns="">
-      <p:transition spd="slow" advTm="4721"/>
+    <mc:Fallback>
+      <p:transition/>
     </mc:Fallback>
   </mc:AlternateContent>
 </p:sld>
 </file>
 
-<file path=ppt/slides/slide25.xml><?xml version="1.0" encoding="utf-8"?>
+<file path=ppt/slides/slide26.xml><?xml version="1.0" encoding="utf-8"?>
 <p:sld xmlns:a="http://schemas.openxmlformats.org/drawingml/2006/main" xmlns:r="http://schemas.openxmlformats.org/officeDocument/2006/relationships" xmlns:p="http://schemas.openxmlformats.org/presentationml/2006/main">
   <p:cSld>
     <p:spTree>
@@ -17985,7 +19113,7 @@
             <a:fld id="{0A0CA13E-CD6D-456E-9676-CC2D9A600115}" type="slidenum">
               <a:rPr lang="en-US" smtClean="0"/>
               <a:pPr/>
-              <a:t>25</a:t>
+              <a:t>26</a:t>
             </a:fld>
             <a:endParaRPr lang="en-US" dirty="0"/>
           </a:p>
@@ -18080,8 +19208,8 @@
         </p:nvSpPr>
         <p:spPr>
           <a:xfrm>
-            <a:off x="8610600" y="6494340"/>
-            <a:ext cx="2743200" cy="365125"/>
+            <a:off x="8610600" y="6508408"/>
+            <a:ext cx="3135924" cy="365125"/>
           </a:xfrm>
           <a:prstGeom prst="rect">
             <a:avLst/>
@@ -18188,9 +19316,12 @@
             <a:fld id="{0A0CA13E-CD6D-456E-9676-CC2D9A600115}" type="slidenum">
               <a:rPr lang="en-US" smtClean="0"/>
               <a:pPr/>
-              <a:t>25</a:t>
+              <a:t>26</a:t>
             </a:fld>
-            <a:endParaRPr lang="en-US" dirty="0"/>
+            <a:r>
+              <a:rPr lang="en-US" dirty="0"/>
+              <a:t>/27</a:t>
+            </a:r>
           </a:p>
         </p:txBody>
       </p:sp>
@@ -18400,10 +19531,18 @@
   <p:clrMapOvr>
     <a:masterClrMapping/>
   </p:clrMapOvr>
+  <mc:AlternateContent xmlns:mc="http://schemas.openxmlformats.org/markup-compatibility/2006">
+    <mc:Choice xmlns:p14="http://schemas.microsoft.com/office/powerpoint/2010/main" Requires="p14">
+      <p:transition p14:dur="10"/>
+    </mc:Choice>
+    <mc:Fallback>
+      <p:transition/>
+    </mc:Fallback>
+  </mc:AlternateContent>
 </p:sld>
 </file>
 
-<file path=ppt/slides/slide26.xml><?xml version="1.0" encoding="utf-8"?>
+<file path=ppt/slides/slide27.xml><?xml version="1.0" encoding="utf-8"?>
 <p:sld xmlns:a="http://schemas.openxmlformats.org/drawingml/2006/main" xmlns:r="http://schemas.openxmlformats.org/officeDocument/2006/relationships" xmlns:p="http://schemas.openxmlformats.org/presentationml/2006/main">
   <p:cSld>
     <p:spTree>
@@ -18493,46 +19632,6 @@
       </p:sp>
       <p:sp>
         <p:nvSpPr>
-          <p:cNvPr id="9" name="TextBox 8"/>
-          <p:cNvSpPr txBox="1"/>
-          <p:nvPr/>
-        </p:nvSpPr>
-        <p:spPr>
-          <a:xfrm>
-            <a:off x="0" y="4"/>
-            <a:ext cx="12192000" cy="461665"/>
-          </a:xfrm>
-          <a:prstGeom prst="rect">
-            <a:avLst/>
-          </a:prstGeom>
-          <a:solidFill>
-            <a:schemeClr val="bg1"/>
-          </a:solidFill>
-          <a:effectLst/>
-        </p:spPr>
-        <p:txBody>
-          <a:bodyPr wrap="square" rtlCol="0">
-            <a:spAutoFit/>
-          </a:bodyPr>
-          <a:lstStyle/>
-          <a:p>
-            <a:r>
-              <a:rPr lang="en-US" sz="2400" dirty="0">
-                <a:solidFill>
-                  <a:schemeClr val="accent5">
-                    <a:lumMod val="75000"/>
-                  </a:schemeClr>
-                </a:solidFill>
-                <a:latin typeface="Times New Roman" panose="02020603050405020304" pitchFamily="18" charset="0"/>
-                <a:cs typeface="Times New Roman" panose="02020603050405020304" pitchFamily="18" charset="0"/>
-              </a:rPr>
-              <a:t>			    		          The End</a:t>
-            </a:r>
-          </a:p>
-        </p:txBody>
-      </p:sp>
-      <p:sp>
-        <p:nvSpPr>
           <p:cNvPr id="5" name="Slide Number Placeholder 4"/>
           <p:cNvSpPr>
             <a:spLocks noGrp="1"/>
@@ -18543,8 +19642,8 @@
         </p:nvSpPr>
         <p:spPr>
           <a:xfrm>
-            <a:off x="8610600" y="6488670"/>
-            <a:ext cx="2743200" cy="365125"/>
+            <a:off x="8610600" y="6516806"/>
+            <a:ext cx="3135924" cy="365125"/>
           </a:xfrm>
         </p:spPr>
         <p:txBody>
@@ -18554,9 +19653,12 @@
             <a:fld id="{0A0CA13E-CD6D-456E-9676-CC2D9A600115}" type="slidenum">
               <a:rPr lang="en-US" smtClean="0"/>
               <a:pPr/>
-              <a:t>26</a:t>
+              <a:t>27</a:t>
             </a:fld>
-            <a:endParaRPr lang="en-US" dirty="0"/>
+            <a:r>
+              <a:rPr lang="en-US" dirty="0"/>
+              <a:t>/27</a:t>
+            </a:r>
           </a:p>
         </p:txBody>
       </p:sp>
@@ -18570,14 +19672,138 @@
   <p:clrMapOvr>
     <a:masterClrMapping/>
   </p:clrMapOvr>
-  <mc:AlternateContent xmlns:mc="http://schemas.openxmlformats.org/markup-compatibility/2006" xmlns:p14="http://schemas.microsoft.com/office/powerpoint/2010/main">
-    <mc:Choice Requires="p14">
-      <p:transition spd="slow" p14:dur="2000" advTm="1152"/>
+  <mc:AlternateContent xmlns:mc="http://schemas.openxmlformats.org/markup-compatibility/2006">
+    <mc:Choice xmlns:p14="http://schemas.microsoft.com/office/powerpoint/2010/main" Requires="p14">
+      <p:transition p14:dur="10"/>
     </mc:Choice>
-    <mc:Fallback xmlns="">
-      <p:transition spd="slow" advTm="1152"/>
+    <mc:Fallback>
+      <p:transition/>
     </mc:Fallback>
   </mc:AlternateContent>
+  <p:timing>
+    <p:tnLst>
+      <p:par>
+        <p:cTn id="1" dur="indefinite" restart="never" nodeType="tmRoot">
+          <p:childTnLst>
+            <p:seq concurrent="1" nextAc="seek">
+              <p:cTn id="2" dur="indefinite" nodeType="mainSeq">
+                <p:childTnLst>
+                  <p:par>
+                    <p:cTn id="3" fill="hold">
+                      <p:stCondLst>
+                        <p:cond delay="indefinite"/>
+                      </p:stCondLst>
+                      <p:childTnLst>
+                        <p:par>
+                          <p:cTn id="4" fill="hold">
+                            <p:stCondLst>
+                              <p:cond delay="0"/>
+                            </p:stCondLst>
+                            <p:childTnLst>
+                              <p:par>
+                                <p:cTn id="5" presetID="2" presetClass="entr" presetSubtype="4" fill="hold" grpId="0" nodeType="clickEffect">
+                                  <p:stCondLst>
+                                    <p:cond delay="0"/>
+                                  </p:stCondLst>
+                                  <p:childTnLst>
+                                    <p:set>
+                                      <p:cBhvr>
+                                        <p:cTn id="6" dur="1" fill="hold">
+                                          <p:stCondLst>
+                                            <p:cond delay="0"/>
+                                          </p:stCondLst>
+                                        </p:cTn>
+                                        <p:tgtEl>
+                                          <p:spTgt spid="3"/>
+                                        </p:tgtEl>
+                                        <p:attrNameLst>
+                                          <p:attrName>style.visibility</p:attrName>
+                                        </p:attrNameLst>
+                                      </p:cBhvr>
+                                      <p:to>
+                                        <p:strVal val="visible"/>
+                                      </p:to>
+                                    </p:set>
+                                    <p:anim calcmode="lin" valueType="num">
+                                      <p:cBhvr additive="base">
+                                        <p:cTn id="7" dur="500" fill="hold"/>
+                                        <p:tgtEl>
+                                          <p:spTgt spid="3"/>
+                                        </p:tgtEl>
+                                        <p:attrNameLst>
+                                          <p:attrName>ppt_x</p:attrName>
+                                        </p:attrNameLst>
+                                      </p:cBhvr>
+                                      <p:tavLst>
+                                        <p:tav tm="0">
+                                          <p:val>
+                                            <p:strVal val="#ppt_x"/>
+                                          </p:val>
+                                        </p:tav>
+                                        <p:tav tm="100000">
+                                          <p:val>
+                                            <p:strVal val="#ppt_x"/>
+                                          </p:val>
+                                        </p:tav>
+                                      </p:tavLst>
+                                    </p:anim>
+                                    <p:anim calcmode="lin" valueType="num">
+                                      <p:cBhvr additive="base">
+                                        <p:cTn id="8" dur="500" fill="hold"/>
+                                        <p:tgtEl>
+                                          <p:spTgt spid="3"/>
+                                        </p:tgtEl>
+                                        <p:attrNameLst>
+                                          <p:attrName>ppt_y</p:attrName>
+                                        </p:attrNameLst>
+                                      </p:cBhvr>
+                                      <p:tavLst>
+                                        <p:tav tm="0">
+                                          <p:val>
+                                            <p:strVal val="1+#ppt_h/2"/>
+                                          </p:val>
+                                        </p:tav>
+                                        <p:tav tm="100000">
+                                          <p:val>
+                                            <p:strVal val="#ppt_y"/>
+                                          </p:val>
+                                        </p:tav>
+                                      </p:tavLst>
+                                    </p:anim>
+                                  </p:childTnLst>
+                                </p:cTn>
+                              </p:par>
+                            </p:childTnLst>
+                          </p:cTn>
+                        </p:par>
+                      </p:childTnLst>
+                    </p:cTn>
+                  </p:par>
+                </p:childTnLst>
+              </p:cTn>
+              <p:prevCondLst>
+                <p:cond evt="onPrev" delay="0">
+                  <p:tgtEl>
+                    <p:sldTgt/>
+                  </p:tgtEl>
+                </p:cond>
+              </p:prevCondLst>
+              <p:nextCondLst>
+                <p:cond evt="onNext" delay="0">
+                  <p:tgtEl>
+                    <p:sldTgt/>
+                  </p:tgtEl>
+                </p:cond>
+              </p:nextCondLst>
+            </p:seq>
+          </p:childTnLst>
+        </p:cTn>
+      </p:par>
+    </p:tnLst>
+    <p:bldLst>
+      <p:bldP spid="3" grpId="0"/>
+    </p:bldLst>
+  </p:timing>
 </p:sld>
 </file>
 
@@ -18704,7 +19930,7 @@
         <p:spPr>
           <a:xfrm>
             <a:off x="1033674" y="1779182"/>
-            <a:ext cx="4968027" cy="646331"/>
+            <a:ext cx="5489003" cy="707886"/>
           </a:xfrm>
           <a:prstGeom prst="rect">
             <a:avLst/>
@@ -18722,7 +19948,7 @@
               <a:buChar char="v"/>
             </a:pPr>
             <a:r>
-              <a:rPr lang="en-US" dirty="0">
+              <a:rPr lang="en-US" sz="2000" dirty="0">
                 <a:latin typeface="Times New Roman" panose="02020603050405020304" pitchFamily="18" charset="0"/>
                 <a:cs typeface="Times New Roman" panose="02020603050405020304" pitchFamily="18" charset="0"/>
               </a:rPr>
@@ -18731,7 +19957,7 @@
           </a:p>
           <a:p>
             <a:r>
-              <a:rPr lang="en-US" dirty="0">
+              <a:rPr lang="en-US" sz="2000" dirty="0">
                 <a:latin typeface="Times New Roman" panose="02020603050405020304" pitchFamily="18" charset="0"/>
                 <a:cs typeface="Times New Roman" panose="02020603050405020304" pitchFamily="18" charset="0"/>
               </a:rPr>
@@ -18851,7 +20077,7 @@
         <p:spPr>
           <a:xfrm>
             <a:off x="1051035" y="2424254"/>
-            <a:ext cx="4572534" cy="646331"/>
+            <a:ext cx="5019644" cy="707886"/>
           </a:xfrm>
           <a:prstGeom prst="rect">
             <a:avLst/>
@@ -18869,7 +20095,7 @@
               <a:buChar char="v"/>
             </a:pPr>
             <a:r>
-              <a:rPr lang="en-US" dirty="0">
+              <a:rPr lang="en-US" sz="2000" dirty="0">
                 <a:latin typeface="Times New Roman" panose="02020603050405020304" pitchFamily="18" charset="0"/>
                 <a:cs typeface="Times New Roman" panose="02020603050405020304" pitchFamily="18" charset="0"/>
               </a:rPr>
@@ -18878,7 +20104,7 @@
           </a:p>
           <a:p>
             <a:r>
-              <a:rPr lang="en-US" dirty="0">
+              <a:rPr lang="en-US" sz="2000" dirty="0">
                 <a:latin typeface="Times New Roman" panose="02020603050405020304" pitchFamily="18" charset="0"/>
                 <a:cs typeface="Times New Roman" panose="02020603050405020304" pitchFamily="18" charset="0"/>
               </a:rPr>
@@ -18935,7 +20161,7 @@
         <p:spPr>
           <a:xfrm>
             <a:off x="795136" y="3848093"/>
-            <a:ext cx="1437253" cy="461665"/>
+            <a:ext cx="1346202" cy="461665"/>
           </a:xfrm>
           <a:prstGeom prst="rect">
             <a:avLst/>
@@ -18954,40 +20180,11 @@
             </a:pPr>
             <a:r>
               <a:rPr lang="en-US" sz="2400" dirty="0">
-                <a:latin typeface="Arial" panose="020B0604020202020204" pitchFamily="34" charset="0"/>
-                <a:cs typeface="Arial" panose="020B0604020202020204" pitchFamily="34" charset="0"/>
+                <a:latin typeface="Times New Roman" panose="02020603050405020304" pitchFamily="18" charset="0"/>
+                <a:cs typeface="Times New Roman" panose="02020603050405020304" pitchFamily="18" charset="0"/>
               </a:rPr>
               <a:t>Types:</a:t>
             </a:r>
-          </a:p>
-        </p:txBody>
-      </p:sp>
-      <p:sp>
-        <p:nvSpPr>
-          <p:cNvPr id="5" name="Slide Number Placeholder 4"/>
-          <p:cNvSpPr>
-            <a:spLocks noGrp="1"/>
-          </p:cNvSpPr>
-          <p:nvPr>
-            <p:ph type="sldNum" sz="quarter" idx="12"/>
-          </p:nvPr>
-        </p:nvSpPr>
-        <p:spPr>
-          <a:xfrm>
-            <a:off x="8610600" y="6498169"/>
-            <a:ext cx="2743200" cy="365125"/>
-          </a:xfrm>
-        </p:spPr>
-        <p:txBody>
-          <a:bodyPr/>
-          <a:lstStyle/>
-          <a:p>
-            <a:fld id="{0A0CA13E-CD6D-456E-9676-CC2D9A600115}" type="slidenum">
-              <a:rPr lang="en-US" smtClean="0"/>
-              <a:pPr/>
-              <a:t>3</a:t>
-            </a:fld>
-            <a:endParaRPr lang="en-US" dirty="0"/>
           </a:p>
         </p:txBody>
       </p:sp>
@@ -19021,6 +20218,38 @@
           </a:prstGeom>
         </p:spPr>
       </p:pic>
+      <p:sp>
+        <p:nvSpPr>
+          <p:cNvPr id="13" name="Slide Number Placeholder 4"/>
+          <p:cNvSpPr>
+            <a:spLocks noGrp="1"/>
+          </p:cNvSpPr>
+          <p:nvPr>
+            <p:ph type="sldNum" sz="quarter" idx="12"/>
+          </p:nvPr>
+        </p:nvSpPr>
+        <p:spPr>
+          <a:xfrm>
+            <a:off x="8610600" y="6511104"/>
+            <a:ext cx="3135924" cy="365125"/>
+          </a:xfrm>
+        </p:spPr>
+        <p:txBody>
+          <a:bodyPr/>
+          <a:lstStyle/>
+          <a:p>
+            <a:fld id="{0A0CA13E-CD6D-456E-9676-CC2D9A600115}" type="slidenum">
+              <a:rPr lang="en-US" smtClean="0"/>
+              <a:pPr/>
+              <a:t>3</a:t>
+            </a:fld>
+            <a:r>
+              <a:rPr lang="en-US" dirty="0"/>
+              <a:t>/27</a:t>
+            </a:r>
+          </a:p>
+        </p:txBody>
+      </p:sp>
     </p:spTree>
     <p:extLst>
       <p:ext uri="{BB962C8B-B14F-4D97-AF65-F5344CB8AC3E}">
@@ -19031,12 +20260,12 @@
   <p:clrMapOvr>
     <a:masterClrMapping/>
   </p:clrMapOvr>
-  <mc:AlternateContent xmlns:mc="http://schemas.openxmlformats.org/markup-compatibility/2006" xmlns:p14="http://schemas.microsoft.com/office/powerpoint/2010/main">
-    <mc:Choice Requires="p14">
-      <p:transition spd="slow" p14:dur="2000" advTm="29923"/>
+  <mc:AlternateContent xmlns:mc="http://schemas.openxmlformats.org/markup-compatibility/2006">
+    <mc:Choice xmlns:p14="http://schemas.microsoft.com/office/powerpoint/2010/main" Requires="p14">
+      <p:transition p14:dur="10"/>
     </mc:Choice>
-    <mc:Fallback xmlns="">
-      <p:transition spd="slow" advTm="29923"/>
+    <mc:Fallback>
+      <p:transition/>
     </mc:Fallback>
   </mc:AlternateContent>
 </p:sld>
@@ -19106,31 +20335,7 @@
                 <a:latin typeface="Arial" panose="020B0604020202020204" pitchFamily="34" charset="0"/>
                 <a:cs typeface="Arial" panose="020B0604020202020204" pitchFamily="34" charset="0"/>
               </a:rPr>
-              <a:t>                    Remote Sensing (</a:t>
-            </a:r>
-            <a:r>
-              <a:rPr lang="en-US" sz="2400" dirty="0" err="1">
-                <a:solidFill>
-                  <a:schemeClr val="accent5">
-                    <a:lumMod val="75000"/>
-                  </a:schemeClr>
-                </a:solidFill>
-                <a:latin typeface="Arial" panose="020B0604020202020204" pitchFamily="34" charset="0"/>
-                <a:cs typeface="Arial" panose="020B0604020202020204" pitchFamily="34" charset="0"/>
-              </a:rPr>
-              <a:t>Con’t</a:t>
-            </a:r>
-            <a:r>
-              <a:rPr lang="en-US" sz="2400" dirty="0">
-                <a:solidFill>
-                  <a:schemeClr val="accent5">
-                    <a:lumMod val="75000"/>
-                  </a:schemeClr>
-                </a:solidFill>
-                <a:latin typeface="Arial" panose="020B0604020202020204" pitchFamily="34" charset="0"/>
-                <a:cs typeface="Arial" panose="020B0604020202020204" pitchFamily="34" charset="0"/>
-              </a:rPr>
-              <a:t>)</a:t>
+              <a:t>                    Remote Sensing (Contd..)</a:t>
             </a:r>
             <a:endParaRPr lang="en-US" sz="1600" dirty="0">
               <a:solidFill>
@@ -19326,10 +20531,20 @@
             </a:pPr>
             <a:r>
               <a:rPr lang="en-US" dirty="0">
-                <a:latin typeface="Times New Roman" panose="02020603050405020304" pitchFamily="18" charset="0"/>
-                <a:cs typeface="Times New Roman" panose="02020603050405020304" pitchFamily="18" charset="0"/>
-              </a:rPr>
-              <a:t>Visible and infrared range of wavelengths represents only part of the story </a:t>
+                <a:solidFill>
+                  <a:schemeClr val="accent1"/>
+                </a:solidFill>
+                <a:latin typeface="Times New Roman" panose="02020603050405020304" pitchFamily="18" charset="0"/>
+                <a:cs typeface="Times New Roman" panose="02020603050405020304" pitchFamily="18" charset="0"/>
+              </a:rPr>
+              <a:t>Visible and infrared range </a:t>
+            </a:r>
+            <a:r>
+              <a:rPr lang="en-US" dirty="0">
+                <a:latin typeface="Times New Roman" panose="02020603050405020304" pitchFamily="18" charset="0"/>
+                <a:cs typeface="Times New Roman" panose="02020603050405020304" pitchFamily="18" charset="0"/>
+              </a:rPr>
+              <a:t>of wavelengths represents only part of the story </a:t>
             </a:r>
           </a:p>
           <a:p>
@@ -19452,7 +20667,7 @@
       </p:sp>
       <p:sp>
         <p:nvSpPr>
-          <p:cNvPr id="4" name="Slide Number Placeholder 3"/>
+          <p:cNvPr id="18" name="Slide Number Placeholder 4"/>
           <p:cNvSpPr>
             <a:spLocks noGrp="1"/>
           </p:cNvSpPr>
@@ -19462,8 +20677,8 @@
         </p:nvSpPr>
         <p:spPr>
           <a:xfrm>
-            <a:off x="8610600" y="6497036"/>
-            <a:ext cx="2743200" cy="365125"/>
+            <a:off x="8610600" y="6511104"/>
+            <a:ext cx="3135924" cy="365125"/>
           </a:xfrm>
         </p:spPr>
         <p:txBody>
@@ -19475,10 +20690,131 @@
               <a:pPr/>
               <a:t>4</a:t>
             </a:fld>
-            <a:endParaRPr lang="en-US" dirty="0"/>
+            <a:r>
+              <a:rPr lang="en-US" dirty="0"/>
+              <a:t>/27</a:t>
+            </a:r>
           </a:p>
         </p:txBody>
       </p:sp>
+      <p:sp>
+        <p:nvSpPr>
+          <p:cNvPr id="2" name="TextBox 1"/>
+          <p:cNvSpPr txBox="1"/>
+          <p:nvPr/>
+        </p:nvSpPr>
+        <p:spPr>
+          <a:xfrm>
+            <a:off x="571574" y="1572762"/>
+            <a:ext cx="2335237" cy="369332"/>
+          </a:xfrm>
+          <a:prstGeom prst="rect">
+            <a:avLst/>
+          </a:prstGeom>
+          <a:noFill/>
+          <a:ln w="38100">
+            <a:solidFill>
+              <a:schemeClr val="accent1"/>
+            </a:solidFill>
+          </a:ln>
+        </p:spPr>
+        <p:txBody>
+          <a:bodyPr wrap="square" rtlCol="0">
+            <a:spAutoFit/>
+          </a:bodyPr>
+          <a:lstStyle/>
+          <a:p>
+            <a:r>
+              <a:rPr lang="en-US" b="1" dirty="0">
+                <a:solidFill>
+                  <a:schemeClr val="accent1"/>
+                </a:solidFill>
+                <a:latin typeface="Times New Roman" panose="02020603050405020304" pitchFamily="18" charset="0"/>
+                <a:cs typeface="Times New Roman" panose="02020603050405020304" pitchFamily="18" charset="0"/>
+              </a:rPr>
+              <a:t>0.4 µm – 2.5 µm</a:t>
+            </a:r>
+          </a:p>
+        </p:txBody>
+      </p:sp>
+      <p:cxnSp>
+        <p:nvCxnSpPr>
+          <p:cNvPr id="5" name="Straight Arrow Connector 4"/>
+          <p:cNvCxnSpPr>
+            <a:cxnSpLocks/>
+            <a:endCxn id="2" idx="0"/>
+          </p:cNvCxnSpPr>
+          <p:nvPr/>
+        </p:nvCxnSpPr>
+        <p:spPr>
+          <a:xfrm flipH="1">
+            <a:off x="1739193" y="1322363"/>
+            <a:ext cx="2101288" cy="250399"/>
+          </a:xfrm>
+          <a:prstGeom prst="straightConnector1">
+            <a:avLst/>
+          </a:prstGeom>
+          <a:ln w="38100">
+            <a:solidFill>
+              <a:schemeClr val="accent1"/>
+            </a:solidFill>
+            <a:tailEnd type="triangle"/>
+          </a:ln>
+        </p:spPr>
+        <p:style>
+          <a:lnRef idx="1">
+            <a:schemeClr val="accent1"/>
+          </a:lnRef>
+          <a:fillRef idx="0">
+            <a:schemeClr val="accent1"/>
+          </a:fillRef>
+          <a:effectRef idx="0">
+            <a:schemeClr val="accent1"/>
+          </a:effectRef>
+          <a:fontRef idx="minor">
+            <a:schemeClr val="tx1"/>
+          </a:fontRef>
+        </p:style>
+      </p:cxnSp>
+      <p:cxnSp>
+        <p:nvCxnSpPr>
+          <p:cNvPr id="8" name="Straight Arrow Connector 7"/>
+          <p:cNvCxnSpPr>
+            <a:cxnSpLocks/>
+            <a:endCxn id="2" idx="3"/>
+          </p:cNvCxnSpPr>
+          <p:nvPr/>
+        </p:nvCxnSpPr>
+        <p:spPr>
+          <a:xfrm flipH="1">
+            <a:off x="2906811" y="1451926"/>
+            <a:ext cx="1805868" cy="305502"/>
+          </a:xfrm>
+          <a:prstGeom prst="straightConnector1">
+            <a:avLst/>
+          </a:prstGeom>
+          <a:ln w="38100">
+            <a:solidFill>
+              <a:schemeClr val="accent1"/>
+            </a:solidFill>
+            <a:tailEnd type="triangle"/>
+          </a:ln>
+        </p:spPr>
+        <p:style>
+          <a:lnRef idx="1">
+            <a:schemeClr val="accent1"/>
+          </a:lnRef>
+          <a:fillRef idx="0">
+            <a:schemeClr val="accent1"/>
+          </a:fillRef>
+          <a:effectRef idx="0">
+            <a:schemeClr val="accent1"/>
+          </a:effectRef>
+          <a:fontRef idx="minor">
+            <a:schemeClr val="tx1"/>
+          </a:fontRef>
+        </p:style>
+      </p:cxnSp>
     </p:spTree>
     <p:extLst>
       <p:ext uri="{BB962C8B-B14F-4D97-AF65-F5344CB8AC3E}">
@@ -19489,14 +20825,284 @@
   <p:clrMapOvr>
     <a:masterClrMapping/>
   </p:clrMapOvr>
-  <mc:AlternateContent xmlns:mc="http://schemas.openxmlformats.org/markup-compatibility/2006" xmlns:p14="http://schemas.microsoft.com/office/powerpoint/2010/main">
-    <mc:Choice Requires="p14">
-      <p:transition spd="slow" p14:dur="2000" advTm="23563"/>
+  <mc:AlternateContent xmlns:mc="http://schemas.openxmlformats.org/markup-compatibility/2006">
+    <mc:Choice xmlns:p14="http://schemas.microsoft.com/office/powerpoint/2010/main" Requires="p14">
+      <p:transition p14:dur="10"/>
     </mc:Choice>
-    <mc:Fallback xmlns="">
-      <p:transition spd="slow" advTm="23563"/>
+    <mc:Fallback>
+      <p:transition/>
     </mc:Fallback>
   </mc:AlternateContent>
+  <p:timing>
+    <p:tnLst>
+      <p:par>
+        <p:cTn id="1" dur="indefinite" restart="never" nodeType="tmRoot">
+          <p:childTnLst>
+            <p:seq concurrent="1" nextAc="seek">
+              <p:cTn id="2" dur="indefinite" nodeType="mainSeq">
+                <p:childTnLst>
+                  <p:par>
+                    <p:cTn id="3" fill="hold">
+                      <p:stCondLst>
+                        <p:cond delay="indefinite"/>
+                      </p:stCondLst>
+                      <p:childTnLst>
+                        <p:par>
+                          <p:cTn id="4" fill="hold">
+                            <p:stCondLst>
+                              <p:cond delay="0"/>
+                            </p:stCondLst>
+                            <p:childTnLst>
+                              <p:par>
+                                <p:cTn id="5" presetID="2" presetClass="entr" presetSubtype="4" fill="hold" nodeType="clickEffect">
+                                  <p:stCondLst>
+                                    <p:cond delay="0"/>
+                                  </p:stCondLst>
+                                  <p:childTnLst>
+                                    <p:set>
+                                      <p:cBhvr>
+                                        <p:cTn id="6" dur="1" fill="hold">
+                                          <p:stCondLst>
+                                            <p:cond delay="0"/>
+                                          </p:stCondLst>
+                                        </p:cTn>
+                                        <p:tgtEl>
+                                          <p:spTgt spid="5"/>
+                                        </p:tgtEl>
+                                        <p:attrNameLst>
+                                          <p:attrName>style.visibility</p:attrName>
+                                        </p:attrNameLst>
+                                      </p:cBhvr>
+                                      <p:to>
+                                        <p:strVal val="visible"/>
+                                      </p:to>
+                                    </p:set>
+                                    <p:anim calcmode="lin" valueType="num">
+                                      <p:cBhvr additive="base">
+                                        <p:cTn id="7" dur="500" fill="hold"/>
+                                        <p:tgtEl>
+                                          <p:spTgt spid="5"/>
+                                        </p:tgtEl>
+                                        <p:attrNameLst>
+                                          <p:attrName>ppt_x</p:attrName>
+                                        </p:attrNameLst>
+                                      </p:cBhvr>
+                                      <p:tavLst>
+                                        <p:tav tm="0">
+                                          <p:val>
+                                            <p:strVal val="#ppt_x"/>
+                                          </p:val>
+                                        </p:tav>
+                                        <p:tav tm="100000">
+                                          <p:val>
+                                            <p:strVal val="#ppt_x"/>
+                                          </p:val>
+                                        </p:tav>
+                                      </p:tavLst>
+                                    </p:anim>
+                                    <p:anim calcmode="lin" valueType="num">
+                                      <p:cBhvr additive="base">
+                                        <p:cTn id="8" dur="500" fill="hold"/>
+                                        <p:tgtEl>
+                                          <p:spTgt spid="5"/>
+                                        </p:tgtEl>
+                                        <p:attrNameLst>
+                                          <p:attrName>ppt_y</p:attrName>
+                                        </p:attrNameLst>
+                                      </p:cBhvr>
+                                      <p:tavLst>
+                                        <p:tav tm="0">
+                                          <p:val>
+                                            <p:strVal val="1+#ppt_h/2"/>
+                                          </p:val>
+                                        </p:tav>
+                                        <p:tav tm="100000">
+                                          <p:val>
+                                            <p:strVal val="#ppt_y"/>
+                                          </p:val>
+                                        </p:tav>
+                                      </p:tavLst>
+                                    </p:anim>
+                                  </p:childTnLst>
+                                </p:cTn>
+                              </p:par>
+                              <p:par>
+                                <p:cTn id="9" presetID="2" presetClass="entr" presetSubtype="4" fill="hold" nodeType="withEffect">
+                                  <p:stCondLst>
+                                    <p:cond delay="0"/>
+                                  </p:stCondLst>
+                                  <p:childTnLst>
+                                    <p:set>
+                                      <p:cBhvr>
+                                        <p:cTn id="10" dur="1" fill="hold">
+                                          <p:stCondLst>
+                                            <p:cond delay="0"/>
+                                          </p:stCondLst>
+                                        </p:cTn>
+                                        <p:tgtEl>
+                                          <p:spTgt spid="8"/>
+                                        </p:tgtEl>
+                                        <p:attrNameLst>
+                                          <p:attrName>style.visibility</p:attrName>
+                                        </p:attrNameLst>
+                                      </p:cBhvr>
+                                      <p:to>
+                                        <p:strVal val="visible"/>
+                                      </p:to>
+                                    </p:set>
+                                    <p:anim calcmode="lin" valueType="num">
+                                      <p:cBhvr additive="base">
+                                        <p:cTn id="11" dur="500" fill="hold"/>
+                                        <p:tgtEl>
+                                          <p:spTgt spid="8"/>
+                                        </p:tgtEl>
+                                        <p:attrNameLst>
+                                          <p:attrName>ppt_x</p:attrName>
+                                        </p:attrNameLst>
+                                      </p:cBhvr>
+                                      <p:tavLst>
+                                        <p:tav tm="0">
+                                          <p:val>
+                                            <p:strVal val="#ppt_x"/>
+                                          </p:val>
+                                        </p:tav>
+                                        <p:tav tm="100000">
+                                          <p:val>
+                                            <p:strVal val="#ppt_x"/>
+                                          </p:val>
+                                        </p:tav>
+                                      </p:tavLst>
+                                    </p:anim>
+                                    <p:anim calcmode="lin" valueType="num">
+                                      <p:cBhvr additive="base">
+                                        <p:cTn id="12" dur="500" fill="hold"/>
+                                        <p:tgtEl>
+                                          <p:spTgt spid="8"/>
+                                        </p:tgtEl>
+                                        <p:attrNameLst>
+                                          <p:attrName>ppt_y</p:attrName>
+                                        </p:attrNameLst>
+                                      </p:cBhvr>
+                                      <p:tavLst>
+                                        <p:tav tm="0">
+                                          <p:val>
+                                            <p:strVal val="1+#ppt_h/2"/>
+                                          </p:val>
+                                        </p:tav>
+                                        <p:tav tm="100000">
+                                          <p:val>
+                                            <p:strVal val="#ppt_y"/>
+                                          </p:val>
+                                        </p:tav>
+                                      </p:tavLst>
+                                    </p:anim>
+                                  </p:childTnLst>
+                                </p:cTn>
+                              </p:par>
+                              <p:par>
+                                <p:cTn id="13" presetID="2" presetClass="entr" presetSubtype="4" fill="hold" grpId="0" nodeType="withEffect">
+                                  <p:stCondLst>
+                                    <p:cond delay="0"/>
+                                  </p:stCondLst>
+                                  <p:childTnLst>
+                                    <p:set>
+                                      <p:cBhvr>
+                                        <p:cTn id="14" dur="1" fill="hold">
+                                          <p:stCondLst>
+                                            <p:cond delay="0"/>
+                                          </p:stCondLst>
+                                        </p:cTn>
+                                        <p:tgtEl>
+                                          <p:spTgt spid="2"/>
+                                        </p:tgtEl>
+                                        <p:attrNameLst>
+                                          <p:attrName>style.visibility</p:attrName>
+                                        </p:attrNameLst>
+                                      </p:cBhvr>
+                                      <p:to>
+                                        <p:strVal val="visible"/>
+                                      </p:to>
+                                    </p:set>
+                                    <p:anim calcmode="lin" valueType="num">
+                                      <p:cBhvr additive="base">
+                                        <p:cTn id="15" dur="500" fill="hold"/>
+                                        <p:tgtEl>
+                                          <p:spTgt spid="2"/>
+                                        </p:tgtEl>
+                                        <p:attrNameLst>
+                                          <p:attrName>ppt_x</p:attrName>
+                                        </p:attrNameLst>
+                                      </p:cBhvr>
+                                      <p:tavLst>
+                                        <p:tav tm="0">
+                                          <p:val>
+                                            <p:strVal val="#ppt_x"/>
+                                          </p:val>
+                                        </p:tav>
+                                        <p:tav tm="100000">
+                                          <p:val>
+                                            <p:strVal val="#ppt_x"/>
+                                          </p:val>
+                                        </p:tav>
+                                      </p:tavLst>
+                                    </p:anim>
+                                    <p:anim calcmode="lin" valueType="num">
+                                      <p:cBhvr additive="base">
+                                        <p:cTn id="16" dur="500" fill="hold"/>
+                                        <p:tgtEl>
+                                          <p:spTgt spid="2"/>
+                                        </p:tgtEl>
+                                        <p:attrNameLst>
+                                          <p:attrName>ppt_y</p:attrName>
+                                        </p:attrNameLst>
+                                      </p:cBhvr>
+                                      <p:tavLst>
+                                        <p:tav tm="0">
+                                          <p:val>
+                                            <p:strVal val="1+#ppt_h/2"/>
+                                          </p:val>
+                                        </p:tav>
+                                        <p:tav tm="100000">
+                                          <p:val>
+                                            <p:strVal val="#ppt_y"/>
+                                          </p:val>
+                                        </p:tav>
+                                      </p:tavLst>
+                                    </p:anim>
+                                  </p:childTnLst>
+                                </p:cTn>
+                              </p:par>
+                            </p:childTnLst>
+                          </p:cTn>
+                        </p:par>
+                      </p:childTnLst>
+                    </p:cTn>
+                  </p:par>
+                </p:childTnLst>
+              </p:cTn>
+              <p:prevCondLst>
+                <p:cond evt="onPrev" delay="0">
+                  <p:tgtEl>
+                    <p:sldTgt/>
+                  </p:tgtEl>
+                </p:cond>
+              </p:prevCondLst>
+              <p:nextCondLst>
+                <p:cond evt="onNext" delay="0">
+                  <p:tgtEl>
+                    <p:sldTgt/>
+                  </p:tgtEl>
+                </p:cond>
+              </p:nextCondLst>
+            </p:seq>
+          </p:childTnLst>
+        </p:cTn>
+      </p:par>
+    </p:tnLst>
+    <p:bldLst>
+      <p:bldP spid="2" grpId="0" animBg="1"/>
+    </p:bldLst>
+  </p:timing>
 </p:sld>
 </file>
 
@@ -19785,7 +21391,7 @@
       </p:sp>
       <p:sp>
         <p:nvSpPr>
-          <p:cNvPr id="14" name="Slide Number Placeholder 3"/>
+          <p:cNvPr id="15" name="Slide Number Placeholder 4"/>
           <p:cNvSpPr>
             <a:spLocks noGrp="1"/>
           </p:cNvSpPr>
@@ -19795,8 +21401,8 @@
         </p:nvSpPr>
         <p:spPr>
           <a:xfrm>
-            <a:off x="8610600" y="6497036"/>
-            <a:ext cx="2743200" cy="365125"/>
+            <a:off x="8610600" y="6511104"/>
+            <a:ext cx="3135924" cy="365125"/>
           </a:xfrm>
         </p:spPr>
         <p:txBody>
@@ -19808,7 +21414,10 @@
               <a:pPr/>
               <a:t>5</a:t>
             </a:fld>
-            <a:endParaRPr lang="en-US" dirty="0"/>
+            <a:r>
+              <a:rPr lang="en-US" dirty="0"/>
+              <a:t>/27</a:t>
+            </a:r>
           </a:p>
         </p:txBody>
       </p:sp>
@@ -19822,12 +21431,12 @@
   <p:clrMapOvr>
     <a:masterClrMapping/>
   </p:clrMapOvr>
-  <mc:AlternateContent xmlns:mc="http://schemas.openxmlformats.org/markup-compatibility/2006" xmlns:p14="http://schemas.microsoft.com/office/powerpoint/2010/main">
-    <mc:Choice Requires="p14">
-      <p:transition spd="slow" p14:dur="2000" advTm="53421"/>
+  <mc:AlternateContent xmlns:mc="http://schemas.openxmlformats.org/markup-compatibility/2006">
+    <mc:Choice xmlns:p14="http://schemas.microsoft.com/office/powerpoint/2010/main" Requires="p14">
+      <p:transition p14:dur="10"/>
     </mc:Choice>
-    <mc:Fallback xmlns="">
-      <p:transition spd="slow" advTm="53421"/>
+    <mc:Fallback>
+      <p:transition/>
     </mc:Fallback>
   </mc:AlternateContent>
 </p:sld>
@@ -20036,8 +21645,8 @@
         </p:nvSpPr>
         <p:spPr>
           <a:xfrm>
-            <a:off x="1135450" y="1709823"/>
-            <a:ext cx="4571060" cy="400110"/>
+            <a:off x="1135450" y="2332023"/>
+            <a:ext cx="4294894" cy="400110"/>
           </a:xfrm>
           <a:prstGeom prst="rect">
             <a:avLst/>
@@ -20059,14 +21668,14 @@
                 <a:latin typeface="Times New Roman" panose="02020603050405020304" pitchFamily="18" charset="0"/>
                 <a:cs typeface="Times New Roman" panose="02020603050405020304" pitchFamily="18" charset="0"/>
               </a:rPr>
-              <a:t>All the </a:t>
+              <a:t>All </a:t>
             </a:r>
             <a:r>
               <a:rPr lang="en-US" sz="2000" spc="-11" dirty="0">
                 <a:latin typeface="Times New Roman" panose="02020603050405020304" pitchFamily="18" charset="0"/>
                 <a:cs typeface="Times New Roman" panose="02020603050405020304" pitchFamily="18" charset="0"/>
               </a:rPr>
-              <a:t>feature </a:t>
+              <a:t>features </a:t>
             </a:r>
             <a:r>
               <a:rPr lang="en-US" sz="2000" spc="-5" dirty="0">
@@ -20128,35 +21737,6 @@
               </a:rPr>
               <a:t>	       Target Class Oriented Subspace Detection for Effective Hyperspectral Image Classification</a:t>
             </a:r>
-          </a:p>
-        </p:txBody>
-      </p:sp>
-      <p:sp>
-        <p:nvSpPr>
-          <p:cNvPr id="4" name="Slide Number Placeholder 3"/>
-          <p:cNvSpPr>
-            <a:spLocks noGrp="1"/>
-          </p:cNvSpPr>
-          <p:nvPr>
-            <p:ph type="sldNum" sz="quarter" idx="12"/>
-          </p:nvPr>
-        </p:nvSpPr>
-        <p:spPr>
-          <a:xfrm>
-            <a:off x="8610600" y="6482968"/>
-            <a:ext cx="2743200" cy="365125"/>
-          </a:xfrm>
-        </p:spPr>
-        <p:txBody>
-          <a:bodyPr/>
-          <a:lstStyle/>
-          <a:p>
-            <a:fld id="{0A0CA13E-CD6D-456E-9676-CC2D9A600115}" type="slidenum">
-              <a:rPr lang="en-US" smtClean="0"/>
-              <a:pPr/>
-              <a:t>6</a:t>
-            </a:fld>
-            <a:endParaRPr lang="en-US" dirty="0"/>
           </a:p>
         </p:txBody>
       </p:sp>
@@ -20212,7 +21792,7 @@
         </p:blipFill>
         <p:spPr>
           <a:xfrm>
-            <a:off x="1132466" y="2115635"/>
+            <a:off x="5567473" y="1856385"/>
             <a:ext cx="4415899" cy="3752509"/>
           </a:xfrm>
           <a:prstGeom prst="rect">
@@ -20228,7 +21808,7 @@
         </p:nvSpPr>
         <p:spPr>
           <a:xfrm>
-            <a:off x="1530795" y="5890171"/>
+            <a:off x="6190705" y="5649581"/>
             <a:ext cx="3640740" cy="400110"/>
           </a:xfrm>
           <a:prstGeom prst="rect">
@@ -20252,6 +21832,102 @@
           </a:p>
         </p:txBody>
       </p:sp>
+      <p:sp>
+        <p:nvSpPr>
+          <p:cNvPr id="2" name="TextBox 1"/>
+          <p:cNvSpPr txBox="1"/>
+          <p:nvPr/>
+        </p:nvSpPr>
+        <p:spPr>
+          <a:xfrm>
+            <a:off x="9875520" y="2142822"/>
+            <a:ext cx="2267277" cy="707886"/>
+          </a:xfrm>
+          <a:prstGeom prst="rect">
+            <a:avLst/>
+          </a:prstGeom>
+          <a:noFill/>
+        </p:spPr>
+        <p:txBody>
+          <a:bodyPr wrap="square" rtlCol="0">
+            <a:spAutoFit/>
+          </a:bodyPr>
+          <a:lstStyle/>
+          <a:p>
+            <a:r>
+              <a:rPr lang="en-US" sz="2000" dirty="0">
+                <a:latin typeface="Times New Roman" panose="02020603050405020304" pitchFamily="18" charset="0"/>
+                <a:cs typeface="Times New Roman" panose="02020603050405020304" pitchFamily="18" charset="0"/>
+              </a:rPr>
+              <a:t>White means 100% correlation</a:t>
+            </a:r>
+          </a:p>
+        </p:txBody>
+      </p:sp>
+      <p:sp>
+        <p:nvSpPr>
+          <p:cNvPr id="13" name="TextBox 12"/>
+          <p:cNvSpPr txBox="1"/>
+          <p:nvPr/>
+        </p:nvSpPr>
+        <p:spPr>
+          <a:xfrm>
+            <a:off x="9875520" y="3022598"/>
+            <a:ext cx="2267277" cy="707886"/>
+          </a:xfrm>
+          <a:prstGeom prst="rect">
+            <a:avLst/>
+          </a:prstGeom>
+          <a:noFill/>
+        </p:spPr>
+        <p:txBody>
+          <a:bodyPr wrap="square" rtlCol="0">
+            <a:spAutoFit/>
+          </a:bodyPr>
+          <a:lstStyle/>
+          <a:p>
+            <a:r>
+              <a:rPr lang="en-US" sz="2000" dirty="0">
+                <a:latin typeface="Times New Roman" panose="02020603050405020304" pitchFamily="18" charset="0"/>
+                <a:cs typeface="Times New Roman" panose="02020603050405020304" pitchFamily="18" charset="0"/>
+              </a:rPr>
+              <a:t>Black means 0% correlation</a:t>
+            </a:r>
+          </a:p>
+        </p:txBody>
+      </p:sp>
+      <p:sp>
+        <p:nvSpPr>
+          <p:cNvPr id="18" name="Slide Number Placeholder 4"/>
+          <p:cNvSpPr>
+            <a:spLocks noGrp="1"/>
+          </p:cNvSpPr>
+          <p:nvPr>
+            <p:ph type="sldNum" sz="quarter" idx="12"/>
+          </p:nvPr>
+        </p:nvSpPr>
+        <p:spPr>
+          <a:xfrm>
+            <a:off x="8610600" y="6511104"/>
+            <a:ext cx="3135924" cy="365125"/>
+          </a:xfrm>
+        </p:spPr>
+        <p:txBody>
+          <a:bodyPr/>
+          <a:lstStyle/>
+          <a:p>
+            <a:fld id="{0A0CA13E-CD6D-456E-9676-CC2D9A600115}" type="slidenum">
+              <a:rPr lang="en-US" smtClean="0"/>
+              <a:pPr/>
+              <a:t>6</a:t>
+            </a:fld>
+            <a:r>
+              <a:rPr lang="en-US" dirty="0"/>
+              <a:t>/27</a:t>
+            </a:r>
+          </a:p>
+        </p:txBody>
+      </p:sp>
     </p:spTree>
     <p:extLst>
       <p:ext uri="{BB962C8B-B14F-4D97-AF65-F5344CB8AC3E}">
@@ -20262,14 +21938,828 @@
   <p:clrMapOvr>
     <a:masterClrMapping/>
   </p:clrMapOvr>
-  <mc:AlternateContent xmlns:mc="http://schemas.openxmlformats.org/markup-compatibility/2006" xmlns:p14="http://schemas.microsoft.com/office/powerpoint/2010/main">
-    <mc:Choice Requires="p14">
-      <p:transition spd="slow" p14:dur="2000" advTm="55094"/>
+  <mc:AlternateContent xmlns:mc="http://schemas.openxmlformats.org/markup-compatibility/2006">
+    <mc:Choice xmlns:p14="http://schemas.microsoft.com/office/powerpoint/2010/main" Requires="p14">
+      <p:transition p14:dur="10"/>
     </mc:Choice>
-    <mc:Fallback xmlns="">
-      <p:transition spd="slow" advTm="55094"/>
+    <mc:Fallback>
+      <p:transition/>
     </mc:Fallback>
   </mc:AlternateContent>
+  <p:timing>
+    <p:tnLst>
+      <p:par>
+        <p:cTn id="1" dur="indefinite" restart="never" nodeType="tmRoot">
+          <p:childTnLst>
+            <p:seq concurrent="1" nextAc="seek">
+              <p:cTn id="2" dur="indefinite" nodeType="mainSeq">
+                <p:childTnLst>
+                  <p:par>
+                    <p:cTn id="3" fill="hold">
+                      <p:stCondLst>
+                        <p:cond delay="indefinite"/>
+                      </p:stCondLst>
+                      <p:childTnLst>
+                        <p:par>
+                          <p:cTn id="4" fill="hold">
+                            <p:stCondLst>
+                              <p:cond delay="0"/>
+                            </p:stCondLst>
+                            <p:childTnLst>
+                              <p:par>
+                                <p:cTn id="5" presetID="2" presetClass="entr" presetSubtype="4" fill="hold" grpId="0" nodeType="clickEffect">
+                                  <p:stCondLst>
+                                    <p:cond delay="0"/>
+                                  </p:stCondLst>
+                                  <p:childTnLst>
+                                    <p:set>
+                                      <p:cBhvr>
+                                        <p:cTn id="6" dur="1" fill="hold">
+                                          <p:stCondLst>
+                                            <p:cond delay="0"/>
+                                          </p:stCondLst>
+                                        </p:cTn>
+                                        <p:tgtEl>
+                                          <p:spTgt spid="8"/>
+                                        </p:tgtEl>
+                                        <p:attrNameLst>
+                                          <p:attrName>style.visibility</p:attrName>
+                                        </p:attrNameLst>
+                                      </p:cBhvr>
+                                      <p:to>
+                                        <p:strVal val="visible"/>
+                                      </p:to>
+                                    </p:set>
+                                    <p:anim calcmode="lin" valueType="num">
+                                      <p:cBhvr additive="base">
+                                        <p:cTn id="7" dur="500" fill="hold"/>
+                                        <p:tgtEl>
+                                          <p:spTgt spid="8"/>
+                                        </p:tgtEl>
+                                        <p:attrNameLst>
+                                          <p:attrName>ppt_x</p:attrName>
+                                        </p:attrNameLst>
+                                      </p:cBhvr>
+                                      <p:tavLst>
+                                        <p:tav tm="0">
+                                          <p:val>
+                                            <p:strVal val="#ppt_x"/>
+                                          </p:val>
+                                        </p:tav>
+                                        <p:tav tm="100000">
+                                          <p:val>
+                                            <p:strVal val="#ppt_x"/>
+                                          </p:val>
+                                        </p:tav>
+                                      </p:tavLst>
+                                    </p:anim>
+                                    <p:anim calcmode="lin" valueType="num">
+                                      <p:cBhvr additive="base">
+                                        <p:cTn id="8" dur="500" fill="hold"/>
+                                        <p:tgtEl>
+                                          <p:spTgt spid="8"/>
+                                        </p:tgtEl>
+                                        <p:attrNameLst>
+                                          <p:attrName>ppt_y</p:attrName>
+                                        </p:attrNameLst>
+                                      </p:cBhvr>
+                                      <p:tavLst>
+                                        <p:tav tm="0">
+                                          <p:val>
+                                            <p:strVal val="1+#ppt_h/2"/>
+                                          </p:val>
+                                        </p:tav>
+                                        <p:tav tm="100000">
+                                          <p:val>
+                                            <p:strVal val="#ppt_y"/>
+                                          </p:val>
+                                        </p:tav>
+                                      </p:tavLst>
+                                    </p:anim>
+                                  </p:childTnLst>
+                                  <p:subTnLst>
+                                    <p:set>
+                                      <p:cBhvr override="childStyle">
+                                        <p:cTn dur="1" fill="hold" display="0" masterRel="nextClick" afterEffect="1"/>
+                                        <p:tgtEl>
+                                          <p:spTgt spid="8"/>
+                                        </p:tgtEl>
+                                        <p:attrNameLst>
+                                          <p:attrName>style.visibility</p:attrName>
+                                        </p:attrNameLst>
+                                      </p:cBhvr>
+                                      <p:to>
+                                        <p:strVal val="hidden"/>
+                                      </p:to>
+                                    </p:set>
+                                  </p:subTnLst>
+                                </p:cTn>
+                              </p:par>
+                              <p:par>
+                                <p:cTn id="9" presetID="2" presetClass="entr" presetSubtype="4" fill="hold" nodeType="withEffect">
+                                  <p:stCondLst>
+                                    <p:cond delay="0"/>
+                                  </p:stCondLst>
+                                  <p:childTnLst>
+                                    <p:set>
+                                      <p:cBhvr>
+                                        <p:cTn id="10" dur="1" fill="hold">
+                                          <p:stCondLst>
+                                            <p:cond delay="0"/>
+                                          </p:stCondLst>
+                                        </p:cTn>
+                                        <p:tgtEl>
+                                          <p:spTgt spid="3"/>
+                                        </p:tgtEl>
+                                        <p:attrNameLst>
+                                          <p:attrName>style.visibility</p:attrName>
+                                        </p:attrNameLst>
+                                      </p:cBhvr>
+                                      <p:to>
+                                        <p:strVal val="visible"/>
+                                      </p:to>
+                                    </p:set>
+                                    <p:anim calcmode="lin" valueType="num">
+                                      <p:cBhvr additive="base">
+                                        <p:cTn id="11" dur="500" fill="hold"/>
+                                        <p:tgtEl>
+                                          <p:spTgt spid="3"/>
+                                        </p:tgtEl>
+                                        <p:attrNameLst>
+                                          <p:attrName>ppt_x</p:attrName>
+                                        </p:attrNameLst>
+                                      </p:cBhvr>
+                                      <p:tavLst>
+                                        <p:tav tm="0">
+                                          <p:val>
+                                            <p:strVal val="#ppt_x"/>
+                                          </p:val>
+                                        </p:tav>
+                                        <p:tav tm="100000">
+                                          <p:val>
+                                            <p:strVal val="#ppt_x"/>
+                                          </p:val>
+                                        </p:tav>
+                                      </p:tavLst>
+                                    </p:anim>
+                                    <p:anim calcmode="lin" valueType="num">
+                                      <p:cBhvr additive="base">
+                                        <p:cTn id="12" dur="500" fill="hold"/>
+                                        <p:tgtEl>
+                                          <p:spTgt spid="3"/>
+                                        </p:tgtEl>
+                                        <p:attrNameLst>
+                                          <p:attrName>ppt_y</p:attrName>
+                                        </p:attrNameLst>
+                                      </p:cBhvr>
+                                      <p:tavLst>
+                                        <p:tav tm="0">
+                                          <p:val>
+                                            <p:strVal val="1+#ppt_h/2"/>
+                                          </p:val>
+                                        </p:tav>
+                                        <p:tav tm="100000">
+                                          <p:val>
+                                            <p:strVal val="#ppt_y"/>
+                                          </p:val>
+                                        </p:tav>
+                                      </p:tavLst>
+                                    </p:anim>
+                                  </p:childTnLst>
+                                  <p:subTnLst>
+                                    <p:set>
+                                      <p:cBhvr override="childStyle">
+                                        <p:cTn dur="1" fill="hold" display="0" masterRel="nextClick" afterEffect="1"/>
+                                        <p:tgtEl>
+                                          <p:spTgt spid="3"/>
+                                        </p:tgtEl>
+                                        <p:attrNameLst>
+                                          <p:attrName>style.visibility</p:attrName>
+                                        </p:attrNameLst>
+                                      </p:cBhvr>
+                                      <p:to>
+                                        <p:strVal val="hidden"/>
+                                      </p:to>
+                                    </p:set>
+                                  </p:subTnLst>
+                                </p:cTn>
+                              </p:par>
+                              <p:par>
+                                <p:cTn id="13" presetID="2" presetClass="entr" presetSubtype="4" fill="hold" grpId="0" nodeType="withEffect">
+                                  <p:stCondLst>
+                                    <p:cond delay="0"/>
+                                  </p:stCondLst>
+                                  <p:childTnLst>
+                                    <p:set>
+                                      <p:cBhvr>
+                                        <p:cTn id="14" dur="1" fill="hold">
+                                          <p:stCondLst>
+                                            <p:cond delay="0"/>
+                                          </p:stCondLst>
+                                        </p:cTn>
+                                        <p:tgtEl>
+                                          <p:spTgt spid="14"/>
+                                        </p:tgtEl>
+                                        <p:attrNameLst>
+                                          <p:attrName>style.visibility</p:attrName>
+                                        </p:attrNameLst>
+                                      </p:cBhvr>
+                                      <p:to>
+                                        <p:strVal val="visible"/>
+                                      </p:to>
+                                    </p:set>
+                                    <p:anim calcmode="lin" valueType="num">
+                                      <p:cBhvr additive="base">
+                                        <p:cTn id="15" dur="500" fill="hold"/>
+                                        <p:tgtEl>
+                                          <p:spTgt spid="14"/>
+                                        </p:tgtEl>
+                                        <p:attrNameLst>
+                                          <p:attrName>ppt_x</p:attrName>
+                                        </p:attrNameLst>
+                                      </p:cBhvr>
+                                      <p:tavLst>
+                                        <p:tav tm="0">
+                                          <p:val>
+                                            <p:strVal val="#ppt_x"/>
+                                          </p:val>
+                                        </p:tav>
+                                        <p:tav tm="100000">
+                                          <p:val>
+                                            <p:strVal val="#ppt_x"/>
+                                          </p:val>
+                                        </p:tav>
+                                      </p:tavLst>
+                                    </p:anim>
+                                    <p:anim calcmode="lin" valueType="num">
+                                      <p:cBhvr additive="base">
+                                        <p:cTn id="16" dur="500" fill="hold"/>
+                                        <p:tgtEl>
+                                          <p:spTgt spid="14"/>
+                                        </p:tgtEl>
+                                        <p:attrNameLst>
+                                          <p:attrName>ppt_y</p:attrName>
+                                        </p:attrNameLst>
+                                      </p:cBhvr>
+                                      <p:tavLst>
+                                        <p:tav tm="0">
+                                          <p:val>
+                                            <p:strVal val="1+#ppt_h/2"/>
+                                          </p:val>
+                                        </p:tav>
+                                        <p:tav tm="100000">
+                                          <p:val>
+                                            <p:strVal val="#ppt_y"/>
+                                          </p:val>
+                                        </p:tav>
+                                      </p:tavLst>
+                                    </p:anim>
+                                  </p:childTnLst>
+                                  <p:subTnLst>
+                                    <p:set>
+                                      <p:cBhvr override="childStyle">
+                                        <p:cTn dur="1" fill="hold" display="0" masterRel="nextClick" afterEffect="1"/>
+                                        <p:tgtEl>
+                                          <p:spTgt spid="14"/>
+                                        </p:tgtEl>
+                                        <p:attrNameLst>
+                                          <p:attrName>style.visibility</p:attrName>
+                                        </p:attrNameLst>
+                                      </p:cBhvr>
+                                      <p:to>
+                                        <p:strVal val="hidden"/>
+                                      </p:to>
+                                    </p:set>
+                                  </p:subTnLst>
+                                </p:cTn>
+                              </p:par>
+                            </p:childTnLst>
+                          </p:cTn>
+                        </p:par>
+                      </p:childTnLst>
+                    </p:cTn>
+                  </p:par>
+                  <p:par>
+                    <p:cTn id="17" fill="hold">
+                      <p:stCondLst>
+                        <p:cond delay="indefinite"/>
+                      </p:stCondLst>
+                      <p:childTnLst>
+                        <p:par>
+                          <p:cTn id="18" fill="hold">
+                            <p:stCondLst>
+                              <p:cond delay="0"/>
+                            </p:stCondLst>
+                            <p:childTnLst>
+                              <p:par>
+                                <p:cTn id="19" presetID="2" presetClass="entr" presetSubtype="4" fill="hold" grpId="0" nodeType="clickEffect">
+                                  <p:stCondLst>
+                                    <p:cond delay="0"/>
+                                  </p:stCondLst>
+                                  <p:childTnLst>
+                                    <p:set>
+                                      <p:cBhvr>
+                                        <p:cTn id="20" dur="1" fill="hold">
+                                          <p:stCondLst>
+                                            <p:cond delay="0"/>
+                                          </p:stCondLst>
+                                        </p:cTn>
+                                        <p:tgtEl>
+                                          <p:spTgt spid="15"/>
+                                        </p:tgtEl>
+                                        <p:attrNameLst>
+                                          <p:attrName>style.visibility</p:attrName>
+                                        </p:attrNameLst>
+                                      </p:cBhvr>
+                                      <p:to>
+                                        <p:strVal val="visible"/>
+                                      </p:to>
+                                    </p:set>
+                                    <p:anim calcmode="lin" valueType="num">
+                                      <p:cBhvr additive="base">
+                                        <p:cTn id="21" dur="500" fill="hold"/>
+                                        <p:tgtEl>
+                                          <p:spTgt spid="15"/>
+                                        </p:tgtEl>
+                                        <p:attrNameLst>
+                                          <p:attrName>ppt_x</p:attrName>
+                                        </p:attrNameLst>
+                                      </p:cBhvr>
+                                      <p:tavLst>
+                                        <p:tav tm="0">
+                                          <p:val>
+                                            <p:strVal val="#ppt_x"/>
+                                          </p:val>
+                                        </p:tav>
+                                        <p:tav tm="100000">
+                                          <p:val>
+                                            <p:strVal val="#ppt_x"/>
+                                          </p:val>
+                                        </p:tav>
+                                      </p:tavLst>
+                                    </p:anim>
+                                    <p:anim calcmode="lin" valueType="num">
+                                      <p:cBhvr additive="base">
+                                        <p:cTn id="22" dur="500" fill="hold"/>
+                                        <p:tgtEl>
+                                          <p:spTgt spid="15"/>
+                                        </p:tgtEl>
+                                        <p:attrNameLst>
+                                          <p:attrName>ppt_y</p:attrName>
+                                        </p:attrNameLst>
+                                      </p:cBhvr>
+                                      <p:tavLst>
+                                        <p:tav tm="0">
+                                          <p:val>
+                                            <p:strVal val="1+#ppt_h/2"/>
+                                          </p:val>
+                                        </p:tav>
+                                        <p:tav tm="100000">
+                                          <p:val>
+                                            <p:strVal val="#ppt_y"/>
+                                          </p:val>
+                                        </p:tav>
+                                      </p:tavLst>
+                                    </p:anim>
+                                  </p:childTnLst>
+                                </p:cTn>
+                              </p:par>
+                              <p:par>
+                                <p:cTn id="23" presetID="2" presetClass="entr" presetSubtype="4" fill="hold" grpId="0" nodeType="withEffect">
+                                  <p:stCondLst>
+                                    <p:cond delay="0"/>
+                                  </p:stCondLst>
+                                  <p:childTnLst>
+                                    <p:set>
+                                      <p:cBhvr>
+                                        <p:cTn id="24" dur="1" fill="hold">
+                                          <p:stCondLst>
+                                            <p:cond delay="0"/>
+                                          </p:stCondLst>
+                                        </p:cTn>
+                                        <p:tgtEl>
+                                          <p:spTgt spid="17"/>
+                                        </p:tgtEl>
+                                        <p:attrNameLst>
+                                          <p:attrName>style.visibility</p:attrName>
+                                        </p:attrNameLst>
+                                      </p:cBhvr>
+                                      <p:to>
+                                        <p:strVal val="visible"/>
+                                      </p:to>
+                                    </p:set>
+                                    <p:anim calcmode="lin" valueType="num">
+                                      <p:cBhvr additive="base">
+                                        <p:cTn id="25" dur="500" fill="hold"/>
+                                        <p:tgtEl>
+                                          <p:spTgt spid="17"/>
+                                        </p:tgtEl>
+                                        <p:attrNameLst>
+                                          <p:attrName>ppt_x</p:attrName>
+                                        </p:attrNameLst>
+                                      </p:cBhvr>
+                                      <p:tavLst>
+                                        <p:tav tm="0">
+                                          <p:val>
+                                            <p:strVal val="#ppt_x"/>
+                                          </p:val>
+                                        </p:tav>
+                                        <p:tav tm="100000">
+                                          <p:val>
+                                            <p:strVal val="#ppt_x"/>
+                                          </p:val>
+                                        </p:tav>
+                                      </p:tavLst>
+                                    </p:anim>
+                                    <p:anim calcmode="lin" valueType="num">
+                                      <p:cBhvr additive="base">
+                                        <p:cTn id="26" dur="500" fill="hold"/>
+                                        <p:tgtEl>
+                                          <p:spTgt spid="17"/>
+                                        </p:tgtEl>
+                                        <p:attrNameLst>
+                                          <p:attrName>ppt_y</p:attrName>
+                                        </p:attrNameLst>
+                                      </p:cBhvr>
+                                      <p:tavLst>
+                                        <p:tav tm="0">
+                                          <p:val>
+                                            <p:strVal val="1+#ppt_h/2"/>
+                                          </p:val>
+                                        </p:tav>
+                                        <p:tav tm="100000">
+                                          <p:val>
+                                            <p:strVal val="#ppt_y"/>
+                                          </p:val>
+                                        </p:tav>
+                                      </p:tavLst>
+                                    </p:anim>
+                                  </p:childTnLst>
+                                </p:cTn>
+                              </p:par>
+                              <p:par>
+                                <p:cTn id="27" presetID="2" presetClass="entr" presetSubtype="4" fill="hold" nodeType="withEffect">
+                                  <p:stCondLst>
+                                    <p:cond delay="0"/>
+                                  </p:stCondLst>
+                                  <p:childTnLst>
+                                    <p:set>
+                                      <p:cBhvr>
+                                        <p:cTn id="28" dur="1" fill="hold">
+                                          <p:stCondLst>
+                                            <p:cond delay="0"/>
+                                          </p:stCondLst>
+                                        </p:cTn>
+                                        <p:tgtEl>
+                                          <p:spTgt spid="9"/>
+                                        </p:tgtEl>
+                                        <p:attrNameLst>
+                                          <p:attrName>style.visibility</p:attrName>
+                                        </p:attrNameLst>
+                                      </p:cBhvr>
+                                      <p:to>
+                                        <p:strVal val="visible"/>
+                                      </p:to>
+                                    </p:set>
+                                    <p:anim calcmode="lin" valueType="num">
+                                      <p:cBhvr additive="base">
+                                        <p:cTn id="29" dur="500" fill="hold"/>
+                                        <p:tgtEl>
+                                          <p:spTgt spid="9"/>
+                                        </p:tgtEl>
+                                        <p:attrNameLst>
+                                          <p:attrName>ppt_x</p:attrName>
+                                        </p:attrNameLst>
+                                      </p:cBhvr>
+                                      <p:tavLst>
+                                        <p:tav tm="0">
+                                          <p:val>
+                                            <p:strVal val="#ppt_x"/>
+                                          </p:val>
+                                        </p:tav>
+                                        <p:tav tm="100000">
+                                          <p:val>
+                                            <p:strVal val="#ppt_x"/>
+                                          </p:val>
+                                        </p:tav>
+                                      </p:tavLst>
+                                    </p:anim>
+                                    <p:anim calcmode="lin" valueType="num">
+                                      <p:cBhvr additive="base">
+                                        <p:cTn id="30" dur="500" fill="hold"/>
+                                        <p:tgtEl>
+                                          <p:spTgt spid="9"/>
+                                        </p:tgtEl>
+                                        <p:attrNameLst>
+                                          <p:attrName>ppt_y</p:attrName>
+                                        </p:attrNameLst>
+                                      </p:cBhvr>
+                                      <p:tavLst>
+                                        <p:tav tm="0">
+                                          <p:val>
+                                            <p:strVal val="1+#ppt_h/2"/>
+                                          </p:val>
+                                        </p:tav>
+                                        <p:tav tm="100000">
+                                          <p:val>
+                                            <p:strVal val="#ppt_y"/>
+                                          </p:val>
+                                        </p:tav>
+                                      </p:tavLst>
+                                    </p:anim>
+                                  </p:childTnLst>
+                                </p:cTn>
+                              </p:par>
+                              <p:par>
+                                <p:cTn id="31" presetID="2" presetClass="entr" presetSubtype="4" fill="hold" grpId="0" nodeType="withEffect">
+                                  <p:stCondLst>
+                                    <p:cond delay="0"/>
+                                  </p:stCondLst>
+                                  <p:childTnLst>
+                                    <p:set>
+                                      <p:cBhvr>
+                                        <p:cTn id="32" dur="1" fill="hold">
+                                          <p:stCondLst>
+                                            <p:cond delay="0"/>
+                                          </p:stCondLst>
+                                        </p:cTn>
+                                        <p:tgtEl>
+                                          <p:spTgt spid="2"/>
+                                        </p:tgtEl>
+                                        <p:attrNameLst>
+                                          <p:attrName>style.visibility</p:attrName>
+                                        </p:attrNameLst>
+                                      </p:cBhvr>
+                                      <p:to>
+                                        <p:strVal val="visible"/>
+                                      </p:to>
+                                    </p:set>
+                                    <p:anim calcmode="lin" valueType="num">
+                                      <p:cBhvr additive="base">
+                                        <p:cTn id="33" dur="500" fill="hold"/>
+                                        <p:tgtEl>
+                                          <p:spTgt spid="2"/>
+                                        </p:tgtEl>
+                                        <p:attrNameLst>
+                                          <p:attrName>ppt_x</p:attrName>
+                                        </p:attrNameLst>
+                                      </p:cBhvr>
+                                      <p:tavLst>
+                                        <p:tav tm="0">
+                                          <p:val>
+                                            <p:strVal val="#ppt_x"/>
+                                          </p:val>
+                                        </p:tav>
+                                        <p:tav tm="100000">
+                                          <p:val>
+                                            <p:strVal val="#ppt_x"/>
+                                          </p:val>
+                                        </p:tav>
+                                      </p:tavLst>
+                                    </p:anim>
+                                    <p:anim calcmode="lin" valueType="num">
+                                      <p:cBhvr additive="base">
+                                        <p:cTn id="34" dur="500" fill="hold"/>
+                                        <p:tgtEl>
+                                          <p:spTgt spid="2"/>
+                                        </p:tgtEl>
+                                        <p:attrNameLst>
+                                          <p:attrName>ppt_y</p:attrName>
+                                        </p:attrNameLst>
+                                      </p:cBhvr>
+                                      <p:tavLst>
+                                        <p:tav tm="0">
+                                          <p:val>
+                                            <p:strVal val="1+#ppt_h/2"/>
+                                          </p:val>
+                                        </p:tav>
+                                        <p:tav tm="100000">
+                                          <p:val>
+                                            <p:strVal val="#ppt_y"/>
+                                          </p:val>
+                                        </p:tav>
+                                      </p:tavLst>
+                                    </p:anim>
+                                  </p:childTnLst>
+                                </p:cTn>
+                              </p:par>
+                              <p:par>
+                                <p:cTn id="35" presetID="2" presetClass="entr" presetSubtype="4" fill="hold" grpId="0" nodeType="withEffect">
+                                  <p:stCondLst>
+                                    <p:cond delay="0"/>
+                                  </p:stCondLst>
+                                  <p:childTnLst>
+                                    <p:set>
+                                      <p:cBhvr>
+                                        <p:cTn id="36" dur="1" fill="hold">
+                                          <p:stCondLst>
+                                            <p:cond delay="0"/>
+                                          </p:stCondLst>
+                                        </p:cTn>
+                                        <p:tgtEl>
+                                          <p:spTgt spid="13"/>
+                                        </p:tgtEl>
+                                        <p:attrNameLst>
+                                          <p:attrName>style.visibility</p:attrName>
+                                        </p:attrNameLst>
+                                      </p:cBhvr>
+                                      <p:to>
+                                        <p:strVal val="visible"/>
+                                      </p:to>
+                                    </p:set>
+                                    <p:anim calcmode="lin" valueType="num">
+                                      <p:cBhvr additive="base">
+                                        <p:cTn id="37" dur="500" fill="hold"/>
+                                        <p:tgtEl>
+                                          <p:spTgt spid="13"/>
+                                        </p:tgtEl>
+                                        <p:attrNameLst>
+                                          <p:attrName>ppt_x</p:attrName>
+                                        </p:attrNameLst>
+                                      </p:cBhvr>
+                                      <p:tavLst>
+                                        <p:tav tm="0">
+                                          <p:val>
+                                            <p:strVal val="#ppt_x"/>
+                                          </p:val>
+                                        </p:tav>
+                                        <p:tav tm="100000">
+                                          <p:val>
+                                            <p:strVal val="#ppt_x"/>
+                                          </p:val>
+                                        </p:tav>
+                                      </p:tavLst>
+                                    </p:anim>
+                                    <p:anim calcmode="lin" valueType="num">
+                                      <p:cBhvr additive="base">
+                                        <p:cTn id="38" dur="500" fill="hold"/>
+                                        <p:tgtEl>
+                                          <p:spTgt spid="13"/>
+                                        </p:tgtEl>
+                                        <p:attrNameLst>
+                                          <p:attrName>ppt_y</p:attrName>
+                                        </p:attrNameLst>
+                                      </p:cBhvr>
+                                      <p:tavLst>
+                                        <p:tav tm="0">
+                                          <p:val>
+                                            <p:strVal val="1+#ppt_h/2"/>
+                                          </p:val>
+                                        </p:tav>
+                                        <p:tav tm="100000">
+                                          <p:val>
+                                            <p:strVal val="#ppt_y"/>
+                                          </p:val>
+                                        </p:tav>
+                                      </p:tavLst>
+                                    </p:anim>
+                                  </p:childTnLst>
+                                </p:cTn>
+                              </p:par>
+                            </p:childTnLst>
+                          </p:cTn>
+                        </p:par>
+                      </p:childTnLst>
+                    </p:cTn>
+                  </p:par>
+                  <p:par>
+                    <p:cTn id="39" fill="hold">
+                      <p:stCondLst>
+                        <p:cond delay="indefinite"/>
+                      </p:stCondLst>
+                      <p:childTnLst>
+                        <p:par>
+                          <p:cTn id="40" fill="hold">
+                            <p:stCondLst>
+                              <p:cond delay="0"/>
+                            </p:stCondLst>
+                            <p:childTnLst>
+                              <p:par>
+                                <p:cTn id="41" presetID="2" presetClass="entr" presetSubtype="4" fill="hold" grpId="0" nodeType="clickEffect">
+                                  <p:stCondLst>
+                                    <p:cond delay="0"/>
+                                  </p:stCondLst>
+                                  <p:childTnLst>
+                                    <p:set>
+                                      <p:cBhvr>
+                                        <p:cTn id="42" dur="1" fill="hold">
+                                          <p:stCondLst>
+                                            <p:cond delay="0"/>
+                                          </p:stCondLst>
+                                        </p:cTn>
+                                        <p:tgtEl>
+                                          <p:spTgt spid="16"/>
+                                        </p:tgtEl>
+                                        <p:attrNameLst>
+                                          <p:attrName>style.visibility</p:attrName>
+                                        </p:attrNameLst>
+                                      </p:cBhvr>
+                                      <p:to>
+                                        <p:strVal val="visible"/>
+                                      </p:to>
+                                    </p:set>
+                                    <p:anim calcmode="lin" valueType="num">
+                                      <p:cBhvr additive="base">
+                                        <p:cTn id="43" dur="500" fill="hold"/>
+                                        <p:tgtEl>
+                                          <p:spTgt spid="16"/>
+                                        </p:tgtEl>
+                                        <p:attrNameLst>
+                                          <p:attrName>ppt_x</p:attrName>
+                                        </p:attrNameLst>
+                                      </p:cBhvr>
+                                      <p:tavLst>
+                                        <p:tav tm="0">
+                                          <p:val>
+                                            <p:strVal val="#ppt_x"/>
+                                          </p:val>
+                                        </p:tav>
+                                        <p:tav tm="100000">
+                                          <p:val>
+                                            <p:strVal val="#ppt_x"/>
+                                          </p:val>
+                                        </p:tav>
+                                      </p:tavLst>
+                                    </p:anim>
+                                    <p:anim calcmode="lin" valueType="num">
+                                      <p:cBhvr additive="base">
+                                        <p:cTn id="44" dur="500" fill="hold"/>
+                                        <p:tgtEl>
+                                          <p:spTgt spid="16"/>
+                                        </p:tgtEl>
+                                        <p:attrNameLst>
+                                          <p:attrName>ppt_y</p:attrName>
+                                        </p:attrNameLst>
+                                      </p:cBhvr>
+                                      <p:tavLst>
+                                        <p:tav tm="0">
+                                          <p:val>
+                                            <p:strVal val="1+#ppt_h/2"/>
+                                          </p:val>
+                                        </p:tav>
+                                        <p:tav tm="100000">
+                                          <p:val>
+                                            <p:strVal val="#ppt_y"/>
+                                          </p:val>
+                                        </p:tav>
+                                      </p:tavLst>
+                                    </p:anim>
+                                  </p:childTnLst>
+                                  <p:subTnLst>
+                                    <p:animClr clrSpc="rgb" dir="cw">
+                                      <p:cBhvr override="childStyle">
+                                        <p:cTn dur="1" fill="hold" display="0" masterRel="nextClick" afterEffect="1"/>
+                                        <p:tgtEl>
+                                          <p:spTgt spid="16"/>
+                                        </p:tgtEl>
+                                        <p:attrNameLst>
+                                          <p:attrName>ppt_c</p:attrName>
+                                        </p:attrNameLst>
+                                      </p:cBhvr>
+                                      <p:to>
+                                        <a:schemeClr val="accent2"/>
+                                      </p:to>
+                                    </p:animClr>
+                                  </p:subTnLst>
+                                </p:cTn>
+                              </p:par>
+                            </p:childTnLst>
+                          </p:cTn>
+                        </p:par>
+                      </p:childTnLst>
+                    </p:cTn>
+                  </p:par>
+                </p:childTnLst>
+              </p:cTn>
+              <p:prevCondLst>
+                <p:cond evt="onPrev" delay="0">
+                  <p:tgtEl>
+                    <p:sldTgt/>
+                  </p:tgtEl>
+                </p:cond>
+              </p:prevCondLst>
+              <p:nextCondLst>
+                <p:cond evt="onNext" delay="0">
+                  <p:tgtEl>
+                    <p:sldTgt/>
+                  </p:tgtEl>
+                </p:cond>
+              </p:nextCondLst>
+            </p:seq>
+          </p:childTnLst>
+        </p:cTn>
+      </p:par>
+    </p:tnLst>
+    <p:bldLst>
+      <p:bldP spid="8" grpId="0"/>
+      <p:bldP spid="14" grpId="0"/>
+      <p:bldP spid="15" grpId="0"/>
+      <p:bldP spid="16" grpId="0"/>
+      <p:bldP spid="17" grpId="0"/>
+      <p:bldP spid="2" grpId="0"/>
+      <p:bldP spid="13" grpId="0"/>
+    </p:bldLst>
+  </p:timing>
 </p:sld>
 </file>
 
@@ -20325,7 +22815,7 @@
                 <a:latin typeface="Times New Roman" panose="02020603050405020304" pitchFamily="18" charset="0"/>
                 <a:cs typeface="Times New Roman" panose="02020603050405020304" pitchFamily="18" charset="0"/>
               </a:rPr>
-              <a:t>			    		Motivations and Objectives</a:t>
+              <a:t>			    	   Motivations and Objectives</a:t>
             </a:r>
           </a:p>
         </p:txBody>
@@ -20338,8 +22828,8 @@
         </p:nvSpPr>
         <p:spPr>
           <a:xfrm>
-            <a:off x="1421212" y="2220549"/>
-            <a:ext cx="6652975" cy="400110"/>
+            <a:off x="1308669" y="2293999"/>
+            <a:ext cx="6774803" cy="400110"/>
           </a:xfrm>
           <a:prstGeom prst="rect">
             <a:avLst/>
@@ -20352,9 +22842,9 @@
           </a:bodyPr>
           <a:lstStyle/>
           <a:p>
-            <a:pPr marL="285737" indent="-285737">
+            <a:pPr marL="342900" indent="-342900">
               <a:buFont typeface="Wingdings" panose="05000000000000000000" pitchFamily="2" charset="2"/>
-              <a:buChar char="Ø"/>
+              <a:buChar char="ü"/>
             </a:pPr>
             <a:r>
               <a:rPr lang="en-US" sz="2000" dirty="0">
@@ -20374,8 +22864,8 @@
         </p:nvSpPr>
         <p:spPr>
           <a:xfrm>
-            <a:off x="1421212" y="2705956"/>
-            <a:ext cx="3778599" cy="400110"/>
+            <a:off x="1308669" y="2709066"/>
+            <a:ext cx="3836307" cy="400110"/>
           </a:xfrm>
           <a:prstGeom prst="rect">
             <a:avLst/>
@@ -20388,9 +22878,9 @@
           </a:bodyPr>
           <a:lstStyle/>
           <a:p>
-            <a:pPr marL="285737" indent="-285737">
+            <a:pPr marL="342900" indent="-342900">
               <a:buFont typeface="Wingdings" panose="05000000000000000000" pitchFamily="2" charset="2"/>
-              <a:buChar char="Ø"/>
+              <a:buChar char="ü"/>
             </a:pPr>
             <a:r>
               <a:rPr lang="en-US" sz="2000" dirty="0">
@@ -20410,8 +22900,8 @@
         </p:nvSpPr>
         <p:spPr>
           <a:xfrm>
-            <a:off x="1421212" y="3191363"/>
-            <a:ext cx="3727302" cy="400110"/>
+            <a:off x="1308669" y="3194473"/>
+            <a:ext cx="3785011" cy="400110"/>
           </a:xfrm>
           <a:prstGeom prst="rect">
             <a:avLst/>
@@ -20424,9 +22914,9 @@
           </a:bodyPr>
           <a:lstStyle/>
           <a:p>
-            <a:pPr marL="285737" indent="-285737">
+            <a:pPr marL="342900" indent="-342900">
               <a:buFont typeface="Wingdings" panose="05000000000000000000" pitchFamily="2" charset="2"/>
-              <a:buChar char="Ø"/>
+              <a:buChar char="ü"/>
             </a:pPr>
             <a:r>
               <a:rPr lang="en-US" sz="2000" dirty="0">
@@ -20479,7 +22969,39 @@
       </p:sp>
       <p:sp>
         <p:nvSpPr>
-          <p:cNvPr id="4" name="Slide Number Placeholder 3"/>
+          <p:cNvPr id="2" name="TextBox 1"/>
+          <p:cNvSpPr txBox="1"/>
+          <p:nvPr/>
+        </p:nvSpPr>
+        <p:spPr>
+          <a:xfrm>
+            <a:off x="1308669" y="1754626"/>
+            <a:ext cx="998432" cy="461665"/>
+          </a:xfrm>
+          <a:prstGeom prst="rect">
+            <a:avLst/>
+          </a:prstGeom>
+          <a:noFill/>
+        </p:spPr>
+        <p:txBody>
+          <a:bodyPr wrap="square" rtlCol="0">
+            <a:spAutoFit/>
+          </a:bodyPr>
+          <a:lstStyle/>
+          <a:p>
+            <a:r>
+              <a:rPr lang="en-US" sz="2400" dirty="0">
+                <a:latin typeface="Times New Roman" panose="02020603050405020304" pitchFamily="18" charset="0"/>
+                <a:cs typeface="Times New Roman" panose="02020603050405020304" pitchFamily="18" charset="0"/>
+              </a:rPr>
+              <a:t>To: </a:t>
+            </a:r>
+          </a:p>
+        </p:txBody>
+      </p:sp>
+      <p:sp>
+        <p:nvSpPr>
+          <p:cNvPr id="9" name="Slide Number Placeholder 4"/>
           <p:cNvSpPr>
             <a:spLocks noGrp="1"/>
           </p:cNvSpPr>
@@ -20489,8 +23011,8 @@
         </p:nvSpPr>
         <p:spPr>
           <a:xfrm>
-            <a:off x="8610600" y="6482968"/>
-            <a:ext cx="2743200" cy="365125"/>
+            <a:off x="8610600" y="6511104"/>
+            <a:ext cx="3135924" cy="365125"/>
           </a:xfrm>
         </p:spPr>
         <p:txBody>
@@ -20502,7 +23024,10 @@
               <a:pPr/>
               <a:t>7</a:t>
             </a:fld>
-            <a:endParaRPr lang="en-US" dirty="0"/>
+            <a:r>
+              <a:rPr lang="en-US" dirty="0"/>
+              <a:t>/27</a:t>
+            </a:r>
           </a:p>
         </p:txBody>
       </p:sp>
@@ -20516,12 +23041,12 @@
   <p:clrMapOvr>
     <a:masterClrMapping/>
   </p:clrMapOvr>
-  <mc:AlternateContent xmlns:mc="http://schemas.openxmlformats.org/markup-compatibility/2006" xmlns:p14="http://schemas.microsoft.com/office/powerpoint/2010/main">
-    <mc:Choice Requires="p14">
-      <p:transition spd="slow" p14:dur="2000" advTm="15047"/>
+  <mc:AlternateContent xmlns:mc="http://schemas.openxmlformats.org/markup-compatibility/2006">
+    <mc:Choice xmlns:p14="http://schemas.microsoft.com/office/powerpoint/2010/main" Requires="p14">
+      <p:transition p14:dur="10"/>
     </mc:Choice>
-    <mc:Fallback xmlns="">
-      <p:transition spd="slow" advTm="15047"/>
+    <mc:Fallback>
+      <p:transition/>
     </mc:Fallback>
   </mc:AlternateContent>
 </p:sld>
@@ -20592,8 +23117,63 @@
         </p:nvSpPr>
         <p:spPr>
           <a:xfrm>
-            <a:off x="1302789" y="2164446"/>
-            <a:ext cx="8937831" cy="400110"/>
+            <a:off x="1041010" y="1792550"/>
+            <a:ext cx="6506595" cy="707886"/>
+          </a:xfrm>
+          <a:prstGeom prst="rect">
+            <a:avLst/>
+          </a:prstGeom>
+          <a:noFill/>
+        </p:spPr>
+        <p:txBody>
+          <a:bodyPr wrap="square" rtlCol="0">
+            <a:spAutoFit/>
+          </a:bodyPr>
+          <a:lstStyle/>
+          <a:p>
+            <a:r>
+              <a:rPr lang="en-US" sz="2000" b="1" dirty="0">
+                <a:latin typeface="Times New Roman" panose="02020603050405020304" pitchFamily="18" charset="0"/>
+                <a:cs typeface="Times New Roman" panose="02020603050405020304" pitchFamily="18" charset="0"/>
+              </a:rPr>
+              <a:t>Feature mining: </a:t>
+            </a:r>
+          </a:p>
+          <a:p>
+            <a:r>
+              <a:rPr lang="en-US" sz="2000" b="1" dirty="0">
+                <a:latin typeface="Times New Roman" panose="02020603050405020304" pitchFamily="18" charset="0"/>
+                <a:cs typeface="Times New Roman" panose="02020603050405020304" pitchFamily="18" charset="0"/>
+              </a:rPr>
+              <a:t>	Feature </a:t>
+            </a:r>
+            <a:r>
+              <a:rPr lang="en-US" sz="2000" b="1" dirty="0">
+                <a:latin typeface="Times New Roman" panose="02020603050405020304" pitchFamily="18" charset="0"/>
+                <a:cs typeface="Times New Roman" panose="02020603050405020304" pitchFamily="18" charset="0"/>
+              </a:rPr>
+              <a:t>selection over feature </a:t>
+            </a:r>
+            <a:r>
+              <a:rPr lang="en-US" sz="2000" b="1" dirty="0">
+                <a:latin typeface="Times New Roman" panose="02020603050405020304" pitchFamily="18" charset="0"/>
+                <a:cs typeface="Times New Roman" panose="02020603050405020304" pitchFamily="18" charset="0"/>
+              </a:rPr>
+              <a:t>extraction</a:t>
+            </a:r>
+          </a:p>
+        </p:txBody>
+      </p:sp>
+      <p:sp>
+        <p:nvSpPr>
+          <p:cNvPr id="4" name="TextBox 3"/>
+          <p:cNvSpPr txBox="1"/>
+          <p:nvPr/>
+        </p:nvSpPr>
+        <p:spPr>
+          <a:xfrm>
+            <a:off x="3067766" y="2510629"/>
+            <a:ext cx="5115503" cy="1323439"/>
           </a:xfrm>
           <a:prstGeom prst="rect">
             <a:avLst/>
@@ -20606,38 +23186,6 @@
           </a:bodyPr>
           <a:lstStyle/>
           <a:p>
-            <a:r>
-              <a:rPr lang="en-US" sz="2000" b="1" dirty="0">
-                <a:latin typeface="Times New Roman" panose="02020603050405020304" pitchFamily="18" charset="0"/>
-                <a:cs typeface="Times New Roman" panose="02020603050405020304" pitchFamily="18" charset="0"/>
-              </a:rPr>
-              <a:t>Collaboration of feature mining through feature extraction and feature selection</a:t>
-            </a:r>
-          </a:p>
-        </p:txBody>
-      </p:sp>
-      <p:sp>
-        <p:nvSpPr>
-          <p:cNvPr id="4" name="TextBox 3"/>
-          <p:cNvSpPr txBox="1"/>
-          <p:nvPr/>
-        </p:nvSpPr>
-        <p:spPr>
-          <a:xfrm>
-            <a:off x="3047189" y="2767462"/>
-            <a:ext cx="5322291" cy="2215991"/>
-          </a:xfrm>
-          <a:prstGeom prst="rect">
-            <a:avLst/>
-          </a:prstGeom>
-          <a:noFill/>
-        </p:spPr>
-        <p:txBody>
-          <a:bodyPr wrap="none" rtlCol="0">
-            <a:spAutoFit/>
-          </a:bodyPr>
-          <a:lstStyle/>
-          <a:p>
             <a:pPr marL="342900" indent="-342900">
               <a:buFont typeface="Wingdings" panose="05000000000000000000" pitchFamily="2" charset="2"/>
               <a:buChar char="v"/>
@@ -20680,37 +23228,6 @@
               </a:rPr>
               <a:t>	Normalized Mutual Information (NMI)</a:t>
             </a:r>
-          </a:p>
-          <a:p>
-            <a:pPr marL="342900" indent="-342900">
-              <a:buFont typeface="Wingdings" panose="05000000000000000000" pitchFamily="2" charset="2"/>
-              <a:buChar char="v"/>
-            </a:pPr>
-            <a:r>
-              <a:rPr lang="en-US" sz="2000" b="1" spc="-5" dirty="0">
-                <a:latin typeface="Times New Roman" panose="02020603050405020304" pitchFamily="18" charset="0"/>
-                <a:cs typeface="Times New Roman" panose="02020603050405020304" pitchFamily="18" charset="0"/>
-              </a:rPr>
-              <a:t>Classification:</a:t>
-            </a:r>
-          </a:p>
-          <a:p>
-            <a:r>
-              <a:rPr lang="en-US" sz="2000" spc="-5" dirty="0">
-                <a:latin typeface="Times New Roman" panose="02020603050405020304" pitchFamily="18" charset="0"/>
-                <a:cs typeface="Times New Roman" panose="02020603050405020304" pitchFamily="18" charset="0"/>
-              </a:rPr>
-              <a:t>	Kernel Support Vector Machine (KSVM)</a:t>
-            </a:r>
-          </a:p>
-          <a:p>
-            <a:pPr marL="342882" indent="-342882">
-              <a:buAutoNum type="arabicParenR"/>
-            </a:pPr>
-            <a:endParaRPr lang="en-US" dirty="0">
-              <a:latin typeface="Times New Roman" panose="02020603050405020304" pitchFamily="18" charset="0"/>
-              <a:cs typeface="Times New Roman" panose="02020603050405020304" pitchFamily="18" charset="0"/>
-            </a:endParaRPr>
           </a:p>
         </p:txBody>
       </p:sp>
@@ -20755,35 +23272,6 @@
       </p:sp>
       <p:sp>
         <p:nvSpPr>
-          <p:cNvPr id="8" name="Slide Number Placeholder 7"/>
-          <p:cNvSpPr>
-            <a:spLocks noGrp="1"/>
-          </p:cNvSpPr>
-          <p:nvPr>
-            <p:ph type="sldNum" sz="quarter" idx="12"/>
-          </p:nvPr>
-        </p:nvSpPr>
-        <p:spPr>
-          <a:xfrm>
-            <a:off x="8610600" y="6482968"/>
-            <a:ext cx="2743200" cy="365125"/>
-          </a:xfrm>
-        </p:spPr>
-        <p:txBody>
-          <a:bodyPr/>
-          <a:lstStyle/>
-          <a:p>
-            <a:fld id="{0A0CA13E-CD6D-456E-9676-CC2D9A600115}" type="slidenum">
-              <a:rPr lang="en-US" smtClean="0"/>
-              <a:pPr/>
-              <a:t>8</a:t>
-            </a:fld>
-            <a:endParaRPr lang="en-US" dirty="0"/>
-          </a:p>
-        </p:txBody>
-      </p:sp>
-      <p:sp>
-        <p:nvSpPr>
           <p:cNvPr id="2" name="TextBox 1"/>
           <p:cNvSpPr txBox="1"/>
           <p:nvPr/>
@@ -20818,6 +23306,86 @@
           </a:p>
         </p:txBody>
       </p:sp>
+      <p:sp>
+        <p:nvSpPr>
+          <p:cNvPr id="5" name="TextBox 4"/>
+          <p:cNvSpPr txBox="1"/>
+          <p:nvPr/>
+        </p:nvSpPr>
+        <p:spPr>
+          <a:xfrm>
+            <a:off x="1041010" y="4196217"/>
+            <a:ext cx="5613008" cy="707886"/>
+          </a:xfrm>
+          <a:prstGeom prst="rect">
+            <a:avLst/>
+          </a:prstGeom>
+          <a:noFill/>
+        </p:spPr>
+        <p:txBody>
+          <a:bodyPr wrap="square" rtlCol="0">
+            <a:spAutoFit/>
+          </a:bodyPr>
+          <a:lstStyle/>
+          <a:p>
+            <a:r>
+              <a:rPr lang="en-US" b="1" spc="-5" dirty="0">
+                <a:latin typeface="Times New Roman" panose="02020603050405020304" pitchFamily="18" charset="0"/>
+                <a:cs typeface="Times New Roman" panose="02020603050405020304" pitchFamily="18" charset="0"/>
+              </a:rPr>
+              <a:t>C</a:t>
+            </a:r>
+            <a:r>
+              <a:rPr lang="en-US" sz="2000" b="1" spc="-5" dirty="0">
+                <a:latin typeface="Times New Roman" panose="02020603050405020304" pitchFamily="18" charset="0"/>
+                <a:cs typeface="Times New Roman" panose="02020603050405020304" pitchFamily="18" charset="0"/>
+              </a:rPr>
+              <a:t>lassifier to asses the performance:</a:t>
+            </a:r>
+          </a:p>
+          <a:p>
+            <a:r>
+              <a:rPr lang="en-US" sz="2000" spc="-5" dirty="0">
+                <a:latin typeface="Times New Roman" panose="02020603050405020304" pitchFamily="18" charset="0"/>
+                <a:cs typeface="Times New Roman" panose="02020603050405020304" pitchFamily="18" charset="0"/>
+              </a:rPr>
+              <a:t>	Kernel Support Vector Machine (KSVM)</a:t>
+            </a:r>
+          </a:p>
+        </p:txBody>
+      </p:sp>
+      <p:sp>
+        <p:nvSpPr>
+          <p:cNvPr id="9" name="Slide Number Placeholder 4"/>
+          <p:cNvSpPr>
+            <a:spLocks noGrp="1"/>
+          </p:cNvSpPr>
+          <p:nvPr>
+            <p:ph type="sldNum" sz="quarter" idx="12"/>
+          </p:nvPr>
+        </p:nvSpPr>
+        <p:spPr>
+          <a:xfrm>
+            <a:off x="8610600" y="6511104"/>
+            <a:ext cx="3135924" cy="365125"/>
+          </a:xfrm>
+        </p:spPr>
+        <p:txBody>
+          <a:bodyPr/>
+          <a:lstStyle/>
+          <a:p>
+            <a:fld id="{0A0CA13E-CD6D-456E-9676-CC2D9A600115}" type="slidenum">
+              <a:rPr lang="en-US" smtClean="0"/>
+              <a:pPr/>
+              <a:t>8</a:t>
+            </a:fld>
+            <a:r>
+              <a:rPr lang="en-US" dirty="0"/>
+              <a:t>/27</a:t>
+            </a:r>
+          </a:p>
+        </p:txBody>
+      </p:sp>
     </p:spTree>
     <p:extLst>
       <p:ext uri="{BB962C8B-B14F-4D97-AF65-F5344CB8AC3E}">
@@ -20828,12 +23396,12 @@
   <p:clrMapOvr>
     <a:masterClrMapping/>
   </p:clrMapOvr>
-  <mc:AlternateContent xmlns:mc="http://schemas.openxmlformats.org/markup-compatibility/2006" xmlns:p14="http://schemas.microsoft.com/office/powerpoint/2010/main">
-    <mc:Choice Requires="p14">
-      <p:transition spd="slow" p14:dur="2000" advTm="28700"/>
+  <mc:AlternateContent xmlns:mc="http://schemas.openxmlformats.org/markup-compatibility/2006">
+    <mc:Choice xmlns:p14="http://schemas.microsoft.com/office/powerpoint/2010/main" Requires="p14">
+      <p:transition p14:dur="10"/>
     </mc:Choice>
-    <mc:Fallback xmlns="">
-      <p:transition spd="slow" advTm="28700"/>
+    <mc:Fallback>
+      <p:transition/>
     </mc:Fallback>
   </mc:AlternateContent>
 </p:sld>
@@ -21440,7 +24008,7 @@
       </p:sp>
       <p:sp>
         <p:nvSpPr>
-          <p:cNvPr id="7" name="Slide Number Placeholder 6"/>
+          <p:cNvPr id="10" name="Slide Number Placeholder 4"/>
           <p:cNvSpPr>
             <a:spLocks noGrp="1"/>
           </p:cNvSpPr>
@@ -21450,8 +24018,8 @@
         </p:nvSpPr>
         <p:spPr>
           <a:xfrm>
-            <a:off x="8610600" y="6482968"/>
-            <a:ext cx="2743200" cy="365125"/>
+            <a:off x="8610600" y="6511104"/>
+            <a:ext cx="3135924" cy="365125"/>
           </a:xfrm>
         </p:spPr>
         <p:txBody>
@@ -21463,7 +24031,10 @@
               <a:pPr/>
               <a:t>9</a:t>
             </a:fld>
-            <a:endParaRPr lang="en-US" dirty="0"/>
+            <a:r>
+              <a:rPr lang="en-US" dirty="0"/>
+              <a:t>/27</a:t>
+            </a:r>
           </a:p>
         </p:txBody>
       </p:sp>
@@ -21477,12 +24048,12 @@
   <p:clrMapOvr>
     <a:masterClrMapping/>
   </p:clrMapOvr>
-  <mc:AlternateContent xmlns:mc="http://schemas.openxmlformats.org/markup-compatibility/2006" xmlns:p14="http://schemas.microsoft.com/office/powerpoint/2010/main">
-    <mc:Choice Requires="p14">
-      <p:transition spd="slow" p14:dur="2000" advTm="20863"/>
+  <mc:AlternateContent xmlns:mc="http://schemas.openxmlformats.org/markup-compatibility/2006">
+    <mc:Choice xmlns:p14="http://schemas.microsoft.com/office/powerpoint/2010/main" Requires="p14">
+      <p:transition p14:dur="10"/>
     </mc:Choice>
-    <mc:Fallback xmlns="">
-      <p:transition spd="slow" advTm="20863"/>
+    <mc:Fallback>
+      <p:transition/>
     </mc:Fallback>
   </mc:AlternateContent>
 </p:sld>

--- a/Presentation/TCOSD-123086.pptx
+++ b/Presentation/TCOSD-123086.pptx
@@ -238,7 +238,7 @@
             <a:fld id="{980AAE7B-FA3C-426B-AEFD-C10E9B3EE451}" type="datetimeFigureOut">
               <a:rPr lang="en-US" smtClean="0"/>
               <a:pPr/>
-              <a:t>07-Dec-17</a:t>
+              <a:t>08-Dec-17</a:t>
             </a:fld>
             <a:endParaRPr lang="en-US"/>
           </a:p>
@@ -405,7 +405,7 @@
             <a:fld id="{C1364948-7428-47B6-8620-371DB3E4515D}" type="datetimeFigureOut">
               <a:rPr lang="en-US" smtClean="0"/>
               <a:pPr/>
-              <a:t>07-Dec-17</a:t>
+              <a:t>08-Dec-17</a:t>
             </a:fld>
             <a:endParaRPr lang="en-US"/>
           </a:p>
@@ -803,7 +803,7 @@
             <a:fld id="{7A0B76B4-9A04-4BF4-BE74-887534C26682}" type="datetime1">
               <a:rPr lang="en-US" smtClean="0"/>
               <a:pPr/>
-              <a:t>07-Dec-17</a:t>
+              <a:t>08-Dec-17</a:t>
             </a:fld>
             <a:endParaRPr lang="en-US"/>
           </a:p>
@@ -862,11 +862,11 @@
   <p:clrMapOvr>
     <a:masterClrMapping/>
   </p:clrMapOvr>
-  <mc:AlternateContent xmlns:mc="http://schemas.openxmlformats.org/markup-compatibility/2006">
-    <mc:Choice xmlns:p14="http://schemas.microsoft.com/office/powerpoint/2010/main" Requires="p14">
+  <mc:AlternateContent xmlns:mc="http://schemas.openxmlformats.org/markup-compatibility/2006" xmlns:p14="http://schemas.microsoft.com/office/powerpoint/2010/main">
+    <mc:Choice Requires="p14">
       <p:transition p14:dur="10"/>
     </mc:Choice>
-    <mc:Fallback>
+    <mc:Fallback xmlns="">
       <p:transition/>
     </mc:Fallback>
   </mc:AlternateContent>
@@ -981,7 +981,7 @@
             <a:fld id="{5D79E293-4725-499C-8CCB-70609EC552FD}" type="datetime1">
               <a:rPr lang="en-US" smtClean="0"/>
               <a:pPr/>
-              <a:t>07-Dec-17</a:t>
+              <a:t>08-Dec-17</a:t>
             </a:fld>
             <a:endParaRPr lang="en-US"/>
           </a:p>
@@ -1040,11 +1040,11 @@
   <p:clrMapOvr>
     <a:masterClrMapping/>
   </p:clrMapOvr>
-  <mc:AlternateContent xmlns:mc="http://schemas.openxmlformats.org/markup-compatibility/2006">
-    <mc:Choice xmlns:p14="http://schemas.microsoft.com/office/powerpoint/2010/main" Requires="p14">
+  <mc:AlternateContent xmlns:mc="http://schemas.openxmlformats.org/markup-compatibility/2006" xmlns:p14="http://schemas.microsoft.com/office/powerpoint/2010/main">
+    <mc:Choice Requires="p14">
       <p:transition p14:dur="10"/>
     </mc:Choice>
-    <mc:Fallback>
+    <mc:Fallback xmlns="">
       <p:transition/>
     </mc:Fallback>
   </mc:AlternateContent>
@@ -1169,7 +1169,7 @@
             <a:fld id="{F0182FDC-97D3-4588-BDCE-A39E3CFC2AE3}" type="datetime1">
               <a:rPr lang="en-US" smtClean="0"/>
               <a:pPr/>
-              <a:t>07-Dec-17</a:t>
+              <a:t>08-Dec-17</a:t>
             </a:fld>
             <a:endParaRPr lang="en-US"/>
           </a:p>
@@ -1228,11 +1228,11 @@
   <p:clrMapOvr>
     <a:masterClrMapping/>
   </p:clrMapOvr>
-  <mc:AlternateContent xmlns:mc="http://schemas.openxmlformats.org/markup-compatibility/2006">
-    <mc:Choice xmlns:p14="http://schemas.microsoft.com/office/powerpoint/2010/main" Requires="p14">
+  <mc:AlternateContent xmlns:mc="http://schemas.openxmlformats.org/markup-compatibility/2006" xmlns:p14="http://schemas.microsoft.com/office/powerpoint/2010/main">
+    <mc:Choice Requires="p14">
       <p:transition p14:dur="10"/>
     </mc:Choice>
-    <mc:Fallback>
+    <mc:Fallback xmlns="">
       <p:transition/>
     </mc:Fallback>
   </mc:AlternateContent>
@@ -1347,7 +1347,7 @@
             <a:fld id="{BB81E144-1C80-4AA9-9C4E-D75133E23201}" type="datetime1">
               <a:rPr lang="en-US" smtClean="0"/>
               <a:pPr/>
-              <a:t>07-Dec-17</a:t>
+              <a:t>08-Dec-17</a:t>
             </a:fld>
             <a:endParaRPr lang="en-US"/>
           </a:p>
@@ -1411,11 +1411,11 @@
   <p:clrMapOvr>
     <a:masterClrMapping/>
   </p:clrMapOvr>
-  <mc:AlternateContent xmlns:mc="http://schemas.openxmlformats.org/markup-compatibility/2006">
-    <mc:Choice xmlns:p14="http://schemas.microsoft.com/office/powerpoint/2010/main" Requires="p14">
+  <mc:AlternateContent xmlns:mc="http://schemas.openxmlformats.org/markup-compatibility/2006" xmlns:p14="http://schemas.microsoft.com/office/powerpoint/2010/main">
+    <mc:Choice Requires="p14">
       <p:transition p14:dur="10"/>
     </mc:Choice>
-    <mc:Fallback>
+    <mc:Fallback xmlns="">
       <p:transition/>
     </mc:Fallback>
   </mc:AlternateContent>
@@ -1607,7 +1607,7 @@
             <a:fld id="{DDA06209-75EB-4346-8E49-EB4B4D426504}" type="datetime1">
               <a:rPr lang="en-US" smtClean="0"/>
               <a:pPr/>
-              <a:t>07-Dec-17</a:t>
+              <a:t>08-Dec-17</a:t>
             </a:fld>
             <a:endParaRPr lang="en-US"/>
           </a:p>
@@ -1666,11 +1666,11 @@
   <p:clrMapOvr>
     <a:masterClrMapping/>
   </p:clrMapOvr>
-  <mc:AlternateContent xmlns:mc="http://schemas.openxmlformats.org/markup-compatibility/2006">
-    <mc:Choice xmlns:p14="http://schemas.microsoft.com/office/powerpoint/2010/main" Requires="p14">
+  <mc:AlternateContent xmlns:mc="http://schemas.openxmlformats.org/markup-compatibility/2006" xmlns:p14="http://schemas.microsoft.com/office/powerpoint/2010/main">
+    <mc:Choice Requires="p14">
       <p:transition p14:dur="10"/>
     </mc:Choice>
-    <mc:Fallback>
+    <mc:Fallback xmlns="">
       <p:transition/>
     </mc:Fallback>
   </mc:AlternateContent>
@@ -1846,7 +1846,7 @@
             <a:fld id="{58405540-6AE3-445F-AEC2-BC5B3EA68B41}" type="datetime1">
               <a:rPr lang="en-US" smtClean="0"/>
               <a:pPr/>
-              <a:t>07-Dec-17</a:t>
+              <a:t>08-Dec-17</a:t>
             </a:fld>
             <a:endParaRPr lang="en-US"/>
           </a:p>
@@ -1905,11 +1905,11 @@
   <p:clrMapOvr>
     <a:masterClrMapping/>
   </p:clrMapOvr>
-  <mc:AlternateContent xmlns:mc="http://schemas.openxmlformats.org/markup-compatibility/2006">
-    <mc:Choice xmlns:p14="http://schemas.microsoft.com/office/powerpoint/2010/main" Requires="p14">
+  <mc:AlternateContent xmlns:mc="http://schemas.openxmlformats.org/markup-compatibility/2006" xmlns:p14="http://schemas.microsoft.com/office/powerpoint/2010/main">
+    <mc:Choice Requires="p14">
       <p:transition p14:dur="10"/>
     </mc:Choice>
-    <mc:Fallback>
+    <mc:Fallback xmlns="">
       <p:transition/>
     </mc:Fallback>
   </mc:AlternateContent>
@@ -2220,7 +2220,7 @@
             <a:fld id="{A94D706C-7C11-4E5B-A5B9-721A79083A37}" type="datetime1">
               <a:rPr lang="en-US" smtClean="0"/>
               <a:pPr/>
-              <a:t>07-Dec-17</a:t>
+              <a:t>08-Dec-17</a:t>
             </a:fld>
             <a:endParaRPr lang="en-US"/>
           </a:p>
@@ -2279,11 +2279,11 @@
   <p:clrMapOvr>
     <a:masterClrMapping/>
   </p:clrMapOvr>
-  <mc:AlternateContent xmlns:mc="http://schemas.openxmlformats.org/markup-compatibility/2006">
-    <mc:Choice xmlns:p14="http://schemas.microsoft.com/office/powerpoint/2010/main" Requires="p14">
+  <mc:AlternateContent xmlns:mc="http://schemas.openxmlformats.org/markup-compatibility/2006" xmlns:p14="http://schemas.microsoft.com/office/powerpoint/2010/main">
+    <mc:Choice Requires="p14">
       <p:transition p14:dur="10"/>
     </mc:Choice>
-    <mc:Fallback>
+    <mc:Fallback xmlns="">
       <p:transition/>
     </mc:Fallback>
   </mc:AlternateContent>
@@ -2347,7 +2347,7 @@
             <a:fld id="{CE070397-5485-471A-83B7-7E03CF085378}" type="datetime1">
               <a:rPr lang="en-US" smtClean="0"/>
               <a:pPr/>
-              <a:t>07-Dec-17</a:t>
+              <a:t>08-Dec-17</a:t>
             </a:fld>
             <a:endParaRPr lang="en-US"/>
           </a:p>
@@ -2406,11 +2406,11 @@
   <p:clrMapOvr>
     <a:masterClrMapping/>
   </p:clrMapOvr>
-  <mc:AlternateContent xmlns:mc="http://schemas.openxmlformats.org/markup-compatibility/2006">
-    <mc:Choice xmlns:p14="http://schemas.microsoft.com/office/powerpoint/2010/main" Requires="p14">
+  <mc:AlternateContent xmlns:mc="http://schemas.openxmlformats.org/markup-compatibility/2006" xmlns:p14="http://schemas.microsoft.com/office/powerpoint/2010/main">
+    <mc:Choice Requires="p14">
       <p:transition p14:dur="10"/>
     </mc:Choice>
-    <mc:Fallback>
+    <mc:Fallback xmlns="">
       <p:transition/>
     </mc:Fallback>
   </mc:AlternateContent>
@@ -2452,7 +2452,7 @@
             <a:fld id="{0A56E9D5-BAB7-45D3-992B-CE2C728A3EBC}" type="datetime1">
               <a:rPr lang="en-US" smtClean="0"/>
               <a:pPr/>
-              <a:t>07-Dec-17</a:t>
+              <a:t>08-Dec-17</a:t>
             </a:fld>
             <a:endParaRPr lang="en-US"/>
           </a:p>
@@ -2511,11 +2511,11 @@
   <p:clrMapOvr>
     <a:masterClrMapping/>
   </p:clrMapOvr>
-  <mc:AlternateContent xmlns:mc="http://schemas.openxmlformats.org/markup-compatibility/2006">
-    <mc:Choice xmlns:p14="http://schemas.microsoft.com/office/powerpoint/2010/main" Requires="p14">
+  <mc:AlternateContent xmlns:mc="http://schemas.openxmlformats.org/markup-compatibility/2006" xmlns:p14="http://schemas.microsoft.com/office/powerpoint/2010/main">
+    <mc:Choice Requires="p14">
       <p:transition p14:dur="10"/>
     </mc:Choice>
-    <mc:Fallback>
+    <mc:Fallback xmlns="">
       <p:transition/>
     </mc:Fallback>
   </mc:AlternateContent>
@@ -2737,7 +2737,7 @@
             <a:fld id="{A68FD1F6-7058-47DF-8DB8-BCD560C6CBE2}" type="datetime1">
               <a:rPr lang="en-US" smtClean="0"/>
               <a:pPr/>
-              <a:t>07-Dec-17</a:t>
+              <a:t>08-Dec-17</a:t>
             </a:fld>
             <a:endParaRPr lang="en-US"/>
           </a:p>
@@ -2796,11 +2796,11 @@
   <p:clrMapOvr>
     <a:masterClrMapping/>
   </p:clrMapOvr>
-  <mc:AlternateContent xmlns:mc="http://schemas.openxmlformats.org/markup-compatibility/2006">
-    <mc:Choice xmlns:p14="http://schemas.microsoft.com/office/powerpoint/2010/main" Requires="p14">
+  <mc:AlternateContent xmlns:mc="http://schemas.openxmlformats.org/markup-compatibility/2006" xmlns:p14="http://schemas.microsoft.com/office/powerpoint/2010/main">
+    <mc:Choice Requires="p14">
       <p:transition p14:dur="10"/>
     </mc:Choice>
-    <mc:Fallback>
+    <mc:Fallback xmlns="">
       <p:transition/>
     </mc:Fallback>
   </mc:AlternateContent>
@@ -2999,7 +2999,7 @@
             <a:fld id="{31636699-B563-43D4-AACA-1DD8F1B43C4D}" type="datetime1">
               <a:rPr lang="en-US" smtClean="0"/>
               <a:pPr/>
-              <a:t>07-Dec-17</a:t>
+              <a:t>08-Dec-17</a:t>
             </a:fld>
             <a:endParaRPr lang="en-US"/>
           </a:p>
@@ -3058,11 +3058,11 @@
   <p:clrMapOvr>
     <a:masterClrMapping/>
   </p:clrMapOvr>
-  <mc:AlternateContent xmlns:mc="http://schemas.openxmlformats.org/markup-compatibility/2006">
-    <mc:Choice xmlns:p14="http://schemas.microsoft.com/office/powerpoint/2010/main" Requires="p14">
+  <mc:AlternateContent xmlns:mc="http://schemas.openxmlformats.org/markup-compatibility/2006" xmlns:p14="http://schemas.microsoft.com/office/powerpoint/2010/main">
+    <mc:Choice Requires="p14">
       <p:transition p14:dur="10"/>
     </mc:Choice>
-    <mc:Fallback>
+    <mc:Fallback xmlns="">
       <p:transition/>
     </mc:Fallback>
   </mc:AlternateContent>
@@ -3220,7 +3220,7 @@
             <a:fld id="{AD2D7778-F8FC-4BB2-9BDB-91458683CD95}" type="datetime1">
               <a:rPr lang="en-US" smtClean="0"/>
               <a:pPr/>
-              <a:t>07-Dec-17</a:t>
+              <a:t>08-Dec-17</a:t>
             </a:fld>
             <a:endParaRPr lang="en-US"/>
           </a:p>
@@ -3326,11 +3326,11 @@
     <p:sldLayoutId id="2147483658" r:id="rId10"/>
     <p:sldLayoutId id="2147483659" r:id="rId11"/>
   </p:sldLayoutIdLst>
-  <mc:AlternateContent xmlns:mc="http://schemas.openxmlformats.org/markup-compatibility/2006">
-    <mc:Choice xmlns:p14="http://schemas.microsoft.com/office/powerpoint/2010/main" Requires="p14">
+  <mc:AlternateContent xmlns:mc="http://schemas.openxmlformats.org/markup-compatibility/2006" xmlns:p14="http://schemas.microsoft.com/office/powerpoint/2010/main">
+    <mc:Choice Requires="p14">
       <p:transition p14:dur="10"/>
     </mc:Choice>
-    <mc:Fallback>
+    <mc:Fallback xmlns="">
       <p:transition/>
     </mc:Fallback>
   </mc:AlternateContent>
@@ -4158,11 +4158,11 @@
   <p:clrMapOvr>
     <a:masterClrMapping/>
   </p:clrMapOvr>
-  <mc:AlternateContent xmlns:mc="http://schemas.openxmlformats.org/markup-compatibility/2006">
-    <mc:Choice xmlns:p14="http://schemas.microsoft.com/office/powerpoint/2010/main" Requires="p14">
+  <mc:AlternateContent xmlns:mc="http://schemas.openxmlformats.org/markup-compatibility/2006" xmlns:p14="http://schemas.microsoft.com/office/powerpoint/2010/main">
+    <mc:Choice Requires="p14">
       <p:transition p14:dur="10"/>
     </mc:Choice>
-    <mc:Fallback>
+    <mc:Fallback xmlns="">
       <p:transition/>
     </mc:Fallback>
   </mc:AlternateContent>
@@ -4494,11 +4494,11 @@
   <p:clrMapOvr>
     <a:masterClrMapping/>
   </p:clrMapOvr>
-  <mc:AlternateContent xmlns:mc="http://schemas.openxmlformats.org/markup-compatibility/2006">
-    <mc:Choice xmlns:p14="http://schemas.microsoft.com/office/powerpoint/2010/main" Requires="p14">
+  <mc:AlternateContent xmlns:mc="http://schemas.openxmlformats.org/markup-compatibility/2006" xmlns:p14="http://schemas.microsoft.com/office/powerpoint/2010/main">
+    <mc:Choice Requires="p14">
       <p:transition p14:dur="10"/>
     </mc:Choice>
-    <mc:Fallback>
+    <mc:Fallback xmlns="">
       <p:transition/>
     </mc:Fallback>
   </mc:AlternateContent>
@@ -4971,11 +4971,11 @@
   <p:clrMapOvr>
     <a:masterClrMapping/>
   </p:clrMapOvr>
-  <mc:AlternateContent xmlns:mc="http://schemas.openxmlformats.org/markup-compatibility/2006">
-    <mc:Choice xmlns:p14="http://schemas.microsoft.com/office/powerpoint/2010/main" Requires="p14">
+  <mc:AlternateContent xmlns:mc="http://schemas.openxmlformats.org/markup-compatibility/2006" xmlns:p14="http://schemas.microsoft.com/office/powerpoint/2010/main">
+    <mc:Choice Requires="p14">
       <p:transition p14:dur="10"/>
     </mc:Choice>
-    <mc:Fallback>
+    <mc:Fallback xmlns="">
       <p:transition/>
     </mc:Fallback>
   </mc:AlternateContent>
@@ -5248,7 +5248,7 @@
                 <a:latin typeface="Times New Roman" panose="02020603050405020304" pitchFamily="18" charset="0"/>
                 <a:cs typeface="Times New Roman" panose="02020603050405020304" pitchFamily="18" charset="0"/>
               </a:rPr>
-              <a:t> x </a:t>
+              <a:t>    </a:t>
             </a:r>
             <a:r>
               <a:rPr lang="en-US" sz="2000" b="1" dirty="0" err="1">
@@ -5328,6 +5328,63 @@
           </a:p>
         </p:txBody>
       </p:sp>
+      <p:graphicFrame>
+        <p:nvGraphicFramePr>
+          <p:cNvPr id="3" name="Object 2"/>
+          <p:cNvGraphicFramePr>
+            <a:graphicFrameLocks noChangeAspect="1"/>
+          </p:cNvGraphicFramePr>
+          <p:nvPr>
+            <p:extLst>
+              <p:ext uri="{D42A27DB-BD31-4B8C-83A1-F6EECF244321}">
+                <p14:modId xmlns:p14="http://schemas.microsoft.com/office/powerpoint/2010/main" val="4000141318"/>
+              </p:ext>
+            </p:extLst>
+          </p:nvPr>
+        </p:nvGraphicFramePr>
+        <p:xfrm>
+          <a:off x="7372080" y="4038161"/>
+          <a:ext cx="294813" cy="259018"/>
+        </p:xfrm>
+        <a:graphic>
+          <a:graphicData uri="http://schemas.openxmlformats.org/presentationml/2006/ole">
+            <mc:AlternateContent xmlns:mc="http://schemas.openxmlformats.org/markup-compatibility/2006">
+              <mc:Choice xmlns:v="urn:schemas-microsoft-com:vml" Requires="v">
+                <p:oleObj spid="_x0000_s3076" name="Equation" r:id="rId3" imgW="114120" imgH="126720" progId="Equation.3">
+                  <p:embed/>
+                </p:oleObj>
+              </mc:Choice>
+              <mc:Fallback>
+                <p:oleObj name="Equation" r:id="rId3" imgW="114120" imgH="126720" progId="Equation.3">
+                  <p:embed/>
+                  <p:pic>
+                    <p:nvPicPr>
+                      <p:cNvPr id="0" name=""/>
+                      <p:cNvPicPr/>
+                      <p:nvPr/>
+                    </p:nvPicPr>
+                    <p:blipFill>
+                      <a:blip r:embed="rId4"/>
+                      <a:stretch>
+                        <a:fillRect/>
+                      </a:stretch>
+                    </p:blipFill>
+                    <p:spPr>
+                      <a:xfrm>
+                        <a:off x="7372080" y="4038161"/>
+                        <a:ext cx="294813" cy="259018"/>
+                      </a:xfrm>
+                      <a:prstGeom prst="rect">
+                        <a:avLst/>
+                      </a:prstGeom>
+                    </p:spPr>
+                  </p:pic>
+                </p:oleObj>
+              </mc:Fallback>
+            </mc:AlternateContent>
+          </a:graphicData>
+        </a:graphic>
+      </p:graphicFrame>
     </p:spTree>
     <p:extLst>
       <p:ext uri="{BB962C8B-B14F-4D97-AF65-F5344CB8AC3E}">
@@ -5338,11 +5395,11 @@
   <p:clrMapOvr>
     <a:masterClrMapping/>
   </p:clrMapOvr>
-  <mc:AlternateContent xmlns:mc="http://schemas.openxmlformats.org/markup-compatibility/2006">
-    <mc:Choice xmlns:p14="http://schemas.microsoft.com/office/powerpoint/2010/main" Requires="p14">
+  <mc:AlternateContent xmlns:mc="http://schemas.openxmlformats.org/markup-compatibility/2006" xmlns:p14="http://schemas.microsoft.com/office/powerpoint/2010/main">
+    <mc:Choice Requires="p14">
       <p:transition p14:dur="10"/>
     </mc:Choice>
-    <mc:Fallback>
+    <mc:Fallback xmlns="">
       <p:transition/>
     </mc:Fallback>
   </mc:AlternateContent>
@@ -5876,11 +5933,11 @@
   <p:clrMapOvr>
     <a:masterClrMapping/>
   </p:clrMapOvr>
-  <mc:AlternateContent xmlns:mc="http://schemas.openxmlformats.org/markup-compatibility/2006">
-    <mc:Choice xmlns:p14="http://schemas.microsoft.com/office/powerpoint/2010/main" Requires="p14">
+  <mc:AlternateContent xmlns:mc="http://schemas.openxmlformats.org/markup-compatibility/2006" xmlns:p14="http://schemas.microsoft.com/office/powerpoint/2010/main">
+    <mc:Choice Requires="p14">
       <p:transition p14:dur="10"/>
     </mc:Choice>
-    <mc:Fallback>
+    <mc:Fallback xmlns="">
       <p:transition/>
     </mc:Fallback>
   </mc:AlternateContent>
@@ -6788,11 +6845,11 @@
   <p:clrMapOvr>
     <a:masterClrMapping/>
   </p:clrMapOvr>
-  <mc:AlternateContent xmlns:mc="http://schemas.openxmlformats.org/markup-compatibility/2006">
-    <mc:Choice xmlns:p14="http://schemas.microsoft.com/office/powerpoint/2010/main" Requires="p14">
+  <mc:AlternateContent xmlns:mc="http://schemas.openxmlformats.org/markup-compatibility/2006" xmlns:p14="http://schemas.microsoft.com/office/powerpoint/2010/main">
+    <mc:Choice Requires="p14">
       <p:transition p14:dur="10"/>
     </mc:Choice>
-    <mc:Fallback>
+    <mc:Fallback xmlns="">
       <p:transition/>
     </mc:Fallback>
   </mc:AlternateContent>
@@ -7263,11 +7320,11 @@
   <p:clrMapOvr>
     <a:masterClrMapping/>
   </p:clrMapOvr>
-  <mc:AlternateContent xmlns:mc="http://schemas.openxmlformats.org/markup-compatibility/2006">
-    <mc:Choice xmlns:p14="http://schemas.microsoft.com/office/powerpoint/2010/main" Requires="p14">
+  <mc:AlternateContent xmlns:mc="http://schemas.openxmlformats.org/markup-compatibility/2006" xmlns:p14="http://schemas.microsoft.com/office/powerpoint/2010/main">
+    <mc:Choice Requires="p14">
       <p:transition p14:dur="10"/>
     </mc:Choice>
-    <mc:Fallback>
+    <mc:Fallback xmlns="">
       <p:transition/>
     </mc:Fallback>
   </mc:AlternateContent>
@@ -7786,7 +7843,7 @@
           <a:graphicData uri="http://schemas.openxmlformats.org/presentationml/2006/ole">
             <mc:AlternateContent xmlns:mc="http://schemas.openxmlformats.org/markup-compatibility/2006">
               <mc:Choice xmlns:v="urn:schemas-microsoft-com:vml" Requires="v">
-                <p:oleObj spid="_x0000_s1232" name="Equation" r:id="rId3" imgW="2247840" imgH="457200" progId="Equation.3">
+                <p:oleObj spid="_x0000_s1257" name="Equation" r:id="rId3" imgW="2247840" imgH="457200" progId="Equation.3">
                   <p:embed/>
                 </p:oleObj>
               </mc:Choice>
@@ -7843,7 +7900,7 @@
           <a:graphicData uri="http://schemas.openxmlformats.org/presentationml/2006/ole">
             <mc:AlternateContent xmlns:mc="http://schemas.openxmlformats.org/markup-compatibility/2006">
               <mc:Choice xmlns:v="urn:schemas-microsoft-com:vml" Requires="v">
-                <p:oleObj spid="_x0000_s1233" name="Equation" r:id="rId5" imgW="1917360" imgH="444240" progId="Equation.3">
+                <p:oleObj spid="_x0000_s1258" name="Equation" r:id="rId5" imgW="1917360" imgH="444240" progId="Equation.3">
                   <p:embed/>
                 </p:oleObj>
               </mc:Choice>
@@ -7900,7 +7957,7 @@
           <a:graphicData uri="http://schemas.openxmlformats.org/presentationml/2006/ole">
             <mc:AlternateContent xmlns:mc="http://schemas.openxmlformats.org/markup-compatibility/2006">
               <mc:Choice xmlns:v="urn:schemas-microsoft-com:vml" Requires="v">
-                <p:oleObj spid="_x0000_s1234" name="Equation" r:id="rId7" imgW="114120" imgH="215640" progId="Equation.3">
+                <p:oleObj spid="_x0000_s1259" name="Equation" r:id="rId7" imgW="114120" imgH="215640" progId="Equation.3">
                   <p:embed/>
                 </p:oleObj>
               </mc:Choice>
@@ -7957,7 +8014,7 @@
           <a:graphicData uri="http://schemas.openxmlformats.org/presentationml/2006/ole">
             <mc:AlternateContent xmlns:mc="http://schemas.openxmlformats.org/markup-compatibility/2006">
               <mc:Choice xmlns:v="urn:schemas-microsoft-com:vml" Requires="v">
-                <p:oleObj spid="_x0000_s1235" name="Equation" r:id="rId9" imgW="114120" imgH="215640" progId="Equation.3">
+                <p:oleObj spid="_x0000_s1260" name="Equation" r:id="rId9" imgW="114120" imgH="215640" progId="Equation.3">
                   <p:embed/>
                 </p:oleObj>
               </mc:Choice>
@@ -8014,7 +8071,7 @@
           <a:graphicData uri="http://schemas.openxmlformats.org/presentationml/2006/ole">
             <mc:AlternateContent xmlns:mc="http://schemas.openxmlformats.org/markup-compatibility/2006">
               <mc:Choice xmlns:v="urn:schemas-microsoft-com:vml" Requires="v">
-                <p:oleObj spid="_x0000_s1236" name="Equation" r:id="rId10" imgW="2565360" imgH="444240" progId="Equation.3">
+                <p:oleObj spid="_x0000_s1261" name="Equation" r:id="rId10" imgW="2565360" imgH="444240" progId="Equation.3">
                   <p:embed/>
                 </p:oleObj>
               </mc:Choice>
@@ -8272,11 +8329,11 @@
   <p:clrMapOvr>
     <a:masterClrMapping/>
   </p:clrMapOvr>
-  <mc:AlternateContent xmlns:mc="http://schemas.openxmlformats.org/markup-compatibility/2006">
-    <mc:Choice xmlns:p14="http://schemas.microsoft.com/office/powerpoint/2010/main" Requires="p14">
+  <mc:AlternateContent xmlns:mc="http://schemas.openxmlformats.org/markup-compatibility/2006" xmlns:p14="http://schemas.microsoft.com/office/powerpoint/2010/main">
+    <mc:Choice Requires="p14">
       <p:transition p14:dur="10"/>
     </mc:Choice>
-    <mc:Fallback>
+    <mc:Fallback xmlns="">
       <p:transition/>
     </mc:Fallback>
   </mc:AlternateContent>
@@ -9077,11 +9134,11 @@
   <p:clrMapOvr>
     <a:masterClrMapping/>
   </p:clrMapOvr>
-  <mc:AlternateContent xmlns:mc="http://schemas.openxmlformats.org/markup-compatibility/2006">
-    <mc:Choice xmlns:p14="http://schemas.microsoft.com/office/powerpoint/2010/main" Requires="p14">
+  <mc:AlternateContent xmlns:mc="http://schemas.openxmlformats.org/markup-compatibility/2006" xmlns:p14="http://schemas.microsoft.com/office/powerpoint/2010/main">
+    <mc:Choice Requires="p14">
       <p:transition p14:dur="10"/>
     </mc:Choice>
-    <mc:Fallback>
+    <mc:Fallback xmlns="">
       <p:transition/>
     </mc:Fallback>
   </mc:AlternateContent>
@@ -9454,11 +9511,11 @@
   <p:clrMapOvr>
     <a:masterClrMapping/>
   </p:clrMapOvr>
-  <mc:AlternateContent xmlns:mc="http://schemas.openxmlformats.org/markup-compatibility/2006">
-    <mc:Choice xmlns:p14="http://schemas.microsoft.com/office/powerpoint/2010/main" Requires="p14">
+  <mc:AlternateContent xmlns:mc="http://schemas.openxmlformats.org/markup-compatibility/2006" xmlns:p14="http://schemas.microsoft.com/office/powerpoint/2010/main">
+    <mc:Choice Requires="p14">
       <p:transition p14:dur="10"/>
     </mc:Choice>
-    <mc:Fallback>
+    <mc:Fallback xmlns="">
       <p:transition/>
     </mc:Fallback>
   </mc:AlternateContent>
@@ -11549,11 +11606,11 @@
   <p:clrMapOvr>
     <a:masterClrMapping/>
   </p:clrMapOvr>
-  <mc:AlternateContent xmlns:mc="http://schemas.openxmlformats.org/markup-compatibility/2006">
-    <mc:Choice xmlns:p14="http://schemas.microsoft.com/office/powerpoint/2010/main" Requires="p14">
+  <mc:AlternateContent xmlns:mc="http://schemas.openxmlformats.org/markup-compatibility/2006" xmlns:p14="http://schemas.microsoft.com/office/powerpoint/2010/main">
+    <mc:Choice Requires="p14">
       <p:transition p14:dur="10"/>
     </mc:Choice>
-    <mc:Fallback>
+    <mc:Fallback xmlns="">
       <p:transition/>
     </mc:Fallback>
   </mc:AlternateContent>
@@ -11872,11 +11929,11 @@
   <p:clrMapOvr>
     <a:masterClrMapping/>
   </p:clrMapOvr>
-  <mc:AlternateContent xmlns:mc="http://schemas.openxmlformats.org/markup-compatibility/2006">
-    <mc:Choice xmlns:p14="http://schemas.microsoft.com/office/powerpoint/2010/main" Requires="p14">
+  <mc:AlternateContent xmlns:mc="http://schemas.openxmlformats.org/markup-compatibility/2006" xmlns:p14="http://schemas.microsoft.com/office/powerpoint/2010/main">
+    <mc:Choice Requires="p14">
       <p:transition p14:dur="10"/>
     </mc:Choice>
-    <mc:Fallback>
+    <mc:Fallback xmlns="">
       <p:transition/>
     </mc:Fallback>
   </mc:AlternateContent>
@@ -15101,11 +15158,11 @@
   <p:clrMapOvr>
     <a:masterClrMapping/>
   </p:clrMapOvr>
-  <mc:AlternateContent xmlns:mc="http://schemas.openxmlformats.org/markup-compatibility/2006">
-    <mc:Choice xmlns:p14="http://schemas.microsoft.com/office/powerpoint/2010/main" Requires="p14">
+  <mc:AlternateContent xmlns:mc="http://schemas.openxmlformats.org/markup-compatibility/2006" xmlns:p14="http://schemas.microsoft.com/office/powerpoint/2010/main">
+    <mc:Choice Requires="p14">
       <p:transition p14:dur="10"/>
     </mc:Choice>
-    <mc:Fallback>
+    <mc:Fallback xmlns="">
       <p:transition/>
     </mc:Fallback>
   </mc:AlternateContent>
@@ -15497,7 +15554,7 @@
         <p:spPr>
           <a:xfrm>
             <a:off x="367309" y="519074"/>
-            <a:ext cx="4671472" cy="1015663"/>
+            <a:ext cx="4246675" cy="1015663"/>
           </a:xfrm>
           <a:prstGeom prst="rect">
             <a:avLst/>
@@ -15516,8 +15573,8 @@
             </a:pPr>
             <a:r>
               <a:rPr lang="en-US" sz="2000" dirty="0">
-                <a:latin typeface="Arial" panose="020B0604020202020204" pitchFamily="34" charset="0"/>
-                <a:cs typeface="Arial" panose="020B0604020202020204" pitchFamily="34" charset="0"/>
+                <a:latin typeface="Times New Roman" panose="02020603050405020304" pitchFamily="18" charset="0"/>
+                <a:cs typeface="Times New Roman" panose="02020603050405020304" pitchFamily="18" charset="0"/>
               </a:rPr>
               <a:t>14 out of 16 classes are selected</a:t>
             </a:r>
@@ -15529,8 +15586,8 @@
             </a:pPr>
             <a:r>
               <a:rPr lang="en-US" sz="2000" dirty="0">
-                <a:latin typeface="Arial" panose="020B0604020202020204" pitchFamily="34" charset="0"/>
-                <a:cs typeface="Arial" panose="020B0604020202020204" pitchFamily="34" charset="0"/>
+                <a:latin typeface="Times New Roman" panose="02020603050405020304" pitchFamily="18" charset="0"/>
+                <a:cs typeface="Times New Roman" panose="02020603050405020304" pitchFamily="18" charset="0"/>
               </a:rPr>
               <a:t>Selected first 8 features for proposed</a:t>
             </a:r>
@@ -15538,8 +15595,8 @@
           <a:p>
             <a:r>
               <a:rPr lang="en-US" sz="2000" dirty="0">
-                <a:latin typeface="Arial" panose="020B0604020202020204" pitchFamily="34" charset="0"/>
-                <a:cs typeface="Arial" panose="020B0604020202020204" pitchFamily="34" charset="0"/>
+                <a:latin typeface="Times New Roman" panose="02020603050405020304" pitchFamily="18" charset="0"/>
+                <a:cs typeface="Times New Roman" panose="02020603050405020304" pitchFamily="18" charset="0"/>
               </a:rPr>
               <a:t>    TCOSD gives 96.57% accuracy</a:t>
             </a:r>
@@ -15635,14 +15692,14 @@
           <p:nvPr>
             <p:extLst>
               <p:ext uri="{D42A27DB-BD31-4B8C-83A1-F6EECF244321}">
-                <p14:modId xmlns:p14="http://schemas.microsoft.com/office/powerpoint/2010/main" val="977491552"/>
+                <p14:modId xmlns:p14="http://schemas.microsoft.com/office/powerpoint/2010/main" val="2720040334"/>
               </p:ext>
             </p:extLst>
           </p:nvPr>
         </p:nvGraphicFramePr>
         <p:xfrm>
           <a:off x="367309" y="3813778"/>
-          <a:ext cx="4863203" cy="2590800"/>
+          <a:ext cx="4863203" cy="2455522"/>
         </p:xfrm>
         <a:graphic>
           <a:graphicData uri="http://schemas.openxmlformats.org/drawingml/2006/table">
@@ -15651,14 +15708,14 @@
                 <a:tableStyleId>{2D5ABB26-0587-4C30-8999-92F81FD0307C}</a:tableStyleId>
               </a:tblPr>
               <a:tblGrid>
-                <a:gridCol w="2185522">
+                <a:gridCol w="2319620">
                   <a:extLst>
                     <a:ext uri="{9D8B030D-6E8A-4147-A177-3AD203B41FA5}">
                       <a16:colId xmlns:a16="http://schemas.microsoft.com/office/drawing/2014/main" val="3445986276"/>
                     </a:ext>
                   </a:extLst>
                 </a:gridCol>
-                <a:gridCol w="2677681">
+                <a:gridCol w="2543583">
                   <a:extLst>
                     <a:ext uri="{9D8B030D-6E8A-4147-A177-3AD203B41FA5}">
                       <a16:colId xmlns:a16="http://schemas.microsoft.com/office/drawing/2014/main" val="3618705788"/>
@@ -17270,7 +17327,7 @@
           <a:graphicData uri="http://schemas.openxmlformats.org/presentationml/2006/ole">
             <mc:AlternateContent xmlns:mc="http://schemas.openxmlformats.org/markup-compatibility/2006">
               <mc:Choice xmlns:v="urn:schemas-microsoft-com:vml" Requires="v">
-                <p:oleObj spid="_x0000_s2092" name="Equation" r:id="rId4" imgW="114120" imgH="164880" progId="Equation.3">
+                <p:oleObj spid="_x0000_s2097" name="Equation" r:id="rId4" imgW="114120" imgH="164880" progId="Equation.3">
                   <p:embed/>
                 </p:oleObj>
               </mc:Choice>
@@ -17347,11 +17404,11 @@
   <p:clrMapOvr>
     <a:masterClrMapping/>
   </p:clrMapOvr>
-  <mc:AlternateContent xmlns:mc="http://schemas.openxmlformats.org/markup-compatibility/2006">
-    <mc:Choice xmlns:p14="http://schemas.microsoft.com/office/powerpoint/2010/main" Requires="p14">
+  <mc:AlternateContent xmlns:mc="http://schemas.openxmlformats.org/markup-compatibility/2006" xmlns:p14="http://schemas.microsoft.com/office/powerpoint/2010/main">
+    <mc:Choice Requires="p14">
       <p:transition p14:dur="10"/>
     </mc:Choice>
-    <mc:Fallback>
+    <mc:Fallback xmlns="">
       <p:transition/>
     </mc:Fallback>
   </mc:AlternateContent>
@@ -18060,11 +18117,11 @@
   <p:clrMapOvr>
     <a:masterClrMapping/>
   </p:clrMapOvr>
-  <mc:AlternateContent xmlns:mc="http://schemas.openxmlformats.org/markup-compatibility/2006">
-    <mc:Choice xmlns:p14="http://schemas.microsoft.com/office/powerpoint/2010/main" Requires="p14">
+  <mc:AlternateContent xmlns:mc="http://schemas.openxmlformats.org/markup-compatibility/2006" xmlns:p14="http://schemas.microsoft.com/office/powerpoint/2010/main">
+    <mc:Choice Requires="p14">
       <p:transition p14:dur="10"/>
     </mc:Choice>
-    <mc:Fallback>
+    <mc:Fallback xmlns="">
       <p:transition/>
     </mc:Fallback>
   </mc:AlternateContent>
@@ -18247,7 +18304,7 @@
                 <a:latin typeface="Times New Roman" panose="02020603050405020304" pitchFamily="18" charset="0"/>
                 <a:cs typeface="Times New Roman" panose="02020603050405020304" pitchFamily="18" charset="0"/>
               </a:rPr>
-              <a:t>			    	  	  Future Work</a:t>
+              <a:t>			    	  	Future Work</a:t>
             </a:r>
           </a:p>
         </p:txBody>
@@ -18395,11 +18452,11 @@
   <p:clrMapOvr>
     <a:masterClrMapping/>
   </p:clrMapOvr>
-  <mc:AlternateContent xmlns:mc="http://schemas.openxmlformats.org/markup-compatibility/2006">
-    <mc:Choice xmlns:p14="http://schemas.microsoft.com/office/powerpoint/2010/main" Requires="p14">
+  <mc:AlternateContent xmlns:mc="http://schemas.openxmlformats.org/markup-compatibility/2006" xmlns:p14="http://schemas.microsoft.com/office/powerpoint/2010/main">
+    <mc:Choice Requires="p14">
       <p:transition p14:dur="10"/>
     </mc:Choice>
-    <mc:Fallback>
+    <mc:Fallback xmlns="">
       <p:transition/>
     </mc:Fallback>
   </mc:AlternateContent>
@@ -18623,11 +18680,11 @@
   <p:clrMapOvr>
     <a:masterClrMapping/>
   </p:clrMapOvr>
-  <mc:AlternateContent xmlns:mc="http://schemas.openxmlformats.org/markup-compatibility/2006">
-    <mc:Choice xmlns:p14="http://schemas.microsoft.com/office/powerpoint/2010/main" Requires="p14">
+  <mc:AlternateContent xmlns:mc="http://schemas.openxmlformats.org/markup-compatibility/2006" xmlns:p14="http://schemas.microsoft.com/office/powerpoint/2010/main">
+    <mc:Choice Requires="p14">
       <p:transition p14:dur="10"/>
     </mc:Choice>
-    <mc:Fallback>
+    <mc:Fallback xmlns="">
       <p:transition/>
     </mc:Fallback>
   </mc:AlternateContent>
@@ -19067,11 +19124,11 @@
   <p:clrMapOvr>
     <a:masterClrMapping/>
   </p:clrMapOvr>
-  <mc:AlternateContent xmlns:mc="http://schemas.openxmlformats.org/markup-compatibility/2006">
-    <mc:Choice xmlns:p14="http://schemas.microsoft.com/office/powerpoint/2010/main" Requires="p14">
+  <mc:AlternateContent xmlns:mc="http://schemas.openxmlformats.org/markup-compatibility/2006" xmlns:p14="http://schemas.microsoft.com/office/powerpoint/2010/main">
+    <mc:Choice Requires="p14">
       <p:transition p14:dur="10"/>
     </mc:Choice>
-    <mc:Fallback>
+    <mc:Fallback xmlns="">
       <p:transition/>
     </mc:Fallback>
   </mc:AlternateContent>
@@ -19531,11 +19588,11 @@
   <p:clrMapOvr>
     <a:masterClrMapping/>
   </p:clrMapOvr>
-  <mc:AlternateContent xmlns:mc="http://schemas.openxmlformats.org/markup-compatibility/2006">
-    <mc:Choice xmlns:p14="http://schemas.microsoft.com/office/powerpoint/2010/main" Requires="p14">
+  <mc:AlternateContent xmlns:mc="http://schemas.openxmlformats.org/markup-compatibility/2006" xmlns:p14="http://schemas.microsoft.com/office/powerpoint/2010/main">
+    <mc:Choice Requires="p14">
       <p:transition p14:dur="10"/>
     </mc:Choice>
-    <mc:Fallback>
+    <mc:Fallback xmlns="">
       <p:transition/>
     </mc:Fallback>
   </mc:AlternateContent>
@@ -19672,11 +19729,11 @@
   <p:clrMapOvr>
     <a:masterClrMapping/>
   </p:clrMapOvr>
-  <mc:AlternateContent xmlns:mc="http://schemas.openxmlformats.org/markup-compatibility/2006">
-    <mc:Choice xmlns:p14="http://schemas.microsoft.com/office/powerpoint/2010/main" Requires="p14">
+  <mc:AlternateContent xmlns:mc="http://schemas.openxmlformats.org/markup-compatibility/2006" xmlns:p14="http://schemas.microsoft.com/office/powerpoint/2010/main">
+    <mc:Choice Requires="p14">
       <p:transition p14:dur="10"/>
     </mc:Choice>
-    <mc:Fallback>
+    <mc:Fallback xmlns="">
       <p:transition/>
     </mc:Fallback>
   </mc:AlternateContent>
@@ -20260,11 +20317,11 @@
   <p:clrMapOvr>
     <a:masterClrMapping/>
   </p:clrMapOvr>
-  <mc:AlternateContent xmlns:mc="http://schemas.openxmlformats.org/markup-compatibility/2006">
-    <mc:Choice xmlns:p14="http://schemas.microsoft.com/office/powerpoint/2010/main" Requires="p14">
+  <mc:AlternateContent xmlns:mc="http://schemas.openxmlformats.org/markup-compatibility/2006" xmlns:p14="http://schemas.microsoft.com/office/powerpoint/2010/main">
+    <mc:Choice Requires="p14">
       <p:transition p14:dur="10"/>
     </mc:Choice>
-    <mc:Fallback>
+    <mc:Fallback xmlns="">
       <p:transition/>
     </mc:Fallback>
   </mc:AlternateContent>
@@ -20825,11 +20882,11 @@
   <p:clrMapOvr>
     <a:masterClrMapping/>
   </p:clrMapOvr>
-  <mc:AlternateContent xmlns:mc="http://schemas.openxmlformats.org/markup-compatibility/2006">
-    <mc:Choice xmlns:p14="http://schemas.microsoft.com/office/powerpoint/2010/main" Requires="p14">
+  <mc:AlternateContent xmlns:mc="http://schemas.openxmlformats.org/markup-compatibility/2006" xmlns:p14="http://schemas.microsoft.com/office/powerpoint/2010/main">
+    <mc:Choice Requires="p14">
       <p:transition p14:dur="10"/>
     </mc:Choice>
-    <mc:Fallback>
+    <mc:Fallback xmlns="">
       <p:transition/>
     </mc:Fallback>
   </mc:AlternateContent>
@@ -21431,11 +21488,11 @@
   <p:clrMapOvr>
     <a:masterClrMapping/>
   </p:clrMapOvr>
-  <mc:AlternateContent xmlns:mc="http://schemas.openxmlformats.org/markup-compatibility/2006">
-    <mc:Choice xmlns:p14="http://schemas.microsoft.com/office/powerpoint/2010/main" Requires="p14">
+  <mc:AlternateContent xmlns:mc="http://schemas.openxmlformats.org/markup-compatibility/2006" xmlns:p14="http://schemas.microsoft.com/office/powerpoint/2010/main">
+    <mc:Choice Requires="p14">
       <p:transition p14:dur="10"/>
     </mc:Choice>
-    <mc:Fallback>
+    <mc:Fallback xmlns="">
       <p:transition/>
     </mc:Fallback>
   </mc:AlternateContent>
@@ -21792,7 +21849,7 @@
         </p:blipFill>
         <p:spPr>
           <a:xfrm>
-            <a:off x="5567473" y="1856385"/>
+            <a:off x="5412725" y="1856385"/>
             <a:ext cx="4415899" cy="3752509"/>
           </a:xfrm>
           <a:prstGeom prst="rect">
@@ -21808,7 +21865,7 @@
         </p:nvSpPr>
         <p:spPr>
           <a:xfrm>
-            <a:off x="6190705" y="5649581"/>
+            <a:off x="6035957" y="5649581"/>
             <a:ext cx="3640740" cy="400110"/>
           </a:xfrm>
           <a:prstGeom prst="rect">
@@ -21840,8 +21897,8 @@
         </p:nvSpPr>
         <p:spPr>
           <a:xfrm>
-            <a:off x="9875520" y="2142822"/>
-            <a:ext cx="2267277" cy="707886"/>
+            <a:off x="9481626" y="2142822"/>
+            <a:ext cx="2706512" cy="400110"/>
           </a:xfrm>
           <a:prstGeom prst="rect">
             <a:avLst/>
@@ -21859,7 +21916,7 @@
                 <a:latin typeface="Times New Roman" panose="02020603050405020304" pitchFamily="18" charset="0"/>
                 <a:cs typeface="Times New Roman" panose="02020603050405020304" pitchFamily="18" charset="0"/>
               </a:rPr>
-              <a:t>White means 100% correlation</a:t>
+              <a:t>White: 100% correlation</a:t>
             </a:r>
           </a:p>
         </p:txBody>
@@ -21872,8 +21929,8 @@
         </p:nvSpPr>
         <p:spPr>
           <a:xfrm>
-            <a:off x="9875520" y="3022598"/>
-            <a:ext cx="2267277" cy="707886"/>
+            <a:off x="9508416" y="2501538"/>
+            <a:ext cx="2466100" cy="400110"/>
           </a:xfrm>
           <a:prstGeom prst="rect">
             <a:avLst/>
@@ -21891,7 +21948,7 @@
                 <a:latin typeface="Times New Roman" panose="02020603050405020304" pitchFamily="18" charset="0"/>
                 <a:cs typeface="Times New Roman" panose="02020603050405020304" pitchFamily="18" charset="0"/>
               </a:rPr>
-              <a:t>Black means 0% correlation</a:t>
+              <a:t>Black: 0% correlation</a:t>
             </a:r>
           </a:p>
         </p:txBody>
@@ -21938,11 +21995,11 @@
   <p:clrMapOvr>
     <a:masterClrMapping/>
   </p:clrMapOvr>
-  <mc:AlternateContent xmlns:mc="http://schemas.openxmlformats.org/markup-compatibility/2006">
-    <mc:Choice xmlns:p14="http://schemas.microsoft.com/office/powerpoint/2010/main" Requires="p14">
+  <mc:AlternateContent xmlns:mc="http://schemas.openxmlformats.org/markup-compatibility/2006" xmlns:p14="http://schemas.microsoft.com/office/powerpoint/2010/main">
+    <mc:Choice Requires="p14">
       <p:transition p14:dur="10"/>
     </mc:Choice>
-    <mc:Fallback>
+    <mc:Fallback xmlns="">
       <p:transition/>
     </mc:Fallback>
   </mc:AlternateContent>
@@ -22717,7 +22774,7 @@
                                         </p:attrNameLst>
                                       </p:cBhvr>
                                       <p:to>
-                                        <a:schemeClr val="accent2"/>
+                                        <a:schemeClr val="hlink"/>
                                       </p:to>
                                     </p:animClr>
                                   </p:subTnLst>
@@ -23041,11 +23098,11 @@
   <p:clrMapOvr>
     <a:masterClrMapping/>
   </p:clrMapOvr>
-  <mc:AlternateContent xmlns:mc="http://schemas.openxmlformats.org/markup-compatibility/2006">
-    <mc:Choice xmlns:p14="http://schemas.microsoft.com/office/powerpoint/2010/main" Requires="p14">
+  <mc:AlternateContent xmlns:mc="http://schemas.openxmlformats.org/markup-compatibility/2006" xmlns:p14="http://schemas.microsoft.com/office/powerpoint/2010/main">
+    <mc:Choice Requires="p14">
       <p:transition p14:dur="10"/>
     </mc:Choice>
-    <mc:Fallback>
+    <mc:Fallback xmlns="">
       <p:transition/>
     </mc:Fallback>
   </mc:AlternateContent>
@@ -23145,21 +23202,7 @@
                 <a:latin typeface="Times New Roman" panose="02020603050405020304" pitchFamily="18" charset="0"/>
                 <a:cs typeface="Times New Roman" panose="02020603050405020304" pitchFamily="18" charset="0"/>
               </a:rPr>
-              <a:t>	Feature </a:t>
-            </a:r>
-            <a:r>
-              <a:rPr lang="en-US" sz="2000" b="1" dirty="0">
-                <a:latin typeface="Times New Roman" panose="02020603050405020304" pitchFamily="18" charset="0"/>
-                <a:cs typeface="Times New Roman" panose="02020603050405020304" pitchFamily="18" charset="0"/>
-              </a:rPr>
-              <a:t>selection over feature </a:t>
-            </a:r>
-            <a:r>
-              <a:rPr lang="en-US" sz="2000" b="1" dirty="0">
-                <a:latin typeface="Times New Roman" panose="02020603050405020304" pitchFamily="18" charset="0"/>
-                <a:cs typeface="Times New Roman" panose="02020603050405020304" pitchFamily="18" charset="0"/>
-              </a:rPr>
-              <a:t>extraction</a:t>
+              <a:t>	Feature selection over feature extraction</a:t>
             </a:r>
           </a:p>
         </p:txBody>
@@ -23396,11 +23439,11 @@
   <p:clrMapOvr>
     <a:masterClrMapping/>
   </p:clrMapOvr>
-  <mc:AlternateContent xmlns:mc="http://schemas.openxmlformats.org/markup-compatibility/2006">
-    <mc:Choice xmlns:p14="http://schemas.microsoft.com/office/powerpoint/2010/main" Requires="p14">
+  <mc:AlternateContent xmlns:mc="http://schemas.openxmlformats.org/markup-compatibility/2006" xmlns:p14="http://schemas.microsoft.com/office/powerpoint/2010/main">
+    <mc:Choice Requires="p14">
       <p:transition p14:dur="10"/>
     </mc:Choice>
-    <mc:Fallback>
+    <mc:Fallback xmlns="">
       <p:transition/>
     </mc:Fallback>
   </mc:AlternateContent>
@@ -24048,11 +24091,11 @@
   <p:clrMapOvr>
     <a:masterClrMapping/>
   </p:clrMapOvr>
-  <mc:AlternateContent xmlns:mc="http://schemas.openxmlformats.org/markup-compatibility/2006">
-    <mc:Choice xmlns:p14="http://schemas.microsoft.com/office/powerpoint/2010/main" Requires="p14">
+  <mc:AlternateContent xmlns:mc="http://schemas.openxmlformats.org/markup-compatibility/2006" xmlns:p14="http://schemas.microsoft.com/office/powerpoint/2010/main">
+    <mc:Choice Requires="p14">
       <p:transition p14:dur="10"/>
     </mc:Choice>
-    <mc:Fallback>
+    <mc:Fallback xmlns="">
       <p:transition/>
     </mc:Fallback>
   </mc:AlternateContent>

--- a/Presentation/TCOSD-123086.pptx
+++ b/Presentation/TCOSD-123086.pptx
@@ -5350,7 +5350,7 @@
           <a:graphicData uri="http://schemas.openxmlformats.org/presentationml/2006/ole">
             <mc:AlternateContent xmlns:mc="http://schemas.openxmlformats.org/markup-compatibility/2006">
               <mc:Choice xmlns:v="urn:schemas-microsoft-com:vml" Requires="v">
-                <p:oleObj spid="_x0000_s3076" name="Equation" r:id="rId3" imgW="114120" imgH="126720" progId="Equation.3">
+                <p:oleObj spid="_x0000_s3080" name="Equation" r:id="rId3" imgW="114120" imgH="126720" progId="Equation.3">
                   <p:embed/>
                 </p:oleObj>
               </mc:Choice>
@@ -7798,7 +7798,7 @@
         <p:spPr>
           <a:xfrm>
             <a:off x="478420" y="758766"/>
-            <a:ext cx="2702984" cy="461665"/>
+            <a:ext cx="3062057" cy="461665"/>
           </a:xfrm>
           <a:prstGeom prst="rect">
             <a:avLst/>
@@ -7816,7 +7816,7 @@
                 <a:latin typeface="Times New Roman" panose="02020603050405020304" pitchFamily="18" charset="0"/>
                 <a:cs typeface="Times New Roman" panose="02020603050405020304" pitchFamily="18" charset="0"/>
               </a:rPr>
-              <a:t>Mutual Information:</a:t>
+              <a:t>Mutual Information[7]:</a:t>
             </a:r>
           </a:p>
         </p:txBody>
@@ -7843,7 +7843,7 @@
           <a:graphicData uri="http://schemas.openxmlformats.org/presentationml/2006/ole">
             <mc:AlternateContent xmlns:mc="http://schemas.openxmlformats.org/markup-compatibility/2006">
               <mc:Choice xmlns:v="urn:schemas-microsoft-com:vml" Requires="v">
-                <p:oleObj spid="_x0000_s1257" name="Equation" r:id="rId3" imgW="2247840" imgH="457200" progId="Equation.3">
+                <p:oleObj spid="_x0000_s1287" name="Equation" r:id="rId3" imgW="2247840" imgH="457200" progId="Equation.3">
                   <p:embed/>
                 </p:oleObj>
               </mc:Choice>
@@ -7900,7 +7900,7 @@
           <a:graphicData uri="http://schemas.openxmlformats.org/presentationml/2006/ole">
             <mc:AlternateContent xmlns:mc="http://schemas.openxmlformats.org/markup-compatibility/2006">
               <mc:Choice xmlns:v="urn:schemas-microsoft-com:vml" Requires="v">
-                <p:oleObj spid="_x0000_s1258" name="Equation" r:id="rId5" imgW="1917360" imgH="444240" progId="Equation.3">
+                <p:oleObj spid="_x0000_s1288" name="Equation" r:id="rId5" imgW="1917360" imgH="444240" progId="Equation.3">
                   <p:embed/>
                 </p:oleObj>
               </mc:Choice>
@@ -7957,7 +7957,7 @@
           <a:graphicData uri="http://schemas.openxmlformats.org/presentationml/2006/ole">
             <mc:AlternateContent xmlns:mc="http://schemas.openxmlformats.org/markup-compatibility/2006">
               <mc:Choice xmlns:v="urn:schemas-microsoft-com:vml" Requires="v">
-                <p:oleObj spid="_x0000_s1259" name="Equation" r:id="rId7" imgW="114120" imgH="215640" progId="Equation.3">
+                <p:oleObj spid="_x0000_s1289" name="Equation" r:id="rId7" imgW="114120" imgH="215640" progId="Equation.3">
                   <p:embed/>
                 </p:oleObj>
               </mc:Choice>
@@ -8014,7 +8014,7 @@
           <a:graphicData uri="http://schemas.openxmlformats.org/presentationml/2006/ole">
             <mc:AlternateContent xmlns:mc="http://schemas.openxmlformats.org/markup-compatibility/2006">
               <mc:Choice xmlns:v="urn:schemas-microsoft-com:vml" Requires="v">
-                <p:oleObj spid="_x0000_s1260" name="Equation" r:id="rId9" imgW="114120" imgH="215640" progId="Equation.3">
+                <p:oleObj spid="_x0000_s1290" name="Equation" r:id="rId9" imgW="114120" imgH="215640" progId="Equation.3">
                   <p:embed/>
                 </p:oleObj>
               </mc:Choice>
@@ -8071,7 +8071,7 @@
           <a:graphicData uri="http://schemas.openxmlformats.org/presentationml/2006/ole">
             <mc:AlternateContent xmlns:mc="http://schemas.openxmlformats.org/markup-compatibility/2006">
               <mc:Choice xmlns:v="urn:schemas-microsoft-com:vml" Requires="v">
-                <p:oleObj spid="_x0000_s1261" name="Equation" r:id="rId10" imgW="2565360" imgH="444240" progId="Equation.3">
+                <p:oleObj spid="_x0000_s1291" name="Equation" r:id="rId10" imgW="2565360" imgH="444240" progId="Equation.3">
                   <p:embed/>
                 </p:oleObj>
               </mc:Choice>
@@ -8232,7 +8232,7 @@
         <p:spPr>
           <a:xfrm>
             <a:off x="516599" y="2188181"/>
-            <a:ext cx="4230645" cy="461665"/>
+            <a:ext cx="4589718" cy="461665"/>
           </a:xfrm>
           <a:prstGeom prst="rect">
             <a:avLst/>
@@ -8250,7 +8250,7 @@
                 <a:latin typeface="Times New Roman" panose="02020603050405020304" pitchFamily="18" charset="0"/>
                 <a:cs typeface="Times New Roman" panose="02020603050405020304" pitchFamily="18" charset="0"/>
               </a:rPr>
-              <a:t>Normalized Mutual Information:</a:t>
+              <a:t>Normalized Mutual Information[8]:</a:t>
             </a:r>
           </a:p>
         </p:txBody>
@@ -8945,7 +8945,7 @@
         <p:spPr>
           <a:xfrm>
             <a:off x="2611695" y="6124573"/>
-            <a:ext cx="6385081" cy="400110"/>
+            <a:ext cx="5998758" cy="400110"/>
           </a:xfrm>
           <a:prstGeom prst="rect">
             <a:avLst/>
@@ -8963,7 +8963,7 @@
                 <a:latin typeface="Times New Roman" panose="02020603050405020304" pitchFamily="18" charset="0"/>
                 <a:cs typeface="Times New Roman" panose="02020603050405020304" pitchFamily="18" charset="0"/>
               </a:rPr>
-              <a:t>Table: Selected Component of Standard Approaches Studied</a:t>
+              <a:t>Table: Selected features of Standard Approaches Studied</a:t>
             </a:r>
           </a:p>
         </p:txBody>
@@ -15111,7 +15111,7 @@
                 <a:latin typeface="Times New Roman" panose="02020603050405020304" pitchFamily="18" charset="0"/>
                 <a:cs typeface="Times New Roman" panose="02020603050405020304" pitchFamily="18" charset="0"/>
               </a:rPr>
-              <a:t>Kernel  support vector machine (KSVM)[3]</a:t>
+              <a:t>Kernel  support vector machine (KSVM)[6]</a:t>
             </a:r>
           </a:p>
         </p:txBody>
@@ -15525,22 +15525,10 @@
                     <a:lumMod val="75000"/>
                   </a:schemeClr>
                 </a:solidFill>
-                <a:latin typeface="Arial" panose="020B0604020202020204" pitchFamily="34" charset="0"/>
-                <a:cs typeface="Arial" panose="020B0604020202020204" pitchFamily="34" charset="0"/>
-              </a:rPr>
-              <a:t>			     </a:t>
-            </a:r>
-            <a:r>
-              <a:rPr lang="en-US" sz="2400" dirty="0">
-                <a:solidFill>
-                  <a:schemeClr val="accent5">
-                    <a:lumMod val="75000"/>
-                  </a:schemeClr>
-                </a:solidFill>
-                <a:latin typeface="Times New Roman" panose="02020603050405020304" pitchFamily="18" charset="0"/>
-                <a:cs typeface="Times New Roman" panose="02020603050405020304" pitchFamily="18" charset="0"/>
-              </a:rPr>
-              <a:t>Experimental Analysis and Conclusion</a:t>
+                <a:latin typeface="Times New Roman" panose="02020603050405020304" pitchFamily="18" charset="0"/>
+                <a:cs typeface="Times New Roman" panose="02020603050405020304" pitchFamily="18" charset="0"/>
+              </a:rPr>
+              <a:t>			     	         Experimental Analysis</a:t>
             </a:r>
           </a:p>
         </p:txBody>
@@ -17327,7 +17315,7 @@
           <a:graphicData uri="http://schemas.openxmlformats.org/presentationml/2006/ole">
             <mc:AlternateContent xmlns:mc="http://schemas.openxmlformats.org/markup-compatibility/2006">
               <mc:Choice xmlns:v="urn:schemas-microsoft-com:vml" Requires="v">
-                <p:oleObj spid="_x0000_s2097" name="Equation" r:id="rId4" imgW="114120" imgH="164880" progId="Equation.3">
+                <p:oleObj spid="_x0000_s2102" name="Equation" r:id="rId4" imgW="114120" imgH="164880" progId="Equation.3">
                   <p:embed/>
                 </p:oleObj>
               </mc:Choice>
@@ -18795,8 +18783,8 @@
         </p:nvSpPr>
         <p:spPr>
           <a:xfrm>
-            <a:off x="379483" y="576775"/>
-            <a:ext cx="10581999" cy="5486117"/>
+            <a:off x="996816" y="984738"/>
+            <a:ext cx="10853292" cy="4667432"/>
           </a:xfrm>
           <a:prstGeom prst="rect">
             <a:avLst/>
@@ -18809,7 +18797,7 @@
           </a:bodyPr>
           <a:lstStyle/>
           <a:p>
-            <a:pPr marL="235585" marR="323850" indent="-223520">
+            <a:pPr marL="235585" marR="323850" indent="-223520" algn="just">
               <a:lnSpc>
                 <a:spcPct val="102600"/>
               </a:lnSpc>
@@ -18817,23 +18805,23 @@
             <a:r>
               <a:rPr lang="en-US" sz="2000" dirty="0">
                 <a:solidFill>
-                  <a:schemeClr val="accent5"/>
+                  <a:schemeClr val="accent1"/>
                 </a:solidFill>
                 <a:latin typeface="Times New Roman" panose="02020603050405020304" pitchFamily="18" charset="0"/>
                 <a:cs typeface="Times New Roman" panose="02020603050405020304" pitchFamily="18" charset="0"/>
               </a:rPr>
-              <a:t>[1]</a:t>
+              <a:t>[1] </a:t>
             </a:r>
             <a:r>
               <a:rPr lang="en-US" sz="2000" dirty="0">
                 <a:latin typeface="Times New Roman" panose="02020603050405020304" pitchFamily="18" charset="0"/>
                 <a:cs typeface="Times New Roman" panose="02020603050405020304" pitchFamily="18" charset="0"/>
               </a:rPr>
-              <a:t>L. I. Smith, “A tutorial on Principal Component  Analysis”, February 26,2002.</a:t>
-            </a:r>
-          </a:p>
-          <a:p>
-            <a:pPr marL="235585" marR="323850" indent="-223520">
+              <a:t>[Online]https://en.wikipedia.org/wiki/Hyperspectral_imaging</a:t>
+            </a:r>
+          </a:p>
+          <a:p>
+            <a:pPr marL="235585" marR="323850" indent="-223520" algn="just">
               <a:lnSpc>
                 <a:spcPct val="102600"/>
               </a:lnSpc>
@@ -18844,7 +18832,7 @@
             </a:endParaRPr>
           </a:p>
           <a:p>
-            <a:pPr marL="235585" marR="5080" indent="-223520">
+            <a:pPr marL="235585" marR="5080" indent="-223520" algn="just">
               <a:lnSpc>
                 <a:spcPct val="102600"/>
               </a:lnSpc>
@@ -18855,12 +18843,12 @@
             <a:r>
               <a:rPr lang="en-US" sz="2000" dirty="0">
                 <a:solidFill>
-                  <a:schemeClr val="accent5"/>
+                  <a:schemeClr val="accent1"/>
                 </a:solidFill>
                 <a:latin typeface="Times New Roman" panose="02020603050405020304" pitchFamily="18" charset="0"/>
                 <a:cs typeface="Times New Roman" panose="02020603050405020304" pitchFamily="18" charset="0"/>
               </a:rPr>
-              <a:t>[2]</a:t>
+              <a:t>[2] </a:t>
             </a:r>
             <a:r>
               <a:rPr lang="en-US" sz="2000" dirty="0">
@@ -18871,7 +18859,7 @@
             </a:r>
           </a:p>
           <a:p>
-            <a:pPr marL="235585" marR="5080" indent="-223520">
+            <a:pPr marL="235585" marR="5080" indent="-223520" algn="just">
               <a:lnSpc>
                 <a:spcPct val="102600"/>
               </a:lnSpc>
@@ -18884,11 +18872,11 @@
                 <a:latin typeface="Times New Roman" panose="02020603050405020304" pitchFamily="18" charset="0"/>
                 <a:cs typeface="Times New Roman" panose="02020603050405020304" pitchFamily="18" charset="0"/>
               </a:rPr>
-              <a:t>    Verlag: Springer 2006.</a:t>
-            </a:r>
-          </a:p>
-          <a:p>
-            <a:pPr marL="235585" marR="5080" indent="-223520">
+              <a:t>     Verlag: Springer 2006.</a:t>
+            </a:r>
+          </a:p>
+          <a:p>
+            <a:pPr marL="235585" marR="5080" indent="-223520" algn="just">
               <a:lnSpc>
                 <a:spcPct val="102600"/>
               </a:lnSpc>
@@ -18902,6 +18890,48 @@
             </a:endParaRPr>
           </a:p>
           <a:p>
+            <a:pPr marL="235585" marR="5080" indent="-223520" algn="just">
+              <a:lnSpc>
+                <a:spcPct val="102600"/>
+              </a:lnSpc>
+              <a:spcBef>
+                <a:spcPts val="300"/>
+              </a:spcBef>
+            </a:pPr>
+            <a:r>
+              <a:rPr lang="en-US" sz="2000" dirty="0">
+                <a:solidFill>
+                  <a:schemeClr val="accent1"/>
+                </a:solidFill>
+                <a:latin typeface="Times New Roman" panose="02020603050405020304" pitchFamily="18" charset="0"/>
+                <a:cs typeface="Times New Roman" panose="02020603050405020304" pitchFamily="18" charset="0"/>
+              </a:rPr>
+              <a:t>[3] </a:t>
+            </a:r>
+            <a:r>
+              <a:rPr lang="en-US" sz="2000" dirty="0">
+                <a:latin typeface="Times New Roman" panose="02020603050405020304" pitchFamily="18" charset="0"/>
+                <a:cs typeface="Times New Roman" panose="02020603050405020304" pitchFamily="18" charset="0"/>
+              </a:rPr>
+              <a:t>L. I. Smith, “A tutorial on Principal Component  Analysis”, February 26,2002.</a:t>
+            </a:r>
+          </a:p>
+          <a:p>
+            <a:pPr marL="235585" marR="5080" indent="-223520" algn="just">
+              <a:lnSpc>
+                <a:spcPct val="102600"/>
+              </a:lnSpc>
+              <a:spcBef>
+                <a:spcPts val="300"/>
+              </a:spcBef>
+            </a:pPr>
+            <a:endParaRPr lang="en-US" sz="2000" dirty="0">
+              <a:latin typeface="Times New Roman" panose="02020603050405020304" pitchFamily="18" charset="0"/>
+              <a:cs typeface="Times New Roman" panose="02020603050405020304" pitchFamily="18" charset="0"/>
+            </a:endParaRPr>
+          </a:p>
+          <a:p>
+            <a:pPr algn="just"/>
             <a:r>
               <a:rPr lang="en-US" sz="2000" dirty="0">
                 <a:solidFill>
@@ -18910,175 +18940,173 @@
                 <a:latin typeface="Times New Roman" panose="02020603050405020304" pitchFamily="18" charset="0"/>
                 <a:cs typeface="Times New Roman" panose="02020603050405020304" pitchFamily="18" charset="0"/>
               </a:rPr>
-              <a:t>[3]</a:t>
+              <a:t>[4] </a:t>
             </a:r>
             <a:r>
               <a:rPr lang="en-US" sz="2000" dirty="0">
                 <a:latin typeface="Times New Roman" panose="02020603050405020304" pitchFamily="18" charset="0"/>
                 <a:cs typeface="Times New Roman" panose="02020603050405020304" pitchFamily="18" charset="0"/>
               </a:rPr>
-              <a:t>C. Hsu, C. Chang, and C.  </a:t>
-            </a:r>
-            <a:r>
-              <a:rPr lang="en-US" sz="2000" dirty="0" err="1">
-                <a:latin typeface="Times New Roman" panose="02020603050405020304" pitchFamily="18" charset="0"/>
-                <a:cs typeface="Times New Roman" panose="02020603050405020304" pitchFamily="18" charset="0"/>
-              </a:rPr>
-              <a:t>Lin,Department</a:t>
-            </a:r>
+              <a:t>M. A. Hossain, X. Jia and M. Pickering, “Subspace detection using a mutual-information measure </a:t>
+            </a:r>
+          </a:p>
+          <a:p>
+            <a:pPr algn="just"/>
             <a:r>
               <a:rPr lang="en-US" sz="2000" dirty="0">
                 <a:latin typeface="Times New Roman" panose="02020603050405020304" pitchFamily="18" charset="0"/>
                 <a:cs typeface="Times New Roman" panose="02020603050405020304" pitchFamily="18" charset="0"/>
               </a:rPr>
-              <a:t> of Computer </a:t>
-            </a:r>
-            <a:r>
-              <a:rPr lang="en-US" sz="2000" dirty="0" err="1">
-                <a:latin typeface="Times New Roman" panose="02020603050405020304" pitchFamily="18" charset="0"/>
-                <a:cs typeface="Times New Roman" panose="02020603050405020304" pitchFamily="18" charset="0"/>
-              </a:rPr>
-              <a:t>Science,National</a:t>
+              <a:t>      for hyperspectral image classification,” </a:t>
+            </a:r>
+            <a:r>
+              <a:rPr lang="en-US" sz="2000" i="1" dirty="0">
+                <a:latin typeface="Times New Roman" panose="02020603050405020304" pitchFamily="18" charset="0"/>
+                <a:cs typeface="Times New Roman" panose="02020603050405020304" pitchFamily="18" charset="0"/>
+              </a:rPr>
+              <a:t>IEEE Geoscience and Remote Sensing Letters</a:t>
             </a:r>
             <a:r>
               <a:rPr lang="en-US" sz="2000" dirty="0">
                 <a:latin typeface="Times New Roman" panose="02020603050405020304" pitchFamily="18" charset="0"/>
                 <a:cs typeface="Times New Roman" panose="02020603050405020304" pitchFamily="18" charset="0"/>
               </a:rPr>
-              <a:t> Taiwan  University,</a:t>
-            </a:r>
-          </a:p>
-          <a:p>
+              <a:t>, vol. 11, no.</a:t>
+            </a:r>
+          </a:p>
+          <a:p>
+            <a:pPr algn="just"/>
             <a:r>
               <a:rPr lang="en-US" sz="2000" dirty="0">
                 <a:latin typeface="Times New Roman" panose="02020603050405020304" pitchFamily="18" charset="0"/>
                 <a:cs typeface="Times New Roman" panose="02020603050405020304" pitchFamily="18" charset="0"/>
               </a:rPr>
-              <a:t>    Taipei 106, </a:t>
-            </a:r>
-            <a:r>
-              <a:rPr lang="en-US" sz="2000" dirty="0" err="1">
-                <a:latin typeface="Times New Roman" panose="02020603050405020304" pitchFamily="18" charset="0"/>
-                <a:cs typeface="Times New Roman" panose="02020603050405020304" pitchFamily="18" charset="0"/>
-              </a:rPr>
-              <a:t>Taiwan,"A</a:t>
-            </a:r>
-            <a:r>
-              <a:rPr lang="en-US" sz="2000" dirty="0">
-                <a:latin typeface="Times New Roman" panose="02020603050405020304" pitchFamily="18" charset="0"/>
-                <a:cs typeface="Times New Roman" panose="02020603050405020304" pitchFamily="18" charset="0"/>
-              </a:rPr>
-              <a:t> Practical Guide to Support  Vector </a:t>
-            </a:r>
-            <a:r>
-              <a:rPr lang="en-US" sz="2000" dirty="0" err="1">
-                <a:latin typeface="Times New Roman" panose="02020603050405020304" pitchFamily="18" charset="0"/>
-                <a:cs typeface="Times New Roman" panose="02020603050405020304" pitchFamily="18" charset="0"/>
-              </a:rPr>
-              <a:t>Classication</a:t>
-            </a:r>
-            <a:r>
-              <a:rPr lang="en-US" sz="2000" dirty="0">
-                <a:latin typeface="Times New Roman" panose="02020603050405020304" pitchFamily="18" charset="0"/>
-                <a:cs typeface="Times New Roman" panose="02020603050405020304" pitchFamily="18" charset="0"/>
-              </a:rPr>
-              <a:t>",</a:t>
-            </a:r>
-          </a:p>
-          <a:p>
-            <a:r>
-              <a:rPr lang="en-US" sz="2000" dirty="0">
-                <a:latin typeface="Times New Roman" panose="02020603050405020304" pitchFamily="18" charset="0"/>
-                <a:cs typeface="Times New Roman" panose="02020603050405020304" pitchFamily="18" charset="0"/>
-              </a:rPr>
-              <a:t>    Initial version: 2003, Last updated:  May 19, 2016.</a:t>
-            </a:r>
-          </a:p>
-          <a:p>
+              <a:t>      2, pp. 424-428, Feb. 2014.</a:t>
+            </a:r>
+          </a:p>
+          <a:p>
+            <a:pPr marL="235585" marR="323850" indent="-223520" algn="just">
+              <a:lnSpc>
+                <a:spcPct val="102600"/>
+              </a:lnSpc>
+            </a:pPr>
             <a:endParaRPr lang="en-US" sz="2000" dirty="0">
+              <a:solidFill>
+                <a:schemeClr val="accent5"/>
+              </a:solidFill>
               <a:latin typeface="Times New Roman" panose="02020603050405020304" pitchFamily="18" charset="0"/>
               <a:cs typeface="Times New Roman" panose="02020603050405020304" pitchFamily="18" charset="0"/>
             </a:endParaRPr>
           </a:p>
           <a:p>
+            <a:pPr algn="just"/>
             <a:r>
               <a:rPr lang="en-US" sz="2000" dirty="0">
                 <a:solidFill>
-                  <a:schemeClr val="accent5"/>
+                  <a:schemeClr val="accent1"/>
                 </a:solidFill>
                 <a:latin typeface="Times New Roman" panose="02020603050405020304" pitchFamily="18" charset="0"/>
                 <a:cs typeface="Times New Roman" panose="02020603050405020304" pitchFamily="18" charset="0"/>
               </a:rPr>
-              <a:t>[4]</a:t>
+              <a:t>[5] </a:t>
             </a:r>
             <a:r>
               <a:rPr lang="en-US" sz="2000" dirty="0">
                 <a:latin typeface="Times New Roman" panose="02020603050405020304" pitchFamily="18" charset="0"/>
                 <a:cs typeface="Times New Roman" panose="02020603050405020304" pitchFamily="18" charset="0"/>
               </a:rPr>
-              <a:t>M. A. Hossain, X. Jia and M. Pickering, “Subspace detection using a mutual-information measure </a:t>
-            </a:r>
-          </a:p>
-          <a:p>
+              <a:t>C. Hsu, C. Chang, and C.  </a:t>
+            </a:r>
+            <a:r>
+              <a:rPr lang="en-US" sz="2000" dirty="0" err="1">
+                <a:latin typeface="Times New Roman" panose="02020603050405020304" pitchFamily="18" charset="0"/>
+                <a:cs typeface="Times New Roman" panose="02020603050405020304" pitchFamily="18" charset="0"/>
+              </a:rPr>
+              <a:t>Lin,Department</a:t>
+            </a:r>
             <a:r>
               <a:rPr lang="en-US" sz="2000" dirty="0">
                 <a:latin typeface="Times New Roman" panose="02020603050405020304" pitchFamily="18" charset="0"/>
                 <a:cs typeface="Times New Roman" panose="02020603050405020304" pitchFamily="18" charset="0"/>
               </a:rPr>
-              <a:t>    for hyperspectral image classification,” IEEE Geoscience and Remote Sensing Letters, </a:t>
-            </a:r>
-          </a:p>
-          <a:p>
+              <a:t> of Computer </a:t>
+            </a:r>
+            <a:r>
+              <a:rPr lang="en-US" sz="2000" dirty="0" err="1">
+                <a:latin typeface="Times New Roman" panose="02020603050405020304" pitchFamily="18" charset="0"/>
+                <a:cs typeface="Times New Roman" panose="02020603050405020304" pitchFamily="18" charset="0"/>
+              </a:rPr>
+              <a:t>Science,National</a:t>
+            </a:r>
             <a:r>
               <a:rPr lang="en-US" sz="2000" dirty="0">
                 <a:latin typeface="Times New Roman" panose="02020603050405020304" pitchFamily="18" charset="0"/>
                 <a:cs typeface="Times New Roman" panose="02020603050405020304" pitchFamily="18" charset="0"/>
               </a:rPr>
-              <a:t>    vol. 11, no. 2, pp. 424-428, Feb. 2014.</a:t>
-            </a:r>
-          </a:p>
-          <a:p>
-            <a:endParaRPr lang="en-US" sz="2000" dirty="0">
-              <a:latin typeface="Times New Roman" panose="02020603050405020304" pitchFamily="18" charset="0"/>
-              <a:cs typeface="Times New Roman" panose="02020603050405020304" pitchFamily="18" charset="0"/>
-            </a:endParaRPr>
-          </a:p>
-          <a:p>
+              <a:t> Taiwan  </a:t>
+            </a:r>
+            <a:r>
+              <a:rPr lang="en-US" sz="2000" dirty="0" err="1">
+                <a:latin typeface="Times New Roman" panose="02020603050405020304" pitchFamily="18" charset="0"/>
+                <a:cs typeface="Times New Roman" panose="02020603050405020304" pitchFamily="18" charset="0"/>
+              </a:rPr>
+              <a:t>University,Taipei</a:t>
+            </a:r>
             <a:r>
               <a:rPr lang="en-US" sz="2000" dirty="0">
-                <a:solidFill>
-                  <a:schemeClr val="accent5"/>
-                </a:solidFill>
-                <a:latin typeface="Times New Roman" panose="02020603050405020304" pitchFamily="18" charset="0"/>
-                <a:cs typeface="Times New Roman" panose="02020603050405020304" pitchFamily="18" charset="0"/>
-              </a:rPr>
-              <a:t>[5]</a:t>
-            </a:r>
+                <a:latin typeface="Times New Roman" panose="02020603050405020304" pitchFamily="18" charset="0"/>
+                <a:cs typeface="Times New Roman" panose="02020603050405020304" pitchFamily="18" charset="0"/>
+              </a:rPr>
+              <a:t> </a:t>
+            </a:r>
+          </a:p>
+          <a:p>
+            <a:pPr algn="just"/>
             <a:r>
               <a:rPr lang="en-US" sz="2000" dirty="0">
                 <a:latin typeface="Times New Roman" panose="02020603050405020304" pitchFamily="18" charset="0"/>
                 <a:cs typeface="Times New Roman" panose="02020603050405020304" pitchFamily="18" charset="0"/>
               </a:rPr>
-              <a:t>[Online]https://en.wikipedia.org/wiki/Hyperspectral_imaging</a:t>
-            </a:r>
-          </a:p>
-          <a:p>
-            <a:endParaRPr lang="en-US" sz="2000" dirty="0">
-              <a:latin typeface="Times New Roman" panose="02020603050405020304" pitchFamily="18" charset="0"/>
-              <a:cs typeface="Times New Roman" panose="02020603050405020304" pitchFamily="18" charset="0"/>
-            </a:endParaRPr>
-          </a:p>
-          <a:p>
-            <a:endParaRPr lang="en-US" sz="2000" dirty="0">
-              <a:latin typeface="Times New Roman" panose="02020603050405020304" pitchFamily="18" charset="0"/>
-              <a:cs typeface="Times New Roman" panose="02020603050405020304" pitchFamily="18" charset="0"/>
-            </a:endParaRPr>
-          </a:p>
-          <a:p>
-            <a:endParaRPr lang="en-US" sz="2000" dirty="0">
-              <a:latin typeface="Times New Roman" panose="02020603050405020304" pitchFamily="18" charset="0"/>
-              <a:cs typeface="Times New Roman" panose="02020603050405020304" pitchFamily="18" charset="0"/>
-            </a:endParaRPr>
+              <a:t>      106, </a:t>
+            </a:r>
+            <a:r>
+              <a:rPr lang="en-US" sz="2000" dirty="0" err="1">
+                <a:latin typeface="Times New Roman" panose="02020603050405020304" pitchFamily="18" charset="0"/>
+                <a:cs typeface="Times New Roman" panose="02020603050405020304" pitchFamily="18" charset="0"/>
+              </a:rPr>
+              <a:t>Taiwan,"A</a:t>
+            </a:r>
+            <a:r>
+              <a:rPr lang="en-US" sz="2000" dirty="0">
+                <a:latin typeface="Times New Roman" panose="02020603050405020304" pitchFamily="18" charset="0"/>
+                <a:cs typeface="Times New Roman" panose="02020603050405020304" pitchFamily="18" charset="0"/>
+              </a:rPr>
+              <a:t> Practical Guide to Support  Vector </a:t>
+            </a:r>
+            <a:r>
+              <a:rPr lang="en-US" sz="2000" dirty="0" err="1">
+                <a:latin typeface="Times New Roman" panose="02020603050405020304" pitchFamily="18" charset="0"/>
+                <a:cs typeface="Times New Roman" panose="02020603050405020304" pitchFamily="18" charset="0"/>
+              </a:rPr>
+              <a:t>Classication</a:t>
+            </a:r>
+            <a:r>
+              <a:rPr lang="en-US" sz="2000" dirty="0">
+                <a:latin typeface="Times New Roman" panose="02020603050405020304" pitchFamily="18" charset="0"/>
+                <a:cs typeface="Times New Roman" panose="02020603050405020304" pitchFamily="18" charset="0"/>
+              </a:rPr>
+              <a:t>",</a:t>
+            </a:r>
+          </a:p>
+          <a:p>
+            <a:pPr algn="just"/>
+            <a:r>
+              <a:rPr lang="en-US" sz="2000" dirty="0">
+                <a:latin typeface="Times New Roman" panose="02020603050405020304" pitchFamily="18" charset="0"/>
+                <a:cs typeface="Times New Roman" panose="02020603050405020304" pitchFamily="18" charset="0"/>
+              </a:rPr>
+              <a:t>      Initial version: 2003, Last updated:  May 19, 2016.</a:t>
+            </a:r>
           </a:p>
         </p:txBody>
       </p:sp>
@@ -19390,8 +19418,8 @@
         </p:nvSpPr>
         <p:spPr>
           <a:xfrm>
-            <a:off x="379484" y="576775"/>
-            <a:ext cx="11662462" cy="3253198"/>
+            <a:off x="1026598" y="1322362"/>
+            <a:ext cx="10945008" cy="3262432"/>
           </a:xfrm>
           <a:prstGeom prst="rect">
             <a:avLst/>
@@ -19404,7 +19432,7 @@
           </a:bodyPr>
           <a:lstStyle/>
           <a:p>
-            <a:pPr marL="235585" marR="323850" indent="-223520">
+            <a:pPr marL="235585" marR="323850" indent="-223520" algn="just">
               <a:lnSpc>
                 <a:spcPct val="102600"/>
               </a:lnSpc>
@@ -19412,7 +19440,7 @@
             <a:r>
               <a:rPr lang="en-US" sz="2000" dirty="0">
                 <a:solidFill>
-                  <a:schemeClr val="accent5"/>
+                  <a:schemeClr val="accent1"/>
                 </a:solidFill>
                 <a:latin typeface="Times New Roman" panose="02020603050405020304" pitchFamily="18" charset="0"/>
                 <a:cs typeface="Times New Roman" panose="02020603050405020304" pitchFamily="18" charset="0"/>
@@ -19424,50 +19452,53 @@
                 <a:latin typeface="Times New Roman" panose="02020603050405020304" pitchFamily="18" charset="0"/>
                 <a:cs typeface="Times New Roman" panose="02020603050405020304" pitchFamily="18" charset="0"/>
               </a:rPr>
-              <a:t>M. A. Hossain,</a:t>
-            </a:r>
-            <a:r>
-              <a:rPr lang="en-US" sz="2000" b="1" dirty="0">
-                <a:latin typeface="Times New Roman" panose="02020603050405020304" pitchFamily="18" charset="0"/>
-                <a:cs typeface="Times New Roman" panose="02020603050405020304" pitchFamily="18" charset="0"/>
-              </a:rPr>
-              <a:t> </a:t>
+              <a:t>C. Chang and C. Lin, “LIBSVM: A library for support vector machines,” </a:t>
+            </a:r>
+            <a:r>
+              <a:rPr lang="en-US" sz="2000" i="1" dirty="0">
+                <a:latin typeface="Times New Roman" panose="02020603050405020304" pitchFamily="18" charset="0"/>
+                <a:cs typeface="Times New Roman" panose="02020603050405020304" pitchFamily="18" charset="0"/>
+              </a:rPr>
+              <a:t>ACM Trans. </a:t>
+            </a:r>
+            <a:r>
+              <a:rPr lang="en-US" sz="2000" i="1" dirty="0" err="1">
+                <a:latin typeface="Times New Roman" panose="02020603050405020304" pitchFamily="18" charset="0"/>
+                <a:cs typeface="Times New Roman" panose="02020603050405020304" pitchFamily="18" charset="0"/>
+              </a:rPr>
+              <a:t>Intell</a:t>
+            </a:r>
+            <a:r>
+              <a:rPr lang="en-US" sz="2000" i="1" dirty="0">
+                <a:latin typeface="Times New Roman" panose="02020603050405020304" pitchFamily="18" charset="0"/>
+                <a:cs typeface="Times New Roman" panose="02020603050405020304" pitchFamily="18" charset="0"/>
+              </a:rPr>
+              <a:t>. Syst.                 Technol.</a:t>
             </a:r>
             <a:r>
               <a:rPr lang="en-US" sz="2000" dirty="0">
                 <a:latin typeface="Times New Roman" panose="02020603050405020304" pitchFamily="18" charset="0"/>
                 <a:cs typeface="Times New Roman" panose="02020603050405020304" pitchFamily="18" charset="0"/>
               </a:rPr>
-              <a:t>X. Jia and M. Pickering, “ Improved feature selection based on a mutual information measure for hyperspectral image classification," </a:t>
-            </a:r>
-            <a:r>
-              <a:rPr lang="en-US" sz="2000" i="1" dirty="0">
-                <a:latin typeface="Times New Roman" panose="02020603050405020304" pitchFamily="18" charset="0"/>
-                <a:cs typeface="Times New Roman" panose="02020603050405020304" pitchFamily="18" charset="0"/>
-              </a:rPr>
-              <a:t>IEEE International Geoscience and Remote Sensing Symposium (IGARSS)</a:t>
-            </a:r>
-            <a:r>
-              <a:rPr lang="en-US" sz="2000" dirty="0">
-                <a:latin typeface="Times New Roman" panose="02020603050405020304" pitchFamily="18" charset="0"/>
-                <a:cs typeface="Times New Roman" panose="02020603050405020304" pitchFamily="18" charset="0"/>
-              </a:rPr>
-              <a:t>, Munich, Germany, pp. 3058-3061, Jul. 2012.</a:t>
-            </a:r>
-          </a:p>
-          <a:p>
-            <a:pPr marL="235585" marR="323850" indent="-223520">
+              <a:t>, vol. 2, no. 3, pp. 27:1–27:27, Apr. 2011.</a:t>
+            </a:r>
+          </a:p>
+          <a:p>
+            <a:pPr marL="235585" marR="323850" indent="-223520" algn="just">
               <a:lnSpc>
                 <a:spcPct val="102600"/>
               </a:lnSpc>
             </a:pPr>
             <a:endParaRPr lang="en-US" sz="2000" dirty="0">
+              <a:solidFill>
+                <a:schemeClr val="accent5"/>
+              </a:solidFill>
               <a:latin typeface="Times New Roman" panose="02020603050405020304" pitchFamily="18" charset="0"/>
               <a:cs typeface="Times New Roman" panose="02020603050405020304" pitchFamily="18" charset="0"/>
             </a:endParaRPr>
           </a:p>
           <a:p>
-            <a:pPr marL="235585" marR="323850" indent="-223520">
+            <a:pPr marL="235585" marR="323850" indent="-223520" algn="just">
               <a:lnSpc>
                 <a:spcPct val="102600"/>
               </a:lnSpc>
@@ -19475,7 +19506,7 @@
             <a:r>
               <a:rPr lang="en-US" sz="2000" dirty="0">
                 <a:solidFill>
-                  <a:schemeClr val="accent5"/>
+                  <a:schemeClr val="accent1"/>
                 </a:solidFill>
                 <a:latin typeface="Times New Roman" panose="02020603050405020304" pitchFamily="18" charset="0"/>
                 <a:cs typeface="Times New Roman" panose="02020603050405020304" pitchFamily="18" charset="0"/>
@@ -19487,59 +19518,53 @@
                 <a:latin typeface="Times New Roman" panose="02020603050405020304" pitchFamily="18" charset="0"/>
                 <a:cs typeface="Times New Roman" panose="02020603050405020304" pitchFamily="18" charset="0"/>
               </a:rPr>
-              <a:t>M. A. Hossain, M. Pickering and X. Jia, “ Unsupervised feature extraction based on a mutual </a:t>
-            </a:r>
-          </a:p>
-          <a:p>
-            <a:pPr marL="235585" marR="323850" indent="-223520">
+              <a:t>M. A. Hossain, M. Pickering and X. Jia, “ Unsupervised feature extraction based on a mutual                  information measure for hyperspectral image classification," </a:t>
+            </a:r>
+            <a:r>
+              <a:rPr lang="en-US" sz="2000" i="1" dirty="0">
+                <a:latin typeface="Times New Roman" panose="02020603050405020304" pitchFamily="18" charset="0"/>
+                <a:cs typeface="Times New Roman" panose="02020603050405020304" pitchFamily="18" charset="0"/>
+              </a:rPr>
+              <a:t>IEEE International Geoscience and </a:t>
+            </a:r>
+          </a:p>
+          <a:p>
+            <a:pPr marL="235585" marR="323850" indent="-223520" algn="just">
               <a:lnSpc>
                 <a:spcPct val="102600"/>
               </a:lnSpc>
             </a:pPr>
             <a:r>
+              <a:rPr lang="en-US" sz="2000" i="1" dirty="0">
+                <a:latin typeface="Times New Roman" panose="02020603050405020304" pitchFamily="18" charset="0"/>
+                <a:cs typeface="Times New Roman" panose="02020603050405020304" pitchFamily="18" charset="0"/>
+              </a:rPr>
+              <a:t>    Remote Sensing Symposium (IGARSS)</a:t>
+            </a:r>
+            <a:r>
               <a:rPr lang="en-US" sz="2000" dirty="0">
                 <a:latin typeface="Times New Roman" panose="02020603050405020304" pitchFamily="18" charset="0"/>
                 <a:cs typeface="Times New Roman" panose="02020603050405020304" pitchFamily="18" charset="0"/>
               </a:rPr>
-              <a:t>    information measure for hyperspectral image classification," </a:t>
-            </a:r>
-            <a:r>
-              <a:rPr lang="en-US" sz="2000" i="1" dirty="0">
-                <a:latin typeface="Times New Roman" panose="02020603050405020304" pitchFamily="18" charset="0"/>
-                <a:cs typeface="Times New Roman" panose="02020603050405020304" pitchFamily="18" charset="0"/>
-              </a:rPr>
-              <a:t>IEEE International Geoscience and </a:t>
-            </a:r>
-          </a:p>
-          <a:p>
-            <a:pPr marL="235585" marR="323850" indent="-223520">
+              <a:t>,Vancouver, Canada, pp. 1720-1723, Jul. 2011.</a:t>
+            </a:r>
+          </a:p>
+          <a:p>
+            <a:pPr marL="235585" marR="323850" indent="-223520" algn="just">
               <a:lnSpc>
                 <a:spcPct val="102600"/>
               </a:lnSpc>
             </a:pPr>
-            <a:r>
-              <a:rPr lang="en-US" sz="2000" i="1" dirty="0">
-                <a:latin typeface="Times New Roman" panose="02020603050405020304" pitchFamily="18" charset="0"/>
-                <a:cs typeface="Times New Roman" panose="02020603050405020304" pitchFamily="18" charset="0"/>
-              </a:rPr>
-              <a:t>    Remote Sensing Symposium (IGARSS)</a:t>
-            </a:r>
-            <a:r>
-              <a:rPr lang="en-US" sz="2000" dirty="0">
-                <a:latin typeface="Times New Roman" panose="02020603050405020304" pitchFamily="18" charset="0"/>
-                <a:cs typeface="Times New Roman" panose="02020603050405020304" pitchFamily="18" charset="0"/>
-              </a:rPr>
-              <a:t>,Vancouver, Canada, pp. 1720-1723, Jul. 2011.</a:t>
-            </a:r>
-          </a:p>
-          <a:p>
             <a:endParaRPr lang="en-US" sz="2000" dirty="0">
+              <a:solidFill>
+                <a:schemeClr val="accent5"/>
+              </a:solidFill>
               <a:latin typeface="Times New Roman" panose="02020603050405020304" pitchFamily="18" charset="0"/>
               <a:cs typeface="Times New Roman" panose="02020603050405020304" pitchFamily="18" charset="0"/>
             </a:endParaRPr>
           </a:p>
           <a:p>
-            <a:pPr marL="235585" marR="323850" indent="-223520">
+            <a:pPr marL="235585" marR="323850" indent="-223520" algn="just">
               <a:lnSpc>
                 <a:spcPct val="102600"/>
               </a:lnSpc>
@@ -19559,21 +19584,35 @@
                 <a:latin typeface="Times New Roman" panose="02020603050405020304" pitchFamily="18" charset="0"/>
                 <a:cs typeface="Times New Roman" panose="02020603050405020304" pitchFamily="18" charset="0"/>
               </a:rPr>
-              <a:t>C. Chang and C. Lin, “LIBSVM: A library for support vector machines,” ACM Trans. </a:t>
-            </a:r>
-            <a:r>
-              <a:rPr lang="en-US" sz="2000" dirty="0" err="1">
-                <a:latin typeface="Times New Roman" panose="02020603050405020304" pitchFamily="18" charset="0"/>
-                <a:cs typeface="Times New Roman" panose="02020603050405020304" pitchFamily="18" charset="0"/>
-              </a:rPr>
-              <a:t>Intell</a:t>
+              <a:t>M. A. Hossain,</a:t>
+            </a:r>
+            <a:r>
+              <a:rPr lang="en-US" sz="2000" b="1" dirty="0">
+                <a:latin typeface="Times New Roman" panose="02020603050405020304" pitchFamily="18" charset="0"/>
+                <a:cs typeface="Times New Roman" panose="02020603050405020304" pitchFamily="18" charset="0"/>
+              </a:rPr>
+              <a:t> </a:t>
             </a:r>
             <a:r>
               <a:rPr lang="en-US" sz="2000" dirty="0">
                 <a:latin typeface="Times New Roman" panose="02020603050405020304" pitchFamily="18" charset="0"/>
                 <a:cs typeface="Times New Roman" panose="02020603050405020304" pitchFamily="18" charset="0"/>
               </a:rPr>
-              <a:t>. Syst. Technol., vol. 2, no. 3, pp. 27:1–27:27, Apr. 2011.</a:t>
+              <a:t>X. Jia and M. Pickering, “ Improved feature selection based on a mutual     information measure for hyperspectral image classification," </a:t>
+            </a:r>
+            <a:r>
+              <a:rPr lang="en-US" sz="2000" i="1" dirty="0">
+                <a:latin typeface="Times New Roman" panose="02020603050405020304" pitchFamily="18" charset="0"/>
+                <a:cs typeface="Times New Roman" panose="02020603050405020304" pitchFamily="18" charset="0"/>
+              </a:rPr>
+              <a:t>IEEE International Geoscience and Remote Sensing Symposium (IGARSS)</a:t>
+            </a:r>
+            <a:r>
+              <a:rPr lang="en-US" sz="2000" dirty="0">
+                <a:latin typeface="Times New Roman" panose="02020603050405020304" pitchFamily="18" charset="0"/>
+                <a:cs typeface="Times New Roman" panose="02020603050405020304" pitchFamily="18" charset="0"/>
+              </a:rPr>
+              <a:t>, Munich, Germany, pp. 3058-3061, Jul. 2012.</a:t>
             </a:r>
           </a:p>
         </p:txBody>
@@ -21327,7 +21366,7 @@
                 <a:latin typeface="Times New Roman" panose="02020603050405020304" pitchFamily="18" charset="0"/>
                 <a:cs typeface="Times New Roman" panose="02020603050405020304" pitchFamily="18" charset="0"/>
               </a:rPr>
-              <a:t>cube [5]</a:t>
+              <a:t>cube [1]</a:t>
             </a:r>
             <a:endParaRPr lang="en-US" dirty="0">
               <a:latin typeface="Times New Roman" panose="02020603050405020304" pitchFamily="18" charset="0"/>
@@ -22527,15 +22566,33 @@
                                   </p:childTnLst>
                                 </p:cTn>
                               </p:par>
+                            </p:childTnLst>
+                          </p:cTn>
+                        </p:par>
+                      </p:childTnLst>
+                    </p:cTn>
+                  </p:par>
+                  <p:par>
+                    <p:cTn id="31" fill="hold">
+                      <p:stCondLst>
+                        <p:cond delay="indefinite"/>
+                      </p:stCondLst>
+                      <p:childTnLst>
+                        <p:par>
+                          <p:cTn id="32" fill="hold">
+                            <p:stCondLst>
+                              <p:cond delay="0"/>
+                            </p:stCondLst>
+                            <p:childTnLst>
                               <p:par>
-                                <p:cTn id="31" presetID="2" presetClass="entr" presetSubtype="4" fill="hold" grpId="0" nodeType="withEffect">
+                                <p:cTn id="33" presetID="2" presetClass="entr" presetSubtype="4" fill="hold" grpId="0" nodeType="clickEffect">
                                   <p:stCondLst>
                                     <p:cond delay="0"/>
                                   </p:stCondLst>
                                   <p:childTnLst>
                                     <p:set>
                                       <p:cBhvr>
-                                        <p:cTn id="32" dur="1" fill="hold">
+                                        <p:cTn id="34" dur="1" fill="hold">
                                           <p:stCondLst>
                                             <p:cond delay="0"/>
                                           </p:stCondLst>
@@ -22553,7 +22610,7 @@
                                     </p:set>
                                     <p:anim calcmode="lin" valueType="num">
                                       <p:cBhvr additive="base">
-                                        <p:cTn id="33" dur="500" fill="hold"/>
+                                        <p:cTn id="35" dur="500" fill="hold"/>
                                         <p:tgtEl>
                                           <p:spTgt spid="2"/>
                                         </p:tgtEl>
@@ -22576,7 +22633,7 @@
                                     </p:anim>
                                     <p:anim calcmode="lin" valueType="num">
                                       <p:cBhvr additive="base">
-                                        <p:cTn id="34" dur="500" fill="hold"/>
+                                        <p:cTn id="36" dur="500" fill="hold"/>
                                         <p:tgtEl>
                                           <p:spTgt spid="2"/>
                                         </p:tgtEl>
@@ -22598,17 +22655,51 @@
                                       </p:tavLst>
                                     </p:anim>
                                   </p:childTnLst>
+                                  <p:subTnLst>
+                                    <p:animClr clrSpc="rgb" dir="cw">
+                                      <p:cBhvr override="childStyle">
+                                        <p:cTn dur="1" fill="hold" display="0" masterRel="nextClick" afterEffect="1"/>
+                                        <p:tgtEl>
+                                          <p:spTgt spid="2"/>
+                                        </p:tgtEl>
+                                        <p:attrNameLst>
+                                          <p:attrName>ppt_c</p:attrName>
+                                        </p:attrNameLst>
+                                      </p:cBhvr>
+                                      <p:to>
+                                        <a:srgbClr val="FF3300"/>
+                                      </p:to>
+                                    </p:animClr>
+                                  </p:subTnLst>
                                 </p:cTn>
                               </p:par>
+                            </p:childTnLst>
+                          </p:cTn>
+                        </p:par>
+                      </p:childTnLst>
+                    </p:cTn>
+                  </p:par>
+                  <p:par>
+                    <p:cTn id="37" fill="hold">
+                      <p:stCondLst>
+                        <p:cond delay="indefinite"/>
+                      </p:stCondLst>
+                      <p:childTnLst>
+                        <p:par>
+                          <p:cTn id="38" fill="hold">
+                            <p:stCondLst>
+                              <p:cond delay="0"/>
+                            </p:stCondLst>
+                            <p:childTnLst>
                               <p:par>
-                                <p:cTn id="35" presetID="2" presetClass="entr" presetSubtype="4" fill="hold" grpId="0" nodeType="withEffect">
+                                <p:cTn id="39" presetID="2" presetClass="entr" presetSubtype="4" fill="hold" grpId="0" nodeType="clickEffect">
                                   <p:stCondLst>
                                     <p:cond delay="0"/>
                                   </p:stCondLst>
                                   <p:childTnLst>
                                     <p:set>
                                       <p:cBhvr>
-                                        <p:cTn id="36" dur="1" fill="hold">
+                                        <p:cTn id="40" dur="1" fill="hold">
                                           <p:stCondLst>
                                             <p:cond delay="0"/>
                                           </p:stCondLst>
@@ -22626,7 +22717,7 @@
                                     </p:set>
                                     <p:anim calcmode="lin" valueType="num">
                                       <p:cBhvr additive="base">
-                                        <p:cTn id="37" dur="500" fill="hold"/>
+                                        <p:cTn id="41" dur="500" fill="hold"/>
                                         <p:tgtEl>
                                           <p:spTgt spid="13"/>
                                         </p:tgtEl>
@@ -22649,7 +22740,7 @@
                                     </p:anim>
                                     <p:anim calcmode="lin" valueType="num">
                                       <p:cBhvr additive="base">
-                                        <p:cTn id="38" dur="500" fill="hold"/>
+                                        <p:cTn id="42" dur="500" fill="hold"/>
                                         <p:tgtEl>
                                           <p:spTgt spid="13"/>
                                         </p:tgtEl>
@@ -22671,6 +22762,22 @@
                                       </p:tavLst>
                                     </p:anim>
                                   </p:childTnLst>
+                                  <p:subTnLst>
+                                    <p:animClr clrSpc="rgb" dir="cw">
+                                      <p:cBhvr override="childStyle">
+                                        <p:cTn dur="1" fill="hold" display="0" masterRel="nextClick" afterEffect="1"/>
+                                        <p:tgtEl>
+                                          <p:spTgt spid="13"/>
+                                        </p:tgtEl>
+                                        <p:attrNameLst>
+                                          <p:attrName>ppt_c</p:attrName>
+                                        </p:attrNameLst>
+                                      </p:cBhvr>
+                                      <p:to>
+                                        <a:srgbClr val="00CC00"/>
+                                      </p:to>
+                                    </p:animClr>
+                                  </p:subTnLst>
                                 </p:cTn>
                               </p:par>
                             </p:childTnLst>
@@ -22680,26 +22787,26 @@
                     </p:cTn>
                   </p:par>
                   <p:par>
-                    <p:cTn id="39" fill="hold">
+                    <p:cTn id="43" fill="hold">
                       <p:stCondLst>
                         <p:cond delay="indefinite"/>
                       </p:stCondLst>
                       <p:childTnLst>
                         <p:par>
-                          <p:cTn id="40" fill="hold">
+                          <p:cTn id="44" fill="hold">
                             <p:stCondLst>
                               <p:cond delay="0"/>
                             </p:stCondLst>
                             <p:childTnLst>
                               <p:par>
-                                <p:cTn id="41" presetID="2" presetClass="entr" presetSubtype="4" fill="hold" grpId="0" nodeType="clickEffect">
+                                <p:cTn id="45" presetID="2" presetClass="entr" presetSubtype="4" fill="hold" grpId="0" nodeType="clickEffect">
                                   <p:stCondLst>
                                     <p:cond delay="0"/>
                                   </p:stCondLst>
                                   <p:childTnLst>
                                     <p:set>
                                       <p:cBhvr>
-                                        <p:cTn id="42" dur="1" fill="hold">
+                                        <p:cTn id="46" dur="1" fill="hold">
                                           <p:stCondLst>
                                             <p:cond delay="0"/>
                                           </p:stCondLst>
@@ -22717,7 +22824,7 @@
                                     </p:set>
                                     <p:anim calcmode="lin" valueType="num">
                                       <p:cBhvr additive="base">
-                                        <p:cTn id="43" dur="500" fill="hold"/>
+                                        <p:cTn id="47" dur="500" fill="hold"/>
                                         <p:tgtEl>
                                           <p:spTgt spid="16"/>
                                         </p:tgtEl>
@@ -22740,7 +22847,7 @@
                                     </p:anim>
                                     <p:anim calcmode="lin" valueType="num">
                                       <p:cBhvr additive="base">
-                                        <p:cTn id="44" dur="500" fill="hold"/>
+                                        <p:cTn id="48" dur="500" fill="hold"/>
                                         <p:tgtEl>
                                           <p:spTgt spid="16"/>
                                         </p:tgtEl>
@@ -22774,7 +22881,7 @@
                                         </p:attrNameLst>
                                       </p:cBhvr>
                                       <p:to>
-                                        <a:schemeClr val="hlink"/>
+                                        <a:srgbClr val="FF3300"/>
                                       </p:to>
                                     </p:animClr>
                                   </p:subTnLst>
@@ -23216,7 +23323,7 @@
         <p:spPr>
           <a:xfrm>
             <a:off x="3067766" y="2510629"/>
-            <a:ext cx="5115503" cy="1323439"/>
+            <a:ext cx="5411738" cy="1323439"/>
           </a:xfrm>
           <a:prstGeom prst="rect">
             <a:avLst/>
@@ -23247,7 +23354,7 @@
                 <a:latin typeface="Times New Roman" panose="02020603050405020304" pitchFamily="18" charset="0"/>
                 <a:cs typeface="Times New Roman" panose="02020603050405020304" pitchFamily="18" charset="0"/>
               </a:rPr>
-              <a:t>	Principal Component  Analysis (PCA)</a:t>
+              <a:t>	Principal Component  Analysis (PCA)[3]</a:t>
             </a:r>
           </a:p>
           <a:p>
@@ -23269,7 +23376,7 @@
                 <a:latin typeface="Times New Roman" panose="02020603050405020304" pitchFamily="18" charset="0"/>
                 <a:cs typeface="Times New Roman" panose="02020603050405020304" pitchFamily="18" charset="0"/>
               </a:rPr>
-              <a:t>	Normalized Mutual Information (NMI)</a:t>
+              <a:t>	Normalized Mutual Information (NMI)[4]</a:t>
             </a:r>
           </a:p>
         </p:txBody>
@@ -23358,7 +23465,7 @@
         <p:spPr>
           <a:xfrm>
             <a:off x="1041010" y="4196217"/>
-            <a:ext cx="5613008" cy="707886"/>
+            <a:ext cx="6288258" cy="707886"/>
           </a:xfrm>
           <a:prstGeom prst="rect">
             <a:avLst/>
@@ -23392,7 +23499,7 @@
                 <a:latin typeface="Times New Roman" panose="02020603050405020304" pitchFamily="18" charset="0"/>
                 <a:cs typeface="Times New Roman" panose="02020603050405020304" pitchFamily="18" charset="0"/>
               </a:rPr>
-              <a:t>	Kernel Support Vector Machine (KSVM)</a:t>
+              <a:t>	Kernel Support Vector Machine (KSVM)[5][6]</a:t>
             </a:r>
           </a:p>
         </p:txBody>
